--- a/Theory Class-Notes/Module-1 Python Basic Concepts and Programming.pptx
+++ b/Theory Class-Notes/Module-1 Python Basic Concepts and Programming.pptx
@@ -5,12 +5,29 @@
     <p:sldMasterId id="2147483710" r:id="rId1"/>
   </p:sldMasterIdLst>
   <p:notesMasterIdLst>
-    <p:notesMasterId r:id="rId5"/>
+    <p:notesMasterId r:id="rId22"/>
   </p:notesMasterIdLst>
   <p:sldIdLst>
     <p:sldId id="418" r:id="rId2"/>
     <p:sldId id="544" r:id="rId3"/>
     <p:sldId id="543" r:id="rId4"/>
+    <p:sldId id="545" r:id="rId5"/>
+    <p:sldId id="546" r:id="rId6"/>
+    <p:sldId id="547" r:id="rId7"/>
+    <p:sldId id="548" r:id="rId8"/>
+    <p:sldId id="550" r:id="rId9"/>
+    <p:sldId id="549" r:id="rId10"/>
+    <p:sldId id="561" r:id="rId11"/>
+    <p:sldId id="551" r:id="rId12"/>
+    <p:sldId id="552" r:id="rId13"/>
+    <p:sldId id="553" r:id="rId14"/>
+    <p:sldId id="554" r:id="rId15"/>
+    <p:sldId id="555" r:id="rId16"/>
+    <p:sldId id="556" r:id="rId17"/>
+    <p:sldId id="557" r:id="rId18"/>
+    <p:sldId id="558" r:id="rId19"/>
+    <p:sldId id="559" r:id="rId20"/>
+    <p:sldId id="560" r:id="rId21"/>
   </p:sldIdLst>
   <p:sldSz cx="12192000" cy="6858000"/>
   <p:notesSz cx="6858000" cy="9144000"/>
@@ -5182,6 +5199,751 @@
 </p:sld>
 </file>
 
+<file path=ppt/slides/slide10.xml><?xml version="1.0" encoding="utf-8"?>
+<p:sld xmlns:a="http://schemas.openxmlformats.org/drawingml/2006/main" xmlns:r="http://schemas.openxmlformats.org/officeDocument/2006/relationships" xmlns:p="http://schemas.openxmlformats.org/presentationml/2006/main">
+  <p:cSld>
+    <p:spTree>
+      <p:nvGrpSpPr>
+        <p:cNvPr id="1" name="">
+          <a:extLst>
+            <a:ext uri="{FF2B5EF4-FFF2-40B4-BE49-F238E27FC236}">
+              <a16:creationId xmlns:a16="http://schemas.microsoft.com/office/drawing/2014/main" id="{E64B0317-D55A-B051-B978-3ABC8F2AD3A7}"/>
+            </a:ext>
+          </a:extLst>
+        </p:cNvPr>
+        <p:cNvGrpSpPr/>
+        <p:nvPr/>
+      </p:nvGrpSpPr>
+      <p:grpSpPr>
+        <a:xfrm>
+          <a:off x="0" y="0"/>
+          <a:ext cx="0" cy="0"/>
+          <a:chOff x="0" y="0"/>
+          <a:chExt cx="0" cy="0"/>
+        </a:xfrm>
+      </p:grpSpPr>
+      <p:sp>
+        <p:nvSpPr>
+          <p:cNvPr id="3" name="Content Placeholder 2">
+            <a:extLst>
+              <a:ext uri="{FF2B5EF4-FFF2-40B4-BE49-F238E27FC236}">
+                <a16:creationId xmlns:a16="http://schemas.microsoft.com/office/drawing/2014/main" id="{8A710A5B-D905-EA16-37DD-5FD66DF9E834}"/>
+              </a:ext>
+            </a:extLst>
+          </p:cNvPr>
+          <p:cNvSpPr>
+            <a:spLocks noGrp="1"/>
+          </p:cNvSpPr>
+          <p:nvPr>
+            <p:ph idx="1"/>
+          </p:nvPr>
+        </p:nvSpPr>
+        <p:spPr>
+          <a:xfrm>
+            <a:off x="702853" y="719137"/>
+            <a:ext cx="10900568" cy="5313801"/>
+          </a:xfrm>
+        </p:spPr>
+        <p:txBody>
+          <a:bodyPr>
+            <a:normAutofit/>
+          </a:bodyPr>
+          <a:lstStyle/>
+          <a:p>
+            <a:pPr marL="0" indent="0">
+              <a:buNone/>
+            </a:pPr>
+            <a:r>
+              <a:rPr lang="en-US" sz="3200" b="1" dirty="0">
+                <a:solidFill>
+                  <a:srgbClr val="C00000"/>
+                </a:solidFill>
+              </a:rPr>
+              <a:t>Module-1: </a:t>
+            </a:r>
+            <a:r>
+              <a:rPr lang="en-US" sz="3200" b="1" dirty="0">
+                <a:solidFill>
+                  <a:srgbClr val="002060"/>
+                </a:solidFill>
+              </a:rPr>
+              <a:t>Python Basic Concepts and Programming </a:t>
+            </a:r>
+            <a:r>
+              <a:rPr lang="en-IN" sz="3200" b="1" dirty="0">
+                <a:solidFill>
+                  <a:srgbClr val="C00000"/>
+                </a:solidFill>
+              </a:rPr>
+              <a:t>:</a:t>
+            </a:r>
+          </a:p>
+          <a:p>
+            <a:pPr marL="0" indent="0">
+              <a:buNone/>
+            </a:pPr>
+            <a:r>
+              <a:rPr lang="en-US" sz="2800" b="1" dirty="0"/>
+              <a:t>Interpreter, Parts of Python Programming Language</a:t>
+            </a:r>
+            <a:r>
+              <a:rPr lang="en-US" sz="2800" dirty="0"/>
+              <a:t>, Identifiers, Keywords, Statements and Expressions, Variables, Operators, Precedence and Associativity, Data Types, Indentation, Comments, Program Execution, Reading Input, Print Output, Type Conversions, The type( ) Function and Is Operator, Control Flow Statements, The if Decision Control Flow Statement, The if…else Decision Control Flow Statement, The if…</a:t>
+            </a:r>
+            <a:r>
+              <a:rPr lang="en-US" sz="2800" dirty="0" err="1"/>
+              <a:t>elif</a:t>
+            </a:r>
+            <a:r>
+              <a:rPr lang="en-US" sz="2800" dirty="0"/>
+              <a:t>…else Decision Control Statement, Nested if Statement, The while Loop, The for Loop, The continue and break Statements, Sequences – Strings, Built-In Functions, Commonly Used Modules, Function Definition and Calling the Function, The return Statement and void Function, Scope and Lifetime of Variables, Default Parameters, Keyword Arguments, *</a:t>
+            </a:r>
+            <a:r>
+              <a:rPr lang="en-US" sz="2800" dirty="0" err="1"/>
+              <a:t>args</a:t>
+            </a:r>
+            <a:r>
+              <a:rPr lang="en-US" sz="2800" dirty="0"/>
+              <a:t> and **</a:t>
+            </a:r>
+            <a:r>
+              <a:rPr lang="en-US" sz="2800" dirty="0" err="1"/>
+              <a:t>kwargs</a:t>
+            </a:r>
+            <a:r>
+              <a:rPr lang="en-US" sz="2800" dirty="0"/>
+              <a:t>, Command Line Arguments. </a:t>
+            </a:r>
+            <a:endParaRPr lang="en-IN" sz="3200" dirty="0"/>
+          </a:p>
+        </p:txBody>
+      </p:sp>
+    </p:spTree>
+    <p:extLst>
+      <p:ext uri="{BB962C8B-B14F-4D97-AF65-F5344CB8AC3E}">
+        <p14:creationId xmlns:p14="http://schemas.microsoft.com/office/powerpoint/2010/main" val="2505600029"/>
+      </p:ext>
+    </p:extLst>
+  </p:cSld>
+  <p:clrMapOvr>
+    <a:masterClrMapping/>
+  </p:clrMapOvr>
+</p:sld>
+</file>
+
+<file path=ppt/slides/slide11.xml><?xml version="1.0" encoding="utf-8"?>
+<p:sld xmlns:a="http://schemas.openxmlformats.org/drawingml/2006/main" xmlns:r="http://schemas.openxmlformats.org/officeDocument/2006/relationships" xmlns:p="http://schemas.openxmlformats.org/presentationml/2006/main">
+  <p:cSld>
+    <p:spTree>
+      <p:nvGrpSpPr>
+        <p:cNvPr id="1" name="">
+          <a:extLst>
+            <a:ext uri="{FF2B5EF4-FFF2-40B4-BE49-F238E27FC236}">
+              <a16:creationId xmlns:a16="http://schemas.microsoft.com/office/drawing/2014/main" id="{A61EA840-5C54-ACA6-F40E-0E5C81329628}"/>
+            </a:ext>
+          </a:extLst>
+        </p:cNvPr>
+        <p:cNvGrpSpPr/>
+        <p:nvPr/>
+      </p:nvGrpSpPr>
+      <p:grpSpPr>
+        <a:xfrm>
+          <a:off x="0" y="0"/>
+          <a:ext cx="0" cy="0"/>
+          <a:chOff x="0" y="0"/>
+          <a:chExt cx="0" cy="0"/>
+        </a:xfrm>
+      </p:grpSpPr>
+      <p:sp>
+        <p:nvSpPr>
+          <p:cNvPr id="47" name="Content Placeholder 46">
+            <a:extLst>
+              <a:ext uri="{FF2B5EF4-FFF2-40B4-BE49-F238E27FC236}">
+                <a16:creationId xmlns:a16="http://schemas.microsoft.com/office/drawing/2014/main" id="{149EF2A5-02D4-54DA-963D-D1183829FE4F}"/>
+              </a:ext>
+            </a:extLst>
+          </p:cNvPr>
+          <p:cNvSpPr>
+            <a:spLocks noGrp="1"/>
+          </p:cNvSpPr>
+          <p:nvPr>
+            <p:ph idx="1"/>
+          </p:nvPr>
+        </p:nvSpPr>
+        <p:spPr/>
+        <p:txBody>
+          <a:bodyPr/>
+          <a:lstStyle/>
+          <a:p>
+            <a:endParaRPr lang="en-IN"/>
+          </a:p>
+        </p:txBody>
+      </p:sp>
+    </p:spTree>
+    <p:extLst>
+      <p:ext uri="{BB962C8B-B14F-4D97-AF65-F5344CB8AC3E}">
+        <p14:creationId xmlns:p14="http://schemas.microsoft.com/office/powerpoint/2010/main" val="1378698542"/>
+      </p:ext>
+    </p:extLst>
+  </p:cSld>
+  <p:clrMapOvr>
+    <a:masterClrMapping/>
+  </p:clrMapOvr>
+</p:sld>
+</file>
+
+<file path=ppt/slides/slide12.xml><?xml version="1.0" encoding="utf-8"?>
+<p:sld xmlns:a="http://schemas.openxmlformats.org/drawingml/2006/main" xmlns:r="http://schemas.openxmlformats.org/officeDocument/2006/relationships" xmlns:p="http://schemas.openxmlformats.org/presentationml/2006/main">
+  <p:cSld>
+    <p:spTree>
+      <p:nvGrpSpPr>
+        <p:cNvPr id="1" name="">
+          <a:extLst>
+            <a:ext uri="{FF2B5EF4-FFF2-40B4-BE49-F238E27FC236}">
+              <a16:creationId xmlns:a16="http://schemas.microsoft.com/office/drawing/2014/main" id="{24608F4D-3DB6-8107-9331-EF6A47B5758E}"/>
+            </a:ext>
+          </a:extLst>
+        </p:cNvPr>
+        <p:cNvGrpSpPr/>
+        <p:nvPr/>
+      </p:nvGrpSpPr>
+      <p:grpSpPr>
+        <a:xfrm>
+          <a:off x="0" y="0"/>
+          <a:ext cx="0" cy="0"/>
+          <a:chOff x="0" y="0"/>
+          <a:chExt cx="0" cy="0"/>
+        </a:xfrm>
+      </p:grpSpPr>
+      <p:sp>
+        <p:nvSpPr>
+          <p:cNvPr id="3" name="Content Placeholder 2">
+            <a:extLst>
+              <a:ext uri="{FF2B5EF4-FFF2-40B4-BE49-F238E27FC236}">
+                <a16:creationId xmlns:a16="http://schemas.microsoft.com/office/drawing/2014/main" id="{674BE2D9-EE56-2522-1B16-3F7171343FE9}"/>
+              </a:ext>
+            </a:extLst>
+          </p:cNvPr>
+          <p:cNvSpPr>
+            <a:spLocks noGrp="1"/>
+          </p:cNvSpPr>
+          <p:nvPr>
+            <p:ph idx="1"/>
+          </p:nvPr>
+        </p:nvSpPr>
+        <p:spPr>
+          <a:xfrm>
+            <a:off x="777240" y="592183"/>
+            <a:ext cx="10659110" cy="5584780"/>
+          </a:xfrm>
+        </p:spPr>
+        <p:txBody>
+          <a:bodyPr/>
+          <a:lstStyle/>
+          <a:p>
+            <a:pPr marL="0" indent="0">
+              <a:buNone/>
+            </a:pPr>
+            <a:endParaRPr lang="en-IN" dirty="0"/>
+          </a:p>
+        </p:txBody>
+      </p:sp>
+    </p:spTree>
+    <p:extLst>
+      <p:ext uri="{BB962C8B-B14F-4D97-AF65-F5344CB8AC3E}">
+        <p14:creationId xmlns:p14="http://schemas.microsoft.com/office/powerpoint/2010/main" val="1803305389"/>
+      </p:ext>
+    </p:extLst>
+  </p:cSld>
+  <p:clrMapOvr>
+    <a:masterClrMapping/>
+  </p:clrMapOvr>
+</p:sld>
+</file>
+
+<file path=ppt/slides/slide13.xml><?xml version="1.0" encoding="utf-8"?>
+<p:sld xmlns:a="http://schemas.openxmlformats.org/drawingml/2006/main" xmlns:r="http://schemas.openxmlformats.org/officeDocument/2006/relationships" xmlns:p="http://schemas.openxmlformats.org/presentationml/2006/main">
+  <p:cSld>
+    <p:spTree>
+      <p:nvGrpSpPr>
+        <p:cNvPr id="1" name="">
+          <a:extLst>
+            <a:ext uri="{FF2B5EF4-FFF2-40B4-BE49-F238E27FC236}">
+              <a16:creationId xmlns:a16="http://schemas.microsoft.com/office/drawing/2014/main" id="{76156747-29E1-0120-BE28-F09D2DCACB4E}"/>
+            </a:ext>
+          </a:extLst>
+        </p:cNvPr>
+        <p:cNvGrpSpPr/>
+        <p:nvPr/>
+      </p:nvGrpSpPr>
+      <p:grpSpPr>
+        <a:xfrm>
+          <a:off x="0" y="0"/>
+          <a:ext cx="0" cy="0"/>
+          <a:chOff x="0" y="0"/>
+          <a:chExt cx="0" cy="0"/>
+        </a:xfrm>
+      </p:grpSpPr>
+      <p:sp>
+        <p:nvSpPr>
+          <p:cNvPr id="3" name="Content Placeholder 2">
+            <a:extLst>
+              <a:ext uri="{FF2B5EF4-FFF2-40B4-BE49-F238E27FC236}">
+                <a16:creationId xmlns:a16="http://schemas.microsoft.com/office/drawing/2014/main" id="{60F776A4-FCBD-A2BE-FA6D-AAC223A248A3}"/>
+              </a:ext>
+            </a:extLst>
+          </p:cNvPr>
+          <p:cNvSpPr>
+            <a:spLocks noGrp="1"/>
+          </p:cNvSpPr>
+          <p:nvPr>
+            <p:ph idx="1"/>
+          </p:nvPr>
+        </p:nvSpPr>
+        <p:spPr>
+          <a:xfrm>
+            <a:off x="777240" y="592183"/>
+            <a:ext cx="10659110" cy="5584780"/>
+          </a:xfrm>
+        </p:spPr>
+        <p:txBody>
+          <a:bodyPr/>
+          <a:lstStyle/>
+          <a:p>
+            <a:pPr marL="0" indent="0">
+              <a:buNone/>
+            </a:pPr>
+            <a:endParaRPr lang="en-IN" dirty="0"/>
+          </a:p>
+        </p:txBody>
+      </p:sp>
+    </p:spTree>
+    <p:extLst>
+      <p:ext uri="{BB962C8B-B14F-4D97-AF65-F5344CB8AC3E}">
+        <p14:creationId xmlns:p14="http://schemas.microsoft.com/office/powerpoint/2010/main" val="3016375853"/>
+      </p:ext>
+    </p:extLst>
+  </p:cSld>
+  <p:clrMapOvr>
+    <a:masterClrMapping/>
+  </p:clrMapOvr>
+</p:sld>
+</file>
+
+<file path=ppt/slides/slide14.xml><?xml version="1.0" encoding="utf-8"?>
+<p:sld xmlns:a="http://schemas.openxmlformats.org/drawingml/2006/main" xmlns:r="http://schemas.openxmlformats.org/officeDocument/2006/relationships" xmlns:p="http://schemas.openxmlformats.org/presentationml/2006/main">
+  <p:cSld>
+    <p:spTree>
+      <p:nvGrpSpPr>
+        <p:cNvPr id="1" name="">
+          <a:extLst>
+            <a:ext uri="{FF2B5EF4-FFF2-40B4-BE49-F238E27FC236}">
+              <a16:creationId xmlns:a16="http://schemas.microsoft.com/office/drawing/2014/main" id="{0CDB5111-21EA-3F69-29DC-B7BDF7E25BA0}"/>
+            </a:ext>
+          </a:extLst>
+        </p:cNvPr>
+        <p:cNvGrpSpPr/>
+        <p:nvPr/>
+      </p:nvGrpSpPr>
+      <p:grpSpPr>
+        <a:xfrm>
+          <a:off x="0" y="0"/>
+          <a:ext cx="0" cy="0"/>
+          <a:chOff x="0" y="0"/>
+          <a:chExt cx="0" cy="0"/>
+        </a:xfrm>
+      </p:grpSpPr>
+      <p:sp>
+        <p:nvSpPr>
+          <p:cNvPr id="3" name="Content Placeholder 2">
+            <a:extLst>
+              <a:ext uri="{FF2B5EF4-FFF2-40B4-BE49-F238E27FC236}">
+                <a16:creationId xmlns:a16="http://schemas.microsoft.com/office/drawing/2014/main" id="{5798786C-F2A1-5516-10B8-D4FD2A9D5834}"/>
+              </a:ext>
+            </a:extLst>
+          </p:cNvPr>
+          <p:cNvSpPr>
+            <a:spLocks noGrp="1"/>
+          </p:cNvSpPr>
+          <p:nvPr>
+            <p:ph idx="1"/>
+          </p:nvPr>
+        </p:nvSpPr>
+        <p:spPr>
+          <a:xfrm>
+            <a:off x="777240" y="592183"/>
+            <a:ext cx="10659110" cy="5584780"/>
+          </a:xfrm>
+        </p:spPr>
+        <p:txBody>
+          <a:bodyPr/>
+          <a:lstStyle/>
+          <a:p>
+            <a:pPr marL="0" indent="0">
+              <a:buNone/>
+            </a:pPr>
+            <a:endParaRPr lang="en-IN" dirty="0"/>
+          </a:p>
+        </p:txBody>
+      </p:sp>
+    </p:spTree>
+    <p:extLst>
+      <p:ext uri="{BB962C8B-B14F-4D97-AF65-F5344CB8AC3E}">
+        <p14:creationId xmlns:p14="http://schemas.microsoft.com/office/powerpoint/2010/main" val="1922528670"/>
+      </p:ext>
+    </p:extLst>
+  </p:cSld>
+  <p:clrMapOvr>
+    <a:masterClrMapping/>
+  </p:clrMapOvr>
+</p:sld>
+</file>
+
+<file path=ppt/slides/slide15.xml><?xml version="1.0" encoding="utf-8"?>
+<p:sld xmlns:a="http://schemas.openxmlformats.org/drawingml/2006/main" xmlns:r="http://schemas.openxmlformats.org/officeDocument/2006/relationships" xmlns:p="http://schemas.openxmlformats.org/presentationml/2006/main">
+  <p:cSld>
+    <p:spTree>
+      <p:nvGrpSpPr>
+        <p:cNvPr id="1" name="">
+          <a:extLst>
+            <a:ext uri="{FF2B5EF4-FFF2-40B4-BE49-F238E27FC236}">
+              <a16:creationId xmlns:a16="http://schemas.microsoft.com/office/drawing/2014/main" id="{02D05574-7F29-CFBF-9B19-1571B50B8AD4}"/>
+            </a:ext>
+          </a:extLst>
+        </p:cNvPr>
+        <p:cNvGrpSpPr/>
+        <p:nvPr/>
+      </p:nvGrpSpPr>
+      <p:grpSpPr>
+        <a:xfrm>
+          <a:off x="0" y="0"/>
+          <a:ext cx="0" cy="0"/>
+          <a:chOff x="0" y="0"/>
+          <a:chExt cx="0" cy="0"/>
+        </a:xfrm>
+      </p:grpSpPr>
+      <p:sp>
+        <p:nvSpPr>
+          <p:cNvPr id="3" name="Content Placeholder 2">
+            <a:extLst>
+              <a:ext uri="{FF2B5EF4-FFF2-40B4-BE49-F238E27FC236}">
+                <a16:creationId xmlns:a16="http://schemas.microsoft.com/office/drawing/2014/main" id="{FC4FDFE4-53F1-7EA1-EF3D-7624A61125F0}"/>
+              </a:ext>
+            </a:extLst>
+          </p:cNvPr>
+          <p:cNvSpPr>
+            <a:spLocks noGrp="1"/>
+          </p:cNvSpPr>
+          <p:nvPr>
+            <p:ph idx="1"/>
+          </p:nvPr>
+        </p:nvSpPr>
+        <p:spPr>
+          <a:xfrm>
+            <a:off x="777240" y="592183"/>
+            <a:ext cx="10659110" cy="5584780"/>
+          </a:xfrm>
+        </p:spPr>
+        <p:txBody>
+          <a:bodyPr/>
+          <a:lstStyle/>
+          <a:p>
+            <a:pPr marL="0" indent="0">
+              <a:buNone/>
+            </a:pPr>
+            <a:endParaRPr lang="en-IN" dirty="0"/>
+          </a:p>
+        </p:txBody>
+      </p:sp>
+    </p:spTree>
+    <p:extLst>
+      <p:ext uri="{BB962C8B-B14F-4D97-AF65-F5344CB8AC3E}">
+        <p14:creationId xmlns:p14="http://schemas.microsoft.com/office/powerpoint/2010/main" val="3326673098"/>
+      </p:ext>
+    </p:extLst>
+  </p:cSld>
+  <p:clrMapOvr>
+    <a:masterClrMapping/>
+  </p:clrMapOvr>
+</p:sld>
+</file>
+
+<file path=ppt/slides/slide16.xml><?xml version="1.0" encoding="utf-8"?>
+<p:sld xmlns:a="http://schemas.openxmlformats.org/drawingml/2006/main" xmlns:r="http://schemas.openxmlformats.org/officeDocument/2006/relationships" xmlns:p="http://schemas.openxmlformats.org/presentationml/2006/main">
+  <p:cSld>
+    <p:spTree>
+      <p:nvGrpSpPr>
+        <p:cNvPr id="1" name="">
+          <a:extLst>
+            <a:ext uri="{FF2B5EF4-FFF2-40B4-BE49-F238E27FC236}">
+              <a16:creationId xmlns:a16="http://schemas.microsoft.com/office/drawing/2014/main" id="{BDDDBDE7-7429-0E85-B75F-30371142B85D}"/>
+            </a:ext>
+          </a:extLst>
+        </p:cNvPr>
+        <p:cNvGrpSpPr/>
+        <p:nvPr/>
+      </p:nvGrpSpPr>
+      <p:grpSpPr>
+        <a:xfrm>
+          <a:off x="0" y="0"/>
+          <a:ext cx="0" cy="0"/>
+          <a:chOff x="0" y="0"/>
+          <a:chExt cx="0" cy="0"/>
+        </a:xfrm>
+      </p:grpSpPr>
+      <p:sp>
+        <p:nvSpPr>
+          <p:cNvPr id="3" name="Content Placeholder 2">
+            <a:extLst>
+              <a:ext uri="{FF2B5EF4-FFF2-40B4-BE49-F238E27FC236}">
+                <a16:creationId xmlns:a16="http://schemas.microsoft.com/office/drawing/2014/main" id="{9F55E8E3-139C-C5EE-3D7C-631B6B34BF33}"/>
+              </a:ext>
+            </a:extLst>
+          </p:cNvPr>
+          <p:cNvSpPr>
+            <a:spLocks noGrp="1"/>
+          </p:cNvSpPr>
+          <p:nvPr>
+            <p:ph idx="1"/>
+          </p:nvPr>
+        </p:nvSpPr>
+        <p:spPr>
+          <a:xfrm>
+            <a:off x="777240" y="592183"/>
+            <a:ext cx="10659110" cy="5584780"/>
+          </a:xfrm>
+        </p:spPr>
+        <p:txBody>
+          <a:bodyPr/>
+          <a:lstStyle/>
+          <a:p>
+            <a:pPr marL="0" indent="0">
+              <a:buNone/>
+            </a:pPr>
+            <a:endParaRPr lang="en-IN" dirty="0"/>
+          </a:p>
+        </p:txBody>
+      </p:sp>
+    </p:spTree>
+    <p:extLst>
+      <p:ext uri="{BB962C8B-B14F-4D97-AF65-F5344CB8AC3E}">
+        <p14:creationId xmlns:p14="http://schemas.microsoft.com/office/powerpoint/2010/main" val="2404463507"/>
+      </p:ext>
+    </p:extLst>
+  </p:cSld>
+  <p:clrMapOvr>
+    <a:masterClrMapping/>
+  </p:clrMapOvr>
+</p:sld>
+</file>
+
+<file path=ppt/slides/slide17.xml><?xml version="1.0" encoding="utf-8"?>
+<p:sld xmlns:a="http://schemas.openxmlformats.org/drawingml/2006/main" xmlns:r="http://schemas.openxmlformats.org/officeDocument/2006/relationships" xmlns:p="http://schemas.openxmlformats.org/presentationml/2006/main">
+  <p:cSld>
+    <p:spTree>
+      <p:nvGrpSpPr>
+        <p:cNvPr id="1" name="">
+          <a:extLst>
+            <a:ext uri="{FF2B5EF4-FFF2-40B4-BE49-F238E27FC236}">
+              <a16:creationId xmlns:a16="http://schemas.microsoft.com/office/drawing/2014/main" id="{A0AE1EA7-A003-AE39-11D2-744CCBF20887}"/>
+            </a:ext>
+          </a:extLst>
+        </p:cNvPr>
+        <p:cNvGrpSpPr/>
+        <p:nvPr/>
+      </p:nvGrpSpPr>
+      <p:grpSpPr>
+        <a:xfrm>
+          <a:off x="0" y="0"/>
+          <a:ext cx="0" cy="0"/>
+          <a:chOff x="0" y="0"/>
+          <a:chExt cx="0" cy="0"/>
+        </a:xfrm>
+      </p:grpSpPr>
+      <p:sp>
+        <p:nvSpPr>
+          <p:cNvPr id="3" name="Content Placeholder 2">
+            <a:extLst>
+              <a:ext uri="{FF2B5EF4-FFF2-40B4-BE49-F238E27FC236}">
+                <a16:creationId xmlns:a16="http://schemas.microsoft.com/office/drawing/2014/main" id="{B6E1701D-DB83-F94F-30B0-C1BC0C127C30}"/>
+              </a:ext>
+            </a:extLst>
+          </p:cNvPr>
+          <p:cNvSpPr>
+            <a:spLocks noGrp="1"/>
+          </p:cNvSpPr>
+          <p:nvPr>
+            <p:ph idx="1"/>
+          </p:nvPr>
+        </p:nvSpPr>
+        <p:spPr>
+          <a:xfrm>
+            <a:off x="777240" y="592183"/>
+            <a:ext cx="10659110" cy="5584780"/>
+          </a:xfrm>
+        </p:spPr>
+        <p:txBody>
+          <a:bodyPr/>
+          <a:lstStyle/>
+          <a:p>
+            <a:pPr marL="0" indent="0">
+              <a:buNone/>
+            </a:pPr>
+            <a:endParaRPr lang="en-IN" dirty="0"/>
+          </a:p>
+        </p:txBody>
+      </p:sp>
+    </p:spTree>
+    <p:extLst>
+      <p:ext uri="{BB962C8B-B14F-4D97-AF65-F5344CB8AC3E}">
+        <p14:creationId xmlns:p14="http://schemas.microsoft.com/office/powerpoint/2010/main" val="417813339"/>
+      </p:ext>
+    </p:extLst>
+  </p:cSld>
+  <p:clrMapOvr>
+    <a:masterClrMapping/>
+  </p:clrMapOvr>
+</p:sld>
+</file>
+
+<file path=ppt/slides/slide18.xml><?xml version="1.0" encoding="utf-8"?>
+<p:sld xmlns:a="http://schemas.openxmlformats.org/drawingml/2006/main" xmlns:r="http://schemas.openxmlformats.org/officeDocument/2006/relationships" xmlns:p="http://schemas.openxmlformats.org/presentationml/2006/main">
+  <p:cSld>
+    <p:spTree>
+      <p:nvGrpSpPr>
+        <p:cNvPr id="1" name="">
+          <a:extLst>
+            <a:ext uri="{FF2B5EF4-FFF2-40B4-BE49-F238E27FC236}">
+              <a16:creationId xmlns:a16="http://schemas.microsoft.com/office/drawing/2014/main" id="{0BE5A4BE-7968-A822-BC87-288E1E391CDA}"/>
+            </a:ext>
+          </a:extLst>
+        </p:cNvPr>
+        <p:cNvGrpSpPr/>
+        <p:nvPr/>
+      </p:nvGrpSpPr>
+      <p:grpSpPr>
+        <a:xfrm>
+          <a:off x="0" y="0"/>
+          <a:ext cx="0" cy="0"/>
+          <a:chOff x="0" y="0"/>
+          <a:chExt cx="0" cy="0"/>
+        </a:xfrm>
+      </p:grpSpPr>
+      <p:sp>
+        <p:nvSpPr>
+          <p:cNvPr id="3" name="Content Placeholder 2">
+            <a:extLst>
+              <a:ext uri="{FF2B5EF4-FFF2-40B4-BE49-F238E27FC236}">
+                <a16:creationId xmlns:a16="http://schemas.microsoft.com/office/drawing/2014/main" id="{3F8F0065-F5D5-D49E-30DC-B4F30FC84BE2}"/>
+              </a:ext>
+            </a:extLst>
+          </p:cNvPr>
+          <p:cNvSpPr>
+            <a:spLocks noGrp="1"/>
+          </p:cNvSpPr>
+          <p:nvPr>
+            <p:ph idx="1"/>
+          </p:nvPr>
+        </p:nvSpPr>
+        <p:spPr>
+          <a:xfrm>
+            <a:off x="777240" y="592183"/>
+            <a:ext cx="10659110" cy="5584780"/>
+          </a:xfrm>
+        </p:spPr>
+        <p:txBody>
+          <a:bodyPr/>
+          <a:lstStyle/>
+          <a:p>
+            <a:pPr marL="0" indent="0">
+              <a:buNone/>
+            </a:pPr>
+            <a:endParaRPr lang="en-IN" dirty="0"/>
+          </a:p>
+        </p:txBody>
+      </p:sp>
+    </p:spTree>
+    <p:extLst>
+      <p:ext uri="{BB962C8B-B14F-4D97-AF65-F5344CB8AC3E}">
+        <p14:creationId xmlns:p14="http://schemas.microsoft.com/office/powerpoint/2010/main" val="2406192498"/>
+      </p:ext>
+    </p:extLst>
+  </p:cSld>
+  <p:clrMapOvr>
+    <a:masterClrMapping/>
+  </p:clrMapOvr>
+</p:sld>
+</file>
+
+<file path=ppt/slides/slide19.xml><?xml version="1.0" encoding="utf-8"?>
+<p:sld xmlns:a="http://schemas.openxmlformats.org/drawingml/2006/main" xmlns:r="http://schemas.openxmlformats.org/officeDocument/2006/relationships" xmlns:p="http://schemas.openxmlformats.org/presentationml/2006/main">
+  <p:cSld>
+    <p:spTree>
+      <p:nvGrpSpPr>
+        <p:cNvPr id="1" name="">
+          <a:extLst>
+            <a:ext uri="{FF2B5EF4-FFF2-40B4-BE49-F238E27FC236}">
+              <a16:creationId xmlns:a16="http://schemas.microsoft.com/office/drawing/2014/main" id="{E1A3F040-6A07-3E45-7C82-1755F9ECB763}"/>
+            </a:ext>
+          </a:extLst>
+        </p:cNvPr>
+        <p:cNvGrpSpPr/>
+        <p:nvPr/>
+      </p:nvGrpSpPr>
+      <p:grpSpPr>
+        <a:xfrm>
+          <a:off x="0" y="0"/>
+          <a:ext cx="0" cy="0"/>
+          <a:chOff x="0" y="0"/>
+          <a:chExt cx="0" cy="0"/>
+        </a:xfrm>
+      </p:grpSpPr>
+      <p:sp>
+        <p:nvSpPr>
+          <p:cNvPr id="3" name="Content Placeholder 2">
+            <a:extLst>
+              <a:ext uri="{FF2B5EF4-FFF2-40B4-BE49-F238E27FC236}">
+                <a16:creationId xmlns:a16="http://schemas.microsoft.com/office/drawing/2014/main" id="{3E8C01B2-C10A-4A10-6F09-B8C84EFADFF7}"/>
+              </a:ext>
+            </a:extLst>
+          </p:cNvPr>
+          <p:cNvSpPr>
+            <a:spLocks noGrp="1"/>
+          </p:cNvSpPr>
+          <p:nvPr>
+            <p:ph idx="1"/>
+          </p:nvPr>
+        </p:nvSpPr>
+        <p:spPr>
+          <a:xfrm>
+            <a:off x="777240" y="592183"/>
+            <a:ext cx="10659110" cy="5584780"/>
+          </a:xfrm>
+        </p:spPr>
+        <p:txBody>
+          <a:bodyPr/>
+          <a:lstStyle/>
+          <a:p>
+            <a:pPr marL="0" indent="0">
+              <a:buNone/>
+            </a:pPr>
+            <a:endParaRPr lang="en-IN" dirty="0"/>
+          </a:p>
+        </p:txBody>
+      </p:sp>
+    </p:spTree>
+    <p:extLst>
+      <p:ext uri="{BB962C8B-B14F-4D97-AF65-F5344CB8AC3E}">
+        <p14:creationId xmlns:p14="http://schemas.microsoft.com/office/powerpoint/2010/main" val="1771490283"/>
+      </p:ext>
+    </p:extLst>
+  </p:cSld>
+  <p:clrMapOvr>
+    <a:masterClrMapping/>
+  </p:clrMapOvr>
+</p:sld>
+</file>
+
 <file path=ppt/slides/slide2.xml><?xml version="1.0" encoding="utf-8"?>
 <p:sld xmlns:a="http://schemas.openxmlformats.org/drawingml/2006/main" xmlns:r="http://schemas.openxmlformats.org/officeDocument/2006/relationships" xmlns:p="http://schemas.openxmlformats.org/presentationml/2006/main">
   <p:cSld>
@@ -5295,6 +6057,75 @@
     <p:extLst>
       <p:ext uri="{BB962C8B-B14F-4D97-AF65-F5344CB8AC3E}">
         <p14:creationId xmlns:p14="http://schemas.microsoft.com/office/powerpoint/2010/main" val="1426679916"/>
+      </p:ext>
+    </p:extLst>
+  </p:cSld>
+  <p:clrMapOvr>
+    <a:masterClrMapping/>
+  </p:clrMapOvr>
+</p:sld>
+</file>
+
+<file path=ppt/slides/slide20.xml><?xml version="1.0" encoding="utf-8"?>
+<p:sld xmlns:a="http://schemas.openxmlformats.org/drawingml/2006/main" xmlns:r="http://schemas.openxmlformats.org/officeDocument/2006/relationships" xmlns:p="http://schemas.openxmlformats.org/presentationml/2006/main">
+  <p:cSld>
+    <p:spTree>
+      <p:nvGrpSpPr>
+        <p:cNvPr id="1" name="">
+          <a:extLst>
+            <a:ext uri="{FF2B5EF4-FFF2-40B4-BE49-F238E27FC236}">
+              <a16:creationId xmlns:a16="http://schemas.microsoft.com/office/drawing/2014/main" id="{91F351AB-D974-27D5-1424-D67C1FA41141}"/>
+            </a:ext>
+          </a:extLst>
+        </p:cNvPr>
+        <p:cNvGrpSpPr/>
+        <p:nvPr/>
+      </p:nvGrpSpPr>
+      <p:grpSpPr>
+        <a:xfrm>
+          <a:off x="0" y="0"/>
+          <a:ext cx="0" cy="0"/>
+          <a:chOff x="0" y="0"/>
+          <a:chExt cx="0" cy="0"/>
+        </a:xfrm>
+      </p:grpSpPr>
+      <p:sp>
+        <p:nvSpPr>
+          <p:cNvPr id="3" name="Content Placeholder 2">
+            <a:extLst>
+              <a:ext uri="{FF2B5EF4-FFF2-40B4-BE49-F238E27FC236}">
+                <a16:creationId xmlns:a16="http://schemas.microsoft.com/office/drawing/2014/main" id="{7F3C9839-273A-CCA9-D99A-C9F1062BC572}"/>
+              </a:ext>
+            </a:extLst>
+          </p:cNvPr>
+          <p:cNvSpPr>
+            <a:spLocks noGrp="1"/>
+          </p:cNvSpPr>
+          <p:nvPr>
+            <p:ph idx="1"/>
+          </p:nvPr>
+        </p:nvSpPr>
+        <p:spPr>
+          <a:xfrm>
+            <a:off x="777240" y="592183"/>
+            <a:ext cx="10659110" cy="5584780"/>
+          </a:xfrm>
+        </p:spPr>
+        <p:txBody>
+          <a:bodyPr/>
+          <a:lstStyle/>
+          <a:p>
+            <a:pPr marL="0" indent="0">
+              <a:buNone/>
+            </a:pPr>
+            <a:endParaRPr lang="en-IN" dirty="0"/>
+          </a:p>
+        </p:txBody>
+      </p:sp>
+    </p:spTree>
+    <p:extLst>
+      <p:ext uri="{BB962C8B-B14F-4D97-AF65-F5344CB8AC3E}">
+        <p14:creationId xmlns:p14="http://schemas.microsoft.com/office/powerpoint/2010/main" val="318047149"/>
       </p:ext>
     </p:extLst>
   </p:cSld>
@@ -5350,13 +6181,348 @@
           </a:xfrm>
         </p:spPr>
         <p:txBody>
-          <a:bodyPr/>
+          <a:bodyPr>
+            <a:normAutofit/>
+          </a:bodyPr>
           <a:lstStyle/>
           <a:p>
             <a:pPr marL="0" indent="0">
               <a:buNone/>
             </a:pPr>
-            <a:endParaRPr lang="en-IN" dirty="0"/>
+            <a:r>
+              <a:rPr lang="en-US" sz="2400" b="1" dirty="0"/>
+              <a:t>What is Python:</a:t>
+            </a:r>
+          </a:p>
+          <a:p>
+            <a:pPr marL="0" indent="0">
+              <a:buNone/>
+            </a:pPr>
+            <a:r>
+              <a:rPr lang="en-US" sz="2400" dirty="0"/>
+              <a:t>Python is an general purpose, </a:t>
+            </a:r>
+            <a:r>
+              <a:rPr lang="en-US" sz="2400" b="1" dirty="0">
+                <a:solidFill>
+                  <a:srgbClr val="C00000"/>
+                </a:solidFill>
+              </a:rPr>
+              <a:t>Object-oriented</a:t>
+            </a:r>
+            <a:r>
+              <a:rPr lang="en-US" sz="2400" dirty="0"/>
+              <a:t>, </a:t>
+            </a:r>
+            <a:r>
+              <a:rPr lang="en-US" sz="2400" b="1" dirty="0">
+                <a:solidFill>
+                  <a:srgbClr val="C00000"/>
+                </a:solidFill>
+              </a:rPr>
+              <a:t>High-level, </a:t>
+            </a:r>
+            <a:r>
+              <a:rPr lang="en-IN" sz="2400" b="1" dirty="0">
+                <a:solidFill>
+                  <a:srgbClr val="C00000"/>
+                </a:solidFill>
+              </a:rPr>
+              <a:t>Dynamically Typed</a:t>
+            </a:r>
+            <a:r>
+              <a:rPr lang="en-IN" sz="2400" dirty="0"/>
+              <a:t>,</a:t>
+            </a:r>
+            <a:r>
+              <a:rPr lang="en-US" sz="2400" b="1" dirty="0">
+                <a:solidFill>
+                  <a:srgbClr val="C00000"/>
+                </a:solidFill>
+              </a:rPr>
+              <a:t> Compiled and Interpreted </a:t>
+            </a:r>
+            <a:r>
+              <a:rPr lang="en-US" sz="2400" b="1" dirty="0"/>
+              <a:t>programming language </a:t>
+            </a:r>
+            <a:r>
+              <a:rPr lang="en-US" sz="2400" dirty="0"/>
+              <a:t>known for its </a:t>
+            </a:r>
+            <a:r>
+              <a:rPr lang="en-US" sz="2400" b="1" dirty="0"/>
+              <a:t>simplicity</a:t>
+            </a:r>
+            <a:r>
+              <a:rPr lang="en-US" sz="2400" dirty="0"/>
+              <a:t> and </a:t>
+            </a:r>
+            <a:r>
+              <a:rPr lang="en-US" sz="2400" b="1" dirty="0"/>
+              <a:t>readability</a:t>
+            </a:r>
+            <a:r>
+              <a:rPr lang="en-US" sz="2400" dirty="0"/>
+              <a:t>.</a:t>
+            </a:r>
+          </a:p>
+          <a:p>
+            <a:pPr marL="0" indent="0">
+              <a:buNone/>
+            </a:pPr>
+            <a:r>
+              <a:rPr lang="en-US" sz="2200" b="1" dirty="0"/>
+              <a:t>Common Uses of Python:</a:t>
+            </a:r>
+          </a:p>
+          <a:p>
+            <a:pPr marL="457200" indent="-457200">
+              <a:buFont typeface="+mj-lt"/>
+              <a:buAutoNum type="arabicPeriod"/>
+            </a:pPr>
+            <a:r>
+              <a:rPr lang="en-US" sz="2200" b="1" dirty="0"/>
+              <a:t>Web Development</a:t>
+            </a:r>
+            <a:r>
+              <a:rPr lang="en-US" sz="2200" dirty="0"/>
+              <a:t>: Using frameworks like </a:t>
+            </a:r>
+            <a:r>
+              <a:rPr lang="en-US" sz="2200" b="1" dirty="0">
+                <a:solidFill>
+                  <a:srgbClr val="002060"/>
+                </a:solidFill>
+              </a:rPr>
+              <a:t>Django</a:t>
+            </a:r>
+            <a:r>
+              <a:rPr lang="en-US" sz="2200" dirty="0"/>
+              <a:t> and </a:t>
+            </a:r>
+            <a:r>
+              <a:rPr lang="en-US" sz="2200" b="1" dirty="0">
+                <a:solidFill>
+                  <a:srgbClr val="002060"/>
+                </a:solidFill>
+              </a:rPr>
+              <a:t>Flask</a:t>
+            </a:r>
+            <a:r>
+              <a:rPr lang="en-US" sz="2200" dirty="0"/>
+              <a:t>.</a:t>
+            </a:r>
+          </a:p>
+          <a:p>
+            <a:pPr marL="457200" indent="-457200">
+              <a:buFont typeface="+mj-lt"/>
+              <a:buAutoNum type="arabicPeriod"/>
+            </a:pPr>
+            <a:r>
+              <a:rPr lang="en-US" sz="2200" b="1" dirty="0"/>
+              <a:t>Data Analysis and Visualization</a:t>
+            </a:r>
+            <a:r>
+              <a:rPr lang="en-US" sz="2200" dirty="0"/>
+              <a:t>: With libraries like </a:t>
+            </a:r>
+            <a:r>
+              <a:rPr lang="en-US" sz="2200" b="1" dirty="0">
+                <a:solidFill>
+                  <a:srgbClr val="002060"/>
+                </a:solidFill>
+              </a:rPr>
+              <a:t>Pandas</a:t>
+            </a:r>
+            <a:r>
+              <a:rPr lang="en-US" sz="2200" dirty="0"/>
+              <a:t>, </a:t>
+            </a:r>
+            <a:r>
+              <a:rPr lang="en-US" sz="2200" b="1" dirty="0">
+                <a:solidFill>
+                  <a:srgbClr val="002060"/>
+                </a:solidFill>
+              </a:rPr>
+              <a:t>Matplotlib</a:t>
+            </a:r>
+            <a:r>
+              <a:rPr lang="en-US" sz="2200" dirty="0"/>
+              <a:t>, and </a:t>
+            </a:r>
+            <a:r>
+              <a:rPr lang="en-US" sz="2200" b="1" dirty="0">
+                <a:solidFill>
+                  <a:srgbClr val="002060"/>
+                </a:solidFill>
+              </a:rPr>
+              <a:t>Seaborn</a:t>
+            </a:r>
+            <a:r>
+              <a:rPr lang="en-US" sz="2200" dirty="0"/>
+              <a:t>.</a:t>
+            </a:r>
+          </a:p>
+          <a:p>
+            <a:pPr marL="457200" indent="-457200">
+              <a:buFont typeface="+mj-lt"/>
+              <a:buAutoNum type="arabicPeriod"/>
+            </a:pPr>
+            <a:r>
+              <a:rPr lang="en-US" sz="2200" b="1" dirty="0"/>
+              <a:t>Artificial Intelligence and Machine Learning</a:t>
+            </a:r>
+            <a:r>
+              <a:rPr lang="en-US" sz="2200" dirty="0"/>
+              <a:t>: Leveraging tools like </a:t>
+            </a:r>
+            <a:r>
+              <a:rPr lang="en-US" sz="2200" b="1" dirty="0">
+                <a:solidFill>
+                  <a:srgbClr val="002060"/>
+                </a:solidFill>
+              </a:rPr>
+              <a:t>TensorFlow</a:t>
+            </a:r>
+            <a:r>
+              <a:rPr lang="en-US" sz="2200" dirty="0"/>
+              <a:t>, </a:t>
+            </a:r>
+            <a:r>
+              <a:rPr lang="en-US" sz="2200" b="1" dirty="0" err="1">
+                <a:solidFill>
+                  <a:srgbClr val="002060"/>
+                </a:solidFill>
+              </a:rPr>
+              <a:t>PyTorch</a:t>
+            </a:r>
+            <a:r>
+              <a:rPr lang="en-US" sz="2200" dirty="0"/>
+              <a:t>, and </a:t>
+            </a:r>
+            <a:r>
+              <a:rPr lang="en-US" sz="2200" b="1" dirty="0">
+                <a:solidFill>
+                  <a:srgbClr val="002060"/>
+                </a:solidFill>
+              </a:rPr>
+              <a:t>Scikit-learn</a:t>
+            </a:r>
+            <a:r>
+              <a:rPr lang="en-US" sz="2200" dirty="0"/>
+              <a:t>.</a:t>
+            </a:r>
+          </a:p>
+          <a:p>
+            <a:pPr marL="457200" indent="-457200">
+              <a:buFont typeface="+mj-lt"/>
+              <a:buAutoNum type="arabicPeriod"/>
+            </a:pPr>
+            <a:r>
+              <a:rPr lang="en-US" sz="2200" b="1" dirty="0"/>
+              <a:t>Automation/Scripting</a:t>
+            </a:r>
+            <a:r>
+              <a:rPr lang="en-US" sz="2200" dirty="0"/>
+              <a:t>: </a:t>
+            </a:r>
+            <a:r>
+              <a:rPr lang="en-US" sz="2200" b="1" dirty="0">
+                <a:solidFill>
+                  <a:srgbClr val="002060"/>
+                </a:solidFill>
+              </a:rPr>
+              <a:t>Automating repetitive tasks </a:t>
+            </a:r>
+            <a:r>
+              <a:rPr lang="en-US" sz="2200" dirty="0"/>
+              <a:t>using Python scripts.</a:t>
+            </a:r>
+          </a:p>
+          <a:p>
+            <a:pPr marL="457200" indent="-457200">
+              <a:buFont typeface="+mj-lt"/>
+              <a:buAutoNum type="arabicPeriod"/>
+            </a:pPr>
+            <a:r>
+              <a:rPr lang="en-US" sz="2200" b="1" dirty="0"/>
+              <a:t>Game Development</a:t>
+            </a:r>
+            <a:r>
+              <a:rPr lang="en-US" sz="2200" dirty="0"/>
+              <a:t>: Using libraries like </a:t>
+            </a:r>
+            <a:r>
+              <a:rPr lang="en-US" sz="2200" b="1" dirty="0" err="1">
+                <a:solidFill>
+                  <a:srgbClr val="002060"/>
+                </a:solidFill>
+              </a:rPr>
+              <a:t>Pygame</a:t>
+            </a:r>
+            <a:r>
+              <a:rPr lang="en-US" sz="2200" dirty="0"/>
+              <a:t>.</a:t>
+            </a:r>
+          </a:p>
+          <a:p>
+            <a:pPr marL="457200" indent="-457200">
+              <a:buFont typeface="+mj-lt"/>
+              <a:buAutoNum type="arabicPeriod"/>
+            </a:pPr>
+            <a:r>
+              <a:rPr lang="en-US" sz="2200" b="1" dirty="0"/>
+              <a:t>Scientific Computing</a:t>
+            </a:r>
+            <a:r>
+              <a:rPr lang="en-US" sz="2200" dirty="0"/>
+              <a:t>: Libraries like </a:t>
+            </a:r>
+            <a:r>
+              <a:rPr lang="en-US" sz="2200" b="1" dirty="0">
+                <a:solidFill>
+                  <a:srgbClr val="002060"/>
+                </a:solidFill>
+              </a:rPr>
+              <a:t>SciPy</a:t>
+            </a:r>
+            <a:r>
+              <a:rPr lang="en-US" sz="2200" dirty="0"/>
+              <a:t> and </a:t>
+            </a:r>
+            <a:r>
+              <a:rPr lang="en-US" sz="2200" b="1" dirty="0" err="1">
+                <a:solidFill>
+                  <a:srgbClr val="002060"/>
+                </a:solidFill>
+              </a:rPr>
+              <a:t>SymPy</a:t>
+            </a:r>
+            <a:r>
+              <a:rPr lang="en-US" sz="2200" dirty="0"/>
+              <a:t> are used for simulations and computations.</a:t>
+            </a:r>
+          </a:p>
+          <a:p>
+            <a:pPr marL="457200" indent="-457200">
+              <a:buFont typeface="+mj-lt"/>
+              <a:buAutoNum type="arabicPeriod"/>
+            </a:pPr>
+            <a:r>
+              <a:rPr lang="en-US" sz="2200" b="1" dirty="0"/>
+              <a:t>Software Development</a:t>
+            </a:r>
+            <a:r>
+              <a:rPr lang="en-US" sz="2200" dirty="0"/>
+              <a:t>: For prototyping and backend development.</a:t>
+            </a:r>
+          </a:p>
+          <a:p>
+            <a:pPr marL="0" indent="0">
+              <a:buNone/>
+            </a:pPr>
+            <a:endParaRPr lang="en-IN" sz="2400" dirty="0"/>
           </a:p>
         </p:txBody>
       </p:sp>
@@ -5364,6 +6530,1470 @@
     <p:extLst>
       <p:ext uri="{BB962C8B-B14F-4D97-AF65-F5344CB8AC3E}">
         <p14:creationId xmlns:p14="http://schemas.microsoft.com/office/powerpoint/2010/main" val="3288260606"/>
+      </p:ext>
+    </p:extLst>
+  </p:cSld>
+  <p:clrMapOvr>
+    <a:masterClrMapping/>
+  </p:clrMapOvr>
+</p:sld>
+</file>
+
+<file path=ppt/slides/slide4.xml><?xml version="1.0" encoding="utf-8"?>
+<p:sld xmlns:a="http://schemas.openxmlformats.org/drawingml/2006/main" xmlns:r="http://schemas.openxmlformats.org/officeDocument/2006/relationships" xmlns:p="http://schemas.openxmlformats.org/presentationml/2006/main">
+  <p:cSld>
+    <p:spTree>
+      <p:nvGrpSpPr>
+        <p:cNvPr id="1" name="">
+          <a:extLst>
+            <a:ext uri="{FF2B5EF4-FFF2-40B4-BE49-F238E27FC236}">
+              <a16:creationId xmlns:a16="http://schemas.microsoft.com/office/drawing/2014/main" id="{E1CF8036-C059-DC54-1C0D-F38FC653A31C}"/>
+            </a:ext>
+          </a:extLst>
+        </p:cNvPr>
+        <p:cNvGrpSpPr/>
+        <p:nvPr/>
+      </p:nvGrpSpPr>
+      <p:grpSpPr>
+        <a:xfrm>
+          <a:off x="0" y="0"/>
+          <a:ext cx="0" cy="0"/>
+          <a:chOff x="0" y="0"/>
+          <a:chExt cx="0" cy="0"/>
+        </a:xfrm>
+      </p:grpSpPr>
+      <p:sp>
+        <p:nvSpPr>
+          <p:cNvPr id="3" name="Content Placeholder 2">
+            <a:extLst>
+              <a:ext uri="{FF2B5EF4-FFF2-40B4-BE49-F238E27FC236}">
+                <a16:creationId xmlns:a16="http://schemas.microsoft.com/office/drawing/2014/main" id="{C4650BEF-517E-6E06-8E1B-60B7E150B76B}"/>
+              </a:ext>
+            </a:extLst>
+          </p:cNvPr>
+          <p:cNvSpPr>
+            <a:spLocks noGrp="1"/>
+          </p:cNvSpPr>
+          <p:nvPr>
+            <p:ph idx="1"/>
+          </p:nvPr>
+        </p:nvSpPr>
+        <p:spPr>
+          <a:xfrm>
+            <a:off x="777240" y="592183"/>
+            <a:ext cx="10659110" cy="5584780"/>
+          </a:xfrm>
+        </p:spPr>
+        <p:txBody>
+          <a:bodyPr>
+            <a:normAutofit/>
+          </a:bodyPr>
+          <a:lstStyle/>
+          <a:p>
+            <a:pPr marL="0" indent="0">
+              <a:buNone/>
+            </a:pPr>
+            <a:r>
+              <a:rPr lang="en-US" sz="2400" b="1" dirty="0"/>
+              <a:t>How Python is </a:t>
+            </a:r>
+            <a:r>
+              <a:rPr lang="en-US" sz="2400" b="1" dirty="0">
+                <a:solidFill>
+                  <a:srgbClr val="C00000"/>
+                </a:solidFill>
+              </a:rPr>
+              <a:t>Compiled</a:t>
+            </a:r>
+            <a:r>
+              <a:rPr lang="en-US" sz="2400" b="1" dirty="0"/>
+              <a:t> and </a:t>
+            </a:r>
+            <a:r>
+              <a:rPr lang="en-US" sz="2400" b="1" dirty="0">
+                <a:solidFill>
+                  <a:srgbClr val="C00000"/>
+                </a:solidFill>
+              </a:rPr>
+              <a:t>Interpreted</a:t>
+            </a:r>
+            <a:r>
+              <a:rPr lang="en-US" sz="2400" b="1" dirty="0"/>
+              <a:t>:</a:t>
+            </a:r>
+          </a:p>
+          <a:p>
+            <a:pPr marL="0" indent="0">
+              <a:buNone/>
+            </a:pPr>
+            <a:r>
+              <a:rPr lang="en-US" sz="2400" dirty="0"/>
+              <a:t>Python is often described as both a compiled and an interpreted language, depending on how you look at its execution process. </a:t>
+            </a:r>
+          </a:p>
+          <a:p>
+            <a:pPr marL="0" indent="0">
+              <a:buNone/>
+            </a:pPr>
+            <a:r>
+              <a:rPr lang="en-US" sz="2400" b="1" dirty="0"/>
+              <a:t>Compilation in Python:</a:t>
+            </a:r>
+          </a:p>
+          <a:p>
+            <a:pPr marL="0" indent="0">
+              <a:buNone/>
+            </a:pPr>
+            <a:r>
+              <a:rPr lang="en-US" sz="2400" dirty="0"/>
+              <a:t>When you </a:t>
+            </a:r>
+            <a:r>
+              <a:rPr lang="en-US" sz="2400" b="1" dirty="0">
+                <a:solidFill>
+                  <a:srgbClr val="C00000"/>
+                </a:solidFill>
+              </a:rPr>
+              <a:t>run</a:t>
+            </a:r>
+            <a:r>
+              <a:rPr lang="en-US" sz="2400" dirty="0"/>
+              <a:t> a Python program, it first goes through a </a:t>
+            </a:r>
+            <a:r>
+              <a:rPr lang="en-US" sz="2400" b="1" dirty="0"/>
+              <a:t>compilation step</a:t>
+            </a:r>
+            <a:r>
+              <a:rPr lang="en-US" sz="2400" dirty="0"/>
+              <a:t>. </a:t>
+            </a:r>
+          </a:p>
+          <a:p>
+            <a:pPr marL="0" indent="0">
+              <a:buNone/>
+            </a:pPr>
+            <a:r>
+              <a:rPr lang="en-US" sz="2400" dirty="0"/>
+              <a:t>The </a:t>
+            </a:r>
+            <a:r>
+              <a:rPr lang="en-US" sz="2400" b="1" dirty="0">
+                <a:solidFill>
+                  <a:srgbClr val="0070C0"/>
+                </a:solidFill>
+              </a:rPr>
+              <a:t>Python interpreter </a:t>
+            </a:r>
+            <a:r>
+              <a:rPr lang="en-US" sz="2400" dirty="0"/>
+              <a:t>compiles the source code (.</a:t>
+            </a:r>
+            <a:r>
+              <a:rPr lang="en-US" sz="2400" b="1" dirty="0" err="1">
+                <a:solidFill>
+                  <a:srgbClr val="C00000"/>
+                </a:solidFill>
+              </a:rPr>
+              <a:t>py</a:t>
+            </a:r>
+            <a:r>
+              <a:rPr lang="en-US" sz="2400" dirty="0"/>
+              <a:t> file) into </a:t>
+            </a:r>
+            <a:r>
+              <a:rPr lang="en-US" sz="2400" b="1" dirty="0">
+                <a:solidFill>
+                  <a:srgbClr val="0070C0"/>
+                </a:solidFill>
+              </a:rPr>
+              <a:t>bytecode</a:t>
+            </a:r>
+            <a:r>
+              <a:rPr lang="en-US" sz="2400" dirty="0"/>
+              <a:t> (</a:t>
+            </a:r>
+            <a:r>
+              <a:rPr lang="en-US" sz="2400" b="1" dirty="0"/>
+              <a:t>a lower-level, </a:t>
+            </a:r>
+            <a:r>
+              <a:rPr lang="en-US" sz="2400" b="1" dirty="0">
+                <a:solidFill>
+                  <a:srgbClr val="C00000"/>
+                </a:solidFill>
+              </a:rPr>
+              <a:t>platform-independent</a:t>
+            </a:r>
+            <a:r>
+              <a:rPr lang="en-US" sz="2400" b="1" dirty="0"/>
+              <a:t> representation</a:t>
+            </a:r>
+            <a:r>
+              <a:rPr lang="en-US" sz="2400" dirty="0"/>
+              <a:t>). This bytecode is stored in .</a:t>
+            </a:r>
+            <a:r>
+              <a:rPr lang="en-US" sz="2400" b="1" dirty="0" err="1">
+                <a:solidFill>
+                  <a:srgbClr val="C00000"/>
+                </a:solidFill>
+              </a:rPr>
+              <a:t>pyc</a:t>
+            </a:r>
+            <a:r>
+              <a:rPr lang="en-US" sz="2400" dirty="0"/>
+              <a:t> files (in the __</a:t>
+            </a:r>
+            <a:r>
+              <a:rPr lang="en-US" sz="2400" dirty="0" err="1"/>
+              <a:t>pycache</a:t>
+            </a:r>
+            <a:r>
+              <a:rPr lang="en-US" sz="2400" dirty="0"/>
+              <a:t>__ directory).</a:t>
+            </a:r>
+          </a:p>
+          <a:p>
+            <a:pPr marL="0" indent="0">
+              <a:buNone/>
+            </a:pPr>
+            <a:endParaRPr lang="en-US" sz="2400" dirty="0"/>
+          </a:p>
+          <a:p>
+            <a:pPr marL="0" indent="0">
+              <a:buNone/>
+            </a:pPr>
+            <a:r>
+              <a:rPr lang="en-US" sz="2400" b="1" dirty="0"/>
+              <a:t>Note:</a:t>
+            </a:r>
+          </a:p>
+          <a:p>
+            <a:pPr lvl="1"/>
+            <a:r>
+              <a:rPr lang="en-US" sz="2200" dirty="0"/>
+              <a:t>This compilation step is </a:t>
+            </a:r>
+            <a:r>
+              <a:rPr lang="en-US" sz="2200" b="1" dirty="0"/>
+              <a:t>implicit</a:t>
+            </a:r>
+            <a:r>
+              <a:rPr lang="en-US" sz="2200" dirty="0"/>
+              <a:t> and </a:t>
+            </a:r>
+            <a:r>
+              <a:rPr lang="en-US" sz="2200" b="1" dirty="0"/>
+              <a:t>happens </a:t>
+            </a:r>
+            <a:r>
+              <a:rPr lang="en-US" sz="2200" b="1" dirty="0">
+                <a:solidFill>
+                  <a:srgbClr val="C00000"/>
+                </a:solidFill>
+              </a:rPr>
+              <a:t>behind the scenes</a:t>
+            </a:r>
+            <a:r>
+              <a:rPr lang="en-US" sz="2200" dirty="0"/>
+              <a:t>.</a:t>
+            </a:r>
+          </a:p>
+          <a:p>
+            <a:pPr lvl="1"/>
+            <a:r>
+              <a:rPr lang="en-US" sz="2200" dirty="0"/>
+              <a:t>The </a:t>
+            </a:r>
+            <a:r>
+              <a:rPr lang="en-US" sz="2200" b="1" dirty="0"/>
+              <a:t>bytecode is not directly executed by your machine</a:t>
+            </a:r>
+            <a:r>
+              <a:rPr lang="en-US" sz="2200" dirty="0"/>
+              <a:t>; it is executed by the Python interpreter.</a:t>
+            </a:r>
+            <a:endParaRPr lang="en-IN" sz="2200" dirty="0"/>
+          </a:p>
+        </p:txBody>
+      </p:sp>
+    </p:spTree>
+    <p:extLst>
+      <p:ext uri="{BB962C8B-B14F-4D97-AF65-F5344CB8AC3E}">
+        <p14:creationId xmlns:p14="http://schemas.microsoft.com/office/powerpoint/2010/main" val="659511840"/>
+      </p:ext>
+    </p:extLst>
+  </p:cSld>
+  <p:clrMapOvr>
+    <a:masterClrMapping/>
+  </p:clrMapOvr>
+</p:sld>
+</file>
+
+<file path=ppt/slides/slide5.xml><?xml version="1.0" encoding="utf-8"?>
+<p:sld xmlns:a="http://schemas.openxmlformats.org/drawingml/2006/main" xmlns:r="http://schemas.openxmlformats.org/officeDocument/2006/relationships" xmlns:p="http://schemas.openxmlformats.org/presentationml/2006/main">
+  <p:cSld>
+    <p:spTree>
+      <p:nvGrpSpPr>
+        <p:cNvPr id="1" name="">
+          <a:extLst>
+            <a:ext uri="{FF2B5EF4-FFF2-40B4-BE49-F238E27FC236}">
+              <a16:creationId xmlns:a16="http://schemas.microsoft.com/office/drawing/2014/main" id="{7761CFDC-81BF-F55E-A740-4707463AF615}"/>
+            </a:ext>
+          </a:extLst>
+        </p:cNvPr>
+        <p:cNvGrpSpPr/>
+        <p:nvPr/>
+      </p:nvGrpSpPr>
+      <p:grpSpPr>
+        <a:xfrm>
+          <a:off x="0" y="0"/>
+          <a:ext cx="0" cy="0"/>
+          <a:chOff x="0" y="0"/>
+          <a:chExt cx="0" cy="0"/>
+        </a:xfrm>
+      </p:grpSpPr>
+      <p:sp>
+        <p:nvSpPr>
+          <p:cNvPr id="3" name="Content Placeholder 2">
+            <a:extLst>
+              <a:ext uri="{FF2B5EF4-FFF2-40B4-BE49-F238E27FC236}">
+                <a16:creationId xmlns:a16="http://schemas.microsoft.com/office/drawing/2014/main" id="{DDB3A04F-47FF-27F1-31D5-1BCBA181FBCB}"/>
+              </a:ext>
+            </a:extLst>
+          </p:cNvPr>
+          <p:cNvSpPr>
+            <a:spLocks noGrp="1"/>
+          </p:cNvSpPr>
+          <p:nvPr>
+            <p:ph idx="1"/>
+          </p:nvPr>
+        </p:nvSpPr>
+        <p:spPr>
+          <a:xfrm>
+            <a:off x="777240" y="592183"/>
+            <a:ext cx="10659110" cy="5584780"/>
+          </a:xfrm>
+        </p:spPr>
+        <p:txBody>
+          <a:bodyPr>
+            <a:normAutofit/>
+          </a:bodyPr>
+          <a:lstStyle/>
+          <a:p>
+            <a:pPr marL="0" indent="0">
+              <a:buNone/>
+            </a:pPr>
+            <a:r>
+              <a:rPr lang="en-US" sz="2400" b="1" dirty="0"/>
+              <a:t>Interpretation in Python</a:t>
+            </a:r>
+          </a:p>
+          <a:p>
+            <a:pPr marL="0" indent="0">
+              <a:buNone/>
+            </a:pPr>
+            <a:r>
+              <a:rPr lang="en-US" sz="2400" dirty="0"/>
+              <a:t>The </a:t>
+            </a:r>
+            <a:r>
+              <a:rPr lang="en-US" sz="2400" b="1" dirty="0">
+                <a:solidFill>
+                  <a:srgbClr val="C00000"/>
+                </a:solidFill>
+              </a:rPr>
+              <a:t>bytecode</a:t>
+            </a:r>
+            <a:r>
+              <a:rPr lang="en-US" sz="2400" dirty="0"/>
+              <a:t> produced by the compilation step is executed by the </a:t>
+            </a:r>
+            <a:r>
+              <a:rPr lang="en-US" sz="2400" b="1" dirty="0"/>
+              <a:t>Python Virtual Machine (</a:t>
+            </a:r>
+            <a:r>
+              <a:rPr lang="en-US" sz="2400" b="1" dirty="0">
+                <a:solidFill>
+                  <a:srgbClr val="C00000"/>
+                </a:solidFill>
+              </a:rPr>
+              <a:t>PVM</a:t>
+            </a:r>
+            <a:r>
+              <a:rPr lang="en-US" sz="2400" b="1" dirty="0"/>
+              <a:t>)</a:t>
+            </a:r>
+            <a:r>
+              <a:rPr lang="en-US" sz="2400" dirty="0"/>
+              <a:t>. The PVM </a:t>
+            </a:r>
+            <a:r>
+              <a:rPr lang="en-US" sz="2400" b="1" dirty="0"/>
+              <a:t>interprets the bytecode </a:t>
+            </a:r>
+            <a:r>
+              <a:rPr lang="en-US" sz="2400" b="1" dirty="0">
+                <a:solidFill>
+                  <a:srgbClr val="C00000"/>
+                </a:solidFill>
+              </a:rPr>
+              <a:t>line by line</a:t>
+            </a:r>
+            <a:r>
+              <a:rPr lang="en-US" sz="2400" dirty="0">
+                <a:solidFill>
+                  <a:srgbClr val="C00000"/>
+                </a:solidFill>
+              </a:rPr>
+              <a:t> </a:t>
+            </a:r>
+            <a:r>
+              <a:rPr lang="en-US" sz="2400" dirty="0"/>
+              <a:t>and </a:t>
+            </a:r>
+            <a:r>
+              <a:rPr lang="en-US" sz="2400" b="1" dirty="0">
+                <a:solidFill>
+                  <a:srgbClr val="C00000"/>
+                </a:solidFill>
+              </a:rPr>
+              <a:t>executes it</a:t>
+            </a:r>
+            <a:r>
+              <a:rPr lang="en-US" sz="2400" dirty="0"/>
+              <a:t>. This is what gives Python its </a:t>
+            </a:r>
+            <a:r>
+              <a:rPr lang="en-US" sz="2400" b="1" dirty="0">
+                <a:solidFill>
+                  <a:srgbClr val="C00000"/>
+                </a:solidFill>
+              </a:rPr>
+              <a:t>"interpreted" </a:t>
+            </a:r>
+            <a:r>
+              <a:rPr lang="en-US" sz="2400" dirty="0"/>
+              <a:t>behavior.</a:t>
+            </a:r>
+          </a:p>
+          <a:p>
+            <a:pPr marL="0" indent="0">
+              <a:buNone/>
+            </a:pPr>
+            <a:endParaRPr lang="en-US" sz="2000" b="1" dirty="0"/>
+          </a:p>
+          <a:p>
+            <a:pPr marL="0" indent="0">
+              <a:buNone/>
+            </a:pPr>
+            <a:r>
+              <a:rPr lang="en-US" sz="2400" b="1" dirty="0"/>
+              <a:t>Key Points</a:t>
+            </a:r>
+          </a:p>
+          <a:p>
+            <a:pPr>
+              <a:buFont typeface="Arial" panose="020B0604020202020204" pitchFamily="34" charset="0"/>
+              <a:buChar char="•"/>
+            </a:pPr>
+            <a:r>
+              <a:rPr lang="en-US" sz="2400" dirty="0"/>
+              <a:t>Python is </a:t>
+            </a:r>
+            <a:r>
+              <a:rPr lang="en-US" sz="2400" b="1" dirty="0">
+                <a:solidFill>
+                  <a:srgbClr val="C00000"/>
+                </a:solidFill>
+              </a:rPr>
+              <a:t>not a purely compiled language</a:t>
+            </a:r>
+            <a:r>
+              <a:rPr lang="en-US" sz="2400" dirty="0">
+                <a:solidFill>
+                  <a:srgbClr val="C00000"/>
+                </a:solidFill>
+              </a:rPr>
+              <a:t> </a:t>
+            </a:r>
+            <a:r>
+              <a:rPr lang="en-US" sz="2400" dirty="0"/>
+              <a:t>like C or C++, where code is compiled into machine code before execution.</a:t>
+            </a:r>
+          </a:p>
+          <a:p>
+            <a:pPr>
+              <a:buFont typeface="Arial" panose="020B0604020202020204" pitchFamily="34" charset="0"/>
+              <a:buChar char="•"/>
+            </a:pPr>
+            <a:r>
+              <a:rPr lang="en-US" sz="2400" dirty="0"/>
+              <a:t>Python is </a:t>
+            </a:r>
+            <a:r>
+              <a:rPr lang="en-US" sz="2400" b="1" dirty="0">
+                <a:solidFill>
+                  <a:srgbClr val="C00000"/>
+                </a:solidFill>
+              </a:rPr>
+              <a:t>not a purely interpreted language</a:t>
+            </a:r>
+            <a:r>
+              <a:rPr lang="en-US" sz="2400" dirty="0">
+                <a:solidFill>
+                  <a:srgbClr val="C00000"/>
+                </a:solidFill>
+              </a:rPr>
+              <a:t> </a:t>
+            </a:r>
+            <a:r>
+              <a:rPr lang="en-US" sz="2400" dirty="0"/>
+              <a:t>like early versions of BASIC, which execute source code directly without compiling it.</a:t>
+            </a:r>
+          </a:p>
+          <a:p>
+            <a:pPr>
+              <a:buFont typeface="Arial" panose="020B0604020202020204" pitchFamily="34" charset="0"/>
+              <a:buChar char="•"/>
+            </a:pPr>
+            <a:r>
+              <a:rPr lang="en-US" sz="2400" dirty="0"/>
+              <a:t>Instead, Python uses a </a:t>
+            </a:r>
+            <a:r>
+              <a:rPr lang="en-US" sz="2400" b="1" dirty="0">
+                <a:solidFill>
+                  <a:srgbClr val="002060"/>
+                </a:solidFill>
+              </a:rPr>
+              <a:t>hybrid model</a:t>
+            </a:r>
+            <a:r>
+              <a:rPr lang="en-US" sz="2400" dirty="0"/>
+              <a:t>: it compiles source code to bytecode (a form of intermediate code), which is then interpreted.</a:t>
+            </a:r>
+          </a:p>
+          <a:p>
+            <a:pPr marL="0" indent="0">
+              <a:buNone/>
+            </a:pPr>
+            <a:endParaRPr lang="en-IN" sz="2400" dirty="0"/>
+          </a:p>
+        </p:txBody>
+      </p:sp>
+    </p:spTree>
+    <p:extLst>
+      <p:ext uri="{BB962C8B-B14F-4D97-AF65-F5344CB8AC3E}">
+        <p14:creationId xmlns:p14="http://schemas.microsoft.com/office/powerpoint/2010/main" val="448902393"/>
+      </p:ext>
+    </p:extLst>
+  </p:cSld>
+  <p:clrMapOvr>
+    <a:masterClrMapping/>
+  </p:clrMapOvr>
+</p:sld>
+</file>
+
+<file path=ppt/slides/slide6.xml><?xml version="1.0" encoding="utf-8"?>
+<p:sld xmlns:a="http://schemas.openxmlformats.org/drawingml/2006/main" xmlns:r="http://schemas.openxmlformats.org/officeDocument/2006/relationships" xmlns:p="http://schemas.openxmlformats.org/presentationml/2006/main">
+  <p:cSld>
+    <p:spTree>
+      <p:nvGrpSpPr>
+        <p:cNvPr id="1" name="">
+          <a:extLst>
+            <a:ext uri="{FF2B5EF4-FFF2-40B4-BE49-F238E27FC236}">
+              <a16:creationId xmlns:a16="http://schemas.microsoft.com/office/drawing/2014/main" id="{C729B481-2F1C-05FC-DF2F-3A47ED3C98A3}"/>
+            </a:ext>
+          </a:extLst>
+        </p:cNvPr>
+        <p:cNvGrpSpPr/>
+        <p:nvPr/>
+      </p:nvGrpSpPr>
+      <p:grpSpPr>
+        <a:xfrm>
+          <a:off x="0" y="0"/>
+          <a:ext cx="0" cy="0"/>
+          <a:chOff x="0" y="0"/>
+          <a:chExt cx="0" cy="0"/>
+        </a:xfrm>
+      </p:grpSpPr>
+      <p:sp>
+        <p:nvSpPr>
+          <p:cNvPr id="3" name="Content Placeholder 2">
+            <a:extLst>
+              <a:ext uri="{FF2B5EF4-FFF2-40B4-BE49-F238E27FC236}">
+                <a16:creationId xmlns:a16="http://schemas.microsoft.com/office/drawing/2014/main" id="{B6FBB49B-FF1C-A453-058B-28EB3590C90E}"/>
+              </a:ext>
+            </a:extLst>
+          </p:cNvPr>
+          <p:cNvSpPr>
+            <a:spLocks noGrp="1"/>
+          </p:cNvSpPr>
+          <p:nvPr>
+            <p:ph idx="1"/>
+          </p:nvPr>
+        </p:nvSpPr>
+        <p:spPr>
+          <a:xfrm>
+            <a:off x="777240" y="592183"/>
+            <a:ext cx="10659110" cy="5584780"/>
+          </a:xfrm>
+        </p:spPr>
+        <p:txBody>
+          <a:bodyPr>
+            <a:normAutofit/>
+          </a:bodyPr>
+          <a:lstStyle/>
+          <a:p>
+            <a:pPr marL="0" indent="0">
+              <a:buNone/>
+            </a:pPr>
+            <a:r>
+              <a:rPr lang="en-US" sz="2400" b="1" dirty="0"/>
+              <a:t>What is </a:t>
+            </a:r>
+            <a:r>
+              <a:rPr lang="en-US" sz="2400" b="1" dirty="0">
+                <a:solidFill>
+                  <a:srgbClr val="C00000"/>
+                </a:solidFill>
+              </a:rPr>
+              <a:t>Compiler</a:t>
+            </a:r>
+            <a:r>
+              <a:rPr lang="en-US" sz="2400" b="1" dirty="0"/>
+              <a:t>?</a:t>
+            </a:r>
+          </a:p>
+          <a:p>
+            <a:r>
+              <a:rPr lang="en-US" sz="2400" dirty="0"/>
+              <a:t>A </a:t>
+            </a:r>
+            <a:r>
+              <a:rPr lang="en-US" sz="2400" b="1" dirty="0"/>
+              <a:t>compiler</a:t>
+            </a:r>
+            <a:r>
+              <a:rPr lang="en-US" sz="2400" dirty="0"/>
+              <a:t> is a </a:t>
+            </a:r>
+            <a:r>
+              <a:rPr lang="en-US" sz="2400" b="1" dirty="0">
+                <a:solidFill>
+                  <a:srgbClr val="002060"/>
+                </a:solidFill>
+              </a:rPr>
+              <a:t>program</a:t>
+            </a:r>
+            <a:r>
+              <a:rPr lang="en-US" sz="2400" dirty="0"/>
+              <a:t> that </a:t>
+            </a:r>
+            <a:r>
+              <a:rPr lang="en-US" sz="2400" b="1" dirty="0"/>
+              <a:t>translates the </a:t>
+            </a:r>
+            <a:r>
+              <a:rPr lang="en-US" sz="2400" b="1" dirty="0">
+                <a:solidFill>
+                  <a:srgbClr val="C00000"/>
+                </a:solidFill>
+              </a:rPr>
+              <a:t>entire</a:t>
+            </a:r>
+            <a:r>
+              <a:rPr lang="en-US" sz="2400" b="1" dirty="0"/>
+              <a:t> source code </a:t>
+            </a:r>
+            <a:r>
+              <a:rPr lang="en-US" sz="2400" dirty="0"/>
+              <a:t>of a programming language into </a:t>
+            </a:r>
+            <a:r>
+              <a:rPr lang="en-US" sz="2400" b="1" dirty="0">
+                <a:solidFill>
+                  <a:srgbClr val="002060"/>
+                </a:solidFill>
+              </a:rPr>
+              <a:t>machine code </a:t>
+            </a:r>
+            <a:r>
+              <a:rPr lang="en-US" sz="2400" dirty="0"/>
+              <a:t>or </a:t>
+            </a:r>
+            <a:r>
+              <a:rPr lang="en-US" sz="2400" b="1" dirty="0">
+                <a:solidFill>
+                  <a:srgbClr val="002060"/>
+                </a:solidFill>
+              </a:rPr>
+              <a:t>intermediate code </a:t>
+            </a:r>
+            <a:r>
+              <a:rPr lang="en-US" sz="2400" dirty="0"/>
+              <a:t>before execution. The compiled code is then executed directly by the </a:t>
+            </a:r>
+            <a:r>
+              <a:rPr lang="en-US" sz="2400" b="1" dirty="0"/>
+              <a:t>computer's processor</a:t>
+            </a:r>
+            <a:r>
+              <a:rPr lang="en-US" sz="2400" dirty="0"/>
+              <a:t>.</a:t>
+            </a:r>
+          </a:p>
+          <a:p>
+            <a:r>
+              <a:rPr lang="en-IN" sz="2000" b="1" dirty="0"/>
+              <a:t>Example: C Language</a:t>
+            </a:r>
+          </a:p>
+          <a:p>
+            <a:endParaRPr lang="en-IN" b="1" dirty="0"/>
+          </a:p>
+          <a:p>
+            <a:endParaRPr lang="en-IN" sz="2000" b="1" dirty="0"/>
+          </a:p>
+          <a:p>
+            <a:endParaRPr lang="en-IN" b="1" dirty="0"/>
+          </a:p>
+          <a:p>
+            <a:endParaRPr lang="en-IN" sz="2000" b="1" dirty="0"/>
+          </a:p>
+          <a:p>
+            <a:endParaRPr lang="en-IN" b="1" dirty="0"/>
+          </a:p>
+          <a:p>
+            <a:endParaRPr lang="en-IN" sz="2000" b="1" dirty="0"/>
+          </a:p>
+          <a:p>
+            <a:endParaRPr lang="en-IN" b="1" dirty="0"/>
+          </a:p>
+          <a:p>
+            <a:r>
+              <a:rPr lang="en-US" sz="2400" b="1" dirty="0"/>
+              <a:t>Process: </a:t>
+            </a:r>
+            <a:r>
+              <a:rPr lang="en-US" sz="2400" dirty="0"/>
+              <a:t>A C compiler (like </a:t>
+            </a:r>
+            <a:r>
+              <a:rPr lang="en-US" sz="2400" b="1" dirty="0">
+                <a:solidFill>
+                  <a:srgbClr val="C00000"/>
+                </a:solidFill>
+              </a:rPr>
+              <a:t>GCC</a:t>
+            </a:r>
+            <a:r>
+              <a:rPr lang="en-US" sz="2400" dirty="0"/>
+              <a:t>) compiles the code into a machine-readable </a:t>
+            </a:r>
+            <a:r>
+              <a:rPr lang="en-US" sz="2400" b="1" dirty="0">
+                <a:solidFill>
+                  <a:srgbClr val="C00000"/>
+                </a:solidFill>
+              </a:rPr>
+              <a:t>.exe </a:t>
+            </a:r>
+            <a:r>
+              <a:rPr lang="en-US" sz="2400" dirty="0"/>
+              <a:t>file, which can then be </a:t>
+            </a:r>
+            <a:r>
+              <a:rPr lang="en-US" sz="2400" b="1" dirty="0"/>
+              <a:t>executed</a:t>
+            </a:r>
+            <a:r>
+              <a:rPr lang="en-US" sz="2400" dirty="0"/>
+              <a:t>.</a:t>
+            </a:r>
+            <a:endParaRPr lang="en-IN" sz="2400" dirty="0"/>
+          </a:p>
+          <a:p>
+            <a:pPr marL="0" indent="0">
+              <a:buNone/>
+            </a:pPr>
+            <a:endParaRPr lang="en-IN" sz="2400" dirty="0"/>
+          </a:p>
+        </p:txBody>
+      </p:sp>
+      <p:pic>
+        <p:nvPicPr>
+          <p:cNvPr id="4" name="Picture 3">
+            <a:extLst>
+              <a:ext uri="{FF2B5EF4-FFF2-40B4-BE49-F238E27FC236}">
+                <a16:creationId xmlns:a16="http://schemas.microsoft.com/office/drawing/2014/main" id="{6D15F367-3DAB-8A2B-89F0-3BA81A188A05}"/>
+              </a:ext>
+            </a:extLst>
+          </p:cNvPr>
+          <p:cNvPicPr>
+            <a:picLocks noChangeAspect="1"/>
+          </p:cNvPicPr>
+          <p:nvPr/>
+        </p:nvPicPr>
+        <p:blipFill>
+          <a:blip r:embed="rId2"/>
+          <a:stretch>
+            <a:fillRect/>
+          </a:stretch>
+        </p:blipFill>
+        <p:spPr>
+          <a:xfrm>
+            <a:off x="2568181" y="2602599"/>
+            <a:ext cx="5628762" cy="2566245"/>
+          </a:xfrm>
+          <a:prstGeom prst="rect">
+            <a:avLst/>
+          </a:prstGeom>
+        </p:spPr>
+      </p:pic>
+    </p:spTree>
+    <p:extLst>
+      <p:ext uri="{BB962C8B-B14F-4D97-AF65-F5344CB8AC3E}">
+        <p14:creationId xmlns:p14="http://schemas.microsoft.com/office/powerpoint/2010/main" val="1647278110"/>
+      </p:ext>
+    </p:extLst>
+  </p:cSld>
+  <p:clrMapOvr>
+    <a:masterClrMapping/>
+  </p:clrMapOvr>
+</p:sld>
+</file>
+
+<file path=ppt/slides/slide7.xml><?xml version="1.0" encoding="utf-8"?>
+<p:sld xmlns:a="http://schemas.openxmlformats.org/drawingml/2006/main" xmlns:r="http://schemas.openxmlformats.org/officeDocument/2006/relationships" xmlns:p="http://schemas.openxmlformats.org/presentationml/2006/main">
+  <p:cSld>
+    <p:spTree>
+      <p:nvGrpSpPr>
+        <p:cNvPr id="1" name="">
+          <a:extLst>
+            <a:ext uri="{FF2B5EF4-FFF2-40B4-BE49-F238E27FC236}">
+              <a16:creationId xmlns:a16="http://schemas.microsoft.com/office/drawing/2014/main" id="{3D327339-7AAE-6E8A-CE2F-1DD1F5FCDC73}"/>
+            </a:ext>
+          </a:extLst>
+        </p:cNvPr>
+        <p:cNvGrpSpPr/>
+        <p:nvPr/>
+      </p:nvGrpSpPr>
+      <p:grpSpPr>
+        <a:xfrm>
+          <a:off x="0" y="0"/>
+          <a:ext cx="0" cy="0"/>
+          <a:chOff x="0" y="0"/>
+          <a:chExt cx="0" cy="0"/>
+        </a:xfrm>
+      </p:grpSpPr>
+      <p:sp>
+        <p:nvSpPr>
+          <p:cNvPr id="3" name="Content Placeholder 2">
+            <a:extLst>
+              <a:ext uri="{FF2B5EF4-FFF2-40B4-BE49-F238E27FC236}">
+                <a16:creationId xmlns:a16="http://schemas.microsoft.com/office/drawing/2014/main" id="{656D70B2-B6F8-C933-A352-6DE9345A4B5E}"/>
+              </a:ext>
+            </a:extLst>
+          </p:cNvPr>
+          <p:cNvSpPr>
+            <a:spLocks noGrp="1"/>
+          </p:cNvSpPr>
+          <p:nvPr>
+            <p:ph idx="1"/>
+          </p:nvPr>
+        </p:nvSpPr>
+        <p:spPr>
+          <a:xfrm>
+            <a:off x="777240" y="592183"/>
+            <a:ext cx="10659110" cy="5584780"/>
+          </a:xfrm>
+        </p:spPr>
+        <p:txBody>
+          <a:bodyPr>
+            <a:normAutofit/>
+          </a:bodyPr>
+          <a:lstStyle/>
+          <a:p>
+            <a:pPr marL="0" indent="0">
+              <a:buNone/>
+            </a:pPr>
+            <a:r>
+              <a:rPr lang="en-US" sz="2400" b="1" dirty="0"/>
+              <a:t>What is </a:t>
+            </a:r>
+            <a:r>
+              <a:rPr lang="en-US" sz="2400" b="1" dirty="0">
+                <a:solidFill>
+                  <a:srgbClr val="C00000"/>
+                </a:solidFill>
+              </a:rPr>
+              <a:t>Interpreter?</a:t>
+            </a:r>
+          </a:p>
+          <a:p>
+            <a:r>
+              <a:rPr lang="en-US" sz="2400" dirty="0"/>
+              <a:t>An </a:t>
+            </a:r>
+            <a:r>
+              <a:rPr lang="en-US" sz="2400" b="1" dirty="0"/>
+              <a:t>interpreter</a:t>
+            </a:r>
+            <a:r>
+              <a:rPr lang="en-US" sz="2400" dirty="0"/>
+              <a:t> </a:t>
+            </a:r>
+            <a:r>
+              <a:rPr lang="en-US" sz="2400" b="1" dirty="0">
+                <a:solidFill>
+                  <a:srgbClr val="C00000"/>
+                </a:solidFill>
+              </a:rPr>
+              <a:t>is a program </a:t>
+            </a:r>
+            <a:r>
+              <a:rPr lang="en-US" sz="2400" dirty="0"/>
+              <a:t>that </a:t>
+            </a:r>
+            <a:r>
+              <a:rPr lang="en-US" sz="2400" b="1" dirty="0"/>
+              <a:t>executes code </a:t>
+            </a:r>
+            <a:r>
+              <a:rPr lang="en-US" sz="2400" b="1" dirty="0">
+                <a:solidFill>
+                  <a:srgbClr val="C00000"/>
+                </a:solidFill>
+              </a:rPr>
+              <a:t>line by line</a:t>
+            </a:r>
+            <a:r>
+              <a:rPr lang="en-US" sz="2400" dirty="0"/>
+              <a:t>, </a:t>
+            </a:r>
+            <a:r>
+              <a:rPr lang="en-US" sz="2400" b="1" dirty="0"/>
+              <a:t>translating it directly into machine code as it runs.</a:t>
+            </a:r>
+          </a:p>
+          <a:p>
+            <a:r>
+              <a:rPr lang="en-IN" sz="2400" b="1" dirty="0"/>
+              <a:t>Example: Python:</a:t>
+            </a:r>
+          </a:p>
+          <a:p>
+            <a:endParaRPr lang="en-IN" sz="2400" b="1" dirty="0"/>
+          </a:p>
+          <a:p>
+            <a:endParaRPr lang="en-IN" sz="2400" b="1" dirty="0"/>
+          </a:p>
+          <a:p>
+            <a:endParaRPr lang="en-IN" sz="2400" b="1" dirty="0"/>
+          </a:p>
+          <a:p>
+            <a:r>
+              <a:rPr lang="en-US" sz="2400" b="1" dirty="0"/>
+              <a:t>Process: </a:t>
+            </a:r>
+            <a:r>
+              <a:rPr lang="en-US" sz="2400" dirty="0"/>
+              <a:t>The Python </a:t>
+            </a:r>
+            <a:r>
+              <a:rPr lang="en-US" sz="2400" b="1" dirty="0"/>
+              <a:t>interpreter</a:t>
+            </a:r>
+            <a:r>
+              <a:rPr lang="en-US" sz="2400" dirty="0"/>
+              <a:t> reads the script </a:t>
+            </a:r>
+            <a:r>
+              <a:rPr lang="en-US" sz="2400" b="1" dirty="0">
+                <a:solidFill>
+                  <a:srgbClr val="C00000"/>
+                </a:solidFill>
+              </a:rPr>
+              <a:t>line by line </a:t>
+            </a:r>
+            <a:r>
+              <a:rPr lang="en-US" sz="2400" dirty="0"/>
+              <a:t>and executes it immediately.</a:t>
+            </a:r>
+            <a:endParaRPr lang="en-IN" sz="2400" dirty="0"/>
+          </a:p>
+          <a:p>
+            <a:pPr marL="0" indent="0">
+              <a:buNone/>
+            </a:pPr>
+            <a:endParaRPr lang="en-IN" sz="2400" dirty="0"/>
+          </a:p>
+        </p:txBody>
+      </p:sp>
+      <p:pic>
+        <p:nvPicPr>
+          <p:cNvPr id="4" name="Picture 3">
+            <a:extLst>
+              <a:ext uri="{FF2B5EF4-FFF2-40B4-BE49-F238E27FC236}">
+                <a16:creationId xmlns:a16="http://schemas.microsoft.com/office/drawing/2014/main" id="{D3937C38-0DBE-40D1-3A9F-E9B94D58545B}"/>
+              </a:ext>
+            </a:extLst>
+          </p:cNvPr>
+          <p:cNvPicPr>
+            <a:picLocks noChangeAspect="1"/>
+          </p:cNvPicPr>
+          <p:nvPr/>
+        </p:nvPicPr>
+        <p:blipFill>
+          <a:blip r:embed="rId2"/>
+          <a:stretch>
+            <a:fillRect/>
+          </a:stretch>
+        </p:blipFill>
+        <p:spPr>
+          <a:xfrm>
+            <a:off x="2510868" y="2589729"/>
+            <a:ext cx="4717247" cy="724492"/>
+          </a:xfrm>
+          <a:prstGeom prst="rect">
+            <a:avLst/>
+          </a:prstGeom>
+        </p:spPr>
+      </p:pic>
+    </p:spTree>
+    <p:extLst>
+      <p:ext uri="{BB962C8B-B14F-4D97-AF65-F5344CB8AC3E}">
+        <p14:creationId xmlns:p14="http://schemas.microsoft.com/office/powerpoint/2010/main" val="3104394822"/>
+      </p:ext>
+    </p:extLst>
+  </p:cSld>
+  <p:clrMapOvr>
+    <a:masterClrMapping/>
+  </p:clrMapOvr>
+</p:sld>
+</file>
+
+<file path=ppt/slides/slide8.xml><?xml version="1.0" encoding="utf-8"?>
+<p:sld xmlns:a="http://schemas.openxmlformats.org/drawingml/2006/main" xmlns:r="http://schemas.openxmlformats.org/officeDocument/2006/relationships" xmlns:p="http://schemas.openxmlformats.org/presentationml/2006/main">
+  <p:cSld>
+    <p:spTree>
+      <p:nvGrpSpPr>
+        <p:cNvPr id="1" name="">
+          <a:extLst>
+            <a:ext uri="{FF2B5EF4-FFF2-40B4-BE49-F238E27FC236}">
+              <a16:creationId xmlns:a16="http://schemas.microsoft.com/office/drawing/2014/main" id="{F792CEF0-84DA-C349-BECB-951397357F02}"/>
+            </a:ext>
+          </a:extLst>
+        </p:cNvPr>
+        <p:cNvGrpSpPr/>
+        <p:nvPr/>
+      </p:nvGrpSpPr>
+      <p:grpSpPr>
+        <a:xfrm>
+          <a:off x="0" y="0"/>
+          <a:ext cx="0" cy="0"/>
+          <a:chOff x="0" y="0"/>
+          <a:chExt cx="0" cy="0"/>
+        </a:xfrm>
+      </p:grpSpPr>
+      <p:sp>
+        <p:nvSpPr>
+          <p:cNvPr id="3" name="Content Placeholder 2">
+            <a:extLst>
+              <a:ext uri="{FF2B5EF4-FFF2-40B4-BE49-F238E27FC236}">
+                <a16:creationId xmlns:a16="http://schemas.microsoft.com/office/drawing/2014/main" id="{B967AC5D-D562-6CB0-A46A-D66053D9749D}"/>
+              </a:ext>
+            </a:extLst>
+          </p:cNvPr>
+          <p:cNvSpPr>
+            <a:spLocks noGrp="1"/>
+          </p:cNvSpPr>
+          <p:nvPr>
+            <p:ph idx="1"/>
+          </p:nvPr>
+        </p:nvSpPr>
+        <p:spPr>
+          <a:xfrm>
+            <a:off x="777240" y="592183"/>
+            <a:ext cx="10659110" cy="5584780"/>
+          </a:xfrm>
+        </p:spPr>
+        <p:txBody>
+          <a:bodyPr>
+            <a:normAutofit lnSpcReduction="10000"/>
+          </a:bodyPr>
+          <a:lstStyle/>
+          <a:p>
+            <a:pPr marL="0" indent="0">
+              <a:buNone/>
+            </a:pPr>
+            <a:r>
+              <a:rPr lang="en-US" sz="2400" b="1" dirty="0"/>
+              <a:t>Python Tokens:</a:t>
+            </a:r>
+          </a:p>
+          <a:p>
+            <a:pPr marL="0" indent="0">
+              <a:buNone/>
+            </a:pPr>
+            <a:r>
+              <a:rPr lang="en-US" sz="2400" dirty="0"/>
+              <a:t>In Python, </a:t>
+            </a:r>
+            <a:r>
+              <a:rPr lang="en-US" sz="2400" b="1" dirty="0"/>
+              <a:t>tokens</a:t>
+            </a:r>
+            <a:r>
+              <a:rPr lang="en-US" sz="2400" dirty="0"/>
+              <a:t> are the smallest units of the program that have a meaningful role. Python breaks every program into these tokens during the lexical analysis phase.</a:t>
+            </a:r>
+          </a:p>
+          <a:p>
+            <a:pPr marL="0" indent="0">
+              <a:buNone/>
+            </a:pPr>
+            <a:r>
+              <a:rPr lang="en-US" sz="2400" dirty="0"/>
+              <a:t>There are </a:t>
+            </a:r>
+            <a:r>
+              <a:rPr lang="en-US" sz="2400" b="1" dirty="0"/>
+              <a:t>5 types of Python tokens</a:t>
+            </a:r>
+            <a:r>
+              <a:rPr lang="en-US" sz="2400" dirty="0"/>
+              <a:t>:</a:t>
+            </a:r>
+          </a:p>
+          <a:p>
+            <a:pPr marL="457200" indent="-457200">
+              <a:buAutoNum type="arabicPeriod"/>
+            </a:pPr>
+            <a:r>
+              <a:rPr lang="en-IN" sz="2400" dirty="0"/>
+              <a:t>Keywords</a:t>
+            </a:r>
+            <a:endParaRPr lang="en-US" sz="2400" dirty="0"/>
+          </a:p>
+          <a:p>
+            <a:pPr marL="457200" indent="-457200">
+              <a:buAutoNum type="arabicPeriod"/>
+            </a:pPr>
+            <a:r>
+              <a:rPr lang="en-IN" sz="2400" dirty="0"/>
+              <a:t>Identifiers</a:t>
+            </a:r>
+            <a:endParaRPr lang="en-US" sz="2400" dirty="0"/>
+          </a:p>
+          <a:p>
+            <a:pPr marL="457200" indent="-457200">
+              <a:buAutoNum type="arabicPeriod"/>
+            </a:pPr>
+            <a:r>
+              <a:rPr lang="en-IN" sz="2400" dirty="0"/>
+              <a:t>Literals</a:t>
+            </a:r>
+          </a:p>
+          <a:p>
+            <a:pPr lvl="1"/>
+            <a:r>
+              <a:rPr lang="en-IN" sz="2000" dirty="0"/>
+              <a:t>String Literals</a:t>
+            </a:r>
+          </a:p>
+          <a:p>
+            <a:pPr lvl="1"/>
+            <a:r>
+              <a:rPr lang="en-IN" sz="2000" dirty="0"/>
+              <a:t>Numeric Literals</a:t>
+            </a:r>
+          </a:p>
+          <a:p>
+            <a:pPr lvl="1"/>
+            <a:r>
+              <a:rPr lang="en-IN" sz="2000" dirty="0"/>
+              <a:t>Boolean Literals</a:t>
+            </a:r>
+          </a:p>
+          <a:p>
+            <a:pPr lvl="1"/>
+            <a:r>
+              <a:rPr lang="en-IN" sz="2000" dirty="0"/>
+              <a:t>Special Literal (None)</a:t>
+            </a:r>
+          </a:p>
+          <a:p>
+            <a:pPr lvl="1"/>
+            <a:r>
+              <a:rPr lang="en-IN" sz="2000" dirty="0"/>
+              <a:t>Collection Literals</a:t>
+            </a:r>
+          </a:p>
+          <a:p>
+            <a:pPr marL="457200" indent="-457200">
+              <a:buAutoNum type="arabicPeriod"/>
+            </a:pPr>
+            <a:r>
+              <a:rPr lang="en-IN" sz="2400" dirty="0"/>
+              <a:t>Operators</a:t>
+            </a:r>
+          </a:p>
+          <a:p>
+            <a:pPr marL="457200" indent="-457200">
+              <a:buAutoNum type="arabicPeriod"/>
+            </a:pPr>
+            <a:r>
+              <a:rPr lang="en-IN" sz="2400" dirty="0"/>
+              <a:t>Punctuators</a:t>
+            </a:r>
+          </a:p>
+          <a:p>
+            <a:pPr marL="457200" indent="-457200">
+              <a:buAutoNum type="arabicPeriod"/>
+            </a:pPr>
+            <a:endParaRPr lang="en-IN" sz="2600" dirty="0"/>
+          </a:p>
+        </p:txBody>
+      </p:sp>
+    </p:spTree>
+    <p:extLst>
+      <p:ext uri="{BB962C8B-B14F-4D97-AF65-F5344CB8AC3E}">
+        <p14:creationId xmlns:p14="http://schemas.microsoft.com/office/powerpoint/2010/main" val="4101375337"/>
+      </p:ext>
+    </p:extLst>
+  </p:cSld>
+  <p:clrMapOvr>
+    <a:masterClrMapping/>
+  </p:clrMapOvr>
+</p:sld>
+</file>
+
+<file path=ppt/slides/slide9.xml><?xml version="1.0" encoding="utf-8"?>
+<p:sld xmlns:a="http://schemas.openxmlformats.org/drawingml/2006/main" xmlns:r="http://schemas.openxmlformats.org/officeDocument/2006/relationships" xmlns:p="http://schemas.openxmlformats.org/presentationml/2006/main">
+  <p:cSld>
+    <p:spTree>
+      <p:nvGrpSpPr>
+        <p:cNvPr id="1" name="">
+          <a:extLst>
+            <a:ext uri="{FF2B5EF4-FFF2-40B4-BE49-F238E27FC236}">
+              <a16:creationId xmlns:a16="http://schemas.microsoft.com/office/drawing/2014/main" id="{1BE105DB-A97C-1A28-D0AD-5C9E400C1BFB}"/>
+            </a:ext>
+          </a:extLst>
+        </p:cNvPr>
+        <p:cNvGrpSpPr/>
+        <p:nvPr/>
+      </p:nvGrpSpPr>
+      <p:grpSpPr>
+        <a:xfrm>
+          <a:off x="0" y="0"/>
+          <a:ext cx="0" cy="0"/>
+          <a:chOff x="0" y="0"/>
+          <a:chExt cx="0" cy="0"/>
+        </a:xfrm>
+      </p:grpSpPr>
+      <p:sp>
+        <p:nvSpPr>
+          <p:cNvPr id="3" name="Content Placeholder 2">
+            <a:extLst>
+              <a:ext uri="{FF2B5EF4-FFF2-40B4-BE49-F238E27FC236}">
+                <a16:creationId xmlns:a16="http://schemas.microsoft.com/office/drawing/2014/main" id="{7B6EF7F4-8F69-BB45-BDA5-95A571E3EA58}"/>
+              </a:ext>
+            </a:extLst>
+          </p:cNvPr>
+          <p:cNvSpPr>
+            <a:spLocks noGrp="1"/>
+          </p:cNvSpPr>
+          <p:nvPr>
+            <p:ph idx="1"/>
+          </p:nvPr>
+        </p:nvSpPr>
+        <p:spPr>
+          <a:xfrm>
+            <a:off x="777240" y="592183"/>
+            <a:ext cx="10659110" cy="5584780"/>
+          </a:xfrm>
+        </p:spPr>
+        <p:txBody>
+          <a:bodyPr>
+            <a:normAutofit fontScale="92500" lnSpcReduction="10000"/>
+          </a:bodyPr>
+          <a:lstStyle/>
+          <a:p>
+            <a:pPr marL="0" indent="0">
+              <a:buNone/>
+            </a:pPr>
+            <a:r>
+              <a:rPr lang="en-US" sz="2600" b="1" dirty="0"/>
+              <a:t>Parts of Python Programming Language:</a:t>
+            </a:r>
+          </a:p>
+          <a:p>
+            <a:pPr marL="0" indent="0">
+              <a:buNone/>
+            </a:pPr>
+            <a:r>
+              <a:rPr lang="en-US" sz="2600" dirty="0"/>
+              <a:t>Python programming language </a:t>
+            </a:r>
+            <a:r>
+              <a:rPr lang="en-US" sz="2600" b="1" dirty="0"/>
+              <a:t>consists of </a:t>
+            </a:r>
+            <a:r>
+              <a:rPr lang="en-US" sz="2600" dirty="0"/>
+              <a:t>several </a:t>
+            </a:r>
+            <a:r>
+              <a:rPr lang="en-US" sz="2600" b="1" dirty="0">
+                <a:solidFill>
+                  <a:srgbClr val="C00000"/>
+                </a:solidFill>
+              </a:rPr>
+              <a:t>essential components</a:t>
+            </a:r>
+            <a:r>
+              <a:rPr lang="en-US" sz="2600" dirty="0">
+                <a:solidFill>
+                  <a:srgbClr val="C00000"/>
+                </a:solidFill>
+              </a:rPr>
+              <a:t> </a:t>
+            </a:r>
+            <a:r>
+              <a:rPr lang="en-US" sz="2600" dirty="0"/>
+              <a:t>and </a:t>
+            </a:r>
+            <a:r>
+              <a:rPr lang="en-US" sz="2600" b="1" dirty="0">
+                <a:solidFill>
+                  <a:srgbClr val="C00000"/>
+                </a:solidFill>
+              </a:rPr>
+              <a:t>parts</a:t>
+            </a:r>
+            <a:r>
+              <a:rPr lang="en-US" sz="2600" dirty="0"/>
+              <a:t> that </a:t>
+            </a:r>
+            <a:r>
+              <a:rPr lang="en-US" sz="2600" b="1" dirty="0"/>
+              <a:t>work together</a:t>
+            </a:r>
+            <a:r>
+              <a:rPr lang="en-US" sz="2600" dirty="0"/>
+              <a:t> to provide its functionality and versatility.</a:t>
+            </a:r>
+          </a:p>
+          <a:p>
+            <a:pPr marL="457200" indent="-457200">
+              <a:buAutoNum type="arabicPeriod"/>
+            </a:pPr>
+            <a:r>
+              <a:rPr lang="en-US" sz="2200" dirty="0"/>
+              <a:t>Identifiers </a:t>
+            </a:r>
+          </a:p>
+          <a:p>
+            <a:pPr marL="457200" indent="-457200">
+              <a:buAutoNum type="arabicPeriod"/>
+            </a:pPr>
+            <a:r>
+              <a:rPr lang="en-US" sz="2200" dirty="0"/>
+              <a:t>Keywords</a:t>
+            </a:r>
+          </a:p>
+          <a:p>
+            <a:pPr marL="457200" indent="-457200">
+              <a:buAutoNum type="arabicPeriod"/>
+            </a:pPr>
+            <a:r>
+              <a:rPr lang="en-US" sz="2200" dirty="0"/>
+              <a:t>Statements and Expressions</a:t>
+            </a:r>
+          </a:p>
+          <a:p>
+            <a:pPr marL="457200" indent="-457200">
+              <a:buAutoNum type="arabicPeriod"/>
+            </a:pPr>
+            <a:r>
+              <a:rPr lang="en-US" sz="2200" dirty="0"/>
+              <a:t>Variables</a:t>
+            </a:r>
+          </a:p>
+          <a:p>
+            <a:pPr marL="457200" indent="-457200">
+              <a:buAutoNum type="arabicPeriod"/>
+            </a:pPr>
+            <a:r>
+              <a:rPr lang="en-US" sz="2200" dirty="0"/>
+              <a:t>Operators</a:t>
+            </a:r>
+          </a:p>
+          <a:p>
+            <a:pPr marL="457200" indent="-457200">
+              <a:buAutoNum type="arabicPeriod"/>
+            </a:pPr>
+            <a:r>
+              <a:rPr lang="en-US" sz="2200" dirty="0"/>
+              <a:t>Precedence and Associativity</a:t>
+            </a:r>
+          </a:p>
+          <a:p>
+            <a:pPr marL="457200" indent="-457200">
+              <a:buAutoNum type="arabicPeriod"/>
+            </a:pPr>
+            <a:r>
+              <a:rPr lang="en-US" sz="2200" dirty="0"/>
+              <a:t>Data Types</a:t>
+            </a:r>
+          </a:p>
+          <a:p>
+            <a:pPr marL="457200" indent="-457200">
+              <a:buAutoNum type="arabicPeriod"/>
+            </a:pPr>
+            <a:r>
+              <a:rPr lang="en-US" sz="2200" dirty="0"/>
+              <a:t>Indentation</a:t>
+            </a:r>
+          </a:p>
+          <a:p>
+            <a:pPr marL="457200" indent="-457200">
+              <a:buAutoNum type="arabicPeriod"/>
+            </a:pPr>
+            <a:r>
+              <a:rPr lang="en-US" sz="2200" dirty="0"/>
+              <a:t>Comments</a:t>
+            </a:r>
+          </a:p>
+          <a:p>
+            <a:pPr marL="457200" indent="-457200">
+              <a:buAutoNum type="arabicPeriod"/>
+            </a:pPr>
+            <a:r>
+              <a:rPr lang="en-US" sz="2200" dirty="0"/>
+              <a:t>Program Execution</a:t>
+            </a:r>
+          </a:p>
+          <a:p>
+            <a:pPr marL="457200" indent="-457200">
+              <a:buAutoNum type="arabicPeriod"/>
+            </a:pPr>
+            <a:r>
+              <a:rPr lang="en-US" sz="2200" dirty="0"/>
+              <a:t>Reading Input and Print Output</a:t>
+            </a:r>
+          </a:p>
+        </p:txBody>
+      </p:sp>
+    </p:spTree>
+    <p:extLst>
+      <p:ext uri="{BB962C8B-B14F-4D97-AF65-F5344CB8AC3E}">
+        <p14:creationId xmlns:p14="http://schemas.microsoft.com/office/powerpoint/2010/main" val="927103552"/>
       </p:ext>
     </p:extLst>
   </p:cSld>

--- a/Theory Class-Notes/Module-1 Python Basic Concepts and Programming.pptx
+++ b/Theory Class-Notes/Module-1 Python Basic Concepts and Programming.pptx
@@ -5,7 +5,7 @@
     <p:sldMasterId id="2147483710" r:id="rId1"/>
   </p:sldMasterIdLst>
   <p:notesMasterIdLst>
-    <p:notesMasterId r:id="rId22"/>
+    <p:notesMasterId r:id="rId34"/>
   </p:notesMasterIdLst>
   <p:sldIdLst>
     <p:sldId id="418" r:id="rId2"/>
@@ -17,17 +17,29 @@
     <p:sldId id="548" r:id="rId8"/>
     <p:sldId id="550" r:id="rId9"/>
     <p:sldId id="549" r:id="rId10"/>
-    <p:sldId id="561" r:id="rId11"/>
-    <p:sldId id="551" r:id="rId12"/>
-    <p:sldId id="552" r:id="rId13"/>
-    <p:sldId id="553" r:id="rId14"/>
-    <p:sldId id="554" r:id="rId15"/>
-    <p:sldId id="555" r:id="rId16"/>
-    <p:sldId id="556" r:id="rId17"/>
-    <p:sldId id="557" r:id="rId18"/>
-    <p:sldId id="558" r:id="rId19"/>
-    <p:sldId id="559" r:id="rId20"/>
-    <p:sldId id="560" r:id="rId21"/>
+    <p:sldId id="552" r:id="rId11"/>
+    <p:sldId id="553" r:id="rId12"/>
+    <p:sldId id="554" r:id="rId13"/>
+    <p:sldId id="555" r:id="rId14"/>
+    <p:sldId id="556" r:id="rId15"/>
+    <p:sldId id="557" r:id="rId16"/>
+    <p:sldId id="558" r:id="rId17"/>
+    <p:sldId id="559" r:id="rId18"/>
+    <p:sldId id="560" r:id="rId19"/>
+    <p:sldId id="562" r:id="rId20"/>
+    <p:sldId id="563" r:id="rId21"/>
+    <p:sldId id="561" r:id="rId22"/>
+    <p:sldId id="564" r:id="rId23"/>
+    <p:sldId id="565" r:id="rId24"/>
+    <p:sldId id="566" r:id="rId25"/>
+    <p:sldId id="567" r:id="rId26"/>
+    <p:sldId id="568" r:id="rId27"/>
+    <p:sldId id="569" r:id="rId28"/>
+    <p:sldId id="570" r:id="rId29"/>
+    <p:sldId id="571" r:id="rId30"/>
+    <p:sldId id="572" r:id="rId31"/>
+    <p:sldId id="573" r:id="rId32"/>
+    <p:sldId id="574" r:id="rId33"/>
   </p:sldIdLst>
   <p:sldSz cx="12192000" cy="6858000"/>
   <p:notesSz cx="6858000" cy="9144000"/>
@@ -216,7 +228,7 @@
           <a:p>
             <a:fld id="{61532AF1-4615-4667-912A-829B12F8C4D2}" type="datetimeFigureOut">
               <a:rPr lang="en-IN" smtClean="0"/>
-              <a:t>06-01-2025</a:t>
+              <a:t>08-01-2025</a:t>
             </a:fld>
             <a:endParaRPr lang="en-IN"/>
           </a:p>
@@ -633,7 +645,7 @@
           <a:p>
             <a:fld id="{C43A76A3-ADC8-4477-8FC1-B9DD55D84908}" type="datetime1">
               <a:rPr lang="en-US" smtClean="0"/>
-              <a:t>1/6/2025</a:t>
+              <a:t>1/8/2025</a:t>
             </a:fld>
             <a:endParaRPr lang="en-US" dirty="0"/>
           </a:p>
@@ -831,7 +843,7 @@
           <a:p>
             <a:fld id="{D6762538-DC4D-4667-96E5-B3278DDF8B12}" type="datetime1">
               <a:rPr lang="en-US" smtClean="0"/>
-              <a:t>1/6/2025</a:t>
+              <a:t>1/8/2025</a:t>
             </a:fld>
             <a:endParaRPr lang="en-US"/>
           </a:p>
@@ -1039,7 +1051,7 @@
           <a:p>
             <a:fld id="{05880548-5C08-4BE3-B63E-F2BB63B0B00C}" type="datetime1">
               <a:rPr lang="en-US" smtClean="0"/>
-              <a:t>1/6/2025</a:t>
+              <a:t>1/8/2025</a:t>
             </a:fld>
             <a:endParaRPr lang="en-US"/>
           </a:p>
@@ -1237,7 +1249,7 @@
           <a:p>
             <a:fld id="{DE7F49BE-398D-479A-8A7E-5DDBCA61EDCB}" type="datetime1">
               <a:rPr lang="en-US" smtClean="0"/>
-              <a:t>1/6/2025</a:t>
+              <a:t>1/8/2025</a:t>
             </a:fld>
             <a:endParaRPr lang="en-US" dirty="0"/>
           </a:p>
@@ -1513,7 +1525,7 @@
           <a:p>
             <a:fld id="{CCD0C193-4974-4A1F-9C63-07D595E30D66}" type="datetime1">
               <a:rPr lang="en-US" smtClean="0"/>
-              <a:t>1/6/2025</a:t>
+              <a:t>1/8/2025</a:t>
             </a:fld>
             <a:endParaRPr lang="en-US"/>
           </a:p>
@@ -1780,7 +1792,7 @@
           <a:p>
             <a:fld id="{701AA87F-28D4-4BF0-B81F-877A89DFD5AC}" type="datetime1">
               <a:rPr lang="en-US" smtClean="0"/>
-              <a:t>1/6/2025</a:t>
+              <a:t>1/8/2025</a:t>
             </a:fld>
             <a:endParaRPr lang="en-US"/>
           </a:p>
@@ -2194,7 +2206,7 @@
           <a:p>
             <a:fld id="{A8A9F1F3-208B-49A3-B337-9C8ACEB3E0E1}" type="datetime1">
               <a:rPr lang="en-US" smtClean="0"/>
-              <a:t>1/6/2025</a:t>
+              <a:t>1/8/2025</a:t>
             </a:fld>
             <a:endParaRPr lang="en-US"/>
           </a:p>
@@ -2341,7 +2353,7 @@
           <a:p>
             <a:fld id="{27AF6CA6-7293-4AA2-A0E0-A3BF4416E786}" type="datetime1">
               <a:rPr lang="en-US" smtClean="0"/>
-              <a:t>1/6/2025</a:t>
+              <a:t>1/8/2025</a:t>
             </a:fld>
             <a:endParaRPr lang="en-US"/>
           </a:p>
@@ -2454,7 +2466,7 @@
           <a:p>
             <a:fld id="{98D87016-7BCD-46FB-8EE3-AB6C369108B4}" type="datetime1">
               <a:rPr lang="en-US" smtClean="0"/>
-              <a:t>1/6/2025</a:t>
+              <a:t>1/8/2025</a:t>
             </a:fld>
             <a:endParaRPr lang="en-US"/>
           </a:p>
@@ -2773,7 +2785,7 @@
           <a:p>
             <a:fld id="{A1547011-1FFC-4EF8-9A2E-53B4AD2ADBD4}" type="datetime1">
               <a:rPr lang="en-US" smtClean="0"/>
-              <a:t>1/6/2025</a:t>
+              <a:t>1/8/2025</a:t>
             </a:fld>
             <a:endParaRPr lang="en-US"/>
           </a:p>
@@ -3068,7 +3080,7 @@
           <a:p>
             <a:fld id="{9562EB47-45B4-4EF5-A743-B4885DD2F060}" type="datetime1">
               <a:rPr lang="en-US" smtClean="0"/>
-              <a:t>1/6/2025</a:t>
+              <a:t>1/8/2025</a:t>
             </a:fld>
             <a:endParaRPr lang="en-US"/>
           </a:p>
@@ -4453,7 +4465,7 @@
           <a:p>
             <a:fld id="{4A8D24A4-5FEC-4062-8995-EB21925B3B40}" type="datetime1">
               <a:rPr lang="en-US" smtClean="0"/>
-              <a:t>1/6/2025</a:t>
+              <a:t>1/8/2025</a:t>
             </a:fld>
             <a:endParaRPr lang="en-US" sz="1000" dirty="0"/>
           </a:p>
@@ -5207,199 +5219,6 @@
         <p:cNvPr id="1" name="">
           <a:extLst>
             <a:ext uri="{FF2B5EF4-FFF2-40B4-BE49-F238E27FC236}">
-              <a16:creationId xmlns:a16="http://schemas.microsoft.com/office/drawing/2014/main" id="{E64B0317-D55A-B051-B978-3ABC8F2AD3A7}"/>
-            </a:ext>
-          </a:extLst>
-        </p:cNvPr>
-        <p:cNvGrpSpPr/>
-        <p:nvPr/>
-      </p:nvGrpSpPr>
-      <p:grpSpPr>
-        <a:xfrm>
-          <a:off x="0" y="0"/>
-          <a:ext cx="0" cy="0"/>
-          <a:chOff x="0" y="0"/>
-          <a:chExt cx="0" cy="0"/>
-        </a:xfrm>
-      </p:grpSpPr>
-      <p:sp>
-        <p:nvSpPr>
-          <p:cNvPr id="3" name="Content Placeholder 2">
-            <a:extLst>
-              <a:ext uri="{FF2B5EF4-FFF2-40B4-BE49-F238E27FC236}">
-                <a16:creationId xmlns:a16="http://schemas.microsoft.com/office/drawing/2014/main" id="{8A710A5B-D905-EA16-37DD-5FD66DF9E834}"/>
-              </a:ext>
-            </a:extLst>
-          </p:cNvPr>
-          <p:cNvSpPr>
-            <a:spLocks noGrp="1"/>
-          </p:cNvSpPr>
-          <p:nvPr>
-            <p:ph idx="1"/>
-          </p:nvPr>
-        </p:nvSpPr>
-        <p:spPr>
-          <a:xfrm>
-            <a:off x="702853" y="719137"/>
-            <a:ext cx="10900568" cy="5313801"/>
-          </a:xfrm>
-        </p:spPr>
-        <p:txBody>
-          <a:bodyPr>
-            <a:normAutofit/>
-          </a:bodyPr>
-          <a:lstStyle/>
-          <a:p>
-            <a:pPr marL="0" indent="0">
-              <a:buNone/>
-            </a:pPr>
-            <a:r>
-              <a:rPr lang="en-US" sz="3200" b="1" dirty="0">
-                <a:solidFill>
-                  <a:srgbClr val="C00000"/>
-                </a:solidFill>
-              </a:rPr>
-              <a:t>Module-1: </a:t>
-            </a:r>
-            <a:r>
-              <a:rPr lang="en-US" sz="3200" b="1" dirty="0">
-                <a:solidFill>
-                  <a:srgbClr val="002060"/>
-                </a:solidFill>
-              </a:rPr>
-              <a:t>Python Basic Concepts and Programming </a:t>
-            </a:r>
-            <a:r>
-              <a:rPr lang="en-IN" sz="3200" b="1" dirty="0">
-                <a:solidFill>
-                  <a:srgbClr val="C00000"/>
-                </a:solidFill>
-              </a:rPr>
-              <a:t>:</a:t>
-            </a:r>
-          </a:p>
-          <a:p>
-            <a:pPr marL="0" indent="0">
-              <a:buNone/>
-            </a:pPr>
-            <a:r>
-              <a:rPr lang="en-US" sz="2800" b="1" dirty="0"/>
-              <a:t>Interpreter, Parts of Python Programming Language</a:t>
-            </a:r>
-            <a:r>
-              <a:rPr lang="en-US" sz="2800" dirty="0"/>
-              <a:t>, Identifiers, Keywords, Statements and Expressions, Variables, Operators, Precedence and Associativity, Data Types, Indentation, Comments, Program Execution, Reading Input, Print Output, Type Conversions, The type( ) Function and Is Operator, Control Flow Statements, The if Decision Control Flow Statement, The if…else Decision Control Flow Statement, The if…</a:t>
-            </a:r>
-            <a:r>
-              <a:rPr lang="en-US" sz="2800" dirty="0" err="1"/>
-              <a:t>elif</a:t>
-            </a:r>
-            <a:r>
-              <a:rPr lang="en-US" sz="2800" dirty="0"/>
-              <a:t>…else Decision Control Statement, Nested if Statement, The while Loop, The for Loop, The continue and break Statements, Sequences – Strings, Built-In Functions, Commonly Used Modules, Function Definition and Calling the Function, The return Statement and void Function, Scope and Lifetime of Variables, Default Parameters, Keyword Arguments, *</a:t>
-            </a:r>
-            <a:r>
-              <a:rPr lang="en-US" sz="2800" dirty="0" err="1"/>
-              <a:t>args</a:t>
-            </a:r>
-            <a:r>
-              <a:rPr lang="en-US" sz="2800" dirty="0"/>
-              <a:t> and **</a:t>
-            </a:r>
-            <a:r>
-              <a:rPr lang="en-US" sz="2800" dirty="0" err="1"/>
-              <a:t>kwargs</a:t>
-            </a:r>
-            <a:r>
-              <a:rPr lang="en-US" sz="2800" dirty="0"/>
-              <a:t>, Command Line Arguments. </a:t>
-            </a:r>
-            <a:endParaRPr lang="en-IN" sz="3200" dirty="0"/>
-          </a:p>
-        </p:txBody>
-      </p:sp>
-    </p:spTree>
-    <p:extLst>
-      <p:ext uri="{BB962C8B-B14F-4D97-AF65-F5344CB8AC3E}">
-        <p14:creationId xmlns:p14="http://schemas.microsoft.com/office/powerpoint/2010/main" val="2505600029"/>
-      </p:ext>
-    </p:extLst>
-  </p:cSld>
-  <p:clrMapOvr>
-    <a:masterClrMapping/>
-  </p:clrMapOvr>
-</p:sld>
-</file>
-
-<file path=ppt/slides/slide11.xml><?xml version="1.0" encoding="utf-8"?>
-<p:sld xmlns:a="http://schemas.openxmlformats.org/drawingml/2006/main" xmlns:r="http://schemas.openxmlformats.org/officeDocument/2006/relationships" xmlns:p="http://schemas.openxmlformats.org/presentationml/2006/main">
-  <p:cSld>
-    <p:spTree>
-      <p:nvGrpSpPr>
-        <p:cNvPr id="1" name="">
-          <a:extLst>
-            <a:ext uri="{FF2B5EF4-FFF2-40B4-BE49-F238E27FC236}">
-              <a16:creationId xmlns:a16="http://schemas.microsoft.com/office/drawing/2014/main" id="{A61EA840-5C54-ACA6-F40E-0E5C81329628}"/>
-            </a:ext>
-          </a:extLst>
-        </p:cNvPr>
-        <p:cNvGrpSpPr/>
-        <p:nvPr/>
-      </p:nvGrpSpPr>
-      <p:grpSpPr>
-        <a:xfrm>
-          <a:off x="0" y="0"/>
-          <a:ext cx="0" cy="0"/>
-          <a:chOff x="0" y="0"/>
-          <a:chExt cx="0" cy="0"/>
-        </a:xfrm>
-      </p:grpSpPr>
-      <p:sp>
-        <p:nvSpPr>
-          <p:cNvPr id="47" name="Content Placeholder 46">
-            <a:extLst>
-              <a:ext uri="{FF2B5EF4-FFF2-40B4-BE49-F238E27FC236}">
-                <a16:creationId xmlns:a16="http://schemas.microsoft.com/office/drawing/2014/main" id="{149EF2A5-02D4-54DA-963D-D1183829FE4F}"/>
-              </a:ext>
-            </a:extLst>
-          </p:cNvPr>
-          <p:cNvSpPr>
-            <a:spLocks noGrp="1"/>
-          </p:cNvSpPr>
-          <p:nvPr>
-            <p:ph idx="1"/>
-          </p:nvPr>
-        </p:nvSpPr>
-        <p:spPr/>
-        <p:txBody>
-          <a:bodyPr/>
-          <a:lstStyle/>
-          <a:p>
-            <a:endParaRPr lang="en-IN"/>
-          </a:p>
-        </p:txBody>
-      </p:sp>
-    </p:spTree>
-    <p:extLst>
-      <p:ext uri="{BB962C8B-B14F-4D97-AF65-F5344CB8AC3E}">
-        <p14:creationId xmlns:p14="http://schemas.microsoft.com/office/powerpoint/2010/main" val="1378698542"/>
-      </p:ext>
-    </p:extLst>
-  </p:cSld>
-  <p:clrMapOvr>
-    <a:masterClrMapping/>
-  </p:clrMapOvr>
-</p:sld>
-</file>
-
-<file path=ppt/slides/slide12.xml><?xml version="1.0" encoding="utf-8"?>
-<p:sld xmlns:a="http://schemas.openxmlformats.org/drawingml/2006/main" xmlns:r="http://schemas.openxmlformats.org/officeDocument/2006/relationships" xmlns:p="http://schemas.openxmlformats.org/presentationml/2006/main">
-  <p:cSld>
-    <p:spTree>
-      <p:nvGrpSpPr>
-        <p:cNvPr id="1" name="">
-          <a:extLst>
-            <a:ext uri="{FF2B5EF4-FFF2-40B4-BE49-F238E27FC236}">
               <a16:creationId xmlns:a16="http://schemas.microsoft.com/office/drawing/2014/main" id="{24608F4D-3DB6-8107-9331-EF6A47B5758E}"/>
             </a:ext>
           </a:extLst>
@@ -5433,18 +5252,121 @@
         </p:nvSpPr>
         <p:spPr>
           <a:xfrm>
-            <a:off x="777240" y="592183"/>
-            <a:ext cx="10659110" cy="5584780"/>
+            <a:off x="766445" y="831668"/>
+            <a:ext cx="10659110" cy="4970417"/>
           </a:xfrm>
         </p:spPr>
         <p:txBody>
-          <a:bodyPr/>
+          <a:bodyPr>
+            <a:normAutofit/>
+          </a:bodyPr>
           <a:lstStyle/>
           <a:p>
             <a:pPr marL="0" indent="0">
               <a:buNone/>
             </a:pPr>
-            <a:endParaRPr lang="en-IN" dirty="0"/>
+            <a:r>
+              <a:rPr lang="en-US" sz="2800" b="1" dirty="0">
+                <a:solidFill>
+                  <a:srgbClr val="002060"/>
+                </a:solidFill>
+              </a:rPr>
+              <a:t>Identifiers:</a:t>
+            </a:r>
+          </a:p>
+          <a:p>
+            <a:pPr marL="0" indent="0">
+              <a:buNone/>
+            </a:pPr>
+            <a:r>
+              <a:rPr lang="en-US" sz="2400" dirty="0"/>
+              <a:t>Identifiers in Python are </a:t>
+            </a:r>
+            <a:r>
+              <a:rPr lang="en-IN" sz="2400" b="1" dirty="0">
+                <a:solidFill>
+                  <a:srgbClr val="C00000"/>
+                </a:solidFill>
+              </a:rPr>
+              <a:t>name given to the programming elements </a:t>
+            </a:r>
+            <a:r>
+              <a:rPr lang="en-US" sz="2400" dirty="0"/>
+              <a:t>such as variables, functions, classes, or other objects. They serve as </a:t>
+            </a:r>
+            <a:r>
+              <a:rPr lang="en-US" sz="2400" b="1" dirty="0"/>
+              <a:t>labels</a:t>
+            </a:r>
+            <a:r>
+              <a:rPr lang="en-US" sz="2400" dirty="0"/>
+              <a:t> to </a:t>
+            </a:r>
+            <a:r>
+              <a:rPr lang="en-US" sz="2400" b="1" dirty="0">
+                <a:solidFill>
+                  <a:srgbClr val="C00000"/>
+                </a:solidFill>
+              </a:rPr>
+              <a:t>reference </a:t>
+            </a:r>
+            <a:r>
+              <a:rPr lang="en-US" sz="2400" dirty="0"/>
+              <a:t>these objects in code. </a:t>
+            </a:r>
+          </a:p>
+          <a:p>
+            <a:pPr marL="0" indent="0">
+              <a:buNone/>
+            </a:pPr>
+            <a:r>
+              <a:rPr lang="en-US" sz="2400" dirty="0"/>
+              <a:t>Python has specific rules and conventions for creating identifiers.</a:t>
+            </a:r>
+          </a:p>
+          <a:p>
+            <a:pPr marL="0" indent="0">
+              <a:buNone/>
+            </a:pPr>
+            <a:r>
+              <a:rPr lang="en-US" sz="2400" b="1" dirty="0"/>
+              <a:t>Example for Identifiers: </a:t>
+            </a:r>
+            <a:r>
+              <a:rPr lang="en-IN" sz="2400" dirty="0"/>
+              <a:t>Valid Identifiers:</a:t>
+            </a:r>
+          </a:p>
+          <a:p>
+            <a:r>
+              <a:rPr lang="en-IN" sz="2400" dirty="0" err="1"/>
+              <a:t>my_variable</a:t>
+            </a:r>
+            <a:endParaRPr lang="en-IN" sz="2400" dirty="0"/>
+          </a:p>
+          <a:p>
+            <a:r>
+              <a:rPr lang="en-IN" sz="2400" dirty="0"/>
+              <a:t>Variable123</a:t>
+            </a:r>
+          </a:p>
+          <a:p>
+            <a:r>
+              <a:rPr lang="en-IN" sz="2400" dirty="0"/>
+              <a:t>_</a:t>
+            </a:r>
+            <a:r>
+              <a:rPr lang="en-IN" sz="2400" dirty="0" err="1"/>
+              <a:t>privateVar</a:t>
+            </a:r>
+            <a:endParaRPr lang="en-IN" sz="2400" dirty="0"/>
+          </a:p>
+          <a:p>
+            <a:r>
+              <a:rPr lang="en-IN" sz="2400" dirty="0" err="1"/>
+              <a:t>MyClass</a:t>
+            </a:r>
+            <a:endParaRPr lang="en-IN" sz="2400" dirty="0"/>
           </a:p>
         </p:txBody>
       </p:sp>
@@ -5461,7 +5383,7 @@
 </p:sld>
 </file>
 
-<file path=ppt/slides/slide13.xml><?xml version="1.0" encoding="utf-8"?>
+<file path=ppt/slides/slide11.xml><?xml version="1.0" encoding="utf-8"?>
 <p:sld xmlns:a="http://schemas.openxmlformats.org/drawingml/2006/main" xmlns:r="http://schemas.openxmlformats.org/officeDocument/2006/relationships" xmlns:p="http://schemas.openxmlformats.org/presentationml/2006/main">
   <p:cSld>
     <p:spTree>
@@ -5507,12 +5429,163 @@
           </a:xfrm>
         </p:spPr>
         <p:txBody>
-          <a:bodyPr/>
+          <a:bodyPr>
+            <a:normAutofit lnSpcReduction="10000"/>
+          </a:bodyPr>
           <a:lstStyle/>
           <a:p>
             <a:pPr marL="0" indent="0">
               <a:buNone/>
             </a:pPr>
+            <a:r>
+              <a:rPr lang="en-US" sz="2200" b="1" dirty="0"/>
+              <a:t>Rules for Creating Identifiers</a:t>
+            </a:r>
+          </a:p>
+          <a:p>
+            <a:pPr marL="0" indent="0">
+              <a:buNone/>
+            </a:pPr>
+            <a:r>
+              <a:rPr lang="en-US" sz="2200" b="1" dirty="0"/>
+              <a:t>1. Allowed Characters: </a:t>
+            </a:r>
+          </a:p>
+          <a:p>
+            <a:pPr lvl="1"/>
+            <a:r>
+              <a:rPr lang="en-US" dirty="0"/>
+              <a:t>Identifiers can only contain letters (a-z, A-Z), digits (0-9), and underscores (_).</a:t>
+            </a:r>
+          </a:p>
+          <a:p>
+            <a:pPr lvl="1"/>
+            <a:r>
+              <a:rPr lang="en-US" dirty="0"/>
+              <a:t>They cannot start with a digit. For example, 123abc is invalid, but abc123 is valid.</a:t>
+            </a:r>
+          </a:p>
+          <a:p>
+            <a:pPr marL="0" indent="0">
+              <a:buNone/>
+            </a:pPr>
+            <a:r>
+              <a:rPr lang="en-US" sz="2200" b="1" dirty="0"/>
+              <a:t>2. Case Sensitivity: </a:t>
+            </a:r>
+            <a:r>
+              <a:rPr lang="en-US" sz="2200" dirty="0"/>
+              <a:t>Identifiers are case-sensitive. For example, </a:t>
+            </a:r>
+            <a:r>
+              <a:rPr lang="en-US" sz="2200" dirty="0" err="1"/>
+              <a:t>MyVariable</a:t>
+            </a:r>
+            <a:r>
+              <a:rPr lang="en-US" sz="2200" dirty="0"/>
+              <a:t> and </a:t>
+            </a:r>
+            <a:r>
+              <a:rPr lang="en-US" sz="2200" dirty="0" err="1"/>
+              <a:t>myvariable</a:t>
+            </a:r>
+            <a:r>
+              <a:rPr lang="en-US" sz="2200" dirty="0"/>
+              <a:t> are treated as distinct identifiers.</a:t>
+            </a:r>
+          </a:p>
+          <a:p>
+            <a:pPr marL="0" indent="0">
+              <a:buNone/>
+            </a:pPr>
+            <a:r>
+              <a:rPr lang="en-US" sz="2200" b="1" dirty="0"/>
+              <a:t>3. Keywords:  </a:t>
+            </a:r>
+            <a:r>
+              <a:rPr lang="en-US" sz="2200" dirty="0"/>
+              <a:t>Identifiers cannot be the same as Python's reserved keywords (e.g., if, while, class, def, etc.). Use the </a:t>
+            </a:r>
+            <a:r>
+              <a:rPr lang="en-US" sz="2200" b="1" dirty="0"/>
+              <a:t>keyword</a:t>
+            </a:r>
+            <a:r>
+              <a:rPr lang="en-US" sz="2200" dirty="0"/>
+              <a:t> </a:t>
+            </a:r>
+            <a:r>
+              <a:rPr lang="en-US" sz="2200" b="1" dirty="0"/>
+              <a:t>module</a:t>
+            </a:r>
+            <a:r>
+              <a:rPr lang="en-US" sz="2200" dirty="0"/>
+              <a:t> to view the list of reserved keywords in Python</a:t>
+            </a:r>
+          </a:p>
+          <a:p>
+            <a:pPr marL="0" indent="0">
+              <a:buNone/>
+            </a:pPr>
+            <a:r>
+              <a:rPr lang="en-US" sz="2200" b="1" dirty="0"/>
+              <a:t>4. Special Characters: </a:t>
+            </a:r>
+            <a:r>
+              <a:rPr lang="en-US" sz="2200" dirty="0"/>
+              <a:t>Identifiers cannot include special characters like @, $, %, or spaces.</a:t>
+            </a:r>
+          </a:p>
+          <a:p>
+            <a:pPr marL="0" indent="0">
+              <a:buNone/>
+            </a:pPr>
+            <a:r>
+              <a:rPr lang="en-US" sz="2200" b="1" dirty="0"/>
+              <a:t>5. Length: </a:t>
+            </a:r>
+            <a:r>
+              <a:rPr lang="en-US" sz="2200" dirty="0"/>
+              <a:t>Identifiers can be of any length, but it’s good practice to keep them concise and meaningful.</a:t>
+            </a:r>
+          </a:p>
+          <a:p>
+            <a:pPr marL="0" indent="0">
+              <a:buNone/>
+            </a:pPr>
+            <a:r>
+              <a:rPr lang="en-US" sz="2200" b="1" dirty="0"/>
+              <a:t>6. Underscore Usage: </a:t>
+            </a:r>
+          </a:p>
+          <a:p>
+            <a:pPr lvl="1"/>
+            <a:r>
+              <a:rPr lang="en-US" dirty="0"/>
+              <a:t>A single leading underscore (_var): Used to indicate a private variable (not enforced by Python, but by convention).</a:t>
+            </a:r>
+          </a:p>
+          <a:p>
+            <a:pPr lvl="1"/>
+            <a:r>
+              <a:rPr lang="en-US" dirty="0"/>
+              <a:t>Double leading underscores (__var): Used for name mangling in classes to avoid name conflicts.</a:t>
+            </a:r>
+          </a:p>
+          <a:p>
+            <a:pPr lvl="1"/>
+            <a:r>
+              <a:rPr lang="en-US" dirty="0"/>
+              <a:t>Double underscores at both ends (__</a:t>
+            </a:r>
+            <a:r>
+              <a:rPr lang="en-US" dirty="0" err="1"/>
+              <a:t>init</a:t>
+            </a:r>
+            <a:r>
+              <a:rPr lang="en-US" dirty="0"/>
+              <a:t>__): Reserved for special methods or magic methods in Python.</a:t>
+            </a:r>
             <a:endParaRPr lang="en-IN" dirty="0"/>
           </a:p>
         </p:txBody>
@@ -5530,7 +5603,7 @@
 </p:sld>
 </file>
 
-<file path=ppt/slides/slide14.xml><?xml version="1.0" encoding="utf-8"?>
+<file path=ppt/slides/slide12.xml><?xml version="1.0" encoding="utf-8"?>
 <p:sld xmlns:a="http://schemas.openxmlformats.org/drawingml/2006/main" xmlns:r="http://schemas.openxmlformats.org/officeDocument/2006/relationships" xmlns:p="http://schemas.openxmlformats.org/presentationml/2006/main">
   <p:cSld>
     <p:spTree>
@@ -5571,18 +5644,60 @@
         </p:nvSpPr>
         <p:spPr>
           <a:xfrm>
-            <a:off x="777240" y="592183"/>
-            <a:ext cx="10659110" cy="5584780"/>
+            <a:off x="886097" y="1005840"/>
+            <a:ext cx="10659110" cy="2423160"/>
           </a:xfrm>
         </p:spPr>
         <p:txBody>
-          <a:bodyPr/>
+          <a:bodyPr>
+            <a:normAutofit/>
+          </a:bodyPr>
           <a:lstStyle/>
           <a:p>
             <a:pPr marL="0" indent="0">
               <a:buNone/>
             </a:pPr>
-            <a:endParaRPr lang="en-IN" dirty="0"/>
+            <a:r>
+              <a:rPr lang="en-US" sz="2400" b="1" dirty="0"/>
+              <a:t>Example for </a:t>
+            </a:r>
+            <a:r>
+              <a:rPr lang="en-US" sz="2400" b="1" dirty="0">
+                <a:solidFill>
+                  <a:srgbClr val="C00000"/>
+                </a:solidFill>
+              </a:rPr>
+              <a:t>Invalid</a:t>
+            </a:r>
+            <a:r>
+              <a:rPr lang="en-US" sz="2400" b="1" dirty="0"/>
+              <a:t> Identifiers:</a:t>
+            </a:r>
+          </a:p>
+          <a:p>
+            <a:r>
+              <a:rPr lang="en-US" sz="2400" dirty="0"/>
+              <a:t>123abc (Starts with a digit)</a:t>
+            </a:r>
+          </a:p>
+          <a:p>
+            <a:r>
+              <a:rPr lang="en-US" sz="2400" dirty="0"/>
+              <a:t>my-variable (Contains a hyphen)</a:t>
+            </a:r>
+          </a:p>
+          <a:p>
+            <a:r>
+              <a:rPr lang="en-US" sz="2400" dirty="0"/>
+              <a:t>class (Reserved keyword)</a:t>
+            </a:r>
+          </a:p>
+          <a:p>
+            <a:r>
+              <a:rPr lang="en-US" sz="2400" dirty="0"/>
+              <a:t>my variable (Contains a space)</a:t>
+            </a:r>
+            <a:endParaRPr lang="en-IN" sz="2400" dirty="0"/>
           </a:p>
         </p:txBody>
       </p:sp>
@@ -5599,7 +5714,7 @@
 </p:sld>
 </file>
 
-<file path=ppt/slides/slide15.xml><?xml version="1.0" encoding="utf-8"?>
+<file path=ppt/slides/slide13.xml><?xml version="1.0" encoding="utf-8"?>
 <p:sld xmlns:a="http://schemas.openxmlformats.org/drawingml/2006/main" xmlns:r="http://schemas.openxmlformats.org/officeDocument/2006/relationships" xmlns:p="http://schemas.openxmlformats.org/presentationml/2006/main">
   <p:cSld>
     <p:spTree>
@@ -5645,13 +5760,226 @@
           </a:xfrm>
         </p:spPr>
         <p:txBody>
-          <a:bodyPr/>
+          <a:bodyPr>
+            <a:normAutofit/>
+          </a:bodyPr>
           <a:lstStyle/>
           <a:p>
             <a:pPr marL="0" indent="0">
               <a:buNone/>
             </a:pPr>
-            <a:endParaRPr lang="en-IN" dirty="0"/>
+            <a:r>
+              <a:rPr lang="en-US" sz="2400" b="1" dirty="0">
+                <a:solidFill>
+                  <a:srgbClr val="002060"/>
+                </a:solidFill>
+              </a:rPr>
+              <a:t>Keywords:</a:t>
+            </a:r>
+          </a:p>
+          <a:p>
+            <a:pPr marL="0" indent="0">
+              <a:buNone/>
+            </a:pPr>
+            <a:r>
+              <a:rPr lang="en-US" sz="2400" dirty="0"/>
+              <a:t>Keywords in Python are </a:t>
+            </a:r>
+            <a:r>
+              <a:rPr lang="en-US" sz="2400" b="1" dirty="0">
+                <a:solidFill>
+                  <a:srgbClr val="C00000"/>
+                </a:solidFill>
+              </a:rPr>
+              <a:t>reserved words </a:t>
+            </a:r>
+            <a:r>
+              <a:rPr lang="en-US" sz="2400" dirty="0"/>
+              <a:t>that have a </a:t>
+            </a:r>
+            <a:r>
+              <a:rPr lang="en-US" sz="2400" b="1" dirty="0">
+                <a:solidFill>
+                  <a:srgbClr val="002060"/>
+                </a:solidFill>
+              </a:rPr>
+              <a:t>specific meaning</a:t>
+            </a:r>
+            <a:r>
+              <a:rPr lang="en-US" sz="2400" dirty="0">
+                <a:solidFill>
+                  <a:srgbClr val="002060"/>
+                </a:solidFill>
+              </a:rPr>
+              <a:t> </a:t>
+            </a:r>
+            <a:r>
+              <a:rPr lang="en-US" sz="2400" dirty="0"/>
+              <a:t>and </a:t>
+            </a:r>
+            <a:r>
+              <a:rPr lang="en-US" sz="2400" b="1" dirty="0">
+                <a:solidFill>
+                  <a:srgbClr val="002060"/>
+                </a:solidFill>
+              </a:rPr>
+              <a:t>purpose</a:t>
+            </a:r>
+            <a:r>
+              <a:rPr lang="en-US" sz="2400" dirty="0"/>
+              <a:t> in the language. They are part of </a:t>
+            </a:r>
+            <a:r>
+              <a:rPr lang="en-US" sz="2400" b="1" dirty="0"/>
+              <a:t>Python's syntax </a:t>
+            </a:r>
+            <a:r>
+              <a:rPr lang="en-US" sz="2400" dirty="0"/>
+              <a:t>and </a:t>
+            </a:r>
+            <a:r>
+              <a:rPr lang="en-US" sz="2400" b="1" dirty="0">
+                <a:solidFill>
+                  <a:srgbClr val="C00000"/>
+                </a:solidFill>
+              </a:rPr>
+              <a:t>cannot be used as identifiers </a:t>
+            </a:r>
+            <a:r>
+              <a:rPr lang="en-US" sz="2400" dirty="0"/>
+              <a:t>(e.g., variable names, function names, or class names).</a:t>
+            </a:r>
+          </a:p>
+          <a:p>
+            <a:pPr marL="0" indent="0">
+              <a:buNone/>
+            </a:pPr>
+            <a:r>
+              <a:rPr lang="en-US" sz="2400" dirty="0"/>
+              <a:t>Python keywords are </a:t>
+            </a:r>
+            <a:r>
+              <a:rPr lang="en-US" sz="2400" b="1" dirty="0"/>
+              <a:t>case-sensitive</a:t>
+            </a:r>
+            <a:r>
+              <a:rPr lang="en-US" sz="2400" dirty="0"/>
+              <a:t> and </a:t>
+            </a:r>
+            <a:r>
+              <a:rPr lang="en-US" sz="2400" b="1" dirty="0"/>
+              <a:t>must be used exactly as defined</a:t>
+            </a:r>
+            <a:r>
+              <a:rPr lang="en-US" sz="2400" dirty="0"/>
+              <a:t>.</a:t>
+            </a:r>
+          </a:p>
+          <a:p>
+            <a:pPr marL="0" indent="0">
+              <a:buNone/>
+            </a:pPr>
+            <a:endParaRPr lang="en-US" sz="2400" dirty="0"/>
+          </a:p>
+          <a:p>
+            <a:pPr marL="0" indent="0">
+              <a:buNone/>
+            </a:pPr>
+            <a:r>
+              <a:rPr lang="en-US" sz="2400" b="1" dirty="0"/>
+              <a:t>Characteristics of Keywords:</a:t>
+            </a:r>
+          </a:p>
+          <a:p>
+            <a:pPr marL="457200" indent="-457200">
+              <a:buFont typeface="+mj-lt"/>
+              <a:buAutoNum type="arabicPeriod"/>
+            </a:pPr>
+            <a:r>
+              <a:rPr lang="en-US" sz="2400" b="1" dirty="0"/>
+              <a:t>Fixed Meaning:</a:t>
+            </a:r>
+            <a:r>
+              <a:rPr lang="en-US" sz="2400" dirty="0"/>
+              <a:t> The </a:t>
+            </a:r>
+            <a:r>
+              <a:rPr lang="en-US" sz="2400" b="1" dirty="0">
+                <a:solidFill>
+                  <a:srgbClr val="002060"/>
+                </a:solidFill>
+              </a:rPr>
+              <a:t>meaning of a keyword </a:t>
+            </a:r>
+            <a:r>
+              <a:rPr lang="en-US" sz="2400" dirty="0"/>
+              <a:t>is predefined and cannot be changed.</a:t>
+            </a:r>
+          </a:p>
+          <a:p>
+            <a:pPr marL="457200" indent="-457200">
+              <a:buFont typeface="+mj-lt"/>
+              <a:buAutoNum type="arabicPeriod"/>
+            </a:pPr>
+            <a:r>
+              <a:rPr lang="en-US" sz="2400" b="1" dirty="0"/>
+              <a:t>Case-Sensitive: </a:t>
+            </a:r>
+            <a:r>
+              <a:rPr lang="en-US" sz="2400" dirty="0"/>
+              <a:t>Keywords must be used in </a:t>
+            </a:r>
+            <a:r>
+              <a:rPr lang="en-US" sz="2400" b="1" dirty="0">
+                <a:solidFill>
+                  <a:srgbClr val="002060"/>
+                </a:solidFill>
+              </a:rPr>
+              <a:t>lowercase</a:t>
+            </a:r>
+            <a:r>
+              <a:rPr lang="en-US" sz="2400" dirty="0"/>
+              <a:t> (e.g., if is valid, but If is not).</a:t>
+            </a:r>
+          </a:p>
+          <a:p>
+            <a:pPr marL="457200" indent="-457200">
+              <a:buFont typeface="+mj-lt"/>
+              <a:buAutoNum type="arabicPeriod"/>
+            </a:pPr>
+            <a:r>
+              <a:rPr lang="en-US" sz="2400" b="1" dirty="0"/>
+              <a:t>Reserved: </a:t>
+            </a:r>
+            <a:r>
+              <a:rPr lang="en-US" sz="2400" dirty="0"/>
+              <a:t>They cannot be used for </a:t>
+            </a:r>
+            <a:r>
+              <a:rPr lang="en-US" sz="2400" b="1" dirty="0"/>
+              <a:t>naming variables</a:t>
+            </a:r>
+            <a:r>
+              <a:rPr lang="en-US" sz="2400" dirty="0"/>
+              <a:t>, </a:t>
+            </a:r>
+            <a:r>
+              <a:rPr lang="en-US" sz="2400" b="1" dirty="0"/>
+              <a:t>functions</a:t>
+            </a:r>
+            <a:r>
+              <a:rPr lang="en-US" sz="2400" dirty="0"/>
+              <a:t>, or any other </a:t>
+            </a:r>
+            <a:r>
+              <a:rPr lang="en-US" sz="2400" b="1" dirty="0"/>
+              <a:t>identifiers</a:t>
+            </a:r>
+            <a:r>
+              <a:rPr lang="en-US" sz="2400" dirty="0"/>
+              <a:t>.</a:t>
+            </a:r>
+            <a:endParaRPr lang="en-IN" sz="2400" dirty="0"/>
           </a:p>
         </p:txBody>
       </p:sp>
@@ -5668,7 +5996,7 @@
 </p:sld>
 </file>
 
-<file path=ppt/slides/slide16.xml><?xml version="1.0" encoding="utf-8"?>
+<file path=ppt/slides/slide14.xml><?xml version="1.0" encoding="utf-8"?>
 <p:sld xmlns:a="http://schemas.openxmlformats.org/drawingml/2006/main" xmlns:r="http://schemas.openxmlformats.org/officeDocument/2006/relationships" xmlns:p="http://schemas.openxmlformats.org/presentationml/2006/main">
   <p:cSld>
     <p:spTree>
@@ -5720,10 +6048,149 @@
             <a:pPr marL="0" indent="0">
               <a:buNone/>
             </a:pPr>
+            <a:r>
+              <a:rPr lang="en-US" b="1" dirty="0"/>
+              <a:t>List of Keywords:</a:t>
+            </a:r>
+          </a:p>
+          <a:p>
+            <a:pPr marL="0" indent="0">
+              <a:buNone/>
+            </a:pPr>
+            <a:r>
+              <a:rPr lang="en-US" dirty="0"/>
+              <a:t>Python has a predefined set of keywords. You can get the current </a:t>
+            </a:r>
+            <a:r>
+              <a:rPr lang="en-US" b="1" dirty="0"/>
+              <a:t>list of keywords </a:t>
+            </a:r>
+            <a:r>
+              <a:rPr lang="en-US" dirty="0"/>
+              <a:t>using the </a:t>
+            </a:r>
+            <a:r>
+              <a:rPr lang="en-US" b="1" dirty="0">
+                <a:solidFill>
+                  <a:srgbClr val="C00000"/>
+                </a:solidFill>
+              </a:rPr>
+              <a:t>keyword module</a:t>
+            </a:r>
+            <a:r>
+              <a:rPr lang="en-US" dirty="0"/>
+              <a:t>:</a:t>
+            </a:r>
+          </a:p>
+          <a:p>
+            <a:pPr marL="0" indent="0">
+              <a:buNone/>
+            </a:pPr>
+            <a:endParaRPr lang="en-US" dirty="0"/>
+          </a:p>
+          <a:p>
+            <a:pPr marL="0" indent="0">
+              <a:buNone/>
+            </a:pPr>
+            <a:endParaRPr lang="en-US" dirty="0"/>
+          </a:p>
+          <a:p>
+            <a:pPr marL="0" indent="0">
+              <a:buNone/>
+            </a:pPr>
+            <a:endParaRPr lang="en-US" dirty="0"/>
+          </a:p>
+          <a:p>
+            <a:pPr marL="0" indent="0">
+              <a:buNone/>
+            </a:pPr>
+            <a:endParaRPr lang="en-US" dirty="0"/>
+          </a:p>
+          <a:p>
+            <a:pPr marL="0" indent="0">
+              <a:buNone/>
+            </a:pPr>
             <a:endParaRPr lang="en-IN" dirty="0"/>
           </a:p>
         </p:txBody>
       </p:sp>
+      <p:pic>
+        <p:nvPicPr>
+          <p:cNvPr id="4" name="Picture 3">
+            <a:extLst>
+              <a:ext uri="{FF2B5EF4-FFF2-40B4-BE49-F238E27FC236}">
+                <a16:creationId xmlns:a16="http://schemas.microsoft.com/office/drawing/2014/main" id="{58A2129C-02CD-553A-DA50-235021D4CA16}"/>
+              </a:ext>
+            </a:extLst>
+          </p:cNvPr>
+          <p:cNvPicPr>
+            <a:picLocks noChangeAspect="1"/>
+          </p:cNvPicPr>
+          <p:nvPr/>
+        </p:nvPicPr>
+        <p:blipFill>
+          <a:blip r:embed="rId2"/>
+          <a:stretch>
+            <a:fillRect/>
+          </a:stretch>
+        </p:blipFill>
+        <p:spPr>
+          <a:xfrm>
+            <a:off x="1621888" y="1801213"/>
+            <a:ext cx="3638095" cy="1123810"/>
+          </a:xfrm>
+          <a:prstGeom prst="rect">
+            <a:avLst/>
+          </a:prstGeom>
+        </p:spPr>
+      </p:pic>
+      <p:pic>
+        <p:nvPicPr>
+          <p:cNvPr id="3076" name="Picture 4" descr="35 Python Keywords Explained in 6 Minutes | by EmilDev | Medium">
+            <a:extLst>
+              <a:ext uri="{FF2B5EF4-FFF2-40B4-BE49-F238E27FC236}">
+                <a16:creationId xmlns:a16="http://schemas.microsoft.com/office/drawing/2014/main" id="{242C6EE5-6258-0AE1-D08C-4E186C550D4B}"/>
+              </a:ext>
+            </a:extLst>
+          </p:cNvPr>
+          <p:cNvPicPr>
+            <a:picLocks noChangeAspect="1" noChangeArrowheads="1"/>
+          </p:cNvPicPr>
+          <p:nvPr/>
+        </p:nvPicPr>
+        <p:blipFill>
+          <a:blip r:embed="rId3">
+            <a:extLst>
+              <a:ext uri="{28A0092B-C50C-407E-A947-70E740481C1C}">
+                <a14:useLocalDpi xmlns:a14="http://schemas.microsoft.com/office/drawing/2010/main" val="0"/>
+              </a:ext>
+            </a:extLst>
+          </a:blip>
+          <a:srcRect/>
+          <a:stretch>
+            <a:fillRect/>
+          </a:stretch>
+        </p:blipFill>
+        <p:spPr bwMode="auto">
+          <a:xfrm>
+            <a:off x="5709147" y="1801213"/>
+            <a:ext cx="5893898" cy="4464604"/>
+          </a:xfrm>
+          <a:prstGeom prst="rect">
+            <a:avLst/>
+          </a:prstGeom>
+          <a:noFill/>
+          <a:extLst>
+            <a:ext uri="{909E8E84-426E-40DD-AFC4-6F175D3DCCD1}">
+              <a14:hiddenFill xmlns:a14="http://schemas.microsoft.com/office/drawing/2010/main">
+                <a:solidFill>
+                  <a:srgbClr val="FFFFFF"/>
+                </a:solidFill>
+              </a14:hiddenFill>
+            </a:ext>
+          </a:extLst>
+        </p:spPr>
+      </p:pic>
     </p:spTree>
     <p:extLst>
       <p:ext uri="{BB962C8B-B14F-4D97-AF65-F5344CB8AC3E}">
@@ -5737,7 +6204,7 @@
 </p:sld>
 </file>
 
-<file path=ppt/slides/slide17.xml><?xml version="1.0" encoding="utf-8"?>
+<file path=ppt/slides/slide15.xml><?xml version="1.0" encoding="utf-8"?>
 <p:sld xmlns:a="http://schemas.openxmlformats.org/drawingml/2006/main" xmlns:r="http://schemas.openxmlformats.org/officeDocument/2006/relationships" xmlns:p="http://schemas.openxmlformats.org/presentationml/2006/main">
   <p:cSld>
     <p:spTree>
@@ -5783,13 +6250,86 @@
           </a:xfrm>
         </p:spPr>
         <p:txBody>
-          <a:bodyPr/>
+          <a:bodyPr>
+            <a:normAutofit/>
+          </a:bodyPr>
           <a:lstStyle/>
           <a:p>
             <a:pPr marL="0" indent="0">
               <a:buNone/>
             </a:pPr>
-            <a:endParaRPr lang="en-IN" dirty="0"/>
+            <a:r>
+              <a:rPr lang="en-US" sz="2400" b="1" dirty="0"/>
+              <a:t>Statements and Expressions:</a:t>
+            </a:r>
+          </a:p>
+          <a:p>
+            <a:pPr marL="0" indent="0">
+              <a:buNone/>
+            </a:pPr>
+            <a:r>
+              <a:rPr lang="en-US" sz="2400" dirty="0"/>
+              <a:t>In Python, statements and expressions are fundamental building blocks of the language. They serve different purposes and are essential for writing functional and efficient code.</a:t>
+            </a:r>
+          </a:p>
+          <a:p>
+            <a:pPr marL="0" indent="0">
+              <a:buNone/>
+            </a:pPr>
+            <a:endParaRPr lang="en-US" sz="2400" dirty="0"/>
+          </a:p>
+          <a:p>
+            <a:pPr marL="0" indent="0">
+              <a:buNone/>
+            </a:pPr>
+            <a:r>
+              <a:rPr lang="en-US" sz="2400" b="1" dirty="0"/>
+              <a:t>Expressions:</a:t>
+            </a:r>
+          </a:p>
+          <a:p>
+            <a:pPr marL="0" indent="0">
+              <a:buNone/>
+            </a:pPr>
+            <a:r>
+              <a:rPr lang="en-US" sz="2400" dirty="0"/>
+              <a:t>An expression is a combination of values, variables, and operators. A value all by itself is considered an expression, and so is a variable.</a:t>
+            </a:r>
+          </a:p>
+          <a:p>
+            <a:pPr marL="0" indent="0">
+              <a:buNone/>
+            </a:pPr>
+            <a:r>
+              <a:rPr lang="en-US" sz="2400" dirty="0"/>
+              <a:t>Characteristics of Expressions:</a:t>
+            </a:r>
+          </a:p>
+          <a:p>
+            <a:pPr lvl="1"/>
+            <a:r>
+              <a:rPr lang="en-US" sz="2400" dirty="0"/>
+              <a:t>Always return a value.</a:t>
+            </a:r>
+          </a:p>
+          <a:p>
+            <a:pPr lvl="1"/>
+            <a:r>
+              <a:rPr lang="en-US" sz="2400" dirty="0"/>
+              <a:t>Can be part of a larger statement.</a:t>
+            </a:r>
+          </a:p>
+          <a:p>
+            <a:pPr lvl="1"/>
+            <a:r>
+              <a:rPr lang="en-US" sz="2400" b="1" dirty="0"/>
+              <a:t>Examples</a:t>
+            </a:r>
+            <a:r>
+              <a:rPr lang="en-US" sz="2400" dirty="0"/>
+              <a:t> include mathematical operations, function calls, or logical comparisons.</a:t>
+            </a:r>
+            <a:endParaRPr lang="en-IN" sz="2400" dirty="0"/>
           </a:p>
         </p:txBody>
       </p:sp>
@@ -5806,7 +6346,7 @@
 </p:sld>
 </file>
 
-<file path=ppt/slides/slide18.xml><?xml version="1.0" encoding="utf-8"?>
+<file path=ppt/slides/slide16.xml><?xml version="1.0" encoding="utf-8"?>
 <p:sld xmlns:a="http://schemas.openxmlformats.org/drawingml/2006/main" xmlns:r="http://schemas.openxmlformats.org/officeDocument/2006/relationships" xmlns:p="http://schemas.openxmlformats.org/presentationml/2006/main">
   <p:cSld>
     <p:spTree>
@@ -5848,20 +6388,73 @@
         <p:spPr>
           <a:xfrm>
             <a:off x="777240" y="592183"/>
-            <a:ext cx="10659110" cy="5584780"/>
+            <a:ext cx="4637629" cy="5584780"/>
           </a:xfrm>
         </p:spPr>
         <p:txBody>
-          <a:bodyPr/>
+          <a:bodyPr>
+            <a:normAutofit/>
+          </a:bodyPr>
           <a:lstStyle/>
           <a:p>
             <a:pPr marL="0" indent="0">
               <a:buNone/>
             </a:pPr>
-            <a:endParaRPr lang="en-IN" dirty="0"/>
+            <a:r>
+              <a:rPr lang="en-US" sz="2400" b="1" dirty="0"/>
+              <a:t>Example: </a:t>
+            </a:r>
+          </a:p>
+          <a:p>
+            <a:pPr marL="0" indent="0">
+              <a:buNone/>
+            </a:pPr>
+            <a:r>
+              <a:rPr lang="en-US" sz="2400" dirty="0"/>
+              <a:t>When you type an </a:t>
+            </a:r>
+            <a:r>
+              <a:rPr lang="en-US" sz="2400" b="1" dirty="0"/>
+              <a:t>expression</a:t>
+            </a:r>
+            <a:r>
+              <a:rPr lang="en-US" sz="2400" dirty="0"/>
+              <a:t> at the prompt, the interpreter evaluates it, which means that it finds the value of the expression. In this example, x has the value 10 and x * 2 has the value 20.</a:t>
+            </a:r>
+            <a:endParaRPr lang="en-IN" sz="2400" dirty="0"/>
           </a:p>
         </p:txBody>
       </p:sp>
+      <p:pic>
+        <p:nvPicPr>
+          <p:cNvPr id="4" name="Picture 3">
+            <a:extLst>
+              <a:ext uri="{FF2B5EF4-FFF2-40B4-BE49-F238E27FC236}">
+                <a16:creationId xmlns:a16="http://schemas.microsoft.com/office/drawing/2014/main" id="{AE6FE163-5DEA-280C-D5E6-76AA8EA7B258}"/>
+              </a:ext>
+            </a:extLst>
+          </p:cNvPr>
+          <p:cNvPicPr>
+            <a:picLocks noChangeAspect="1"/>
+          </p:cNvPicPr>
+          <p:nvPr/>
+        </p:nvPicPr>
+        <p:blipFill>
+          <a:blip r:embed="rId2"/>
+          <a:stretch>
+            <a:fillRect/>
+          </a:stretch>
+        </p:blipFill>
+        <p:spPr>
+          <a:xfrm>
+            <a:off x="5690291" y="824238"/>
+            <a:ext cx="5857143" cy="5209524"/>
+          </a:xfrm>
+          <a:prstGeom prst="rect">
+            <a:avLst/>
+          </a:prstGeom>
+        </p:spPr>
+      </p:pic>
     </p:spTree>
     <p:extLst>
       <p:ext uri="{BB962C8B-B14F-4D97-AF65-F5344CB8AC3E}">
@@ -5875,7 +6468,7 @@
 </p:sld>
 </file>
 
-<file path=ppt/slides/slide19.xml><?xml version="1.0" encoding="utf-8"?>
+<file path=ppt/slides/slide17.xml><?xml version="1.0" encoding="utf-8"?>
 <p:sld xmlns:a="http://schemas.openxmlformats.org/drawingml/2006/main" xmlns:r="http://schemas.openxmlformats.org/officeDocument/2006/relationships" xmlns:p="http://schemas.openxmlformats.org/presentationml/2006/main">
   <p:cSld>
     <p:spTree>
@@ -5921,13 +6514,282 @@
           </a:xfrm>
         </p:spPr>
         <p:txBody>
-          <a:bodyPr/>
+          <a:bodyPr>
+            <a:noAutofit/>
+          </a:bodyPr>
           <a:lstStyle/>
           <a:p>
             <a:pPr marL="0" indent="0">
               <a:buNone/>
             </a:pPr>
-            <a:endParaRPr lang="en-IN" dirty="0"/>
+            <a:r>
+              <a:rPr lang="en-US" sz="2200" b="1" dirty="0"/>
+              <a:t>Statements: </a:t>
+            </a:r>
+          </a:p>
+          <a:p>
+            <a:pPr marL="0" indent="0">
+              <a:buNone/>
+            </a:pPr>
+            <a:r>
+              <a:rPr lang="en-US" sz="2200" dirty="0"/>
+              <a:t>A statement is an </a:t>
+            </a:r>
+            <a:r>
+              <a:rPr lang="en-US" sz="2200" b="1" dirty="0">
+                <a:solidFill>
+                  <a:srgbClr val="C00000"/>
+                </a:solidFill>
+              </a:rPr>
+              <a:t>instruction</a:t>
+            </a:r>
+            <a:r>
+              <a:rPr lang="en-US" sz="2200" dirty="0"/>
+              <a:t> </a:t>
+            </a:r>
+            <a:r>
+              <a:rPr lang="en-US" sz="2200" b="1" dirty="0"/>
+              <a:t>that Python </a:t>
+            </a:r>
+            <a:r>
+              <a:rPr lang="en-US" sz="2200" b="1" dirty="0">
+                <a:solidFill>
+                  <a:srgbClr val="002060"/>
+                </a:solidFill>
+              </a:rPr>
+              <a:t>executes</a:t>
+            </a:r>
+            <a:r>
+              <a:rPr lang="en-US" sz="2200" dirty="0"/>
+              <a:t>. Statements may or may not produce a result, and they define the flow of a program.</a:t>
+            </a:r>
+          </a:p>
+          <a:p>
+            <a:pPr marL="0" indent="0">
+              <a:buNone/>
+            </a:pPr>
+            <a:r>
+              <a:rPr lang="en-US" sz="2200" dirty="0"/>
+              <a:t>A statement is a </a:t>
+            </a:r>
+            <a:r>
+              <a:rPr lang="en-US" sz="2200" b="1" dirty="0"/>
+              <a:t>unit of code </a:t>
+            </a:r>
+            <a:r>
+              <a:rPr lang="en-US" sz="2200" dirty="0"/>
+              <a:t>that has an </a:t>
+            </a:r>
+            <a:r>
+              <a:rPr lang="en-US" sz="2200" b="1" dirty="0">
+                <a:solidFill>
+                  <a:srgbClr val="C00000"/>
+                </a:solidFill>
+              </a:rPr>
+              <a:t>effect</a:t>
+            </a:r>
+            <a:r>
+              <a:rPr lang="en-US" sz="2200" dirty="0"/>
+              <a:t>, like </a:t>
+            </a:r>
+            <a:r>
+              <a:rPr lang="en-US" sz="2200" b="1" dirty="0">
+                <a:solidFill>
+                  <a:srgbClr val="002060"/>
+                </a:solidFill>
+              </a:rPr>
+              <a:t>creating a variable </a:t>
+            </a:r>
+            <a:r>
+              <a:rPr lang="en-US" sz="2200" dirty="0"/>
+              <a:t>or </a:t>
+            </a:r>
+            <a:r>
+              <a:rPr lang="en-US" sz="2200" b="1" dirty="0">
+                <a:solidFill>
+                  <a:srgbClr val="002060"/>
+                </a:solidFill>
+              </a:rPr>
+              <a:t>displaying</a:t>
+            </a:r>
+            <a:r>
+              <a:rPr lang="en-US" sz="2200" dirty="0"/>
+              <a:t> </a:t>
+            </a:r>
+            <a:r>
+              <a:rPr lang="en-US" sz="2200" b="1" dirty="0">
+                <a:solidFill>
+                  <a:srgbClr val="002060"/>
+                </a:solidFill>
+              </a:rPr>
+              <a:t>a  value</a:t>
+            </a:r>
+            <a:r>
+              <a:rPr lang="en-US" sz="2200" dirty="0"/>
+              <a:t>.</a:t>
+            </a:r>
+          </a:p>
+          <a:p>
+            <a:pPr marL="0" indent="0">
+              <a:buNone/>
+            </a:pPr>
+            <a:r>
+              <a:rPr lang="en-US" sz="2200" b="1" dirty="0"/>
+              <a:t>Characteristics of Statements:</a:t>
+            </a:r>
+          </a:p>
+          <a:p>
+            <a:pPr lvl="1"/>
+            <a:r>
+              <a:rPr lang="en-US" sz="2200" dirty="0"/>
+              <a:t>Do not necessarily return a value.</a:t>
+            </a:r>
+          </a:p>
+          <a:p>
+            <a:pPr lvl="1"/>
+            <a:r>
+              <a:rPr lang="en-US" sz="2200" b="1" dirty="0">
+                <a:solidFill>
+                  <a:srgbClr val="C00000"/>
+                </a:solidFill>
+              </a:rPr>
+              <a:t>Perform actions </a:t>
+            </a:r>
+            <a:r>
+              <a:rPr lang="en-US" sz="2200" dirty="0"/>
+              <a:t>such as </a:t>
+            </a:r>
+            <a:r>
+              <a:rPr lang="en-US" sz="2200" b="1" dirty="0"/>
+              <a:t>defining</a:t>
+            </a:r>
+            <a:r>
+              <a:rPr lang="en-US" sz="2200" dirty="0"/>
+              <a:t> </a:t>
+            </a:r>
+            <a:r>
+              <a:rPr lang="en-US" sz="2200" b="1" dirty="0"/>
+              <a:t>variables</a:t>
+            </a:r>
+            <a:r>
+              <a:rPr lang="en-US" sz="2200" dirty="0"/>
+              <a:t>, </a:t>
+            </a:r>
+            <a:r>
+              <a:rPr lang="en-US" sz="2200" b="1" dirty="0"/>
+              <a:t>loops</a:t>
+            </a:r>
+            <a:r>
+              <a:rPr lang="en-US" sz="2200" dirty="0"/>
+              <a:t>, or </a:t>
+            </a:r>
+            <a:r>
+              <a:rPr lang="en-US" sz="2200" b="1" dirty="0"/>
+              <a:t>conditionals</a:t>
+            </a:r>
+            <a:r>
+              <a:rPr lang="en-US" sz="2200" dirty="0"/>
+              <a:t>.</a:t>
+            </a:r>
+          </a:p>
+          <a:p>
+            <a:pPr lvl="1"/>
+            <a:r>
+              <a:rPr lang="en-US" sz="2200" b="1" dirty="0">
+                <a:solidFill>
+                  <a:srgbClr val="C00000"/>
+                </a:solidFill>
+              </a:rPr>
+              <a:t>Can include expressions </a:t>
+            </a:r>
+            <a:r>
+              <a:rPr lang="en-US" sz="2200" dirty="0"/>
+              <a:t>as part of their structure.</a:t>
+            </a:r>
+          </a:p>
+          <a:p>
+            <a:pPr marL="0" indent="0">
+              <a:buNone/>
+            </a:pPr>
+            <a:endParaRPr lang="en-US" sz="2200" dirty="0"/>
+          </a:p>
+          <a:p>
+            <a:pPr marL="0" indent="0">
+              <a:buNone/>
+            </a:pPr>
+            <a:r>
+              <a:rPr lang="en-US" sz="2200" b="1" dirty="0"/>
+              <a:t>Types of Statements:</a:t>
+            </a:r>
+          </a:p>
+          <a:p>
+            <a:pPr lvl="1"/>
+            <a:r>
+              <a:rPr lang="en-US" sz="2200" b="1" dirty="0"/>
+              <a:t>Assignment Statement:</a:t>
+            </a:r>
+            <a:r>
+              <a:rPr lang="en-US" sz="2200" dirty="0"/>
+              <a:t> Assigns a value to a variable.</a:t>
+            </a:r>
+          </a:p>
+          <a:p>
+            <a:pPr lvl="1"/>
+            <a:r>
+              <a:rPr lang="en-US" sz="2200" b="1" dirty="0"/>
+              <a:t>Control Flow Statements: </a:t>
+            </a:r>
+            <a:r>
+              <a:rPr lang="en-US" sz="2200" dirty="0"/>
+              <a:t>Includes if, for, while, etc.</a:t>
+            </a:r>
+          </a:p>
+          <a:p>
+            <a:pPr lvl="1"/>
+            <a:r>
+              <a:rPr lang="en-US" sz="2200" b="1" dirty="0"/>
+              <a:t>Function</a:t>
+            </a:r>
+            <a:r>
+              <a:rPr lang="en-US" sz="2200" dirty="0"/>
+              <a:t> and </a:t>
+            </a:r>
+            <a:r>
+              <a:rPr lang="en-US" sz="2200" b="1" dirty="0"/>
+              <a:t>Class</a:t>
+            </a:r>
+            <a:r>
+              <a:rPr lang="en-US" sz="2200" dirty="0"/>
+              <a:t> </a:t>
+            </a:r>
+            <a:r>
+              <a:rPr lang="en-US" sz="2200" b="1" dirty="0"/>
+              <a:t>Definitions</a:t>
+            </a:r>
+            <a:r>
+              <a:rPr lang="en-US" sz="2200" dirty="0"/>
+              <a:t>: def, class.</a:t>
+            </a:r>
+          </a:p>
+          <a:p>
+            <a:pPr lvl="1"/>
+            <a:r>
+              <a:rPr lang="en-US" sz="2200" b="1" dirty="0"/>
+              <a:t>Import</a:t>
+            </a:r>
+            <a:r>
+              <a:rPr lang="en-US" sz="2200" dirty="0"/>
+              <a:t> </a:t>
+            </a:r>
+            <a:r>
+              <a:rPr lang="en-US" sz="2200" b="1" dirty="0"/>
+              <a:t>Statements</a:t>
+            </a:r>
+            <a:r>
+              <a:rPr lang="en-US" sz="2200" dirty="0"/>
+              <a:t>: import, from.</a:t>
+            </a:r>
+            <a:endParaRPr lang="en-IN" sz="2200" dirty="0"/>
           </a:p>
         </p:txBody>
       </p:sp>
@@ -5935,6 +6797,728 @@
     <p:extLst>
       <p:ext uri="{BB962C8B-B14F-4D97-AF65-F5344CB8AC3E}">
         <p14:creationId xmlns:p14="http://schemas.microsoft.com/office/powerpoint/2010/main" val="1771490283"/>
+      </p:ext>
+    </p:extLst>
+  </p:cSld>
+  <p:clrMapOvr>
+    <a:masterClrMapping/>
+  </p:clrMapOvr>
+</p:sld>
+</file>
+
+<file path=ppt/slides/slide18.xml><?xml version="1.0" encoding="utf-8"?>
+<p:sld xmlns:a="http://schemas.openxmlformats.org/drawingml/2006/main" xmlns:r="http://schemas.openxmlformats.org/officeDocument/2006/relationships" xmlns:p="http://schemas.openxmlformats.org/presentationml/2006/main">
+  <p:cSld>
+    <p:spTree>
+      <p:nvGrpSpPr>
+        <p:cNvPr id="1" name="">
+          <a:extLst>
+            <a:ext uri="{FF2B5EF4-FFF2-40B4-BE49-F238E27FC236}">
+              <a16:creationId xmlns:a16="http://schemas.microsoft.com/office/drawing/2014/main" id="{91F351AB-D974-27D5-1424-D67C1FA41141}"/>
+            </a:ext>
+          </a:extLst>
+        </p:cNvPr>
+        <p:cNvGrpSpPr/>
+        <p:nvPr/>
+      </p:nvGrpSpPr>
+      <p:grpSpPr>
+        <a:xfrm>
+          <a:off x="0" y="0"/>
+          <a:ext cx="0" cy="0"/>
+          <a:chOff x="0" y="0"/>
+          <a:chExt cx="0" cy="0"/>
+        </a:xfrm>
+      </p:grpSpPr>
+      <p:sp>
+        <p:nvSpPr>
+          <p:cNvPr id="3" name="Content Placeholder 2">
+            <a:extLst>
+              <a:ext uri="{FF2B5EF4-FFF2-40B4-BE49-F238E27FC236}">
+                <a16:creationId xmlns:a16="http://schemas.microsoft.com/office/drawing/2014/main" id="{7F3C9839-273A-CCA9-D99A-C9F1062BC572}"/>
+              </a:ext>
+            </a:extLst>
+          </p:cNvPr>
+          <p:cNvSpPr>
+            <a:spLocks noGrp="1"/>
+          </p:cNvSpPr>
+          <p:nvPr>
+            <p:ph idx="1"/>
+          </p:nvPr>
+        </p:nvSpPr>
+        <p:spPr>
+          <a:xfrm>
+            <a:off x="777240" y="592183"/>
+            <a:ext cx="10659110" cy="5584780"/>
+          </a:xfrm>
+        </p:spPr>
+        <p:txBody>
+          <a:bodyPr/>
+          <a:lstStyle/>
+          <a:p>
+            <a:pPr marL="0" indent="0">
+              <a:buNone/>
+            </a:pPr>
+            <a:r>
+              <a:rPr lang="en-US" dirty="0"/>
+              <a:t>Example: </a:t>
+            </a:r>
+            <a:endParaRPr lang="en-IN" dirty="0"/>
+          </a:p>
+        </p:txBody>
+      </p:sp>
+      <p:pic>
+        <p:nvPicPr>
+          <p:cNvPr id="4" name="Picture 3">
+            <a:extLst>
+              <a:ext uri="{FF2B5EF4-FFF2-40B4-BE49-F238E27FC236}">
+                <a16:creationId xmlns:a16="http://schemas.microsoft.com/office/drawing/2014/main" id="{1B05B661-E38A-518E-350D-8B337A6285A9}"/>
+              </a:ext>
+            </a:extLst>
+          </p:cNvPr>
+          <p:cNvPicPr>
+            <a:picLocks noChangeAspect="1"/>
+          </p:cNvPicPr>
+          <p:nvPr/>
+        </p:nvPicPr>
+        <p:blipFill>
+          <a:blip r:embed="rId2"/>
+          <a:stretch>
+            <a:fillRect/>
+          </a:stretch>
+        </p:blipFill>
+        <p:spPr>
+          <a:xfrm>
+            <a:off x="2017910" y="703912"/>
+            <a:ext cx="8971428" cy="5561905"/>
+          </a:xfrm>
+          <a:prstGeom prst="rect">
+            <a:avLst/>
+          </a:prstGeom>
+        </p:spPr>
+      </p:pic>
+    </p:spTree>
+    <p:extLst>
+      <p:ext uri="{BB962C8B-B14F-4D97-AF65-F5344CB8AC3E}">
+        <p14:creationId xmlns:p14="http://schemas.microsoft.com/office/powerpoint/2010/main" val="318047149"/>
+      </p:ext>
+    </p:extLst>
+  </p:cSld>
+  <p:clrMapOvr>
+    <a:masterClrMapping/>
+  </p:clrMapOvr>
+</p:sld>
+</file>
+
+<file path=ppt/slides/slide19.xml><?xml version="1.0" encoding="utf-8"?>
+<p:sld xmlns:a="http://schemas.openxmlformats.org/drawingml/2006/main" xmlns:r="http://schemas.openxmlformats.org/officeDocument/2006/relationships" xmlns:p="http://schemas.openxmlformats.org/presentationml/2006/main">
+  <p:cSld>
+    <p:spTree>
+      <p:nvGrpSpPr>
+        <p:cNvPr id="1" name="">
+          <a:extLst>
+            <a:ext uri="{FF2B5EF4-FFF2-40B4-BE49-F238E27FC236}">
+              <a16:creationId xmlns:a16="http://schemas.microsoft.com/office/drawing/2014/main" id="{7CC945AA-14D4-3769-1F15-AB92DD4DE3F2}"/>
+            </a:ext>
+          </a:extLst>
+        </p:cNvPr>
+        <p:cNvGrpSpPr/>
+        <p:nvPr/>
+      </p:nvGrpSpPr>
+      <p:grpSpPr>
+        <a:xfrm>
+          <a:off x="0" y="0"/>
+          <a:ext cx="0" cy="0"/>
+          <a:chOff x="0" y="0"/>
+          <a:chExt cx="0" cy="0"/>
+        </a:xfrm>
+      </p:grpSpPr>
+      <p:sp>
+        <p:nvSpPr>
+          <p:cNvPr id="3" name="Content Placeholder 2">
+            <a:extLst>
+              <a:ext uri="{FF2B5EF4-FFF2-40B4-BE49-F238E27FC236}">
+                <a16:creationId xmlns:a16="http://schemas.microsoft.com/office/drawing/2014/main" id="{6C81EC17-E103-1059-A755-9C22330E30DC}"/>
+              </a:ext>
+            </a:extLst>
+          </p:cNvPr>
+          <p:cNvSpPr>
+            <a:spLocks noGrp="1"/>
+          </p:cNvSpPr>
+          <p:nvPr>
+            <p:ph idx="1"/>
+          </p:nvPr>
+        </p:nvSpPr>
+        <p:spPr>
+          <a:xfrm>
+            <a:off x="777240" y="592183"/>
+            <a:ext cx="10659110" cy="5584780"/>
+          </a:xfrm>
+        </p:spPr>
+        <p:txBody>
+          <a:bodyPr>
+            <a:normAutofit/>
+          </a:bodyPr>
+          <a:lstStyle/>
+          <a:p>
+            <a:pPr marL="0" indent="0">
+              <a:buNone/>
+            </a:pPr>
+            <a:r>
+              <a:rPr lang="en-US" sz="2400" b="1" dirty="0"/>
+              <a:t>Key Differences Between Statements and Expressions:</a:t>
+            </a:r>
+          </a:p>
+          <a:p>
+            <a:pPr marL="0" indent="0">
+              <a:buNone/>
+            </a:pPr>
+            <a:endParaRPr lang="en-IN" sz="2400" b="1" dirty="0"/>
+          </a:p>
+        </p:txBody>
+      </p:sp>
+      <p:graphicFrame>
+        <p:nvGraphicFramePr>
+          <p:cNvPr id="2" name="Table 1">
+            <a:extLst>
+              <a:ext uri="{FF2B5EF4-FFF2-40B4-BE49-F238E27FC236}">
+                <a16:creationId xmlns:a16="http://schemas.microsoft.com/office/drawing/2014/main" id="{4F9BF5DC-897F-559A-77CA-AF01342EB9BE}"/>
+              </a:ext>
+            </a:extLst>
+          </p:cNvPr>
+          <p:cNvGraphicFramePr>
+            <a:graphicFrameLocks noGrp="1"/>
+          </p:cNvGraphicFramePr>
+          <p:nvPr>
+            <p:extLst>
+              <p:ext uri="{D42A27DB-BD31-4B8C-83A1-F6EECF244321}">
+                <p14:modId xmlns:p14="http://schemas.microsoft.com/office/powerpoint/2010/main" val="1440045240"/>
+              </p:ext>
+            </p:extLst>
+          </p:nvPr>
+        </p:nvGraphicFramePr>
+        <p:xfrm>
+          <a:off x="969484" y="1233889"/>
+          <a:ext cx="10003316" cy="4656634"/>
+        </p:xfrm>
+        <a:graphic>
+          <a:graphicData uri="http://schemas.openxmlformats.org/drawingml/2006/table">
+            <a:tbl>
+              <a:tblPr firstRow="1" firstCol="1" bandRow="1">
+                <a:tableStyleId>{5C22544A-7EE6-4342-B048-85BDC9FD1C3A}</a:tableStyleId>
+              </a:tblPr>
+              <a:tblGrid>
+                <a:gridCol w="2610998">
+                  <a:extLst>
+                    <a:ext uri="{9D8B030D-6E8A-4147-A177-3AD203B41FA5}">
+                      <a16:colId xmlns:a16="http://schemas.microsoft.com/office/drawing/2014/main" val="2543097617"/>
+                    </a:ext>
+                  </a:extLst>
+                </a:gridCol>
+                <a:gridCol w="3866920">
+                  <a:extLst>
+                    <a:ext uri="{9D8B030D-6E8A-4147-A177-3AD203B41FA5}">
+                      <a16:colId xmlns:a16="http://schemas.microsoft.com/office/drawing/2014/main" val="407177550"/>
+                    </a:ext>
+                  </a:extLst>
+                </a:gridCol>
+                <a:gridCol w="3525398">
+                  <a:extLst>
+                    <a:ext uri="{9D8B030D-6E8A-4147-A177-3AD203B41FA5}">
+                      <a16:colId xmlns:a16="http://schemas.microsoft.com/office/drawing/2014/main" val="2996787785"/>
+                    </a:ext>
+                  </a:extLst>
+                </a:gridCol>
+              </a:tblGrid>
+              <a:tr h="729991">
+                <a:tc>
+                  <a:txBody>
+                    <a:bodyPr/>
+                    <a:lstStyle/>
+                    <a:p>
+                      <a:pPr>
+                        <a:lnSpc>
+                          <a:spcPct val="107000"/>
+                        </a:lnSpc>
+                        <a:spcAft>
+                          <a:spcPts val="800"/>
+                        </a:spcAft>
+                      </a:pPr>
+                      <a:r>
+                        <a:rPr lang="en-IN" sz="2400" kern="100">
+                          <a:effectLst/>
+                        </a:rPr>
+                        <a:t>Aspect</a:t>
+                      </a:r>
+                      <a:endParaRPr lang="en-IN" sz="2400" kern="100">
+                        <a:effectLst/>
+                        <a:latin typeface="Aptos" panose="020B0004020202020204" pitchFamily="34" charset="0"/>
+                        <a:ea typeface="Aptos" panose="020B0004020202020204" pitchFamily="34" charset="0"/>
+                        <a:cs typeface="Times New Roman" panose="02020603050405020304" pitchFamily="18" charset="0"/>
+                      </a:endParaRPr>
+                    </a:p>
+                  </a:txBody>
+                  <a:tcPr marL="68580" marR="68580" marT="0" marB="0"/>
+                </a:tc>
+                <a:tc>
+                  <a:txBody>
+                    <a:bodyPr/>
+                    <a:lstStyle/>
+                    <a:p>
+                      <a:pPr>
+                        <a:lnSpc>
+                          <a:spcPct val="107000"/>
+                        </a:lnSpc>
+                        <a:spcAft>
+                          <a:spcPts val="800"/>
+                        </a:spcAft>
+                      </a:pPr>
+                      <a:r>
+                        <a:rPr lang="en-IN" sz="2400" kern="100">
+                          <a:effectLst/>
+                        </a:rPr>
+                        <a:t>Expression</a:t>
+                      </a:r>
+                      <a:endParaRPr lang="en-IN" sz="2400" kern="100">
+                        <a:effectLst/>
+                        <a:latin typeface="Aptos" panose="020B0004020202020204" pitchFamily="34" charset="0"/>
+                        <a:ea typeface="Aptos" panose="020B0004020202020204" pitchFamily="34" charset="0"/>
+                        <a:cs typeface="Times New Roman" panose="02020603050405020304" pitchFamily="18" charset="0"/>
+                      </a:endParaRPr>
+                    </a:p>
+                  </a:txBody>
+                  <a:tcPr marL="68580" marR="68580" marT="0" marB="0"/>
+                </a:tc>
+                <a:tc>
+                  <a:txBody>
+                    <a:bodyPr/>
+                    <a:lstStyle/>
+                    <a:p>
+                      <a:pPr>
+                        <a:lnSpc>
+                          <a:spcPct val="107000"/>
+                        </a:lnSpc>
+                        <a:spcAft>
+                          <a:spcPts val="800"/>
+                        </a:spcAft>
+                      </a:pPr>
+                      <a:r>
+                        <a:rPr lang="en-IN" sz="2400" kern="100">
+                          <a:effectLst/>
+                        </a:rPr>
+                        <a:t>Statement</a:t>
+                      </a:r>
+                      <a:endParaRPr lang="en-IN" sz="2400" kern="100">
+                        <a:effectLst/>
+                        <a:latin typeface="Aptos" panose="020B0004020202020204" pitchFamily="34" charset="0"/>
+                        <a:ea typeface="Aptos" panose="020B0004020202020204" pitchFamily="34" charset="0"/>
+                        <a:cs typeface="Times New Roman" panose="02020603050405020304" pitchFamily="18" charset="0"/>
+                      </a:endParaRPr>
+                    </a:p>
+                  </a:txBody>
+                  <a:tcPr marL="68580" marR="68580" marT="0" marB="0"/>
+                </a:tc>
+                <a:extLst>
+                  <a:ext uri="{0D108BD9-81ED-4DB2-BD59-A6C34878D82A}">
+                    <a16:rowId xmlns:a16="http://schemas.microsoft.com/office/drawing/2014/main" val="2802535193"/>
+                  </a:ext>
+                </a:extLst>
+              </a:tr>
+              <a:tr h="1487607">
+                <a:tc>
+                  <a:txBody>
+                    <a:bodyPr/>
+                    <a:lstStyle/>
+                    <a:p>
+                      <a:pPr>
+                        <a:lnSpc>
+                          <a:spcPct val="107000"/>
+                        </a:lnSpc>
+                        <a:spcAft>
+                          <a:spcPts val="800"/>
+                        </a:spcAft>
+                      </a:pPr>
+                      <a:r>
+                        <a:rPr lang="en-IN" sz="2400" kern="100">
+                          <a:effectLst/>
+                        </a:rPr>
+                        <a:t>Definition</a:t>
+                      </a:r>
+                      <a:endParaRPr lang="en-IN" sz="2400" kern="100">
+                        <a:effectLst/>
+                        <a:latin typeface="Aptos" panose="020B0004020202020204" pitchFamily="34" charset="0"/>
+                        <a:ea typeface="Aptos" panose="020B0004020202020204" pitchFamily="34" charset="0"/>
+                        <a:cs typeface="Times New Roman" panose="02020603050405020304" pitchFamily="18" charset="0"/>
+                      </a:endParaRPr>
+                    </a:p>
+                  </a:txBody>
+                  <a:tcPr marL="68580" marR="68580" marT="0" marB="0"/>
+                </a:tc>
+                <a:tc>
+                  <a:txBody>
+                    <a:bodyPr/>
+                    <a:lstStyle/>
+                    <a:p>
+                      <a:pPr>
+                        <a:lnSpc>
+                          <a:spcPct val="107000"/>
+                        </a:lnSpc>
+                        <a:spcAft>
+                          <a:spcPts val="800"/>
+                        </a:spcAft>
+                      </a:pPr>
+                      <a:r>
+                        <a:rPr lang="en-IN" sz="2400" kern="100" dirty="0">
+                          <a:effectLst/>
+                        </a:rPr>
+                        <a:t>A combination of values and operators.</a:t>
+                      </a:r>
+                      <a:endParaRPr lang="en-IN" sz="2400" kern="100" dirty="0">
+                        <a:effectLst/>
+                        <a:latin typeface="Aptos" panose="020B0004020202020204" pitchFamily="34" charset="0"/>
+                        <a:ea typeface="Aptos" panose="020B0004020202020204" pitchFamily="34" charset="0"/>
+                        <a:cs typeface="Times New Roman" panose="02020603050405020304" pitchFamily="18" charset="0"/>
+                      </a:endParaRPr>
+                    </a:p>
+                  </a:txBody>
+                  <a:tcPr marL="68580" marR="68580" marT="0" marB="0"/>
+                </a:tc>
+                <a:tc>
+                  <a:txBody>
+                    <a:bodyPr/>
+                    <a:lstStyle/>
+                    <a:p>
+                      <a:pPr>
+                        <a:lnSpc>
+                          <a:spcPct val="107000"/>
+                        </a:lnSpc>
+                        <a:spcAft>
+                          <a:spcPts val="800"/>
+                        </a:spcAft>
+                      </a:pPr>
+                      <a:r>
+                        <a:rPr lang="en-IN" sz="2400" kern="100">
+                          <a:effectLst/>
+                        </a:rPr>
+                        <a:t>A complete instruction or action.</a:t>
+                      </a:r>
+                      <a:endParaRPr lang="en-IN" sz="2400" kern="100">
+                        <a:effectLst/>
+                        <a:latin typeface="Aptos" panose="020B0004020202020204" pitchFamily="34" charset="0"/>
+                        <a:ea typeface="Aptos" panose="020B0004020202020204" pitchFamily="34" charset="0"/>
+                        <a:cs typeface="Times New Roman" panose="02020603050405020304" pitchFamily="18" charset="0"/>
+                      </a:endParaRPr>
+                    </a:p>
+                  </a:txBody>
+                  <a:tcPr marL="68580" marR="68580" marT="0" marB="0"/>
+                </a:tc>
+                <a:extLst>
+                  <a:ext uri="{0D108BD9-81ED-4DB2-BD59-A6C34878D82A}">
+                    <a16:rowId xmlns:a16="http://schemas.microsoft.com/office/drawing/2014/main" val="3884879686"/>
+                  </a:ext>
+                </a:extLst>
+              </a:tr>
+              <a:tr h="979054">
+                <a:tc>
+                  <a:txBody>
+                    <a:bodyPr/>
+                    <a:lstStyle/>
+                    <a:p>
+                      <a:pPr>
+                        <a:lnSpc>
+                          <a:spcPct val="107000"/>
+                        </a:lnSpc>
+                        <a:spcAft>
+                          <a:spcPts val="800"/>
+                        </a:spcAft>
+                      </a:pPr>
+                      <a:r>
+                        <a:rPr lang="en-IN" sz="2400" kern="100">
+                          <a:effectLst/>
+                        </a:rPr>
+                        <a:t>Returns a Value</a:t>
+                      </a:r>
+                      <a:endParaRPr lang="en-IN" sz="2400" kern="100">
+                        <a:effectLst/>
+                        <a:latin typeface="Aptos" panose="020B0004020202020204" pitchFamily="34" charset="0"/>
+                        <a:ea typeface="Aptos" panose="020B0004020202020204" pitchFamily="34" charset="0"/>
+                        <a:cs typeface="Times New Roman" panose="02020603050405020304" pitchFamily="18" charset="0"/>
+                      </a:endParaRPr>
+                    </a:p>
+                  </a:txBody>
+                  <a:tcPr marL="68580" marR="68580" marT="0" marB="0"/>
+                </a:tc>
+                <a:tc>
+                  <a:txBody>
+                    <a:bodyPr/>
+                    <a:lstStyle/>
+                    <a:p>
+                      <a:pPr>
+                        <a:lnSpc>
+                          <a:spcPct val="107000"/>
+                        </a:lnSpc>
+                        <a:spcAft>
+                          <a:spcPts val="800"/>
+                        </a:spcAft>
+                      </a:pPr>
+                      <a:r>
+                        <a:rPr lang="en-IN" sz="2400" kern="100">
+                          <a:effectLst/>
+                        </a:rPr>
+                        <a:t>Always returns a value.</a:t>
+                      </a:r>
+                      <a:endParaRPr lang="en-IN" sz="2400" kern="100">
+                        <a:effectLst/>
+                        <a:latin typeface="Aptos" panose="020B0004020202020204" pitchFamily="34" charset="0"/>
+                        <a:ea typeface="Aptos" panose="020B0004020202020204" pitchFamily="34" charset="0"/>
+                        <a:cs typeface="Times New Roman" panose="02020603050405020304" pitchFamily="18" charset="0"/>
+                      </a:endParaRPr>
+                    </a:p>
+                  </a:txBody>
+                  <a:tcPr marL="68580" marR="68580" marT="0" marB="0"/>
+                </a:tc>
+                <a:tc>
+                  <a:txBody>
+                    <a:bodyPr/>
+                    <a:lstStyle/>
+                    <a:p>
+                      <a:pPr>
+                        <a:lnSpc>
+                          <a:spcPct val="107000"/>
+                        </a:lnSpc>
+                        <a:spcAft>
+                          <a:spcPts val="800"/>
+                        </a:spcAft>
+                      </a:pPr>
+                      <a:r>
+                        <a:rPr lang="en-IN" sz="2400" kern="100">
+                          <a:effectLst/>
+                        </a:rPr>
+                        <a:t>May or may not return a value.</a:t>
+                      </a:r>
+                      <a:endParaRPr lang="en-IN" sz="2400" kern="100">
+                        <a:effectLst/>
+                        <a:latin typeface="Aptos" panose="020B0004020202020204" pitchFamily="34" charset="0"/>
+                        <a:ea typeface="Aptos" panose="020B0004020202020204" pitchFamily="34" charset="0"/>
+                        <a:cs typeface="Times New Roman" panose="02020603050405020304" pitchFamily="18" charset="0"/>
+                      </a:endParaRPr>
+                    </a:p>
+                  </a:txBody>
+                  <a:tcPr marL="68580" marR="68580" marT="0" marB="0"/>
+                </a:tc>
+                <a:extLst>
+                  <a:ext uri="{0D108BD9-81ED-4DB2-BD59-A6C34878D82A}">
+                    <a16:rowId xmlns:a16="http://schemas.microsoft.com/office/drawing/2014/main" val="3127608624"/>
+                  </a:ext>
+                </a:extLst>
+              </a:tr>
+              <a:tr h="729991">
+                <a:tc>
+                  <a:txBody>
+                    <a:bodyPr/>
+                    <a:lstStyle/>
+                    <a:p>
+                      <a:pPr>
+                        <a:lnSpc>
+                          <a:spcPct val="107000"/>
+                        </a:lnSpc>
+                        <a:spcAft>
+                          <a:spcPts val="800"/>
+                        </a:spcAft>
+                      </a:pPr>
+                      <a:r>
+                        <a:rPr lang="en-IN" sz="2400" kern="100">
+                          <a:effectLst/>
+                        </a:rPr>
+                        <a:t>Examples</a:t>
+                      </a:r>
+                      <a:endParaRPr lang="en-IN" sz="2400" kern="100">
+                        <a:effectLst/>
+                        <a:latin typeface="Aptos" panose="020B0004020202020204" pitchFamily="34" charset="0"/>
+                        <a:ea typeface="Aptos" panose="020B0004020202020204" pitchFamily="34" charset="0"/>
+                        <a:cs typeface="Times New Roman" panose="02020603050405020304" pitchFamily="18" charset="0"/>
+                      </a:endParaRPr>
+                    </a:p>
+                  </a:txBody>
+                  <a:tcPr marL="68580" marR="68580" marT="0" marB="0"/>
+                </a:tc>
+                <a:tc>
+                  <a:txBody>
+                    <a:bodyPr/>
+                    <a:lstStyle/>
+                    <a:p>
+                      <a:pPr>
+                        <a:lnSpc>
+                          <a:spcPct val="107000"/>
+                        </a:lnSpc>
+                        <a:spcAft>
+                          <a:spcPts val="800"/>
+                        </a:spcAft>
+                      </a:pPr>
+                      <a:r>
+                        <a:rPr lang="en-IN" sz="2400" kern="100" dirty="0">
+                          <a:effectLst/>
+                        </a:rPr>
+                        <a:t>5 + 3, x * 2, </a:t>
+                      </a:r>
+                      <a:r>
+                        <a:rPr lang="en-IN" sz="2400" kern="100" dirty="0" err="1">
+                          <a:effectLst/>
+                        </a:rPr>
+                        <a:t>len</a:t>
+                      </a:r>
+                      <a:r>
+                        <a:rPr lang="en-IN" sz="2400" kern="100" dirty="0">
+                          <a:effectLst/>
+                        </a:rPr>
+                        <a:t>("text")</a:t>
+                      </a:r>
+                      <a:endParaRPr lang="en-IN" sz="2400" kern="100" dirty="0">
+                        <a:effectLst/>
+                        <a:latin typeface="Aptos" panose="020B0004020202020204" pitchFamily="34" charset="0"/>
+                        <a:ea typeface="Aptos" panose="020B0004020202020204" pitchFamily="34" charset="0"/>
+                        <a:cs typeface="Times New Roman" panose="02020603050405020304" pitchFamily="18" charset="0"/>
+                      </a:endParaRPr>
+                    </a:p>
+                  </a:txBody>
+                  <a:tcPr marL="68580" marR="68580" marT="0" marB="0"/>
+                </a:tc>
+                <a:tc>
+                  <a:txBody>
+                    <a:bodyPr/>
+                    <a:lstStyle/>
+                    <a:p>
+                      <a:pPr>
+                        <a:lnSpc>
+                          <a:spcPct val="107000"/>
+                        </a:lnSpc>
+                        <a:spcAft>
+                          <a:spcPts val="800"/>
+                        </a:spcAft>
+                      </a:pPr>
+                      <a:r>
+                        <a:rPr lang="en-IN" sz="2400" kern="100">
+                          <a:effectLst/>
+                        </a:rPr>
+                        <a:t>x = 5, if, for, def, print()</a:t>
+                      </a:r>
+                      <a:endParaRPr lang="en-IN" sz="2400" kern="100">
+                        <a:effectLst/>
+                        <a:latin typeface="Aptos" panose="020B0004020202020204" pitchFamily="34" charset="0"/>
+                        <a:ea typeface="Aptos" panose="020B0004020202020204" pitchFamily="34" charset="0"/>
+                        <a:cs typeface="Times New Roman" panose="02020603050405020304" pitchFamily="18" charset="0"/>
+                      </a:endParaRPr>
+                    </a:p>
+                  </a:txBody>
+                  <a:tcPr marL="68580" marR="68580" marT="0" marB="0"/>
+                </a:tc>
+                <a:extLst>
+                  <a:ext uri="{0D108BD9-81ED-4DB2-BD59-A6C34878D82A}">
+                    <a16:rowId xmlns:a16="http://schemas.microsoft.com/office/drawing/2014/main" val="341925881"/>
+                  </a:ext>
+                </a:extLst>
+              </a:tr>
+              <a:tr h="729991">
+                <a:tc>
+                  <a:txBody>
+                    <a:bodyPr/>
+                    <a:lstStyle/>
+                    <a:p>
+                      <a:pPr>
+                        <a:lnSpc>
+                          <a:spcPct val="107000"/>
+                        </a:lnSpc>
+                        <a:spcAft>
+                          <a:spcPts val="800"/>
+                        </a:spcAft>
+                      </a:pPr>
+                      <a:r>
+                        <a:rPr lang="en-IN" sz="2400" kern="100">
+                          <a:effectLst/>
+                        </a:rPr>
+                        <a:t>Purpose</a:t>
+                      </a:r>
+                      <a:endParaRPr lang="en-IN" sz="2400" kern="100">
+                        <a:effectLst/>
+                        <a:latin typeface="Aptos" panose="020B0004020202020204" pitchFamily="34" charset="0"/>
+                        <a:ea typeface="Aptos" panose="020B0004020202020204" pitchFamily="34" charset="0"/>
+                        <a:cs typeface="Times New Roman" panose="02020603050405020304" pitchFamily="18" charset="0"/>
+                      </a:endParaRPr>
+                    </a:p>
+                  </a:txBody>
+                  <a:tcPr marL="68580" marR="68580" marT="0" marB="0"/>
+                </a:tc>
+                <a:tc>
+                  <a:txBody>
+                    <a:bodyPr/>
+                    <a:lstStyle/>
+                    <a:p>
+                      <a:pPr>
+                        <a:lnSpc>
+                          <a:spcPct val="107000"/>
+                        </a:lnSpc>
+                        <a:spcAft>
+                          <a:spcPts val="800"/>
+                        </a:spcAft>
+                      </a:pPr>
+                      <a:r>
+                        <a:rPr lang="en-IN" sz="2400" kern="100">
+                          <a:effectLst/>
+                        </a:rPr>
+                        <a:t>Produces a value.</a:t>
+                      </a:r>
+                      <a:endParaRPr lang="en-IN" sz="2400" kern="100">
+                        <a:effectLst/>
+                        <a:latin typeface="Aptos" panose="020B0004020202020204" pitchFamily="34" charset="0"/>
+                        <a:ea typeface="Aptos" panose="020B0004020202020204" pitchFamily="34" charset="0"/>
+                        <a:cs typeface="Times New Roman" panose="02020603050405020304" pitchFamily="18" charset="0"/>
+                      </a:endParaRPr>
+                    </a:p>
+                  </a:txBody>
+                  <a:tcPr marL="68580" marR="68580" marT="0" marB="0"/>
+                </a:tc>
+                <a:tc>
+                  <a:txBody>
+                    <a:bodyPr/>
+                    <a:lstStyle/>
+                    <a:p>
+                      <a:pPr>
+                        <a:lnSpc>
+                          <a:spcPct val="107000"/>
+                        </a:lnSpc>
+                        <a:spcAft>
+                          <a:spcPts val="800"/>
+                        </a:spcAft>
+                      </a:pPr>
+                      <a:r>
+                        <a:rPr lang="en-IN" sz="2400" kern="100" dirty="0">
+                          <a:effectLst/>
+                        </a:rPr>
+                        <a:t>Performs an action.</a:t>
+                      </a:r>
+                      <a:endParaRPr lang="en-IN" sz="2400" kern="100" dirty="0">
+                        <a:effectLst/>
+                        <a:latin typeface="Aptos" panose="020B0004020202020204" pitchFamily="34" charset="0"/>
+                        <a:ea typeface="Aptos" panose="020B0004020202020204" pitchFamily="34" charset="0"/>
+                        <a:cs typeface="Times New Roman" panose="02020603050405020304" pitchFamily="18" charset="0"/>
+                      </a:endParaRPr>
+                    </a:p>
+                  </a:txBody>
+                  <a:tcPr marL="68580" marR="68580" marT="0" marB="0"/>
+                </a:tc>
+                <a:extLst>
+                  <a:ext uri="{0D108BD9-81ED-4DB2-BD59-A6C34878D82A}">
+                    <a16:rowId xmlns:a16="http://schemas.microsoft.com/office/drawing/2014/main" val="1205302008"/>
+                  </a:ext>
+                </a:extLst>
+              </a:tr>
+            </a:tbl>
+          </a:graphicData>
+        </a:graphic>
+      </p:graphicFrame>
+    </p:spTree>
+    <p:extLst>
+      <p:ext uri="{BB962C8B-B14F-4D97-AF65-F5344CB8AC3E}">
+        <p14:creationId xmlns:p14="http://schemas.microsoft.com/office/powerpoint/2010/main" val="2194819528"/>
       </p:ext>
     </p:extLst>
   </p:cSld>
@@ -6074,7 +7658,7 @@
         <p:cNvPr id="1" name="">
           <a:extLst>
             <a:ext uri="{FF2B5EF4-FFF2-40B4-BE49-F238E27FC236}">
-              <a16:creationId xmlns:a16="http://schemas.microsoft.com/office/drawing/2014/main" id="{91F351AB-D974-27D5-1424-D67C1FA41141}"/>
+              <a16:creationId xmlns:a16="http://schemas.microsoft.com/office/drawing/2014/main" id="{5DFF0A12-0659-F999-9BCE-2A61D2A04072}"/>
             </a:ext>
           </a:extLst>
         </p:cNvPr>
@@ -6094,7 +7678,417 @@
           <p:cNvPr id="3" name="Content Placeholder 2">
             <a:extLst>
               <a:ext uri="{FF2B5EF4-FFF2-40B4-BE49-F238E27FC236}">
-                <a16:creationId xmlns:a16="http://schemas.microsoft.com/office/drawing/2014/main" id="{7F3C9839-273A-CCA9-D99A-C9F1062BC572}"/>
+                <a16:creationId xmlns:a16="http://schemas.microsoft.com/office/drawing/2014/main" id="{E232F8E0-DEAE-66A6-119A-554783D1A3DA}"/>
+              </a:ext>
+            </a:extLst>
+          </p:cNvPr>
+          <p:cNvSpPr>
+            <a:spLocks noGrp="1"/>
+          </p:cNvSpPr>
+          <p:nvPr>
+            <p:ph idx="1"/>
+          </p:nvPr>
+        </p:nvSpPr>
+        <p:spPr>
+          <a:xfrm>
+            <a:off x="766445" y="966756"/>
+            <a:ext cx="10659110" cy="5584780"/>
+          </a:xfrm>
+        </p:spPr>
+        <p:txBody>
+          <a:bodyPr>
+            <a:normAutofit/>
+          </a:bodyPr>
+          <a:lstStyle/>
+          <a:p>
+            <a:pPr marL="0" indent="0">
+              <a:buNone/>
+            </a:pPr>
+            <a:r>
+              <a:rPr lang="en-US" sz="2400" b="1" dirty="0"/>
+              <a:t>Expressions as Part of Statements: </a:t>
+            </a:r>
+            <a:r>
+              <a:rPr lang="en-US" sz="2400" dirty="0"/>
+              <a:t>Expressions are often </a:t>
+            </a:r>
+            <a:r>
+              <a:rPr lang="en-US" sz="2400" b="1" dirty="0">
+                <a:solidFill>
+                  <a:srgbClr val="C00000"/>
+                </a:solidFill>
+              </a:rPr>
+              <a:t>embedded</a:t>
+            </a:r>
+            <a:r>
+              <a:rPr lang="en-US" sz="2400" dirty="0"/>
+              <a:t> </a:t>
+            </a:r>
+            <a:r>
+              <a:rPr lang="en-US" sz="2400" b="1" dirty="0">
+                <a:solidFill>
+                  <a:srgbClr val="C00000"/>
+                </a:solidFill>
+              </a:rPr>
+              <a:t>within</a:t>
+            </a:r>
+            <a:r>
+              <a:rPr lang="en-US" sz="2400" dirty="0"/>
+              <a:t> </a:t>
+            </a:r>
+            <a:r>
+              <a:rPr lang="en-US" sz="2400" b="1" dirty="0"/>
+              <a:t>statements</a:t>
+            </a:r>
+            <a:r>
+              <a:rPr lang="en-US" sz="2400" dirty="0"/>
+              <a:t>. </a:t>
+            </a:r>
+          </a:p>
+          <a:p>
+            <a:pPr marL="0" indent="0">
+              <a:buNone/>
+            </a:pPr>
+            <a:r>
+              <a:rPr lang="en-US" sz="2400" b="1" dirty="0"/>
+              <a:t>For example:</a:t>
+            </a:r>
+          </a:p>
+          <a:p>
+            <a:pPr marL="0" indent="0">
+              <a:buNone/>
+            </a:pPr>
+            <a:endParaRPr lang="en-US" sz="2400" b="1" dirty="0"/>
+          </a:p>
+          <a:p>
+            <a:pPr marL="0" indent="0">
+              <a:buNone/>
+            </a:pPr>
+            <a:endParaRPr lang="en-US" sz="2400" b="1" dirty="0"/>
+          </a:p>
+          <a:p>
+            <a:pPr marL="0" indent="0">
+              <a:buNone/>
+            </a:pPr>
+            <a:endParaRPr lang="en-US" sz="2400" b="1" dirty="0"/>
+          </a:p>
+          <a:p>
+            <a:pPr marL="0" indent="0">
+              <a:buNone/>
+            </a:pPr>
+            <a:endParaRPr lang="en-US" sz="2400" b="1" dirty="0"/>
+          </a:p>
+          <a:p>
+            <a:pPr marL="0" indent="0">
+              <a:buNone/>
+            </a:pPr>
+            <a:endParaRPr lang="en-US" sz="2400" b="1" dirty="0"/>
+          </a:p>
+          <a:p>
+            <a:pPr marL="0" indent="0">
+              <a:buNone/>
+            </a:pPr>
+            <a:r>
+              <a:rPr lang="en-US" sz="2400" b="1" dirty="0"/>
+              <a:t>Summary: </a:t>
+            </a:r>
+          </a:p>
+          <a:p>
+            <a:r>
+              <a:rPr lang="en-US" sz="2400" b="1" dirty="0"/>
+              <a:t>Expressions: Produce values </a:t>
+            </a:r>
+            <a:r>
+              <a:rPr lang="en-US" sz="2400" dirty="0"/>
+              <a:t>and </a:t>
+            </a:r>
+            <a:r>
+              <a:rPr lang="en-US" sz="2400" b="1" dirty="0">
+                <a:solidFill>
+                  <a:srgbClr val="C00000"/>
+                </a:solidFill>
+              </a:rPr>
+              <a:t>can be part of </a:t>
+            </a:r>
+            <a:r>
+              <a:rPr lang="en-US" sz="2400" dirty="0"/>
+              <a:t>a </a:t>
+            </a:r>
+            <a:r>
+              <a:rPr lang="en-US" sz="2400" b="1" dirty="0"/>
+              <a:t>larger statement</a:t>
+            </a:r>
+            <a:r>
+              <a:rPr lang="en-US" sz="2400" dirty="0"/>
+              <a:t>.</a:t>
+            </a:r>
+          </a:p>
+          <a:p>
+            <a:r>
+              <a:rPr lang="en-US" sz="2400" b="1" dirty="0"/>
+              <a:t>Statements: </a:t>
+            </a:r>
+            <a:r>
+              <a:rPr lang="en-US" sz="2400" b="1" dirty="0">
+                <a:solidFill>
+                  <a:srgbClr val="C00000"/>
+                </a:solidFill>
+              </a:rPr>
+              <a:t>Perform actions </a:t>
+            </a:r>
+            <a:r>
+              <a:rPr lang="en-US" sz="2400" dirty="0"/>
+              <a:t>and </a:t>
+            </a:r>
+            <a:r>
+              <a:rPr lang="en-US" sz="2400" b="1" dirty="0">
+                <a:solidFill>
+                  <a:srgbClr val="C00000"/>
+                </a:solidFill>
+              </a:rPr>
+              <a:t>may contain expressions </a:t>
+            </a:r>
+            <a:r>
+              <a:rPr lang="en-US" sz="2400" dirty="0"/>
+              <a:t>within them. Understanding the distinction helps write clear and effective Python programs.</a:t>
+            </a:r>
+          </a:p>
+          <a:p>
+            <a:pPr marL="0" indent="0">
+              <a:buNone/>
+            </a:pPr>
+            <a:endParaRPr lang="en-IN" sz="2400" dirty="0"/>
+          </a:p>
+        </p:txBody>
+      </p:sp>
+      <p:pic>
+        <p:nvPicPr>
+          <p:cNvPr id="4" name="Picture 3">
+            <a:extLst>
+              <a:ext uri="{FF2B5EF4-FFF2-40B4-BE49-F238E27FC236}">
+                <a16:creationId xmlns:a16="http://schemas.microsoft.com/office/drawing/2014/main" id="{F2048AF7-BA2C-DC29-D8B7-BE59C216032B}"/>
+              </a:ext>
+            </a:extLst>
+          </p:cNvPr>
+          <p:cNvPicPr>
+            <a:picLocks noChangeAspect="1"/>
+          </p:cNvPicPr>
+          <p:nvPr/>
+        </p:nvPicPr>
+        <p:blipFill>
+          <a:blip r:embed="rId2"/>
+          <a:stretch>
+            <a:fillRect/>
+          </a:stretch>
+        </p:blipFill>
+        <p:spPr>
+          <a:xfrm>
+            <a:off x="918243" y="2449134"/>
+            <a:ext cx="10355514" cy="1627107"/>
+          </a:xfrm>
+          <a:prstGeom prst="rect">
+            <a:avLst/>
+          </a:prstGeom>
+        </p:spPr>
+      </p:pic>
+    </p:spTree>
+    <p:extLst>
+      <p:ext uri="{BB962C8B-B14F-4D97-AF65-F5344CB8AC3E}">
+        <p14:creationId xmlns:p14="http://schemas.microsoft.com/office/powerpoint/2010/main" val="1951062003"/>
+      </p:ext>
+    </p:extLst>
+  </p:cSld>
+  <p:clrMapOvr>
+    <a:masterClrMapping/>
+  </p:clrMapOvr>
+</p:sld>
+</file>
+
+<file path=ppt/slides/slide21.xml><?xml version="1.0" encoding="utf-8"?>
+<p:sld xmlns:a="http://schemas.openxmlformats.org/drawingml/2006/main" xmlns:r="http://schemas.openxmlformats.org/officeDocument/2006/relationships" xmlns:p="http://schemas.openxmlformats.org/presentationml/2006/main">
+  <p:cSld>
+    <p:spTree>
+      <p:nvGrpSpPr>
+        <p:cNvPr id="1" name="">
+          <a:extLst>
+            <a:ext uri="{FF2B5EF4-FFF2-40B4-BE49-F238E27FC236}">
+              <a16:creationId xmlns:a16="http://schemas.microsoft.com/office/drawing/2014/main" id="{E64B0317-D55A-B051-B978-3ABC8F2AD3A7}"/>
+            </a:ext>
+          </a:extLst>
+        </p:cNvPr>
+        <p:cNvGrpSpPr/>
+        <p:nvPr/>
+      </p:nvGrpSpPr>
+      <p:grpSpPr>
+        <a:xfrm>
+          <a:off x="0" y="0"/>
+          <a:ext cx="0" cy="0"/>
+          <a:chOff x="0" y="0"/>
+          <a:chExt cx="0" cy="0"/>
+        </a:xfrm>
+      </p:grpSpPr>
+      <p:sp>
+        <p:nvSpPr>
+          <p:cNvPr id="3" name="Content Placeholder 2">
+            <a:extLst>
+              <a:ext uri="{FF2B5EF4-FFF2-40B4-BE49-F238E27FC236}">
+                <a16:creationId xmlns:a16="http://schemas.microsoft.com/office/drawing/2014/main" id="{8A710A5B-D905-EA16-37DD-5FD66DF9E834}"/>
+              </a:ext>
+            </a:extLst>
+          </p:cNvPr>
+          <p:cNvSpPr>
+            <a:spLocks noGrp="1"/>
+          </p:cNvSpPr>
+          <p:nvPr>
+            <p:ph idx="1"/>
+          </p:nvPr>
+        </p:nvSpPr>
+        <p:spPr>
+          <a:xfrm>
+            <a:off x="702853" y="719137"/>
+            <a:ext cx="10900568" cy="5313801"/>
+          </a:xfrm>
+        </p:spPr>
+        <p:txBody>
+          <a:bodyPr>
+            <a:normAutofit/>
+          </a:bodyPr>
+          <a:lstStyle/>
+          <a:p>
+            <a:pPr marL="0" indent="0">
+              <a:buNone/>
+            </a:pPr>
+            <a:r>
+              <a:rPr lang="en-US" sz="3200" b="1" dirty="0">
+                <a:solidFill>
+                  <a:srgbClr val="C00000"/>
+                </a:solidFill>
+              </a:rPr>
+              <a:t>Module-1: </a:t>
+            </a:r>
+            <a:r>
+              <a:rPr lang="en-US" sz="3200" b="1" dirty="0">
+                <a:solidFill>
+                  <a:srgbClr val="002060"/>
+                </a:solidFill>
+              </a:rPr>
+              <a:t>Python Basic Concepts and Programming </a:t>
+            </a:r>
+            <a:r>
+              <a:rPr lang="en-IN" sz="3200" b="1" dirty="0">
+                <a:solidFill>
+                  <a:srgbClr val="C00000"/>
+                </a:solidFill>
+              </a:rPr>
+              <a:t>:</a:t>
+            </a:r>
+          </a:p>
+          <a:p>
+            <a:pPr marL="0" indent="0">
+              <a:buNone/>
+            </a:pPr>
+            <a:r>
+              <a:rPr lang="en-US" sz="2800" b="1" dirty="0"/>
+              <a:t>Interpreter, Parts of Python Programming Language</a:t>
+            </a:r>
+            <a:r>
+              <a:rPr lang="en-US" sz="2800" dirty="0"/>
+              <a:t>, </a:t>
+            </a:r>
+            <a:r>
+              <a:rPr lang="en-US" sz="2800" b="1" dirty="0"/>
+              <a:t>Identifiers</a:t>
+            </a:r>
+            <a:r>
+              <a:rPr lang="en-US" sz="2800" dirty="0"/>
+              <a:t>, </a:t>
+            </a:r>
+            <a:r>
+              <a:rPr lang="en-US" sz="2800" b="1" dirty="0"/>
+              <a:t>Keywords</a:t>
+            </a:r>
+            <a:r>
+              <a:rPr lang="en-US" sz="2800" dirty="0"/>
+              <a:t>, </a:t>
+            </a:r>
+            <a:r>
+              <a:rPr lang="en-US" sz="2800" b="1" dirty="0"/>
+              <a:t>Statements and Expressions</a:t>
+            </a:r>
+            <a:r>
+              <a:rPr lang="en-US" sz="2800" dirty="0"/>
+              <a:t>, Variables, Operators, Precedence and Associativity, Data Types, Indentation, Comments, Program Execution, Reading Input, Print Output, Type Conversions, The type( ) Function and Is Operator, Control Flow Statements, The if Decision Control Flow Statement, The if…else Decision Control Flow Statement, The if…</a:t>
+            </a:r>
+            <a:r>
+              <a:rPr lang="en-US" sz="2800" dirty="0" err="1"/>
+              <a:t>elif</a:t>
+            </a:r>
+            <a:r>
+              <a:rPr lang="en-US" sz="2800" dirty="0"/>
+              <a:t>…else Decision Control Statement, Nested if Statement, The while Loop, The for Loop, The continue and break Statements, Sequences – Strings, Built-In Functions, Commonly Used Modules, Function Definition and Calling the Function, The return Statement and void Function, Scope and Lifetime of Variables, Default Parameters, Keyword Arguments, *</a:t>
+            </a:r>
+            <a:r>
+              <a:rPr lang="en-US" sz="2800" dirty="0" err="1"/>
+              <a:t>args</a:t>
+            </a:r>
+            <a:r>
+              <a:rPr lang="en-US" sz="2800" dirty="0"/>
+              <a:t> and **</a:t>
+            </a:r>
+            <a:r>
+              <a:rPr lang="en-US" sz="2800" dirty="0" err="1"/>
+              <a:t>kwargs</a:t>
+            </a:r>
+            <a:r>
+              <a:rPr lang="en-US" sz="2800" dirty="0"/>
+              <a:t>, Command Line Arguments. </a:t>
+            </a:r>
+            <a:endParaRPr lang="en-IN" sz="3200" dirty="0"/>
+          </a:p>
+        </p:txBody>
+      </p:sp>
+    </p:spTree>
+    <p:extLst>
+      <p:ext uri="{BB962C8B-B14F-4D97-AF65-F5344CB8AC3E}">
+        <p14:creationId xmlns:p14="http://schemas.microsoft.com/office/powerpoint/2010/main" val="2505600029"/>
+      </p:ext>
+    </p:extLst>
+  </p:cSld>
+  <p:clrMapOvr>
+    <a:masterClrMapping/>
+  </p:clrMapOvr>
+</p:sld>
+</file>
+
+<file path=ppt/slides/slide22.xml><?xml version="1.0" encoding="utf-8"?>
+<p:sld xmlns:a="http://schemas.openxmlformats.org/drawingml/2006/main" xmlns:r="http://schemas.openxmlformats.org/officeDocument/2006/relationships" xmlns:p="http://schemas.openxmlformats.org/presentationml/2006/main">
+  <p:cSld>
+    <p:spTree>
+      <p:nvGrpSpPr>
+        <p:cNvPr id="1" name="">
+          <a:extLst>
+            <a:ext uri="{FF2B5EF4-FFF2-40B4-BE49-F238E27FC236}">
+              <a16:creationId xmlns:a16="http://schemas.microsoft.com/office/drawing/2014/main" id="{9037D037-7060-4172-FCF7-E61C2479F84B}"/>
+            </a:ext>
+          </a:extLst>
+        </p:cNvPr>
+        <p:cNvGrpSpPr/>
+        <p:nvPr/>
+      </p:nvGrpSpPr>
+      <p:grpSpPr>
+        <a:xfrm>
+          <a:off x="0" y="0"/>
+          <a:ext cx="0" cy="0"/>
+          <a:chOff x="0" y="0"/>
+          <a:chExt cx="0" cy="0"/>
+        </a:xfrm>
+      </p:grpSpPr>
+      <p:sp>
+        <p:nvSpPr>
+          <p:cNvPr id="3" name="Content Placeholder 2">
+            <a:extLst>
+              <a:ext uri="{FF2B5EF4-FFF2-40B4-BE49-F238E27FC236}">
+                <a16:creationId xmlns:a16="http://schemas.microsoft.com/office/drawing/2014/main" id="{F6F0B85F-5C6B-DDC6-EF9E-4522968607DB}"/>
               </a:ext>
             </a:extLst>
           </p:cNvPr>
@@ -6125,7 +8119,490 @@
     </p:spTree>
     <p:extLst>
       <p:ext uri="{BB962C8B-B14F-4D97-AF65-F5344CB8AC3E}">
-        <p14:creationId xmlns:p14="http://schemas.microsoft.com/office/powerpoint/2010/main" val="318047149"/>
+        <p14:creationId xmlns:p14="http://schemas.microsoft.com/office/powerpoint/2010/main" val="959308932"/>
+      </p:ext>
+    </p:extLst>
+  </p:cSld>
+  <p:clrMapOvr>
+    <a:masterClrMapping/>
+  </p:clrMapOvr>
+</p:sld>
+</file>
+
+<file path=ppt/slides/slide23.xml><?xml version="1.0" encoding="utf-8"?>
+<p:sld xmlns:a="http://schemas.openxmlformats.org/drawingml/2006/main" xmlns:r="http://schemas.openxmlformats.org/officeDocument/2006/relationships" xmlns:p="http://schemas.openxmlformats.org/presentationml/2006/main">
+  <p:cSld>
+    <p:spTree>
+      <p:nvGrpSpPr>
+        <p:cNvPr id="1" name="">
+          <a:extLst>
+            <a:ext uri="{FF2B5EF4-FFF2-40B4-BE49-F238E27FC236}">
+              <a16:creationId xmlns:a16="http://schemas.microsoft.com/office/drawing/2014/main" id="{46C05E67-8B08-BDB3-B04E-DFC973F6AB6A}"/>
+            </a:ext>
+          </a:extLst>
+        </p:cNvPr>
+        <p:cNvGrpSpPr/>
+        <p:nvPr/>
+      </p:nvGrpSpPr>
+      <p:grpSpPr>
+        <a:xfrm>
+          <a:off x="0" y="0"/>
+          <a:ext cx="0" cy="0"/>
+          <a:chOff x="0" y="0"/>
+          <a:chExt cx="0" cy="0"/>
+        </a:xfrm>
+      </p:grpSpPr>
+      <p:sp>
+        <p:nvSpPr>
+          <p:cNvPr id="3" name="Content Placeholder 2">
+            <a:extLst>
+              <a:ext uri="{FF2B5EF4-FFF2-40B4-BE49-F238E27FC236}">
+                <a16:creationId xmlns:a16="http://schemas.microsoft.com/office/drawing/2014/main" id="{83FC11B3-0032-CF25-59CF-97D5E4990804}"/>
+              </a:ext>
+            </a:extLst>
+          </p:cNvPr>
+          <p:cNvSpPr>
+            <a:spLocks noGrp="1"/>
+          </p:cNvSpPr>
+          <p:nvPr>
+            <p:ph idx="1"/>
+          </p:nvPr>
+        </p:nvSpPr>
+        <p:spPr>
+          <a:xfrm>
+            <a:off x="777240" y="592183"/>
+            <a:ext cx="10659110" cy="5584780"/>
+          </a:xfrm>
+        </p:spPr>
+        <p:txBody>
+          <a:bodyPr/>
+          <a:lstStyle/>
+          <a:p>
+            <a:pPr marL="0" indent="0">
+              <a:buNone/>
+            </a:pPr>
+            <a:endParaRPr lang="en-IN" dirty="0"/>
+          </a:p>
+        </p:txBody>
+      </p:sp>
+    </p:spTree>
+    <p:extLst>
+      <p:ext uri="{BB962C8B-B14F-4D97-AF65-F5344CB8AC3E}">
+        <p14:creationId xmlns:p14="http://schemas.microsoft.com/office/powerpoint/2010/main" val="2391863694"/>
+      </p:ext>
+    </p:extLst>
+  </p:cSld>
+  <p:clrMapOvr>
+    <a:masterClrMapping/>
+  </p:clrMapOvr>
+</p:sld>
+</file>
+
+<file path=ppt/slides/slide24.xml><?xml version="1.0" encoding="utf-8"?>
+<p:sld xmlns:a="http://schemas.openxmlformats.org/drawingml/2006/main" xmlns:r="http://schemas.openxmlformats.org/officeDocument/2006/relationships" xmlns:p="http://schemas.openxmlformats.org/presentationml/2006/main">
+  <p:cSld>
+    <p:spTree>
+      <p:nvGrpSpPr>
+        <p:cNvPr id="1" name="">
+          <a:extLst>
+            <a:ext uri="{FF2B5EF4-FFF2-40B4-BE49-F238E27FC236}">
+              <a16:creationId xmlns:a16="http://schemas.microsoft.com/office/drawing/2014/main" id="{52D60DFB-B0F5-14A8-F186-F7F67A2B37E5}"/>
+            </a:ext>
+          </a:extLst>
+        </p:cNvPr>
+        <p:cNvGrpSpPr/>
+        <p:nvPr/>
+      </p:nvGrpSpPr>
+      <p:grpSpPr>
+        <a:xfrm>
+          <a:off x="0" y="0"/>
+          <a:ext cx="0" cy="0"/>
+          <a:chOff x="0" y="0"/>
+          <a:chExt cx="0" cy="0"/>
+        </a:xfrm>
+      </p:grpSpPr>
+      <p:sp>
+        <p:nvSpPr>
+          <p:cNvPr id="3" name="Content Placeholder 2">
+            <a:extLst>
+              <a:ext uri="{FF2B5EF4-FFF2-40B4-BE49-F238E27FC236}">
+                <a16:creationId xmlns:a16="http://schemas.microsoft.com/office/drawing/2014/main" id="{9773C5C7-9CE1-8B3B-A876-F5B53DAA8F4A}"/>
+              </a:ext>
+            </a:extLst>
+          </p:cNvPr>
+          <p:cNvSpPr>
+            <a:spLocks noGrp="1"/>
+          </p:cNvSpPr>
+          <p:nvPr>
+            <p:ph idx="1"/>
+          </p:nvPr>
+        </p:nvSpPr>
+        <p:spPr>
+          <a:xfrm>
+            <a:off x="777240" y="592183"/>
+            <a:ext cx="10659110" cy="5584780"/>
+          </a:xfrm>
+        </p:spPr>
+        <p:txBody>
+          <a:bodyPr/>
+          <a:lstStyle/>
+          <a:p>
+            <a:pPr marL="0" indent="0">
+              <a:buNone/>
+            </a:pPr>
+            <a:endParaRPr lang="en-IN" dirty="0"/>
+          </a:p>
+        </p:txBody>
+      </p:sp>
+    </p:spTree>
+    <p:extLst>
+      <p:ext uri="{BB962C8B-B14F-4D97-AF65-F5344CB8AC3E}">
+        <p14:creationId xmlns:p14="http://schemas.microsoft.com/office/powerpoint/2010/main" val="3326684708"/>
+      </p:ext>
+    </p:extLst>
+  </p:cSld>
+  <p:clrMapOvr>
+    <a:masterClrMapping/>
+  </p:clrMapOvr>
+</p:sld>
+</file>
+
+<file path=ppt/slides/slide25.xml><?xml version="1.0" encoding="utf-8"?>
+<p:sld xmlns:a="http://schemas.openxmlformats.org/drawingml/2006/main" xmlns:r="http://schemas.openxmlformats.org/officeDocument/2006/relationships" xmlns:p="http://schemas.openxmlformats.org/presentationml/2006/main">
+  <p:cSld>
+    <p:spTree>
+      <p:nvGrpSpPr>
+        <p:cNvPr id="1" name="">
+          <a:extLst>
+            <a:ext uri="{FF2B5EF4-FFF2-40B4-BE49-F238E27FC236}">
+              <a16:creationId xmlns:a16="http://schemas.microsoft.com/office/drawing/2014/main" id="{7528EE3D-7B00-EB60-A146-7F335F216CA9}"/>
+            </a:ext>
+          </a:extLst>
+        </p:cNvPr>
+        <p:cNvGrpSpPr/>
+        <p:nvPr/>
+      </p:nvGrpSpPr>
+      <p:grpSpPr>
+        <a:xfrm>
+          <a:off x="0" y="0"/>
+          <a:ext cx="0" cy="0"/>
+          <a:chOff x="0" y="0"/>
+          <a:chExt cx="0" cy="0"/>
+        </a:xfrm>
+      </p:grpSpPr>
+      <p:sp>
+        <p:nvSpPr>
+          <p:cNvPr id="3" name="Content Placeholder 2">
+            <a:extLst>
+              <a:ext uri="{FF2B5EF4-FFF2-40B4-BE49-F238E27FC236}">
+                <a16:creationId xmlns:a16="http://schemas.microsoft.com/office/drawing/2014/main" id="{0CCABAE7-AEC5-2425-81DC-E39CBBADD837}"/>
+              </a:ext>
+            </a:extLst>
+          </p:cNvPr>
+          <p:cNvSpPr>
+            <a:spLocks noGrp="1"/>
+          </p:cNvSpPr>
+          <p:nvPr>
+            <p:ph idx="1"/>
+          </p:nvPr>
+        </p:nvSpPr>
+        <p:spPr>
+          <a:xfrm>
+            <a:off x="777240" y="592183"/>
+            <a:ext cx="10659110" cy="5584780"/>
+          </a:xfrm>
+        </p:spPr>
+        <p:txBody>
+          <a:bodyPr/>
+          <a:lstStyle/>
+          <a:p>
+            <a:pPr marL="0" indent="0">
+              <a:buNone/>
+            </a:pPr>
+            <a:endParaRPr lang="en-IN" dirty="0"/>
+          </a:p>
+        </p:txBody>
+      </p:sp>
+    </p:spTree>
+    <p:extLst>
+      <p:ext uri="{BB962C8B-B14F-4D97-AF65-F5344CB8AC3E}">
+        <p14:creationId xmlns:p14="http://schemas.microsoft.com/office/powerpoint/2010/main" val="2204104299"/>
+      </p:ext>
+    </p:extLst>
+  </p:cSld>
+  <p:clrMapOvr>
+    <a:masterClrMapping/>
+  </p:clrMapOvr>
+</p:sld>
+</file>
+
+<file path=ppt/slides/slide26.xml><?xml version="1.0" encoding="utf-8"?>
+<p:sld xmlns:a="http://schemas.openxmlformats.org/drawingml/2006/main" xmlns:r="http://schemas.openxmlformats.org/officeDocument/2006/relationships" xmlns:p="http://schemas.openxmlformats.org/presentationml/2006/main">
+  <p:cSld>
+    <p:spTree>
+      <p:nvGrpSpPr>
+        <p:cNvPr id="1" name="">
+          <a:extLst>
+            <a:ext uri="{FF2B5EF4-FFF2-40B4-BE49-F238E27FC236}">
+              <a16:creationId xmlns:a16="http://schemas.microsoft.com/office/drawing/2014/main" id="{12C2E58E-6A4C-3059-B538-874A99DEC62F}"/>
+            </a:ext>
+          </a:extLst>
+        </p:cNvPr>
+        <p:cNvGrpSpPr/>
+        <p:nvPr/>
+      </p:nvGrpSpPr>
+      <p:grpSpPr>
+        <a:xfrm>
+          <a:off x="0" y="0"/>
+          <a:ext cx="0" cy="0"/>
+          <a:chOff x="0" y="0"/>
+          <a:chExt cx="0" cy="0"/>
+        </a:xfrm>
+      </p:grpSpPr>
+      <p:sp>
+        <p:nvSpPr>
+          <p:cNvPr id="3" name="Content Placeholder 2">
+            <a:extLst>
+              <a:ext uri="{FF2B5EF4-FFF2-40B4-BE49-F238E27FC236}">
+                <a16:creationId xmlns:a16="http://schemas.microsoft.com/office/drawing/2014/main" id="{E85C7C21-9519-2672-957A-EDC99E19A39A}"/>
+              </a:ext>
+            </a:extLst>
+          </p:cNvPr>
+          <p:cNvSpPr>
+            <a:spLocks noGrp="1"/>
+          </p:cNvSpPr>
+          <p:nvPr>
+            <p:ph idx="1"/>
+          </p:nvPr>
+        </p:nvSpPr>
+        <p:spPr>
+          <a:xfrm>
+            <a:off x="777240" y="592183"/>
+            <a:ext cx="10659110" cy="5584780"/>
+          </a:xfrm>
+        </p:spPr>
+        <p:txBody>
+          <a:bodyPr/>
+          <a:lstStyle/>
+          <a:p>
+            <a:pPr marL="0" indent="0">
+              <a:buNone/>
+            </a:pPr>
+            <a:endParaRPr lang="en-IN" dirty="0"/>
+          </a:p>
+        </p:txBody>
+      </p:sp>
+    </p:spTree>
+    <p:extLst>
+      <p:ext uri="{BB962C8B-B14F-4D97-AF65-F5344CB8AC3E}">
+        <p14:creationId xmlns:p14="http://schemas.microsoft.com/office/powerpoint/2010/main" val="3068138854"/>
+      </p:ext>
+    </p:extLst>
+  </p:cSld>
+  <p:clrMapOvr>
+    <a:masterClrMapping/>
+  </p:clrMapOvr>
+</p:sld>
+</file>
+
+<file path=ppt/slides/slide27.xml><?xml version="1.0" encoding="utf-8"?>
+<p:sld xmlns:a="http://schemas.openxmlformats.org/drawingml/2006/main" xmlns:r="http://schemas.openxmlformats.org/officeDocument/2006/relationships" xmlns:p="http://schemas.openxmlformats.org/presentationml/2006/main">
+  <p:cSld>
+    <p:spTree>
+      <p:nvGrpSpPr>
+        <p:cNvPr id="1" name="">
+          <a:extLst>
+            <a:ext uri="{FF2B5EF4-FFF2-40B4-BE49-F238E27FC236}">
+              <a16:creationId xmlns:a16="http://schemas.microsoft.com/office/drawing/2014/main" id="{4851A2BA-6F33-5A86-3BDB-6A6186C46F8B}"/>
+            </a:ext>
+          </a:extLst>
+        </p:cNvPr>
+        <p:cNvGrpSpPr/>
+        <p:nvPr/>
+      </p:nvGrpSpPr>
+      <p:grpSpPr>
+        <a:xfrm>
+          <a:off x="0" y="0"/>
+          <a:ext cx="0" cy="0"/>
+          <a:chOff x="0" y="0"/>
+          <a:chExt cx="0" cy="0"/>
+        </a:xfrm>
+      </p:grpSpPr>
+      <p:sp>
+        <p:nvSpPr>
+          <p:cNvPr id="3" name="Content Placeholder 2">
+            <a:extLst>
+              <a:ext uri="{FF2B5EF4-FFF2-40B4-BE49-F238E27FC236}">
+                <a16:creationId xmlns:a16="http://schemas.microsoft.com/office/drawing/2014/main" id="{1E1F0069-F751-80AC-CA3A-FD50E9A35DDF}"/>
+              </a:ext>
+            </a:extLst>
+          </p:cNvPr>
+          <p:cNvSpPr>
+            <a:spLocks noGrp="1"/>
+          </p:cNvSpPr>
+          <p:nvPr>
+            <p:ph idx="1"/>
+          </p:nvPr>
+        </p:nvSpPr>
+        <p:spPr>
+          <a:xfrm>
+            <a:off x="777240" y="592183"/>
+            <a:ext cx="10659110" cy="5584780"/>
+          </a:xfrm>
+        </p:spPr>
+        <p:txBody>
+          <a:bodyPr/>
+          <a:lstStyle/>
+          <a:p>
+            <a:pPr marL="0" indent="0">
+              <a:buNone/>
+            </a:pPr>
+            <a:endParaRPr lang="en-IN" dirty="0"/>
+          </a:p>
+        </p:txBody>
+      </p:sp>
+    </p:spTree>
+    <p:extLst>
+      <p:ext uri="{BB962C8B-B14F-4D97-AF65-F5344CB8AC3E}">
+        <p14:creationId xmlns:p14="http://schemas.microsoft.com/office/powerpoint/2010/main" val="586651726"/>
+      </p:ext>
+    </p:extLst>
+  </p:cSld>
+  <p:clrMapOvr>
+    <a:masterClrMapping/>
+  </p:clrMapOvr>
+</p:sld>
+</file>
+
+<file path=ppt/slides/slide28.xml><?xml version="1.0" encoding="utf-8"?>
+<p:sld xmlns:a="http://schemas.openxmlformats.org/drawingml/2006/main" xmlns:r="http://schemas.openxmlformats.org/officeDocument/2006/relationships" xmlns:p="http://schemas.openxmlformats.org/presentationml/2006/main">
+  <p:cSld>
+    <p:spTree>
+      <p:nvGrpSpPr>
+        <p:cNvPr id="1" name="">
+          <a:extLst>
+            <a:ext uri="{FF2B5EF4-FFF2-40B4-BE49-F238E27FC236}">
+              <a16:creationId xmlns:a16="http://schemas.microsoft.com/office/drawing/2014/main" id="{59C064A6-13FB-C677-5034-819E53FEA52A}"/>
+            </a:ext>
+          </a:extLst>
+        </p:cNvPr>
+        <p:cNvGrpSpPr/>
+        <p:nvPr/>
+      </p:nvGrpSpPr>
+      <p:grpSpPr>
+        <a:xfrm>
+          <a:off x="0" y="0"/>
+          <a:ext cx="0" cy="0"/>
+          <a:chOff x="0" y="0"/>
+          <a:chExt cx="0" cy="0"/>
+        </a:xfrm>
+      </p:grpSpPr>
+      <p:sp>
+        <p:nvSpPr>
+          <p:cNvPr id="3" name="Content Placeholder 2">
+            <a:extLst>
+              <a:ext uri="{FF2B5EF4-FFF2-40B4-BE49-F238E27FC236}">
+                <a16:creationId xmlns:a16="http://schemas.microsoft.com/office/drawing/2014/main" id="{F1834DE4-D593-5E3D-0F2C-E3053B9622D4}"/>
+              </a:ext>
+            </a:extLst>
+          </p:cNvPr>
+          <p:cNvSpPr>
+            <a:spLocks noGrp="1"/>
+          </p:cNvSpPr>
+          <p:nvPr>
+            <p:ph idx="1"/>
+          </p:nvPr>
+        </p:nvSpPr>
+        <p:spPr>
+          <a:xfrm>
+            <a:off x="777240" y="592183"/>
+            <a:ext cx="10659110" cy="5584780"/>
+          </a:xfrm>
+        </p:spPr>
+        <p:txBody>
+          <a:bodyPr/>
+          <a:lstStyle/>
+          <a:p>
+            <a:pPr marL="0" indent="0">
+              <a:buNone/>
+            </a:pPr>
+            <a:endParaRPr lang="en-IN" dirty="0"/>
+          </a:p>
+        </p:txBody>
+      </p:sp>
+    </p:spTree>
+    <p:extLst>
+      <p:ext uri="{BB962C8B-B14F-4D97-AF65-F5344CB8AC3E}">
+        <p14:creationId xmlns:p14="http://schemas.microsoft.com/office/powerpoint/2010/main" val="3982238349"/>
+      </p:ext>
+    </p:extLst>
+  </p:cSld>
+  <p:clrMapOvr>
+    <a:masterClrMapping/>
+  </p:clrMapOvr>
+</p:sld>
+</file>
+
+<file path=ppt/slides/slide29.xml><?xml version="1.0" encoding="utf-8"?>
+<p:sld xmlns:a="http://schemas.openxmlformats.org/drawingml/2006/main" xmlns:r="http://schemas.openxmlformats.org/officeDocument/2006/relationships" xmlns:p="http://schemas.openxmlformats.org/presentationml/2006/main">
+  <p:cSld>
+    <p:spTree>
+      <p:nvGrpSpPr>
+        <p:cNvPr id="1" name="">
+          <a:extLst>
+            <a:ext uri="{FF2B5EF4-FFF2-40B4-BE49-F238E27FC236}">
+              <a16:creationId xmlns:a16="http://schemas.microsoft.com/office/drawing/2014/main" id="{B98CB929-2F72-745A-BC6D-FBF3F628186C}"/>
+            </a:ext>
+          </a:extLst>
+        </p:cNvPr>
+        <p:cNvGrpSpPr/>
+        <p:nvPr/>
+      </p:nvGrpSpPr>
+      <p:grpSpPr>
+        <a:xfrm>
+          <a:off x="0" y="0"/>
+          <a:ext cx="0" cy="0"/>
+          <a:chOff x="0" y="0"/>
+          <a:chExt cx="0" cy="0"/>
+        </a:xfrm>
+      </p:grpSpPr>
+      <p:sp>
+        <p:nvSpPr>
+          <p:cNvPr id="3" name="Content Placeholder 2">
+            <a:extLst>
+              <a:ext uri="{FF2B5EF4-FFF2-40B4-BE49-F238E27FC236}">
+                <a16:creationId xmlns:a16="http://schemas.microsoft.com/office/drawing/2014/main" id="{5C998AB8-82A6-E445-3EEA-92A8AAB44077}"/>
+              </a:ext>
+            </a:extLst>
+          </p:cNvPr>
+          <p:cNvSpPr>
+            <a:spLocks noGrp="1"/>
+          </p:cNvSpPr>
+          <p:nvPr>
+            <p:ph idx="1"/>
+          </p:nvPr>
+        </p:nvSpPr>
+        <p:spPr>
+          <a:xfrm>
+            <a:off x="777240" y="592183"/>
+            <a:ext cx="10659110" cy="5584780"/>
+          </a:xfrm>
+        </p:spPr>
+        <p:txBody>
+          <a:bodyPr/>
+          <a:lstStyle/>
+          <a:p>
+            <a:pPr marL="0" indent="0">
+              <a:buNone/>
+            </a:pPr>
+            <a:endParaRPr lang="en-IN" dirty="0"/>
+          </a:p>
+        </p:txBody>
+      </p:sp>
+    </p:spTree>
+    <p:extLst>
+      <p:ext uri="{BB962C8B-B14F-4D97-AF65-F5344CB8AC3E}">
+        <p14:creationId xmlns:p14="http://schemas.microsoft.com/office/powerpoint/2010/main" val="3640588775"/>
       </p:ext>
     </p:extLst>
   </p:cSld>
@@ -6530,6 +9007,213 @@
     <p:extLst>
       <p:ext uri="{BB962C8B-B14F-4D97-AF65-F5344CB8AC3E}">
         <p14:creationId xmlns:p14="http://schemas.microsoft.com/office/powerpoint/2010/main" val="3288260606"/>
+      </p:ext>
+    </p:extLst>
+  </p:cSld>
+  <p:clrMapOvr>
+    <a:masterClrMapping/>
+  </p:clrMapOvr>
+</p:sld>
+</file>
+
+<file path=ppt/slides/slide30.xml><?xml version="1.0" encoding="utf-8"?>
+<p:sld xmlns:a="http://schemas.openxmlformats.org/drawingml/2006/main" xmlns:r="http://schemas.openxmlformats.org/officeDocument/2006/relationships" xmlns:p="http://schemas.openxmlformats.org/presentationml/2006/main">
+  <p:cSld>
+    <p:spTree>
+      <p:nvGrpSpPr>
+        <p:cNvPr id="1" name="">
+          <a:extLst>
+            <a:ext uri="{FF2B5EF4-FFF2-40B4-BE49-F238E27FC236}">
+              <a16:creationId xmlns:a16="http://schemas.microsoft.com/office/drawing/2014/main" id="{785F7AE9-59A5-89DF-CE6F-9F96754DF337}"/>
+            </a:ext>
+          </a:extLst>
+        </p:cNvPr>
+        <p:cNvGrpSpPr/>
+        <p:nvPr/>
+      </p:nvGrpSpPr>
+      <p:grpSpPr>
+        <a:xfrm>
+          <a:off x="0" y="0"/>
+          <a:ext cx="0" cy="0"/>
+          <a:chOff x="0" y="0"/>
+          <a:chExt cx="0" cy="0"/>
+        </a:xfrm>
+      </p:grpSpPr>
+      <p:sp>
+        <p:nvSpPr>
+          <p:cNvPr id="3" name="Content Placeholder 2">
+            <a:extLst>
+              <a:ext uri="{FF2B5EF4-FFF2-40B4-BE49-F238E27FC236}">
+                <a16:creationId xmlns:a16="http://schemas.microsoft.com/office/drawing/2014/main" id="{5BCC186B-2F47-E981-6BAB-F63A38B4EE24}"/>
+              </a:ext>
+            </a:extLst>
+          </p:cNvPr>
+          <p:cNvSpPr>
+            <a:spLocks noGrp="1"/>
+          </p:cNvSpPr>
+          <p:nvPr>
+            <p:ph idx="1"/>
+          </p:nvPr>
+        </p:nvSpPr>
+        <p:spPr>
+          <a:xfrm>
+            <a:off x="777240" y="592183"/>
+            <a:ext cx="10659110" cy="5584780"/>
+          </a:xfrm>
+        </p:spPr>
+        <p:txBody>
+          <a:bodyPr/>
+          <a:lstStyle/>
+          <a:p>
+            <a:pPr marL="0" indent="0">
+              <a:buNone/>
+            </a:pPr>
+            <a:endParaRPr lang="en-IN" dirty="0"/>
+          </a:p>
+        </p:txBody>
+      </p:sp>
+    </p:spTree>
+    <p:extLst>
+      <p:ext uri="{BB962C8B-B14F-4D97-AF65-F5344CB8AC3E}">
+        <p14:creationId xmlns:p14="http://schemas.microsoft.com/office/powerpoint/2010/main" val="1627028756"/>
+      </p:ext>
+    </p:extLst>
+  </p:cSld>
+  <p:clrMapOvr>
+    <a:masterClrMapping/>
+  </p:clrMapOvr>
+</p:sld>
+</file>
+
+<file path=ppt/slides/slide31.xml><?xml version="1.0" encoding="utf-8"?>
+<p:sld xmlns:a="http://schemas.openxmlformats.org/drawingml/2006/main" xmlns:r="http://schemas.openxmlformats.org/officeDocument/2006/relationships" xmlns:p="http://schemas.openxmlformats.org/presentationml/2006/main">
+  <p:cSld>
+    <p:spTree>
+      <p:nvGrpSpPr>
+        <p:cNvPr id="1" name="">
+          <a:extLst>
+            <a:ext uri="{FF2B5EF4-FFF2-40B4-BE49-F238E27FC236}">
+              <a16:creationId xmlns:a16="http://schemas.microsoft.com/office/drawing/2014/main" id="{7897346A-3B8A-DFD4-2313-F9881BA65406}"/>
+            </a:ext>
+          </a:extLst>
+        </p:cNvPr>
+        <p:cNvGrpSpPr/>
+        <p:nvPr/>
+      </p:nvGrpSpPr>
+      <p:grpSpPr>
+        <a:xfrm>
+          <a:off x="0" y="0"/>
+          <a:ext cx="0" cy="0"/>
+          <a:chOff x="0" y="0"/>
+          <a:chExt cx="0" cy="0"/>
+        </a:xfrm>
+      </p:grpSpPr>
+      <p:sp>
+        <p:nvSpPr>
+          <p:cNvPr id="3" name="Content Placeholder 2">
+            <a:extLst>
+              <a:ext uri="{FF2B5EF4-FFF2-40B4-BE49-F238E27FC236}">
+                <a16:creationId xmlns:a16="http://schemas.microsoft.com/office/drawing/2014/main" id="{490BE0EA-C262-E678-CD99-7CD526187B9A}"/>
+              </a:ext>
+            </a:extLst>
+          </p:cNvPr>
+          <p:cNvSpPr>
+            <a:spLocks noGrp="1"/>
+          </p:cNvSpPr>
+          <p:nvPr>
+            <p:ph idx="1"/>
+          </p:nvPr>
+        </p:nvSpPr>
+        <p:spPr>
+          <a:xfrm>
+            <a:off x="777240" y="592183"/>
+            <a:ext cx="10659110" cy="5584780"/>
+          </a:xfrm>
+        </p:spPr>
+        <p:txBody>
+          <a:bodyPr/>
+          <a:lstStyle/>
+          <a:p>
+            <a:pPr marL="0" indent="0">
+              <a:buNone/>
+            </a:pPr>
+            <a:endParaRPr lang="en-IN" dirty="0"/>
+          </a:p>
+        </p:txBody>
+      </p:sp>
+    </p:spTree>
+    <p:extLst>
+      <p:ext uri="{BB962C8B-B14F-4D97-AF65-F5344CB8AC3E}">
+        <p14:creationId xmlns:p14="http://schemas.microsoft.com/office/powerpoint/2010/main" val="3975681320"/>
+      </p:ext>
+    </p:extLst>
+  </p:cSld>
+  <p:clrMapOvr>
+    <a:masterClrMapping/>
+  </p:clrMapOvr>
+</p:sld>
+</file>
+
+<file path=ppt/slides/slide32.xml><?xml version="1.0" encoding="utf-8"?>
+<p:sld xmlns:a="http://schemas.openxmlformats.org/drawingml/2006/main" xmlns:r="http://schemas.openxmlformats.org/officeDocument/2006/relationships" xmlns:p="http://schemas.openxmlformats.org/presentationml/2006/main">
+  <p:cSld>
+    <p:spTree>
+      <p:nvGrpSpPr>
+        <p:cNvPr id="1" name="">
+          <a:extLst>
+            <a:ext uri="{FF2B5EF4-FFF2-40B4-BE49-F238E27FC236}">
+              <a16:creationId xmlns:a16="http://schemas.microsoft.com/office/drawing/2014/main" id="{9DABAE65-BE52-1BCA-8008-F1DAE7293065}"/>
+            </a:ext>
+          </a:extLst>
+        </p:cNvPr>
+        <p:cNvGrpSpPr/>
+        <p:nvPr/>
+      </p:nvGrpSpPr>
+      <p:grpSpPr>
+        <a:xfrm>
+          <a:off x="0" y="0"/>
+          <a:ext cx="0" cy="0"/>
+          <a:chOff x="0" y="0"/>
+          <a:chExt cx="0" cy="0"/>
+        </a:xfrm>
+      </p:grpSpPr>
+      <p:sp>
+        <p:nvSpPr>
+          <p:cNvPr id="3" name="Content Placeholder 2">
+            <a:extLst>
+              <a:ext uri="{FF2B5EF4-FFF2-40B4-BE49-F238E27FC236}">
+                <a16:creationId xmlns:a16="http://schemas.microsoft.com/office/drawing/2014/main" id="{BFD38E3B-9FDB-934B-A180-850CB651ECAF}"/>
+              </a:ext>
+            </a:extLst>
+          </p:cNvPr>
+          <p:cNvSpPr>
+            <a:spLocks noGrp="1"/>
+          </p:cNvSpPr>
+          <p:nvPr>
+            <p:ph idx="1"/>
+          </p:nvPr>
+        </p:nvSpPr>
+        <p:spPr>
+          <a:xfrm>
+            <a:off x="777240" y="592183"/>
+            <a:ext cx="10659110" cy="5584780"/>
+          </a:xfrm>
+        </p:spPr>
+        <p:txBody>
+          <a:bodyPr/>
+          <a:lstStyle/>
+          <a:p>
+            <a:pPr marL="0" indent="0">
+              <a:buNone/>
+            </a:pPr>
+            <a:endParaRPr lang="en-IN" dirty="0"/>
+          </a:p>
+        </p:txBody>
+      </p:sp>
+    </p:spTree>
+    <p:extLst>
+      <p:ext uri="{BB962C8B-B14F-4D97-AF65-F5344CB8AC3E}">
+        <p14:creationId xmlns:p14="http://schemas.microsoft.com/office/powerpoint/2010/main" val="145964845"/>
       </p:ext>
     </p:extLst>
   </p:cSld>

--- a/Theory Class-Notes/Module-1 Python Basic Concepts and Programming.pptx
+++ b/Theory Class-Notes/Module-1 Python Basic Concepts and Programming.pptx
@@ -10,12 +10,12 @@
   <p:sldIdLst>
     <p:sldId id="418" r:id="rId2"/>
     <p:sldId id="544" r:id="rId3"/>
-    <p:sldId id="543" r:id="rId4"/>
-    <p:sldId id="545" r:id="rId5"/>
+    <p:sldId id="550" r:id="rId4"/>
+    <p:sldId id="543" r:id="rId5"/>
     <p:sldId id="546" r:id="rId6"/>
-    <p:sldId id="547" r:id="rId7"/>
-    <p:sldId id="548" r:id="rId8"/>
-    <p:sldId id="550" r:id="rId9"/>
+    <p:sldId id="545" r:id="rId7"/>
+    <p:sldId id="547" r:id="rId8"/>
+    <p:sldId id="548" r:id="rId9"/>
     <p:sldId id="549" r:id="rId10"/>
     <p:sldId id="552" r:id="rId11"/>
     <p:sldId id="553" r:id="rId12"/>
@@ -28,14 +28,14 @@
     <p:sldId id="560" r:id="rId19"/>
     <p:sldId id="562" r:id="rId20"/>
     <p:sldId id="563" r:id="rId21"/>
-    <p:sldId id="561" r:id="rId22"/>
-    <p:sldId id="564" r:id="rId23"/>
-    <p:sldId id="565" r:id="rId24"/>
-    <p:sldId id="566" r:id="rId25"/>
-    <p:sldId id="567" r:id="rId26"/>
-    <p:sldId id="568" r:id="rId27"/>
-    <p:sldId id="569" r:id="rId28"/>
-    <p:sldId id="570" r:id="rId29"/>
+    <p:sldId id="564" r:id="rId22"/>
+    <p:sldId id="565" r:id="rId23"/>
+    <p:sldId id="566" r:id="rId24"/>
+    <p:sldId id="567" r:id="rId25"/>
+    <p:sldId id="568" r:id="rId26"/>
+    <p:sldId id="569" r:id="rId27"/>
+    <p:sldId id="570" r:id="rId28"/>
+    <p:sldId id="561" r:id="rId29"/>
     <p:sldId id="571" r:id="rId30"/>
     <p:sldId id="572" r:id="rId31"/>
     <p:sldId id="573" r:id="rId32"/>
@@ -228,7 +228,7 @@
           <a:p>
             <a:fld id="{61532AF1-4615-4667-912A-829B12F8C4D2}" type="datetimeFigureOut">
               <a:rPr lang="en-IN" smtClean="0"/>
-              <a:t>08-01-2025</a:t>
+              <a:t>10-01-2025</a:t>
             </a:fld>
             <a:endParaRPr lang="en-IN"/>
           </a:p>
@@ -645,7 +645,7 @@
           <a:p>
             <a:fld id="{C43A76A3-ADC8-4477-8FC1-B9DD55D84908}" type="datetime1">
               <a:rPr lang="en-US" smtClean="0"/>
-              <a:t>1/8/2025</a:t>
+              <a:t>1/10/2025</a:t>
             </a:fld>
             <a:endParaRPr lang="en-US" dirty="0"/>
           </a:p>
@@ -843,7 +843,7 @@
           <a:p>
             <a:fld id="{D6762538-DC4D-4667-96E5-B3278DDF8B12}" type="datetime1">
               <a:rPr lang="en-US" smtClean="0"/>
-              <a:t>1/8/2025</a:t>
+              <a:t>1/10/2025</a:t>
             </a:fld>
             <a:endParaRPr lang="en-US"/>
           </a:p>
@@ -1051,7 +1051,7 @@
           <a:p>
             <a:fld id="{05880548-5C08-4BE3-B63E-F2BB63B0B00C}" type="datetime1">
               <a:rPr lang="en-US" smtClean="0"/>
-              <a:t>1/8/2025</a:t>
+              <a:t>1/10/2025</a:t>
             </a:fld>
             <a:endParaRPr lang="en-US"/>
           </a:p>
@@ -1249,7 +1249,7 @@
           <a:p>
             <a:fld id="{DE7F49BE-398D-479A-8A7E-5DDBCA61EDCB}" type="datetime1">
               <a:rPr lang="en-US" smtClean="0"/>
-              <a:t>1/8/2025</a:t>
+              <a:t>1/10/2025</a:t>
             </a:fld>
             <a:endParaRPr lang="en-US" dirty="0"/>
           </a:p>
@@ -1525,7 +1525,7 @@
           <a:p>
             <a:fld id="{CCD0C193-4974-4A1F-9C63-07D595E30D66}" type="datetime1">
               <a:rPr lang="en-US" smtClean="0"/>
-              <a:t>1/8/2025</a:t>
+              <a:t>1/10/2025</a:t>
             </a:fld>
             <a:endParaRPr lang="en-US"/>
           </a:p>
@@ -1792,7 +1792,7 @@
           <a:p>
             <a:fld id="{701AA87F-28D4-4BF0-B81F-877A89DFD5AC}" type="datetime1">
               <a:rPr lang="en-US" smtClean="0"/>
-              <a:t>1/8/2025</a:t>
+              <a:t>1/10/2025</a:t>
             </a:fld>
             <a:endParaRPr lang="en-US"/>
           </a:p>
@@ -2206,7 +2206,7 @@
           <a:p>
             <a:fld id="{A8A9F1F3-208B-49A3-B337-9C8ACEB3E0E1}" type="datetime1">
               <a:rPr lang="en-US" smtClean="0"/>
-              <a:t>1/8/2025</a:t>
+              <a:t>1/10/2025</a:t>
             </a:fld>
             <a:endParaRPr lang="en-US"/>
           </a:p>
@@ -2353,7 +2353,7 @@
           <a:p>
             <a:fld id="{27AF6CA6-7293-4AA2-A0E0-A3BF4416E786}" type="datetime1">
               <a:rPr lang="en-US" smtClean="0"/>
-              <a:t>1/8/2025</a:t>
+              <a:t>1/10/2025</a:t>
             </a:fld>
             <a:endParaRPr lang="en-US"/>
           </a:p>
@@ -2466,7 +2466,7 @@
           <a:p>
             <a:fld id="{98D87016-7BCD-46FB-8EE3-AB6C369108B4}" type="datetime1">
               <a:rPr lang="en-US" smtClean="0"/>
-              <a:t>1/8/2025</a:t>
+              <a:t>1/10/2025</a:t>
             </a:fld>
             <a:endParaRPr lang="en-US"/>
           </a:p>
@@ -2785,7 +2785,7 @@
           <a:p>
             <a:fld id="{A1547011-1FFC-4EF8-9A2E-53B4AD2ADBD4}" type="datetime1">
               <a:rPr lang="en-US" smtClean="0"/>
-              <a:t>1/8/2025</a:t>
+              <a:t>1/10/2025</a:t>
             </a:fld>
             <a:endParaRPr lang="en-US"/>
           </a:p>
@@ -3080,7 +3080,7 @@
           <a:p>
             <a:fld id="{9562EB47-45B4-4EF5-A743-B4885DD2F060}" type="datetime1">
               <a:rPr lang="en-US" smtClean="0"/>
-              <a:t>1/8/2025</a:t>
+              <a:t>1/10/2025</a:t>
             </a:fld>
             <a:endParaRPr lang="en-US"/>
           </a:p>
@@ -4465,7 +4465,7 @@
           <a:p>
             <a:fld id="{4A8D24A4-5FEC-4062-8995-EB21925B3B40}" type="datetime1">
               <a:rPr lang="en-US" smtClean="0"/>
-              <a:t>1/8/2025</a:t>
+              <a:t>1/10/2025</a:t>
             </a:fld>
             <a:endParaRPr lang="en-US" sz="1000" dirty="0"/>
           </a:p>
@@ -5455,7 +5455,83 @@
             <a:pPr lvl="1"/>
             <a:r>
               <a:rPr lang="en-US" dirty="0"/>
-              <a:t>Identifiers can only contain letters (a-z, A-Z), digits (0-9), and underscores (_).</a:t>
+              <a:t>Identifiers can only contain </a:t>
+            </a:r>
+            <a:r>
+              <a:rPr lang="en-US" b="1" dirty="0"/>
+              <a:t>letters</a:t>
+            </a:r>
+            <a:r>
+              <a:rPr lang="en-US" dirty="0"/>
+              <a:t> </a:t>
+            </a:r>
+            <a:r>
+              <a:rPr lang="en-US" b="1" dirty="0">
+                <a:solidFill>
+                  <a:srgbClr val="C00000"/>
+                </a:solidFill>
+              </a:rPr>
+              <a:t>(a-z, A-Z), </a:t>
+            </a:r>
+            <a:r>
+              <a:rPr lang="en-US" b="1" dirty="0"/>
+              <a:t>digits</a:t>
+            </a:r>
+            <a:r>
+              <a:rPr lang="en-US" dirty="0"/>
+              <a:t> </a:t>
+            </a:r>
+            <a:r>
+              <a:rPr lang="en-US" b="1" dirty="0">
+                <a:solidFill>
+                  <a:srgbClr val="C00000"/>
+                </a:solidFill>
+              </a:rPr>
+              <a:t>(0-9), </a:t>
+            </a:r>
+            <a:r>
+              <a:rPr lang="en-US" dirty="0"/>
+              <a:t>and </a:t>
+            </a:r>
+            <a:r>
+              <a:rPr lang="en-US" b="1" dirty="0"/>
+              <a:t>underscores</a:t>
+            </a:r>
+            <a:r>
+              <a:rPr lang="en-US" dirty="0"/>
+              <a:t> </a:t>
+            </a:r>
+            <a:r>
+              <a:rPr lang="en-US" b="1" dirty="0">
+                <a:solidFill>
+                  <a:schemeClr val="tx1"/>
+                </a:solidFill>
+              </a:rPr>
+              <a:t>(</a:t>
+            </a:r>
+            <a:r>
+              <a:rPr lang="en-US" sz="3200" b="1" dirty="0">
+                <a:solidFill>
+                  <a:srgbClr val="C00000"/>
+                </a:solidFill>
+              </a:rPr>
+              <a:t>_</a:t>
+            </a:r>
+            <a:r>
+              <a:rPr lang="en-US" b="1" dirty="0">
+                <a:solidFill>
+                  <a:schemeClr val="tx1"/>
+                </a:solidFill>
+              </a:rPr>
+              <a:t>)</a:t>
+            </a:r>
+            <a:r>
+              <a:rPr lang="en-US" b="1" dirty="0">
+                <a:solidFill>
+                  <a:srgbClr val="C00000"/>
+                </a:solidFill>
+              </a:rPr>
+              <a:t>.</a:t>
             </a:r>
           </a:p>
           <a:p>
@@ -5475,10 +5551,22 @@
             </a:r>
             <a:r>
               <a:rPr lang="en-US" sz="2200" dirty="0"/>
-              <a:t>Identifiers are case-sensitive. For example, </a:t>
-            </a:r>
-            <a:r>
-              <a:rPr lang="en-US" sz="2200" dirty="0" err="1"/>
+              <a:t>Identifiers </a:t>
+            </a:r>
+            <a:r>
+              <a:rPr lang="en-US" sz="2200" b="1" dirty="0"/>
+              <a:t>are case-sensitive</a:t>
+            </a:r>
+            <a:r>
+              <a:rPr lang="en-US" sz="2200" dirty="0"/>
+              <a:t>. For example, </a:t>
+            </a:r>
+            <a:r>
+              <a:rPr lang="en-US" sz="2200" b="1" dirty="0" err="1">
+                <a:solidFill>
+                  <a:srgbClr val="0070C0"/>
+                </a:solidFill>
+              </a:rPr>
               <a:t>MyVariable</a:t>
             </a:r>
             <a:r>
@@ -5486,12 +5574,24 @@
               <a:t> and </a:t>
             </a:r>
             <a:r>
-              <a:rPr lang="en-US" sz="2200" dirty="0" err="1"/>
+              <a:rPr lang="en-US" sz="2200" b="1" dirty="0" err="1">
+                <a:solidFill>
+                  <a:srgbClr val="0070C0"/>
+                </a:solidFill>
+              </a:rPr>
               <a:t>myvariable</a:t>
             </a:r>
             <a:r>
               <a:rPr lang="en-US" sz="2200" dirty="0"/>
-              <a:t> are treated as distinct identifiers.</a:t>
+              <a:t> are treated as </a:t>
+            </a:r>
+            <a:r>
+              <a:rPr lang="en-US" sz="2200" b="1" dirty="0"/>
+              <a:t>distinct identifiers</a:t>
+            </a:r>
+            <a:r>
+              <a:rPr lang="en-US" sz="2200" dirty="0"/>
+              <a:t>.</a:t>
             </a:r>
           </a:p>
           <a:p>
@@ -5504,7 +5604,19 @@
             </a:r>
             <a:r>
               <a:rPr lang="en-US" sz="2200" dirty="0"/>
-              <a:t>Identifiers cannot be the same as Python's reserved keywords (e.g., if, while, class, def, etc.). Use the </a:t>
+              <a:t>Identifiers </a:t>
+            </a:r>
+            <a:r>
+              <a:rPr lang="en-US" sz="2200" b="1" dirty="0">
+                <a:solidFill>
+                  <a:srgbClr val="002060"/>
+                </a:solidFill>
+              </a:rPr>
+              <a:t>cannot be the same as Python's reserved keywords </a:t>
+            </a:r>
+            <a:r>
+              <a:rPr lang="en-US" sz="2200" dirty="0"/>
+              <a:t>(e.g., if, while, class, def, etc.). Use the </a:t>
             </a:r>
             <a:r>
               <a:rPr lang="en-US" sz="2200" b="1" dirty="0"/>
@@ -5533,7 +5645,23 @@
             </a:r>
             <a:r>
               <a:rPr lang="en-US" sz="2200" dirty="0"/>
-              <a:t>Identifiers cannot include special characters like @, $, %, or spaces.</a:t>
+              <a:t>Identifiers </a:t>
+            </a:r>
+            <a:r>
+              <a:rPr lang="en-US" sz="2200" b="1" dirty="0"/>
+              <a:t>cannot include special characters </a:t>
+            </a:r>
+            <a:r>
+              <a:rPr lang="en-US" sz="2200" dirty="0"/>
+              <a:t>like </a:t>
+            </a:r>
+            <a:r>
+              <a:rPr lang="en-US" sz="2200" b="1" dirty="0"/>
+              <a:t>@</a:t>
+            </a:r>
+            <a:r>
+              <a:rPr lang="en-US" sz="2200" dirty="0"/>
+              <a:t>, $, %, or spaces.</a:t>
             </a:r>
           </a:p>
           <a:p>
@@ -5546,7 +5674,19 @@
             </a:r>
             <a:r>
               <a:rPr lang="en-US" sz="2200" dirty="0"/>
-              <a:t>Identifiers can be of any length, but it’s good practice to keep them concise and meaningful.</a:t>
+              <a:t>Identifiers </a:t>
+            </a:r>
+            <a:r>
+              <a:rPr lang="en-US" sz="2200" b="1" dirty="0">
+                <a:solidFill>
+                  <a:srgbClr val="002060"/>
+                </a:solidFill>
+              </a:rPr>
+              <a:t>can be of any length</a:t>
+            </a:r>
+            <a:r>
+              <a:rPr lang="en-US" sz="2200" dirty="0"/>
+              <a:t>, but it’s good practice to keep them concise and meaningful.</a:t>
             </a:r>
           </a:p>
           <a:p>
@@ -5561,30 +5701,78 @@
           <a:p>
             <a:pPr lvl="1"/>
             <a:r>
+              <a:rPr lang="en-US" b="1" dirty="0"/>
+              <a:t>A single leading underscore (_var): </a:t>
+            </a:r>
+            <a:r>
               <a:rPr lang="en-US" dirty="0"/>
-              <a:t>A single leading underscore (_var): Used to indicate a private variable (not enforced by Python, but by convention).</a:t>
+              <a:t>Used to indicate a private variable (not enforced by Python, but by convention).</a:t>
             </a:r>
           </a:p>
           <a:p>
             <a:pPr lvl="1"/>
             <a:r>
+              <a:rPr lang="en-US" b="1" dirty="0"/>
+              <a:t>Double leading underscores (__var): </a:t>
+            </a:r>
+            <a:r>
               <a:rPr lang="en-US" dirty="0"/>
-              <a:t>Double leading underscores (__var): Used for name mangling in classes to avoid name conflicts.</a:t>
+              <a:t>Used for name </a:t>
+            </a:r>
+            <a:r>
+              <a:rPr lang="en-US" b="1" dirty="0">
+                <a:solidFill>
+                  <a:srgbClr val="C00000"/>
+                </a:solidFill>
+              </a:rPr>
+              <a:t>mangling in classes </a:t>
+            </a:r>
+            <a:r>
+              <a:rPr lang="en-US" dirty="0"/>
+              <a:t>to avoid name conflicts in child.</a:t>
             </a:r>
           </a:p>
           <a:p>
             <a:pPr lvl="1"/>
             <a:r>
+              <a:rPr lang="en-US" b="1" dirty="0"/>
+              <a:t>Double underscores at both ends (__</a:t>
+            </a:r>
+            <a:r>
+              <a:rPr lang="en-US" b="1" dirty="0" err="1"/>
+              <a:t>init</a:t>
+            </a:r>
+            <a:r>
+              <a:rPr lang="en-US" b="1" dirty="0"/>
+              <a:t>__): </a:t>
+            </a:r>
+            <a:r>
               <a:rPr lang="en-US" dirty="0"/>
-              <a:t>Double underscores at both ends (__</a:t>
-            </a:r>
-            <a:r>
-              <a:rPr lang="en-US" dirty="0" err="1"/>
-              <a:t>init</a:t>
+              <a:t>Reserved for </a:t>
+            </a:r>
+            <a:r>
+              <a:rPr lang="en-US" b="1" dirty="0">
+                <a:solidFill>
+                  <a:srgbClr val="C00000"/>
+                </a:solidFill>
+              </a:rPr>
+              <a:t>special methods </a:t>
             </a:r>
             <a:r>
               <a:rPr lang="en-US" dirty="0"/>
-              <a:t>__): Reserved for special methods or magic methods in Python.</a:t>
+              <a:t>or </a:t>
+            </a:r>
+            <a:r>
+              <a:rPr lang="en-US" b="1" dirty="0">
+                <a:solidFill>
+                  <a:srgbClr val="C00000"/>
+                </a:solidFill>
+              </a:rPr>
+              <a:t>magic methods </a:t>
+            </a:r>
+            <a:r>
+              <a:rPr lang="en-US" dirty="0"/>
+              <a:t>in Python.</a:t>
             </a:r>
             <a:endParaRPr lang="en-IN" dirty="0"/>
           </a:p>
@@ -6042,14 +6230,16 @@
           </a:xfrm>
         </p:spPr>
         <p:txBody>
-          <a:bodyPr/>
+          <a:bodyPr>
+            <a:normAutofit/>
+          </a:bodyPr>
           <a:lstStyle/>
           <a:p>
             <a:pPr marL="0" indent="0">
               <a:buNone/>
             </a:pPr>
             <a:r>
-              <a:rPr lang="en-US" b="1" dirty="0"/>
+              <a:rPr lang="en-US" sz="2400" b="1" dirty="0"/>
               <a:t>List of Keywords:</a:t>
             </a:r>
           </a:p>
@@ -6058,19 +6248,19 @@
               <a:buNone/>
             </a:pPr>
             <a:r>
-              <a:rPr lang="en-US" dirty="0"/>
+              <a:rPr lang="en-US" sz="2400" dirty="0"/>
               <a:t>Python has a predefined set of keywords. You can get the current </a:t>
             </a:r>
             <a:r>
-              <a:rPr lang="en-US" b="1" dirty="0"/>
+              <a:rPr lang="en-US" sz="2400" b="1" dirty="0"/>
               <a:t>list of keywords </a:t>
             </a:r>
             <a:r>
-              <a:rPr lang="en-US" dirty="0"/>
+              <a:rPr lang="en-US" sz="2400" dirty="0"/>
               <a:t>using the </a:t>
             </a:r>
             <a:r>
-              <a:rPr lang="en-US" b="1" dirty="0">
+              <a:rPr lang="en-US" sz="2400" b="1" dirty="0">
                 <a:solidFill>
                   <a:srgbClr val="C00000"/>
                 </a:solidFill>
@@ -6078,7 +6268,7 @@
               <a:t>keyword module</a:t>
             </a:r>
             <a:r>
-              <a:rPr lang="en-US" dirty="0"/>
+              <a:rPr lang="en-US" sz="2400" dirty="0"/>
               <a:t>:</a:t>
             </a:r>
           </a:p>
@@ -6086,31 +6276,31 @@
             <a:pPr marL="0" indent="0">
               <a:buNone/>
             </a:pPr>
-            <a:endParaRPr lang="en-US" dirty="0"/>
+            <a:endParaRPr lang="en-US" sz="2400" dirty="0"/>
           </a:p>
           <a:p>
             <a:pPr marL="0" indent="0">
               <a:buNone/>
             </a:pPr>
-            <a:endParaRPr lang="en-US" dirty="0"/>
+            <a:endParaRPr lang="en-US" sz="2400" dirty="0"/>
           </a:p>
           <a:p>
             <a:pPr marL="0" indent="0">
               <a:buNone/>
             </a:pPr>
-            <a:endParaRPr lang="en-US" dirty="0"/>
+            <a:endParaRPr lang="en-US" sz="2400" dirty="0"/>
           </a:p>
           <a:p>
             <a:pPr marL="0" indent="0">
               <a:buNone/>
             </a:pPr>
-            <a:endParaRPr lang="en-US" dirty="0"/>
+            <a:endParaRPr lang="en-US" sz="2400" dirty="0"/>
           </a:p>
           <a:p>
             <a:pPr marL="0" indent="0">
               <a:buNone/>
             </a:pPr>
-            <a:endParaRPr lang="en-IN" dirty="0"/>
+            <a:endParaRPr lang="en-IN" sz="2400" dirty="0"/>
           </a:p>
         </p:txBody>
       </p:sp>
@@ -6136,7 +6326,7 @@
         </p:blipFill>
         <p:spPr>
           <a:xfrm>
-            <a:off x="1621888" y="1801213"/>
+            <a:off x="1534802" y="1942727"/>
             <a:ext cx="3638095" cy="1123810"/>
           </a:xfrm>
           <a:prstGeom prst="rect">
@@ -6269,7 +6459,19 @@
             </a:pPr>
             <a:r>
               <a:rPr lang="en-US" sz="2400" dirty="0"/>
-              <a:t>In Python, statements and expressions are fundamental building blocks of the language. They serve different purposes and are essential for writing functional and efficient code.</a:t>
+              <a:t>In Python, statements and expressions are </a:t>
+            </a:r>
+            <a:r>
+              <a:rPr lang="en-US" sz="2400" b="1" dirty="0">
+                <a:solidFill>
+                  <a:srgbClr val="C00000"/>
+                </a:solidFill>
+              </a:rPr>
+              <a:t>fundamental building blocks </a:t>
+            </a:r>
+            <a:r>
+              <a:rPr lang="en-US" sz="2400" dirty="0"/>
+              <a:t>of the language. They serve different purposes and are essential for writing functional and efficient code.</a:t>
             </a:r>
           </a:p>
           <a:p>
@@ -6293,7 +6495,67 @@
             </a:pPr>
             <a:r>
               <a:rPr lang="en-US" sz="2400" dirty="0"/>
-              <a:t>An expression is a combination of values, variables, and operators. A value all by itself is considered an expression, and so is a variable.</a:t>
+              <a:t>An expression is a </a:t>
+            </a:r>
+            <a:r>
+              <a:rPr lang="en-US" sz="2400" b="1" dirty="0"/>
+              <a:t>combination of </a:t>
+            </a:r>
+            <a:r>
+              <a:rPr lang="en-US" sz="2400" b="1" dirty="0">
+                <a:solidFill>
+                  <a:srgbClr val="C00000"/>
+                </a:solidFill>
+              </a:rPr>
+              <a:t>values</a:t>
+            </a:r>
+            <a:r>
+              <a:rPr lang="en-US" sz="2400" dirty="0"/>
+              <a:t>, </a:t>
+            </a:r>
+            <a:r>
+              <a:rPr lang="en-US" sz="2400" b="1" dirty="0">
+                <a:solidFill>
+                  <a:srgbClr val="C00000"/>
+                </a:solidFill>
+              </a:rPr>
+              <a:t>variables</a:t>
+            </a:r>
+            <a:r>
+              <a:rPr lang="en-US" sz="2400" dirty="0"/>
+              <a:t>, and </a:t>
+            </a:r>
+            <a:r>
+              <a:rPr lang="en-US" sz="2400" b="1" dirty="0">
+                <a:solidFill>
+                  <a:srgbClr val="C00000"/>
+                </a:solidFill>
+              </a:rPr>
+              <a:t>operators</a:t>
+            </a:r>
+            <a:r>
+              <a:rPr lang="en-US" sz="2400" dirty="0"/>
+              <a:t>. </a:t>
+            </a:r>
+            <a:r>
+              <a:rPr lang="en-US" sz="2400" b="1" dirty="0">
+                <a:solidFill>
+                  <a:srgbClr val="0070C0"/>
+                </a:solidFill>
+              </a:rPr>
+              <a:t>A value all by itself is considered an expression</a:t>
+            </a:r>
+            <a:r>
+              <a:rPr lang="en-US" sz="2400" dirty="0"/>
+              <a:t>, and </a:t>
+            </a:r>
+            <a:r>
+              <a:rPr lang="en-US" sz="2400" b="1" dirty="0"/>
+              <a:t>so is a variable</a:t>
+            </a:r>
+            <a:r>
+              <a:rPr lang="en-US" sz="2400" dirty="0"/>
+              <a:t>.</a:t>
             </a:r>
           </a:p>
           <a:p>
@@ -6301,22 +6563,42 @@
               <a:buNone/>
             </a:pPr>
             <a:r>
-              <a:rPr lang="en-US" sz="2400" dirty="0"/>
+              <a:rPr lang="en-US" sz="2400" b="1" dirty="0"/>
               <a:t>Characteristics of Expressions:</a:t>
             </a:r>
           </a:p>
           <a:p>
             <a:pPr lvl="1"/>
             <a:r>
-              <a:rPr lang="en-US" sz="2400" dirty="0"/>
-              <a:t>Always return a value.</a:t>
+              <a:rPr lang="en-US" sz="2400" b="1" dirty="0">
+                <a:solidFill>
+                  <a:srgbClr val="002060"/>
+                </a:solidFill>
+              </a:rPr>
+              <a:t>Always return a value</a:t>
+            </a:r>
+            <a:r>
+              <a:rPr lang="en-US" sz="2400" dirty="0"/>
+              <a:t>.</a:t>
             </a:r>
           </a:p>
           <a:p>
             <a:pPr lvl="1"/>
             <a:r>
               <a:rPr lang="en-US" sz="2400" dirty="0"/>
-              <a:t>Can be part of a larger statement.</a:t>
+              <a:t>Can be </a:t>
+            </a:r>
+            <a:r>
+              <a:rPr lang="en-US" sz="2400" b="1" dirty="0">
+                <a:solidFill>
+                  <a:srgbClr val="002060"/>
+                </a:solidFill>
+              </a:rPr>
+              <a:t>part of a larger statement</a:t>
+            </a:r>
+            <a:r>
+              <a:rPr lang="en-US" sz="2400" dirty="0"/>
+              <a:t>.</a:t>
             </a:r>
           </a:p>
           <a:p>
@@ -6419,7 +6701,44 @@
             </a:r>
             <a:r>
               <a:rPr lang="en-US" sz="2400" dirty="0"/>
-              <a:t> at the prompt, the interpreter evaluates it, which means that it finds the value of the expression. In this example, x has the value 10 and x * 2 has the value 20.</a:t>
+              <a:t> at the prompt, the </a:t>
+            </a:r>
+            <a:r>
+              <a:rPr lang="en-US" sz="2400" b="1" dirty="0"/>
+              <a:t>interpreter </a:t>
+            </a:r>
+            <a:r>
+              <a:rPr lang="en-US" sz="2400" b="1" dirty="0">
+                <a:solidFill>
+                  <a:srgbClr val="C00000"/>
+                </a:solidFill>
+              </a:rPr>
+              <a:t>evaluates</a:t>
+            </a:r>
+            <a:r>
+              <a:rPr lang="en-US" sz="2400" b="1" dirty="0"/>
+              <a:t> it</a:t>
+            </a:r>
+            <a:r>
+              <a:rPr lang="en-US" sz="2400" dirty="0"/>
+              <a:t>, which means that it finds the value of the expression. </a:t>
+            </a:r>
+          </a:p>
+          <a:p>
+            <a:pPr marL="0" indent="0">
+              <a:buNone/>
+            </a:pPr>
+            <a:r>
+              <a:rPr lang="en-US" sz="2400" dirty="0"/>
+              <a:t>In this </a:t>
+            </a:r>
+            <a:r>
+              <a:rPr lang="en-US" sz="2400" b="1" dirty="0"/>
+              <a:t>example</a:t>
+            </a:r>
+            <a:r>
+              <a:rPr lang="en-US" sz="2400" dirty="0"/>
+              <a:t>, x has the value 10 and x * 2 has the value 20.</a:t>
             </a:r>
             <a:endParaRPr lang="en-IN" sz="2400" dirty="0"/>
           </a:p>
@@ -6523,7 +6842,7 @@
               <a:buNone/>
             </a:pPr>
             <a:r>
-              <a:rPr lang="en-US" sz="2200" b="1" dirty="0"/>
+              <a:rPr lang="en-US" sz="2400" b="1" dirty="0"/>
               <a:t>Statements: </a:t>
             </a:r>
           </a:p>
@@ -6561,7 +6880,51 @@
             </a:r>
             <a:r>
               <a:rPr lang="en-US" sz="2200" dirty="0"/>
-              <a:t>. Statements may or may not produce a result, and they define the flow of a program.</a:t>
+              <a:t>. Statements </a:t>
+            </a:r>
+            <a:r>
+              <a:rPr lang="en-US" sz="2200" b="1" dirty="0">
+                <a:solidFill>
+                  <a:srgbClr val="002060"/>
+                </a:solidFill>
+              </a:rPr>
+              <a:t>may</a:t>
+            </a:r>
+            <a:r>
+              <a:rPr lang="en-US" sz="2200" dirty="0"/>
+              <a:t> or </a:t>
+            </a:r>
+            <a:r>
+              <a:rPr lang="en-US" sz="2200" b="1" dirty="0">
+                <a:solidFill>
+                  <a:srgbClr val="002060"/>
+                </a:solidFill>
+              </a:rPr>
+              <a:t>may</a:t>
+            </a:r>
+            <a:r>
+              <a:rPr lang="en-US" sz="2200" dirty="0"/>
+              <a:t> </a:t>
+            </a:r>
+            <a:r>
+              <a:rPr lang="en-US" sz="2200" b="1" dirty="0">
+                <a:solidFill>
+                  <a:srgbClr val="002060"/>
+                </a:solidFill>
+              </a:rPr>
+              <a:t>not</a:t>
+            </a:r>
+            <a:r>
+              <a:rPr lang="en-US" sz="2200" dirty="0"/>
+              <a:t> produce a </a:t>
+            </a:r>
+            <a:r>
+              <a:rPr lang="en-US" sz="2200" b="1" dirty="0"/>
+              <a:t>result</a:t>
+            </a:r>
+            <a:r>
+              <a:rPr lang="en-US" sz="2200" dirty="0"/>
+              <a:t>, and they define the flow of a program.</a:t>
             </a:r>
           </a:p>
           <a:p>
@@ -6711,7 +7074,7 @@
             <a:pPr marL="0" indent="0">
               <a:buNone/>
             </a:pPr>
-            <a:endParaRPr lang="en-US" sz="2200" dirty="0"/>
+            <a:endParaRPr lang="en-US" sz="800" dirty="0"/>
           </a:p>
           <a:p>
             <a:pPr marL="0" indent="0">
@@ -6852,17 +7215,19 @@
           </a:xfrm>
         </p:spPr>
         <p:txBody>
-          <a:bodyPr/>
+          <a:bodyPr>
+            <a:normAutofit/>
+          </a:bodyPr>
           <a:lstStyle/>
           <a:p>
             <a:pPr marL="0" indent="0">
               <a:buNone/>
             </a:pPr>
             <a:r>
-              <a:rPr lang="en-US" dirty="0"/>
+              <a:rPr lang="en-US" sz="2400" b="1" dirty="0"/>
               <a:t>Example: </a:t>
             </a:r>
-            <a:endParaRPr lang="en-IN" dirty="0"/>
+            <a:endParaRPr lang="en-IN" sz="2400" b="1" dirty="0"/>
           </a:p>
         </p:txBody>
       </p:sp>
@@ -6888,7 +7253,7 @@
         </p:blipFill>
         <p:spPr>
           <a:xfrm>
-            <a:off x="2017910" y="703912"/>
+            <a:off x="2443332" y="703912"/>
             <a:ext cx="8971428" cy="5561905"/>
           </a:xfrm>
           <a:prstGeom prst="rect">
@@ -6991,7 +7356,7 @@
           <p:nvPr>
             <p:extLst>
               <p:ext uri="{D42A27DB-BD31-4B8C-83A1-F6EECF244321}">
-                <p14:modId xmlns:p14="http://schemas.microsoft.com/office/powerpoint/2010/main" val="1440045240"/>
+                <p14:modId xmlns:p14="http://schemas.microsoft.com/office/powerpoint/2010/main" val="1142057094"/>
               </p:ext>
             </p:extLst>
           </p:nvPr>
@@ -7170,7 +7535,46 @@
                         <a:rPr lang="en-IN" sz="2400" kern="100" dirty="0">
                           <a:effectLst/>
                         </a:rPr>
-                        <a:t>A combination of values and operators.</a:t>
+                        <a:t>A </a:t>
+                      </a:r>
+                      <a:r>
+                        <a:rPr lang="en-IN" sz="2400" b="1" kern="100" dirty="0">
+                          <a:solidFill>
+                            <a:srgbClr val="C00000"/>
+                          </a:solidFill>
+                          <a:effectLst/>
+                        </a:rPr>
+                        <a:t>combination</a:t>
+                      </a:r>
+                      <a:r>
+                        <a:rPr lang="en-IN" sz="2400" kern="100" dirty="0">
+                          <a:effectLst/>
+                        </a:rPr>
+                        <a:t> of </a:t>
+                      </a:r>
+                      <a:r>
+                        <a:rPr lang="en-IN" sz="2400" b="1" kern="100" dirty="0">
+                          <a:effectLst/>
+                        </a:rPr>
+                        <a:t>values</a:t>
+                      </a:r>
+                      <a:r>
+                        <a:rPr lang="en-IN" sz="2400" kern="100" dirty="0">
+                          <a:effectLst/>
+                        </a:rPr>
+                        <a:t> and </a:t>
+                      </a:r>
+                      <a:r>
+                        <a:rPr lang="en-IN" sz="2400" b="1" kern="100" dirty="0">
+                          <a:effectLst/>
+                        </a:rPr>
+                        <a:t>operators</a:t>
+                      </a:r>
+                      <a:r>
+                        <a:rPr lang="en-IN" sz="2400" kern="100" dirty="0">
+                          <a:effectLst/>
+                        </a:rPr>
+                        <a:t>.</a:t>
                       </a:r>
                       <a:endParaRPr lang="en-IN" sz="2400" kern="100" dirty="0">
                         <a:effectLst/>
@@ -7196,12 +7600,48 @@
                         </a:spcAft>
                       </a:pPr>
                       <a:r>
-                        <a:rPr lang="en-IN" sz="2400" kern="100">
+                        <a:rPr lang="en-IN" sz="2400" kern="100" dirty="0">
                           <a:effectLst/>
                         </a:rPr>
-                        <a:t>A complete instruction or action.</a:t>
+                        <a:t>A </a:t>
                       </a:r>
-                      <a:endParaRPr lang="en-IN" sz="2400" kern="100">
+                      <a:r>
+                        <a:rPr lang="en-IN" sz="2400" b="1" kern="100" dirty="0">
+                          <a:solidFill>
+                            <a:srgbClr val="C00000"/>
+                          </a:solidFill>
+                          <a:effectLst/>
+                        </a:rPr>
+                        <a:t>complete instruction</a:t>
+                      </a:r>
+                      <a:r>
+                        <a:rPr lang="en-IN" sz="2400" b="1" kern="100" dirty="0">
+                          <a:effectLst/>
+                        </a:rPr>
+                        <a:t> </a:t>
+                      </a:r>
+                      <a:r>
+                        <a:rPr lang="en-IN" sz="2400" kern="100" dirty="0">
+                          <a:effectLst/>
+                        </a:rPr>
+                        <a:t>or </a:t>
+                      </a:r>
+                      <a:r>
+                        <a:rPr lang="en-IN" sz="2400" b="1" kern="100" dirty="0">
+                          <a:solidFill>
+                            <a:srgbClr val="C00000"/>
+                          </a:solidFill>
+                          <a:effectLst/>
+                        </a:rPr>
+                        <a:t>action</a:t>
+                      </a:r>
+                      <a:r>
+                        <a:rPr lang="en-IN" sz="2400" kern="100" dirty="0">
+                          <a:effectLst/>
+                        </a:rPr>
+                        <a:t>.</a:t>
+                      </a:r>
+                      <a:endParaRPr lang="en-IN" sz="2400" kern="100" dirty="0">
                         <a:effectLst/>
                         <a:latin typeface="Aptos" panose="020B0004020202020204" pitchFamily="34" charset="0"/>
                         <a:ea typeface="Aptos" panose="020B0004020202020204" pitchFamily="34" charset="0"/>
@@ -7261,12 +7701,21 @@
                         </a:spcAft>
                       </a:pPr>
                       <a:r>
-                        <a:rPr lang="en-IN" sz="2400" kern="100">
+                        <a:rPr lang="en-IN" sz="2400" b="1" kern="100" dirty="0">
+                          <a:solidFill>
+                            <a:srgbClr val="C00000"/>
+                          </a:solidFill>
                           <a:effectLst/>
                         </a:rPr>
-                        <a:t>Always returns a value.</a:t>
+                        <a:t>Always</a:t>
                       </a:r>
-                      <a:endParaRPr lang="en-IN" sz="2400" kern="100">
+                      <a:r>
+                        <a:rPr lang="en-IN" sz="2400" kern="100" dirty="0">
+                          <a:effectLst/>
+                        </a:rPr>
+                        <a:t> returns a value.</a:t>
+                      </a:r>
+                      <a:endParaRPr lang="en-IN" sz="2400" kern="100" dirty="0">
                         <a:effectLst/>
                         <a:latin typeface="Aptos" panose="020B0004020202020204" pitchFamily="34" charset="0"/>
                         <a:ea typeface="Aptos" panose="020B0004020202020204" pitchFamily="34" charset="0"/>
@@ -7290,12 +7739,51 @@
                         </a:spcAft>
                       </a:pPr>
                       <a:r>
-                        <a:rPr lang="en-IN" sz="2400" kern="100">
+                        <a:rPr lang="en-IN" sz="2400" b="1" kern="100" dirty="0">
+                          <a:solidFill>
+                            <a:srgbClr val="C00000"/>
+                          </a:solidFill>
                           <a:effectLst/>
                         </a:rPr>
-                        <a:t>May or may not return a value.</a:t>
+                        <a:t>May</a:t>
                       </a:r>
-                      <a:endParaRPr lang="en-IN" sz="2400" kern="100">
+                      <a:r>
+                        <a:rPr lang="en-IN" sz="2400" kern="100" dirty="0">
+                          <a:effectLst/>
+                        </a:rPr>
+                        <a:t> or </a:t>
+                      </a:r>
+                      <a:r>
+                        <a:rPr lang="en-IN" sz="2400" b="1" kern="100" dirty="0">
+                          <a:solidFill>
+                            <a:srgbClr val="C00000"/>
+                          </a:solidFill>
+                          <a:effectLst/>
+                        </a:rPr>
+                        <a:t>may</a:t>
+                      </a:r>
+                      <a:r>
+                        <a:rPr lang="en-IN" sz="2400" kern="100" dirty="0">
+                          <a:effectLst/>
+                        </a:rPr>
+                        <a:t> </a:t>
+                      </a:r>
+                      <a:r>
+                        <a:rPr lang="en-IN" sz="2400" b="1" kern="100" dirty="0">
+                          <a:solidFill>
+                            <a:srgbClr val="C00000"/>
+                          </a:solidFill>
+                          <a:effectLst/>
+                        </a:rPr>
+                        <a:t>not</a:t>
+                      </a:r>
+                      <a:r>
+                        <a:rPr lang="en-IN" sz="2400" kern="100" dirty="0">
+                          <a:effectLst/>
+                        </a:rPr>
+                        <a:t> return a value.</a:t>
+                      </a:r>
+                      <a:endParaRPr lang="en-IN" sz="2400" kern="100" dirty="0">
                         <a:effectLst/>
                         <a:latin typeface="Aptos" panose="020B0004020202020204" pitchFamily="34" charset="0"/>
                         <a:ea typeface="Aptos" panose="020B0004020202020204" pitchFamily="34" charset="0"/>
@@ -7461,12 +7949,21 @@
                         </a:spcAft>
                       </a:pPr>
                       <a:r>
-                        <a:rPr lang="en-IN" sz="2400" kern="100">
+                        <a:rPr lang="en-IN" sz="2400" b="1" kern="100" dirty="0">
+                          <a:solidFill>
+                            <a:srgbClr val="C00000"/>
+                          </a:solidFill>
                           <a:effectLst/>
                         </a:rPr>
-                        <a:t>Produces a value.</a:t>
+                        <a:t>Produces</a:t>
                       </a:r>
-                      <a:endParaRPr lang="en-IN" sz="2400" kern="100">
+                      <a:r>
+                        <a:rPr lang="en-IN" sz="2400" kern="100" dirty="0">
+                          <a:effectLst/>
+                        </a:rPr>
+                        <a:t> a value.</a:t>
+                      </a:r>
+                      <a:endParaRPr lang="en-IN" sz="2400" kern="100" dirty="0">
                         <a:effectLst/>
                         <a:latin typeface="Aptos" panose="020B0004020202020204" pitchFamily="34" charset="0"/>
                         <a:ea typeface="Aptos" panose="020B0004020202020204" pitchFamily="34" charset="0"/>
@@ -7490,10 +7987,19 @@
                         </a:spcAft>
                       </a:pPr>
                       <a:r>
+                        <a:rPr lang="en-IN" sz="2400" b="1" kern="100" dirty="0">
+                          <a:solidFill>
+                            <a:srgbClr val="C00000"/>
+                          </a:solidFill>
+                          <a:effectLst/>
+                        </a:rPr>
+                        <a:t>Performs</a:t>
+                      </a:r>
+                      <a:r>
                         <a:rPr lang="en-IN" sz="2400" kern="100" dirty="0">
                           <a:effectLst/>
                         </a:rPr>
-                        <a:t>Performs an action.</a:t>
+                        <a:t> an action.</a:t>
                       </a:r>
                       <a:endParaRPr lang="en-IN" sz="2400" kern="100" dirty="0">
                         <a:effectLst/>
@@ -7850,13 +8356,8 @@
             </a:r>
             <a:r>
               <a:rPr lang="en-US" sz="2400" dirty="0"/>
-              <a:t>within them. Understanding the distinction helps write clear and effective Python programs.</a:t>
-            </a:r>
-          </a:p>
-          <a:p>
-            <a:pPr marL="0" indent="0">
-              <a:buNone/>
-            </a:pPr>
+              <a:t>within them. </a:t>
+            </a:r>
             <a:endParaRPr lang="en-IN" sz="2400" dirty="0"/>
           </a:p>
         </p:txBody>
@@ -7912,162 +8413,6 @@
         <p:cNvPr id="1" name="">
           <a:extLst>
             <a:ext uri="{FF2B5EF4-FFF2-40B4-BE49-F238E27FC236}">
-              <a16:creationId xmlns:a16="http://schemas.microsoft.com/office/drawing/2014/main" id="{E64B0317-D55A-B051-B978-3ABC8F2AD3A7}"/>
-            </a:ext>
-          </a:extLst>
-        </p:cNvPr>
-        <p:cNvGrpSpPr/>
-        <p:nvPr/>
-      </p:nvGrpSpPr>
-      <p:grpSpPr>
-        <a:xfrm>
-          <a:off x="0" y="0"/>
-          <a:ext cx="0" cy="0"/>
-          <a:chOff x="0" y="0"/>
-          <a:chExt cx="0" cy="0"/>
-        </a:xfrm>
-      </p:grpSpPr>
-      <p:sp>
-        <p:nvSpPr>
-          <p:cNvPr id="3" name="Content Placeholder 2">
-            <a:extLst>
-              <a:ext uri="{FF2B5EF4-FFF2-40B4-BE49-F238E27FC236}">
-                <a16:creationId xmlns:a16="http://schemas.microsoft.com/office/drawing/2014/main" id="{8A710A5B-D905-EA16-37DD-5FD66DF9E834}"/>
-              </a:ext>
-            </a:extLst>
-          </p:cNvPr>
-          <p:cNvSpPr>
-            <a:spLocks noGrp="1"/>
-          </p:cNvSpPr>
-          <p:nvPr>
-            <p:ph idx="1"/>
-          </p:nvPr>
-        </p:nvSpPr>
-        <p:spPr>
-          <a:xfrm>
-            <a:off x="702853" y="719137"/>
-            <a:ext cx="10900568" cy="5313801"/>
-          </a:xfrm>
-        </p:spPr>
-        <p:txBody>
-          <a:bodyPr>
-            <a:normAutofit/>
-          </a:bodyPr>
-          <a:lstStyle/>
-          <a:p>
-            <a:pPr marL="0" indent="0">
-              <a:buNone/>
-            </a:pPr>
-            <a:r>
-              <a:rPr lang="en-US" sz="3200" b="1" dirty="0">
-                <a:solidFill>
-                  <a:srgbClr val="C00000"/>
-                </a:solidFill>
-              </a:rPr>
-              <a:t>Module-1: </a:t>
-            </a:r>
-            <a:r>
-              <a:rPr lang="en-US" sz="3200" b="1" dirty="0">
-                <a:solidFill>
-                  <a:srgbClr val="002060"/>
-                </a:solidFill>
-              </a:rPr>
-              <a:t>Python Basic Concepts and Programming </a:t>
-            </a:r>
-            <a:r>
-              <a:rPr lang="en-IN" sz="3200" b="1" dirty="0">
-                <a:solidFill>
-                  <a:srgbClr val="C00000"/>
-                </a:solidFill>
-              </a:rPr>
-              <a:t>:</a:t>
-            </a:r>
-          </a:p>
-          <a:p>
-            <a:pPr marL="0" indent="0">
-              <a:buNone/>
-            </a:pPr>
-            <a:r>
-              <a:rPr lang="en-US" sz="2800" b="1" dirty="0"/>
-              <a:t>Interpreter, Parts of Python Programming Language</a:t>
-            </a:r>
-            <a:r>
-              <a:rPr lang="en-US" sz="2800" dirty="0"/>
-              <a:t>, </a:t>
-            </a:r>
-            <a:r>
-              <a:rPr lang="en-US" sz="2800" b="1" dirty="0"/>
-              <a:t>Identifiers</a:t>
-            </a:r>
-            <a:r>
-              <a:rPr lang="en-US" sz="2800" dirty="0"/>
-              <a:t>, </a:t>
-            </a:r>
-            <a:r>
-              <a:rPr lang="en-US" sz="2800" b="1" dirty="0"/>
-              <a:t>Keywords</a:t>
-            </a:r>
-            <a:r>
-              <a:rPr lang="en-US" sz="2800" dirty="0"/>
-              <a:t>, </a:t>
-            </a:r>
-            <a:r>
-              <a:rPr lang="en-US" sz="2800" b="1" dirty="0"/>
-              <a:t>Statements and Expressions</a:t>
-            </a:r>
-            <a:r>
-              <a:rPr lang="en-US" sz="2800" dirty="0"/>
-              <a:t>, Variables, Operators, Precedence and Associativity, Data Types, Indentation, Comments, Program Execution, Reading Input, Print Output, Type Conversions, The type( ) Function and Is Operator, Control Flow Statements, The if Decision Control Flow Statement, The if…else Decision Control Flow Statement, The if…</a:t>
-            </a:r>
-            <a:r>
-              <a:rPr lang="en-US" sz="2800" dirty="0" err="1"/>
-              <a:t>elif</a:t>
-            </a:r>
-            <a:r>
-              <a:rPr lang="en-US" sz="2800" dirty="0"/>
-              <a:t>…else Decision Control Statement, Nested if Statement, The while Loop, The for Loop, The continue and break Statements, Sequences – Strings, Built-In Functions, Commonly Used Modules, Function Definition and Calling the Function, The return Statement and void Function, Scope and Lifetime of Variables, Default Parameters, Keyword Arguments, *</a:t>
-            </a:r>
-            <a:r>
-              <a:rPr lang="en-US" sz="2800" dirty="0" err="1"/>
-              <a:t>args</a:t>
-            </a:r>
-            <a:r>
-              <a:rPr lang="en-US" sz="2800" dirty="0"/>
-              <a:t> and **</a:t>
-            </a:r>
-            <a:r>
-              <a:rPr lang="en-US" sz="2800" dirty="0" err="1"/>
-              <a:t>kwargs</a:t>
-            </a:r>
-            <a:r>
-              <a:rPr lang="en-US" sz="2800" dirty="0"/>
-              <a:t>, Command Line Arguments. </a:t>
-            </a:r>
-            <a:endParaRPr lang="en-IN" sz="3200" dirty="0"/>
-          </a:p>
-        </p:txBody>
-      </p:sp>
-    </p:spTree>
-    <p:extLst>
-      <p:ext uri="{BB962C8B-B14F-4D97-AF65-F5344CB8AC3E}">
-        <p14:creationId xmlns:p14="http://schemas.microsoft.com/office/powerpoint/2010/main" val="2505600029"/>
-      </p:ext>
-    </p:extLst>
-  </p:cSld>
-  <p:clrMapOvr>
-    <a:masterClrMapping/>
-  </p:clrMapOvr>
-</p:sld>
-</file>
-
-<file path=ppt/slides/slide22.xml><?xml version="1.0" encoding="utf-8"?>
-<p:sld xmlns:a="http://schemas.openxmlformats.org/drawingml/2006/main" xmlns:r="http://schemas.openxmlformats.org/officeDocument/2006/relationships" xmlns:p="http://schemas.openxmlformats.org/presentationml/2006/main">
-  <p:cSld>
-    <p:spTree>
-      <p:nvGrpSpPr>
-        <p:cNvPr id="1" name="">
-          <a:extLst>
-            <a:ext uri="{FF2B5EF4-FFF2-40B4-BE49-F238E27FC236}">
               <a16:creationId xmlns:a16="http://schemas.microsoft.com/office/drawing/2014/main" id="{9037D037-7060-4172-FCF7-E61C2479F84B}"/>
             </a:ext>
           </a:extLst>
@@ -8106,13 +8451,190 @@
           </a:xfrm>
         </p:spPr>
         <p:txBody>
-          <a:bodyPr/>
+          <a:bodyPr>
+            <a:normAutofit/>
+          </a:bodyPr>
           <a:lstStyle/>
           <a:p>
             <a:pPr marL="0" indent="0">
               <a:buNone/>
             </a:pPr>
-            <a:endParaRPr lang="en-IN" dirty="0"/>
+            <a:r>
+              <a:rPr lang="en-US" sz="2400" b="1" dirty="0"/>
+              <a:t>Variables:</a:t>
+            </a:r>
+          </a:p>
+          <a:p>
+            <a:pPr marL="0" indent="0">
+              <a:buNone/>
+            </a:pPr>
+            <a:r>
+              <a:rPr lang="en-US" sz="2400" dirty="0"/>
+              <a:t>In Python, </a:t>
+            </a:r>
+            <a:r>
+              <a:rPr lang="en-US" sz="2400" b="1" dirty="0"/>
+              <a:t>variables</a:t>
+            </a:r>
+            <a:r>
+              <a:rPr lang="en-US" sz="2400" dirty="0"/>
+              <a:t> are </a:t>
+            </a:r>
+            <a:r>
+              <a:rPr lang="en-US" sz="2400" b="1" dirty="0">
+                <a:solidFill>
+                  <a:srgbClr val="C00000"/>
+                </a:solidFill>
+              </a:rPr>
+              <a:t>symbolic names </a:t>
+            </a:r>
+            <a:r>
+              <a:rPr lang="en-US" sz="2400" dirty="0"/>
+              <a:t>that are </a:t>
+            </a:r>
+            <a:r>
+              <a:rPr lang="en-US" sz="2400" b="1" dirty="0">
+                <a:solidFill>
+                  <a:srgbClr val="002060"/>
+                </a:solidFill>
+              </a:rPr>
+              <a:t>used to reference objects in memory</a:t>
+            </a:r>
+            <a:r>
+              <a:rPr lang="en-US" sz="2400" dirty="0"/>
+              <a:t>. </a:t>
+            </a:r>
+          </a:p>
+          <a:p>
+            <a:pPr marL="0" indent="0">
+              <a:buNone/>
+            </a:pPr>
+            <a:r>
+              <a:rPr lang="en-US" sz="2400" dirty="0"/>
+              <a:t>They are </a:t>
+            </a:r>
+            <a:r>
+              <a:rPr lang="en-US" sz="2400" b="1" dirty="0">
+                <a:solidFill>
+                  <a:srgbClr val="C00000"/>
+                </a:solidFill>
+              </a:rPr>
+              <a:t>essentially labels </a:t>
+            </a:r>
+            <a:r>
+              <a:rPr lang="en-US" sz="2400" dirty="0"/>
+              <a:t>that </a:t>
+            </a:r>
+            <a:r>
+              <a:rPr lang="en-US" sz="2400" b="1" dirty="0"/>
+              <a:t>point to data stored in memory</a:t>
+            </a:r>
+            <a:r>
+              <a:rPr lang="en-US" sz="2400" dirty="0"/>
+              <a:t>, enabling you to </a:t>
+            </a:r>
+            <a:r>
+              <a:rPr lang="en-US" sz="2400" b="1" dirty="0">
+                <a:solidFill>
+                  <a:srgbClr val="002060"/>
+                </a:solidFill>
+              </a:rPr>
+              <a:t>access</a:t>
+            </a:r>
+            <a:r>
+              <a:rPr lang="en-US" sz="2400" dirty="0"/>
+              <a:t> and </a:t>
+            </a:r>
+            <a:r>
+              <a:rPr lang="en-US" sz="2400" b="1" dirty="0">
+                <a:solidFill>
+                  <a:srgbClr val="002060"/>
+                </a:solidFill>
+              </a:rPr>
+              <a:t>manipulate</a:t>
+            </a:r>
+            <a:r>
+              <a:rPr lang="en-US" sz="2400" dirty="0"/>
+              <a:t> </a:t>
+            </a:r>
+            <a:r>
+              <a:rPr lang="en-US" sz="2400" b="1" dirty="0"/>
+              <a:t>that data</a:t>
+            </a:r>
+            <a:r>
+              <a:rPr lang="en-US" sz="2400" dirty="0"/>
+              <a:t>. </a:t>
+            </a:r>
+          </a:p>
+          <a:p>
+            <a:pPr marL="0" indent="0">
+              <a:buNone/>
+            </a:pPr>
+            <a:r>
+              <a:rPr lang="en-US" sz="2400" dirty="0"/>
+              <a:t>Variables are </a:t>
+            </a:r>
+            <a:r>
+              <a:rPr lang="en-US" sz="2400" b="1" dirty="0"/>
+              <a:t>fundamental in programming </a:t>
+            </a:r>
+            <a:r>
+              <a:rPr lang="en-US" sz="2400" dirty="0"/>
+              <a:t>and are </a:t>
+            </a:r>
+            <a:r>
+              <a:rPr lang="en-US" sz="2400" b="1" dirty="0"/>
+              <a:t>used to </a:t>
+            </a:r>
+            <a:r>
+              <a:rPr lang="en-US" sz="2400" b="1" dirty="0">
+                <a:solidFill>
+                  <a:srgbClr val="C00000"/>
+                </a:solidFill>
+              </a:rPr>
+              <a:t>store information </a:t>
+            </a:r>
+            <a:r>
+              <a:rPr lang="en-US" sz="2400" dirty="0"/>
+              <a:t>that can be </a:t>
+            </a:r>
+            <a:r>
+              <a:rPr lang="en-US" sz="2400" b="1" dirty="0">
+                <a:solidFill>
+                  <a:srgbClr val="C00000"/>
+                </a:solidFill>
+              </a:rPr>
+              <a:t>retrieved</a:t>
+            </a:r>
+            <a:r>
+              <a:rPr lang="en-US" sz="2400" dirty="0"/>
+              <a:t> or </a:t>
+            </a:r>
+            <a:r>
+              <a:rPr lang="en-US" sz="2400" b="1" dirty="0">
+                <a:solidFill>
+                  <a:srgbClr val="C00000"/>
+                </a:solidFill>
+              </a:rPr>
+              <a:t>modified</a:t>
+            </a:r>
+            <a:r>
+              <a:rPr lang="en-US" sz="2400" dirty="0"/>
+              <a:t> </a:t>
+            </a:r>
+            <a:r>
+              <a:rPr lang="en-US" sz="2400" b="1" dirty="0">
+                <a:solidFill>
+                  <a:srgbClr val="002060"/>
+                </a:solidFill>
+              </a:rPr>
+              <a:t>during program execution</a:t>
+            </a:r>
+            <a:r>
+              <a:rPr lang="en-US" sz="2400" dirty="0"/>
+              <a:t>.</a:t>
+            </a:r>
+            <a:endParaRPr lang="en-IN" sz="2400" dirty="0"/>
           </a:p>
         </p:txBody>
       </p:sp>
@@ -8129,7 +8651,7 @@
 </p:sld>
 </file>
 
-<file path=ppt/slides/slide23.xml><?xml version="1.0" encoding="utf-8"?>
+<file path=ppt/slides/slide22.xml><?xml version="1.0" encoding="utf-8"?>
 <p:sld xmlns:a="http://schemas.openxmlformats.org/drawingml/2006/main" xmlns:r="http://schemas.openxmlformats.org/officeDocument/2006/relationships" xmlns:p="http://schemas.openxmlformats.org/presentationml/2006/main">
   <p:cSld>
     <p:spTree>
@@ -8175,16 +8697,309 @@
           </a:xfrm>
         </p:spPr>
         <p:txBody>
-          <a:bodyPr/>
+          <a:bodyPr>
+            <a:normAutofit lnSpcReduction="10000"/>
+          </a:bodyPr>
           <a:lstStyle/>
           <a:p>
             <a:pPr marL="0" indent="0">
               <a:buNone/>
             </a:pPr>
-            <a:endParaRPr lang="en-IN" dirty="0"/>
+            <a:r>
+              <a:rPr lang="en-US" b="1" dirty="0"/>
+              <a:t>Key Characteristics of Variables in Python:</a:t>
+            </a:r>
+          </a:p>
+          <a:p>
+            <a:pPr marL="0" indent="0">
+              <a:buNone/>
+            </a:pPr>
+            <a:r>
+              <a:rPr lang="en-US" b="1" dirty="0"/>
+              <a:t>1. Dynamic Typing:</a:t>
+            </a:r>
+          </a:p>
+          <a:p>
+            <a:pPr marL="0" indent="0">
+              <a:buNone/>
+            </a:pPr>
+            <a:r>
+              <a:rPr lang="en-US" dirty="0"/>
+              <a:t>Python is a dynamically-typed language, meaning </a:t>
+            </a:r>
+            <a:r>
+              <a:rPr lang="en-US" b="1" dirty="0">
+                <a:solidFill>
+                  <a:srgbClr val="002060"/>
+                </a:solidFill>
+              </a:rPr>
+              <a:t>you do not need to declare the </a:t>
+            </a:r>
+            <a:r>
+              <a:rPr lang="en-US" b="1" dirty="0">
+                <a:solidFill>
+                  <a:srgbClr val="C00000"/>
+                </a:solidFill>
+              </a:rPr>
+              <a:t>type of a variable </a:t>
+            </a:r>
+            <a:r>
+              <a:rPr lang="en-US" b="1" dirty="0">
+                <a:solidFill>
+                  <a:srgbClr val="002060"/>
+                </a:solidFill>
+              </a:rPr>
+              <a:t>explicitly</a:t>
+            </a:r>
+            <a:r>
+              <a:rPr lang="en-US" dirty="0"/>
+              <a:t>. The type is </a:t>
+            </a:r>
+            <a:r>
+              <a:rPr lang="en-US" b="1" dirty="0">
+                <a:solidFill>
+                  <a:srgbClr val="C00000"/>
+                </a:solidFill>
+              </a:rPr>
+              <a:t>inferred</a:t>
+            </a:r>
+            <a:r>
+              <a:rPr lang="en-US" dirty="0"/>
+              <a:t> </a:t>
+            </a:r>
+            <a:r>
+              <a:rPr lang="en-US" b="1" dirty="0"/>
+              <a:t>based on the </a:t>
+            </a:r>
+            <a:r>
+              <a:rPr lang="en-US" b="1" dirty="0">
+                <a:solidFill>
+                  <a:srgbClr val="C00000"/>
+                </a:solidFill>
+              </a:rPr>
+              <a:t>value assigned to the variable.</a:t>
+            </a:r>
+          </a:p>
+          <a:p>
+            <a:pPr marL="0" indent="0">
+              <a:buNone/>
+            </a:pPr>
+            <a:r>
+              <a:rPr lang="en-US" b="1" dirty="0"/>
+              <a:t>Example:</a:t>
+            </a:r>
+          </a:p>
+          <a:p>
+            <a:pPr marL="0" indent="0">
+              <a:buNone/>
+            </a:pPr>
+            <a:endParaRPr lang="en-US" b="1" dirty="0"/>
+          </a:p>
+          <a:p>
+            <a:pPr marL="0" indent="0">
+              <a:buNone/>
+            </a:pPr>
+            <a:endParaRPr lang="en-US" b="1" dirty="0"/>
+          </a:p>
+          <a:p>
+            <a:pPr marL="0" indent="0">
+              <a:buNone/>
+            </a:pPr>
+            <a:endParaRPr lang="en-US" b="1" dirty="0"/>
+          </a:p>
+          <a:p>
+            <a:pPr marL="0" indent="0">
+              <a:buNone/>
+            </a:pPr>
+            <a:r>
+              <a:rPr lang="en-US" b="1" dirty="0"/>
+              <a:t>2. No Explicit Declaration: </a:t>
+            </a:r>
+            <a:r>
+              <a:rPr lang="en-US" dirty="0"/>
+              <a:t>Variables are </a:t>
+            </a:r>
+            <a:r>
+              <a:rPr lang="en-US" b="1" dirty="0">
+                <a:solidFill>
+                  <a:srgbClr val="002060"/>
+                </a:solidFill>
+              </a:rPr>
+              <a:t>created</a:t>
+            </a:r>
+            <a:r>
+              <a:rPr lang="en-US" dirty="0"/>
+              <a:t> when you </a:t>
+            </a:r>
+            <a:r>
+              <a:rPr lang="en-US" b="1" dirty="0">
+                <a:solidFill>
+                  <a:srgbClr val="C00000"/>
+                </a:solidFill>
+              </a:rPr>
+              <a:t>assign a value </a:t>
+            </a:r>
+            <a:r>
+              <a:rPr lang="en-US" dirty="0"/>
+              <a:t>to them as Python is </a:t>
+            </a:r>
+            <a:r>
+              <a:rPr lang="en-US" b="1" dirty="0">
+                <a:solidFill>
+                  <a:srgbClr val="00B050"/>
+                </a:solidFill>
+              </a:rPr>
+              <a:t>Dynamically Typed </a:t>
+            </a:r>
+            <a:r>
+              <a:rPr lang="en-US" dirty="0"/>
+              <a:t>Language as compared to C and Java as they are </a:t>
+            </a:r>
+            <a:r>
+              <a:rPr lang="en-US" b="1" dirty="0">
+                <a:solidFill>
+                  <a:srgbClr val="00B050"/>
+                </a:solidFill>
+              </a:rPr>
+              <a:t>statically Typed </a:t>
+            </a:r>
+            <a:r>
+              <a:rPr lang="en-US" dirty="0"/>
+              <a:t>Languages.</a:t>
+            </a:r>
+          </a:p>
+          <a:p>
+            <a:pPr marL="0" indent="0">
+              <a:buNone/>
+            </a:pPr>
+            <a:endParaRPr lang="en-IN" sz="900" b="1" dirty="0">
+              <a:solidFill>
+                <a:srgbClr val="C00000"/>
+              </a:solidFill>
+            </a:endParaRPr>
+          </a:p>
+          <a:p>
+            <a:pPr marL="0" indent="0">
+              <a:buNone/>
+            </a:pPr>
+            <a:r>
+              <a:rPr lang="en-US" b="1" dirty="0"/>
+              <a:t>3. Variable Naming Convention</a:t>
+            </a:r>
+            <a:r>
+              <a:rPr lang="en-US" dirty="0"/>
+              <a:t>: As Variable is an Identifier, So it should follow the </a:t>
+            </a:r>
+            <a:r>
+              <a:rPr lang="en-US" sz="2000" b="1" dirty="0"/>
+              <a:t>Rules for Creating Identifiers.</a:t>
+            </a:r>
+          </a:p>
+          <a:p>
+            <a:pPr marL="0" indent="0">
+              <a:buNone/>
+            </a:pPr>
+            <a:endParaRPr lang="en-IN" sz="800" b="1" dirty="0">
+              <a:solidFill>
+                <a:srgbClr val="C00000"/>
+              </a:solidFill>
+            </a:endParaRPr>
+          </a:p>
+          <a:p>
+            <a:pPr marL="0" indent="0">
+              <a:buNone/>
+            </a:pPr>
+            <a:r>
+              <a:rPr lang="en-US" b="1" dirty="0"/>
+              <a:t>4. Memory Management</a:t>
+            </a:r>
+            <a:r>
+              <a:rPr lang="en-US" dirty="0"/>
+              <a:t>: Python uses a </a:t>
+            </a:r>
+            <a:r>
+              <a:rPr lang="en-US" b="1" dirty="0">
+                <a:solidFill>
+                  <a:srgbClr val="C00000"/>
+                </a:solidFill>
+              </a:rPr>
+              <a:t>garbage collector </a:t>
+            </a:r>
+            <a:r>
+              <a:rPr lang="en-US" dirty="0"/>
+              <a:t>to </a:t>
+            </a:r>
+            <a:r>
+              <a:rPr lang="en-US" b="1" dirty="0">
+                <a:solidFill>
+                  <a:srgbClr val="002060"/>
+                </a:solidFill>
+              </a:rPr>
+              <a:t>manage memory automatically</a:t>
+            </a:r>
+            <a:r>
+              <a:rPr lang="en-US" dirty="0"/>
+              <a:t>. Variables point to objects in memory, and when an object is </a:t>
+            </a:r>
+            <a:r>
+              <a:rPr lang="en-US" b="1" dirty="0">
+                <a:solidFill>
+                  <a:srgbClr val="C00000"/>
+                </a:solidFill>
+              </a:rPr>
+              <a:t>no longer referenced</a:t>
+            </a:r>
+            <a:r>
+              <a:rPr lang="en-US" b="1" dirty="0">
+                <a:solidFill>
+                  <a:srgbClr val="002060"/>
+                </a:solidFill>
+              </a:rPr>
+              <a:t>, it is garbage collected.</a:t>
+            </a:r>
+          </a:p>
+          <a:p>
+            <a:pPr marL="0" indent="0">
+              <a:buNone/>
+            </a:pPr>
+            <a:endParaRPr lang="en-IN" b="1" dirty="0">
+              <a:solidFill>
+                <a:srgbClr val="C00000"/>
+              </a:solidFill>
+            </a:endParaRPr>
           </a:p>
         </p:txBody>
       </p:sp>
+      <p:pic>
+        <p:nvPicPr>
+          <p:cNvPr id="4" name="Picture 3">
+            <a:extLst>
+              <a:ext uri="{FF2B5EF4-FFF2-40B4-BE49-F238E27FC236}">
+                <a16:creationId xmlns:a16="http://schemas.microsoft.com/office/drawing/2014/main" id="{DD1EFA18-E745-4AD3-66BD-2896E71FFD32}"/>
+              </a:ext>
+            </a:extLst>
+          </p:cNvPr>
+          <p:cNvPicPr>
+            <a:picLocks noChangeAspect="1"/>
+          </p:cNvPicPr>
+          <p:nvPr/>
+        </p:nvPicPr>
+        <p:blipFill>
+          <a:blip r:embed="rId2"/>
+          <a:stretch>
+            <a:fillRect/>
+          </a:stretch>
+        </p:blipFill>
+        <p:spPr>
+          <a:xfrm>
+            <a:off x="2097323" y="2253437"/>
+            <a:ext cx="4815105" cy="990253"/>
+          </a:xfrm>
+          <a:prstGeom prst="rect">
+            <a:avLst/>
+          </a:prstGeom>
+        </p:spPr>
+      </p:pic>
     </p:spTree>
     <p:extLst>
       <p:ext uri="{BB962C8B-B14F-4D97-AF65-F5344CB8AC3E}">
@@ -8198,7 +9013,7 @@
 </p:sld>
 </file>
 
-<file path=ppt/slides/slide24.xml><?xml version="1.0" encoding="utf-8"?>
+<file path=ppt/slides/slide23.xml><?xml version="1.0" encoding="utf-8"?>
 <p:sld xmlns:a="http://schemas.openxmlformats.org/drawingml/2006/main" xmlns:r="http://schemas.openxmlformats.org/officeDocument/2006/relationships" xmlns:p="http://schemas.openxmlformats.org/presentationml/2006/main">
   <p:cSld>
     <p:spTree>
@@ -8244,16 +9059,138 @@
           </a:xfrm>
         </p:spPr>
         <p:txBody>
-          <a:bodyPr/>
+          <a:bodyPr>
+            <a:normAutofit/>
+          </a:bodyPr>
           <a:lstStyle/>
           <a:p>
             <a:pPr marL="0" indent="0">
               <a:buNone/>
             </a:pPr>
-            <a:endParaRPr lang="en-IN" dirty="0"/>
+            <a:r>
+              <a:rPr lang="en-US" sz="2400" b="1" dirty="0"/>
+              <a:t>Global and Local Variables:</a:t>
+            </a:r>
+          </a:p>
+          <a:p>
+            <a:pPr marL="457200" indent="-457200">
+              <a:buFont typeface="+mj-lt"/>
+              <a:buAutoNum type="arabicPeriod"/>
+            </a:pPr>
+            <a:r>
+              <a:rPr lang="en-US" sz="2400" b="1" dirty="0"/>
+              <a:t>Global Variables</a:t>
+            </a:r>
+            <a:r>
+              <a:rPr lang="en-US" sz="2400" dirty="0"/>
+              <a:t>: Defined </a:t>
+            </a:r>
+            <a:r>
+              <a:rPr lang="en-US" sz="2400" b="1" dirty="0">
+                <a:solidFill>
+                  <a:srgbClr val="C00000"/>
+                </a:solidFill>
+              </a:rPr>
+              <a:t>outside a function </a:t>
+            </a:r>
+            <a:r>
+              <a:rPr lang="en-US" sz="2400" dirty="0"/>
+              <a:t>and accessible </a:t>
+            </a:r>
+            <a:r>
+              <a:rPr lang="en-US" sz="2400" b="1" dirty="0">
+                <a:solidFill>
+                  <a:srgbClr val="C00000"/>
+                </a:solidFill>
+              </a:rPr>
+              <a:t>throughout</a:t>
+            </a:r>
+            <a:r>
+              <a:rPr lang="en-US" sz="2400" dirty="0"/>
+              <a:t> the program.</a:t>
+            </a:r>
+          </a:p>
+          <a:p>
+            <a:pPr marL="457200" indent="-457200">
+              <a:buFont typeface="+mj-lt"/>
+              <a:buAutoNum type="arabicPeriod"/>
+            </a:pPr>
+            <a:r>
+              <a:rPr lang="en-US" sz="2400" b="1" dirty="0"/>
+              <a:t>Local Variables</a:t>
+            </a:r>
+            <a:r>
+              <a:rPr lang="en-US" sz="2400" dirty="0"/>
+              <a:t>: Defined </a:t>
+            </a:r>
+            <a:r>
+              <a:rPr lang="en-US" sz="2400" b="1" dirty="0">
+                <a:solidFill>
+                  <a:srgbClr val="C00000"/>
+                </a:solidFill>
+              </a:rPr>
+              <a:t>inside a function </a:t>
+            </a:r>
+            <a:r>
+              <a:rPr lang="en-US" sz="2400" dirty="0"/>
+              <a:t>and accessible </a:t>
+            </a:r>
+            <a:r>
+              <a:rPr lang="en-US" sz="2400" b="1" dirty="0"/>
+              <a:t>only within that function</a:t>
+            </a:r>
+            <a:r>
+              <a:rPr lang="en-US" sz="2400" dirty="0"/>
+              <a:t>.</a:t>
+            </a:r>
+          </a:p>
+          <a:p>
+            <a:pPr marL="0" indent="0">
+              <a:buNone/>
+            </a:pPr>
+            <a:r>
+              <a:rPr lang="en-IN" sz="2400" b="1" dirty="0"/>
+              <a:t>Example:</a:t>
+            </a:r>
+          </a:p>
+          <a:p>
+            <a:pPr marL="0" indent="0">
+              <a:buNone/>
+            </a:pPr>
+            <a:endParaRPr lang="en-IN" sz="2400" dirty="0"/>
           </a:p>
         </p:txBody>
       </p:sp>
+      <p:pic>
+        <p:nvPicPr>
+          <p:cNvPr id="4" name="Picture 3">
+            <a:extLst>
+              <a:ext uri="{FF2B5EF4-FFF2-40B4-BE49-F238E27FC236}">
+                <a16:creationId xmlns:a16="http://schemas.microsoft.com/office/drawing/2014/main" id="{4F78ED52-B154-0600-72F0-E674B6383132}"/>
+              </a:ext>
+            </a:extLst>
+          </p:cNvPr>
+          <p:cNvPicPr>
+            <a:picLocks noChangeAspect="1"/>
+          </p:cNvPicPr>
+          <p:nvPr/>
+        </p:nvPicPr>
+        <p:blipFill>
+          <a:blip r:embed="rId2"/>
+          <a:stretch>
+            <a:fillRect/>
+          </a:stretch>
+        </p:blipFill>
+        <p:spPr>
+          <a:xfrm>
+            <a:off x="3036008" y="2857695"/>
+            <a:ext cx="4702009" cy="3586648"/>
+          </a:xfrm>
+          <a:prstGeom prst="rect">
+            <a:avLst/>
+          </a:prstGeom>
+        </p:spPr>
+      </p:pic>
     </p:spTree>
     <p:extLst>
       <p:ext uri="{BB962C8B-B14F-4D97-AF65-F5344CB8AC3E}">
@@ -8267,7 +9204,7 @@
 </p:sld>
 </file>
 
-<file path=ppt/slides/slide25.xml><?xml version="1.0" encoding="utf-8"?>
+<file path=ppt/slides/slide24.xml><?xml version="1.0" encoding="utf-8"?>
 <p:sld xmlns:a="http://schemas.openxmlformats.org/drawingml/2006/main" xmlns:r="http://schemas.openxmlformats.org/officeDocument/2006/relationships" xmlns:p="http://schemas.openxmlformats.org/presentationml/2006/main">
   <p:cSld>
     <p:spTree>
@@ -8313,13 +9250,250 @@
           </a:xfrm>
         </p:spPr>
         <p:txBody>
-          <a:bodyPr/>
+          <a:bodyPr>
+            <a:normAutofit/>
+          </a:bodyPr>
           <a:lstStyle/>
           <a:p>
             <a:pPr marL="0" indent="0">
               <a:buNone/>
             </a:pPr>
-            <a:endParaRPr lang="en-IN" dirty="0"/>
+            <a:r>
+              <a:rPr lang="en-US" sz="2400" b="1" dirty="0"/>
+              <a:t>Comments:</a:t>
+            </a:r>
+          </a:p>
+          <a:p>
+            <a:pPr marL="0" indent="0">
+              <a:buNone/>
+            </a:pPr>
+            <a:r>
+              <a:rPr lang="en-US" sz="2400" dirty="0"/>
+              <a:t>In Python, comments are </a:t>
+            </a:r>
+            <a:r>
+              <a:rPr lang="en-US" sz="2400" b="1" dirty="0"/>
+              <a:t>lines of text </a:t>
+            </a:r>
+            <a:r>
+              <a:rPr lang="en-US" sz="2400" dirty="0"/>
+              <a:t>within the code that are </a:t>
+            </a:r>
+            <a:r>
+              <a:rPr lang="en-US" sz="2400" b="1" dirty="0">
+                <a:solidFill>
+                  <a:srgbClr val="C00000"/>
+                </a:solidFill>
+              </a:rPr>
+              <a:t>ignored</a:t>
+            </a:r>
+            <a:r>
+              <a:rPr lang="en-US" sz="2400" dirty="0"/>
+              <a:t> by the </a:t>
+            </a:r>
+            <a:r>
+              <a:rPr lang="en-US" sz="2400" b="1" dirty="0"/>
+              <a:t>Python interpreter</a:t>
+            </a:r>
+            <a:r>
+              <a:rPr lang="en-US" sz="2400" dirty="0"/>
+              <a:t>. They are used to </a:t>
+            </a:r>
+            <a:r>
+              <a:rPr lang="en-US" sz="2400" b="1" dirty="0">
+                <a:solidFill>
+                  <a:srgbClr val="002060"/>
+                </a:solidFill>
+              </a:rPr>
+              <a:t>explain</a:t>
+            </a:r>
+            <a:r>
+              <a:rPr lang="en-US" sz="2400" dirty="0"/>
+              <a:t>, </a:t>
+            </a:r>
+            <a:r>
+              <a:rPr lang="en-US" sz="2400" b="1" dirty="0">
+                <a:solidFill>
+                  <a:srgbClr val="002060"/>
+                </a:solidFill>
+              </a:rPr>
+              <a:t>document</a:t>
+            </a:r>
+            <a:r>
+              <a:rPr lang="en-US" sz="2400" dirty="0"/>
+              <a:t>, and </a:t>
+            </a:r>
+            <a:r>
+              <a:rPr lang="en-US" sz="2400" b="1" dirty="0">
+                <a:solidFill>
+                  <a:srgbClr val="002060"/>
+                </a:solidFill>
+              </a:rPr>
+              <a:t>improve</a:t>
+            </a:r>
+            <a:r>
+              <a:rPr lang="en-US" sz="2400" dirty="0"/>
+              <a:t> the </a:t>
+            </a:r>
+            <a:r>
+              <a:rPr lang="en-US" sz="2400" b="1" dirty="0">
+                <a:solidFill>
+                  <a:srgbClr val="002060"/>
+                </a:solidFill>
+              </a:rPr>
+              <a:t>readability</a:t>
+            </a:r>
+            <a:r>
+              <a:rPr lang="en-US" sz="2400" dirty="0"/>
+              <a:t> of the code, making it easier for </a:t>
+            </a:r>
+            <a:r>
+              <a:rPr lang="en-US" sz="2400" b="1" dirty="0">
+                <a:solidFill>
+                  <a:srgbClr val="C00000"/>
+                </a:solidFill>
+              </a:rPr>
+              <a:t>others</a:t>
+            </a:r>
+            <a:r>
+              <a:rPr lang="en-US" sz="2400" dirty="0"/>
+              <a:t> (and yourself) to understand what the code does.</a:t>
+            </a:r>
+          </a:p>
+          <a:p>
+            <a:pPr marL="0" indent="0">
+              <a:buNone/>
+            </a:pPr>
+            <a:r>
+              <a:rPr lang="en-US" sz="2400" dirty="0"/>
+              <a:t>As </a:t>
+            </a:r>
+            <a:r>
+              <a:rPr lang="en-US" sz="2400" b="1" dirty="0"/>
+              <a:t>programs get bigger </a:t>
+            </a:r>
+            <a:r>
+              <a:rPr lang="en-US" sz="2400" dirty="0"/>
+              <a:t>and </a:t>
+            </a:r>
+            <a:r>
+              <a:rPr lang="en-US" sz="2400" b="1" dirty="0"/>
+              <a:t>more complicated</a:t>
+            </a:r>
+            <a:r>
+              <a:rPr lang="en-US" sz="2400" dirty="0"/>
+              <a:t>, they get </a:t>
+            </a:r>
+            <a:r>
+              <a:rPr lang="en-US" sz="2400" b="1" dirty="0">
+                <a:solidFill>
+                  <a:srgbClr val="C00000"/>
+                </a:solidFill>
+              </a:rPr>
+              <a:t>more difficult to read</a:t>
+            </a:r>
+            <a:r>
+              <a:rPr lang="en-US" sz="2400" dirty="0"/>
+              <a:t>. </a:t>
+            </a:r>
+            <a:r>
+              <a:rPr lang="en-US" sz="2400" b="1" dirty="0"/>
+              <a:t>Formal languages are dense</a:t>
+            </a:r>
+            <a:r>
+              <a:rPr lang="en-US" sz="2400" dirty="0"/>
+              <a:t>, and it is often </a:t>
+            </a:r>
+            <a:r>
+              <a:rPr lang="en-US" sz="2400" b="1" dirty="0">
+                <a:solidFill>
+                  <a:srgbClr val="C00000"/>
+                </a:solidFill>
+              </a:rPr>
+              <a:t>difficult</a:t>
+            </a:r>
+            <a:r>
+              <a:rPr lang="en-US" sz="2400" dirty="0"/>
+              <a:t> to look at a piece of code and figure out </a:t>
+            </a:r>
+            <a:r>
+              <a:rPr lang="en-US" sz="2400" b="1" dirty="0">
+                <a:solidFill>
+                  <a:srgbClr val="C00000"/>
+                </a:solidFill>
+              </a:rPr>
+              <a:t>what it is doing</a:t>
+            </a:r>
+            <a:r>
+              <a:rPr lang="en-US" sz="2400" dirty="0"/>
+              <a:t>, or </a:t>
+            </a:r>
+            <a:r>
+              <a:rPr lang="en-US" sz="2400" b="1" dirty="0">
+                <a:solidFill>
+                  <a:srgbClr val="C00000"/>
+                </a:solidFill>
+              </a:rPr>
+              <a:t>why</a:t>
+            </a:r>
+            <a:r>
+              <a:rPr lang="en-US" sz="2400" dirty="0"/>
+              <a:t>.</a:t>
+            </a:r>
+          </a:p>
+          <a:p>
+            <a:pPr marL="0" indent="0">
+              <a:buNone/>
+            </a:pPr>
+            <a:r>
+              <a:rPr lang="en-US" sz="2400" dirty="0"/>
+              <a:t>For this reason, it is a good idea to </a:t>
+            </a:r>
+            <a:r>
+              <a:rPr lang="en-US" sz="2400" b="1" dirty="0">
+                <a:solidFill>
+                  <a:srgbClr val="C00000"/>
+                </a:solidFill>
+              </a:rPr>
+              <a:t>add notes </a:t>
+            </a:r>
+            <a:r>
+              <a:rPr lang="en-US" sz="2400" dirty="0"/>
+              <a:t>to your programs to</a:t>
+            </a:r>
+            <a:r>
+              <a:rPr lang="en-US" sz="2400" b="1" dirty="0"/>
+              <a:t> explain in natural language </a:t>
+            </a:r>
+            <a:r>
+              <a:rPr lang="en-US" sz="2400" dirty="0"/>
+              <a:t>what the program is doing. These notes are called </a:t>
+            </a:r>
+            <a:r>
+              <a:rPr lang="en-US" sz="2400" b="1" dirty="0">
+                <a:solidFill>
+                  <a:srgbClr val="00B0F0"/>
+                </a:solidFill>
+              </a:rPr>
+              <a:t>comments</a:t>
+            </a:r>
+            <a:r>
+              <a:rPr lang="en-US" sz="2400" dirty="0"/>
+              <a:t>, and they start with the </a:t>
+            </a:r>
+            <a:r>
+              <a:rPr lang="en-US" sz="2400" b="1" dirty="0">
+                <a:solidFill>
+                  <a:srgbClr val="C00000"/>
+                </a:solidFill>
+              </a:rPr>
+              <a:t># symbol</a:t>
+            </a:r>
+            <a:r>
+              <a:rPr lang="en-US" sz="2400" dirty="0"/>
+              <a:t>:</a:t>
+            </a:r>
+            <a:endParaRPr lang="en-IN" sz="2400" dirty="0"/>
           </a:p>
         </p:txBody>
       </p:sp>
@@ -8336,7 +9510,7 @@
 </p:sld>
 </file>
 
-<file path=ppt/slides/slide26.xml><?xml version="1.0" encoding="utf-8"?>
+<file path=ppt/slides/slide25.xml><?xml version="1.0" encoding="utf-8"?>
 <p:sld xmlns:a="http://schemas.openxmlformats.org/drawingml/2006/main" xmlns:r="http://schemas.openxmlformats.org/officeDocument/2006/relationships" xmlns:p="http://schemas.openxmlformats.org/presentationml/2006/main">
   <p:cSld>
     <p:spTree>
@@ -8382,16 +9556,105 @@
           </a:xfrm>
         </p:spPr>
         <p:txBody>
-          <a:bodyPr/>
+          <a:bodyPr>
+            <a:normAutofit/>
+          </a:bodyPr>
           <a:lstStyle/>
           <a:p>
             <a:pPr marL="0" indent="0">
               <a:buNone/>
             </a:pPr>
-            <a:endParaRPr lang="en-IN" dirty="0"/>
+            <a:r>
+              <a:rPr lang="en-US" sz="2800" b="1" dirty="0"/>
+              <a:t>Types of Comments in Python</a:t>
+            </a:r>
+          </a:p>
+          <a:p>
+            <a:pPr marL="0" indent="0">
+              <a:buNone/>
+            </a:pPr>
+            <a:r>
+              <a:rPr lang="en-US" sz="2400" b="1" dirty="0"/>
+              <a:t>1. Single-Line Comments: </a:t>
+            </a:r>
+          </a:p>
+          <a:p>
+            <a:pPr lvl="1"/>
+            <a:r>
+              <a:rPr lang="en-US" sz="2400" dirty="0"/>
+              <a:t>Begin with a hash symbol (#) and extend to the end of the line.</a:t>
+            </a:r>
+          </a:p>
+          <a:p>
+            <a:pPr lvl="1"/>
+            <a:r>
+              <a:rPr lang="en-US" sz="2400" dirty="0"/>
+              <a:t>Used for brief explanations or notes.</a:t>
+            </a:r>
+          </a:p>
+          <a:p>
+            <a:pPr marL="457200" lvl="1" indent="0">
+              <a:buNone/>
+            </a:pPr>
+            <a:endParaRPr lang="en-US" sz="2400" dirty="0"/>
+          </a:p>
+          <a:p>
+            <a:pPr marL="0" indent="0">
+              <a:buNone/>
+            </a:pPr>
+            <a:r>
+              <a:rPr lang="en-US" sz="2600" b="1" dirty="0"/>
+              <a:t>Example:</a:t>
+            </a:r>
+          </a:p>
+          <a:p>
+            <a:pPr lvl="1"/>
+            <a:endParaRPr lang="en-US" sz="2400" dirty="0"/>
+          </a:p>
+          <a:p>
+            <a:pPr marL="457200" lvl="1" indent="0">
+              <a:buNone/>
+            </a:pPr>
+            <a:endParaRPr lang="en-IN" sz="2400" dirty="0"/>
+          </a:p>
+          <a:p>
+            <a:pPr marL="457200" lvl="1" indent="0">
+              <a:buNone/>
+            </a:pPr>
+            <a:endParaRPr lang="en-IN" sz="2400" dirty="0"/>
           </a:p>
         </p:txBody>
       </p:sp>
+      <p:pic>
+        <p:nvPicPr>
+          <p:cNvPr id="5" name="Picture 4">
+            <a:extLst>
+              <a:ext uri="{FF2B5EF4-FFF2-40B4-BE49-F238E27FC236}">
+                <a16:creationId xmlns:a16="http://schemas.microsoft.com/office/drawing/2014/main" id="{2EC428DF-5994-395C-5718-3129E5E12F48}"/>
+              </a:ext>
+            </a:extLst>
+          </p:cNvPr>
+          <p:cNvPicPr>
+            <a:picLocks noChangeAspect="1"/>
+          </p:cNvPicPr>
+          <p:nvPr/>
+        </p:nvPicPr>
+        <p:blipFill>
+          <a:blip r:embed="rId2"/>
+          <a:stretch>
+            <a:fillRect/>
+          </a:stretch>
+        </p:blipFill>
+        <p:spPr>
+          <a:xfrm>
+            <a:off x="2236108" y="3583659"/>
+            <a:ext cx="5822990" cy="1042770"/>
+          </a:xfrm>
+          <a:prstGeom prst="rect">
+            <a:avLst/>
+          </a:prstGeom>
+        </p:spPr>
+      </p:pic>
     </p:spTree>
     <p:extLst>
       <p:ext uri="{BB962C8B-B14F-4D97-AF65-F5344CB8AC3E}">
@@ -8405,7 +9668,7 @@
 </p:sld>
 </file>
 
-<file path=ppt/slides/slide27.xml><?xml version="1.0" encoding="utf-8"?>
+<file path=ppt/slides/slide26.xml><?xml version="1.0" encoding="utf-8"?>
 <p:sld xmlns:a="http://schemas.openxmlformats.org/drawingml/2006/main" xmlns:r="http://schemas.openxmlformats.org/officeDocument/2006/relationships" xmlns:p="http://schemas.openxmlformats.org/presentationml/2006/main">
   <p:cSld>
     <p:spTree>
@@ -8446,21 +9709,150 @@
         </p:nvSpPr>
         <p:spPr>
           <a:xfrm>
-            <a:off x="777240" y="592183"/>
+            <a:off x="766445" y="439783"/>
             <a:ext cx="10659110" cy="5584780"/>
           </a:xfrm>
         </p:spPr>
         <p:txBody>
-          <a:bodyPr/>
+          <a:bodyPr>
+            <a:normAutofit/>
+          </a:bodyPr>
           <a:lstStyle/>
           <a:p>
             <a:pPr marL="0" indent="0">
               <a:buNone/>
             </a:pPr>
-            <a:endParaRPr lang="en-IN" dirty="0"/>
+            <a:r>
+              <a:rPr lang="en-US" sz="2400" b="1" dirty="0"/>
+              <a:t>2. Multi-Line Comments:</a:t>
+            </a:r>
+          </a:p>
+          <a:p>
+            <a:r>
+              <a:rPr lang="en-US" sz="2400" dirty="0"/>
+              <a:t>Python </a:t>
+            </a:r>
+            <a:r>
+              <a:rPr lang="en-US" sz="2400" b="1" dirty="0">
+                <a:solidFill>
+                  <a:srgbClr val="C00000"/>
+                </a:solidFill>
+              </a:rPr>
+              <a:t>does not have </a:t>
+            </a:r>
+            <a:r>
+              <a:rPr lang="en-US" sz="2400" dirty="0"/>
+              <a:t>a </a:t>
+            </a:r>
+            <a:r>
+              <a:rPr lang="en-US" sz="2400" b="1" dirty="0"/>
+              <a:t>special syntax for multi-line comments</a:t>
+            </a:r>
+            <a:r>
+              <a:rPr lang="en-US" sz="2400" dirty="0"/>
+              <a:t>.</a:t>
+            </a:r>
+          </a:p>
+          <a:p>
+            <a:r>
+              <a:rPr lang="en-US" sz="2400" dirty="0"/>
+              <a:t>Instead, multi-line comments are </a:t>
+            </a:r>
+            <a:r>
+              <a:rPr lang="en-US" sz="2400" b="1" dirty="0"/>
+              <a:t>achieved by using</a:t>
+            </a:r>
+            <a:r>
+              <a:rPr lang="en-US" sz="2400" dirty="0"/>
+              <a:t>:</a:t>
+            </a:r>
+          </a:p>
+          <a:p>
+            <a:pPr lvl="1"/>
+            <a:r>
+              <a:rPr lang="en-US" sz="2400" dirty="0"/>
+              <a:t>Multiple single-line comments.</a:t>
+            </a:r>
+          </a:p>
+          <a:p>
+            <a:pPr lvl="1"/>
+            <a:r>
+              <a:rPr lang="en-US" sz="2400" dirty="0"/>
+              <a:t>Triple-quoted strings (''' or """) that are not assigned to any variable.</a:t>
+            </a:r>
+          </a:p>
+          <a:p>
+            <a:r>
+              <a:rPr lang="en-US" sz="2400" dirty="0"/>
+              <a:t>These are often used for </a:t>
+            </a:r>
+            <a:r>
+              <a:rPr lang="en-US" sz="2400" b="1" dirty="0">
+                <a:solidFill>
+                  <a:srgbClr val="C00000"/>
+                </a:solidFill>
+              </a:rPr>
+              <a:t>longer explanations </a:t>
+            </a:r>
+            <a:r>
+              <a:rPr lang="en-US" sz="2400" dirty="0"/>
+              <a:t>or </a:t>
+            </a:r>
+            <a:r>
+              <a:rPr lang="en-US" sz="2400" b="1" dirty="0">
+                <a:solidFill>
+                  <a:srgbClr val="C00000"/>
+                </a:solidFill>
+              </a:rPr>
+              <a:t>temporary disabling of blocks of code.</a:t>
+            </a:r>
+            <a:endParaRPr lang="en-IN" sz="2400" b="1" dirty="0">
+              <a:solidFill>
+                <a:srgbClr val="C00000"/>
+              </a:solidFill>
+            </a:endParaRPr>
+          </a:p>
+          <a:p>
+            <a:pPr marL="0" indent="0">
+              <a:buNone/>
+            </a:pPr>
+            <a:r>
+              <a:rPr lang="en-IN" sz="2400" b="1" dirty="0"/>
+              <a:t>Example:</a:t>
+            </a:r>
           </a:p>
         </p:txBody>
       </p:sp>
+      <p:pic>
+        <p:nvPicPr>
+          <p:cNvPr id="4" name="Picture 3">
+            <a:extLst>
+              <a:ext uri="{FF2B5EF4-FFF2-40B4-BE49-F238E27FC236}">
+                <a16:creationId xmlns:a16="http://schemas.microsoft.com/office/drawing/2014/main" id="{EA6C76E3-E9AF-DD0A-B4F7-1AF519F21266}"/>
+              </a:ext>
+            </a:extLst>
+          </p:cNvPr>
+          <p:cNvPicPr>
+            <a:picLocks noChangeAspect="1"/>
+          </p:cNvPicPr>
+          <p:nvPr/>
+        </p:nvPicPr>
+        <p:blipFill>
+          <a:blip r:embed="rId2"/>
+          <a:stretch>
+            <a:fillRect/>
+          </a:stretch>
+        </p:blipFill>
+        <p:spPr>
+          <a:xfrm>
+            <a:off x="2852206" y="3232173"/>
+            <a:ext cx="6487588" cy="3321027"/>
+          </a:xfrm>
+          <a:prstGeom prst="rect">
+            <a:avLst/>
+          </a:prstGeom>
+        </p:spPr>
+      </p:pic>
     </p:spTree>
     <p:extLst>
       <p:ext uri="{BB962C8B-B14F-4D97-AF65-F5344CB8AC3E}">
@@ -8474,7 +9866,7 @@
 </p:sld>
 </file>
 
-<file path=ppt/slides/slide28.xml><?xml version="1.0" encoding="utf-8"?>
+<file path=ppt/slides/slide27.xml><?xml version="1.0" encoding="utf-8"?>
 <p:sld xmlns:a="http://schemas.openxmlformats.org/drawingml/2006/main" xmlns:r="http://schemas.openxmlformats.org/officeDocument/2006/relationships" xmlns:p="http://schemas.openxmlformats.org/presentationml/2006/main">
   <p:cSld>
     <p:spTree>
@@ -8520,20 +9912,311 @@
           </a:xfrm>
         </p:spPr>
         <p:txBody>
-          <a:bodyPr/>
+          <a:bodyPr>
+            <a:normAutofit/>
+          </a:bodyPr>
           <a:lstStyle/>
           <a:p>
             <a:pPr marL="0" indent="0">
               <a:buNone/>
             </a:pPr>
-            <a:endParaRPr lang="en-IN" dirty="0"/>
+            <a:r>
+              <a:rPr lang="en-US" sz="2400" b="1" dirty="0"/>
+              <a:t>3. Documentation Strings (Docstrings):</a:t>
+            </a:r>
+          </a:p>
+          <a:p>
+            <a:r>
+              <a:rPr lang="en-US" sz="2400" b="1" dirty="0">
+                <a:solidFill>
+                  <a:srgbClr val="C00000"/>
+                </a:solidFill>
+              </a:rPr>
+              <a:t>Triple-quoted strings </a:t>
+            </a:r>
+            <a:r>
+              <a:rPr lang="en-US" sz="2400" dirty="0"/>
+              <a:t>placed at the </a:t>
+            </a:r>
+            <a:r>
+              <a:rPr lang="en-US" sz="2400" b="1" dirty="0"/>
+              <a:t>beginning of a </a:t>
+            </a:r>
+            <a:r>
+              <a:rPr lang="en-US" sz="2400" b="1" dirty="0">
+                <a:solidFill>
+                  <a:srgbClr val="C00000"/>
+                </a:solidFill>
+              </a:rPr>
+              <a:t>module</a:t>
+            </a:r>
+            <a:r>
+              <a:rPr lang="en-US" sz="2400" dirty="0"/>
+              <a:t>, </a:t>
+            </a:r>
+            <a:r>
+              <a:rPr lang="en-US" sz="2400" b="1" dirty="0">
+                <a:solidFill>
+                  <a:srgbClr val="C00000"/>
+                </a:solidFill>
+              </a:rPr>
+              <a:t>class</a:t>
+            </a:r>
+            <a:r>
+              <a:rPr lang="en-US" sz="2400" dirty="0"/>
+              <a:t>, or </a:t>
+            </a:r>
+            <a:r>
+              <a:rPr lang="en-US" sz="2400" b="1" dirty="0">
+                <a:solidFill>
+                  <a:srgbClr val="C00000"/>
+                </a:solidFill>
+              </a:rPr>
+              <a:t>function</a:t>
+            </a:r>
+            <a:r>
+              <a:rPr lang="en-US" sz="2400" dirty="0"/>
+              <a:t> to </a:t>
+            </a:r>
+            <a:r>
+              <a:rPr lang="en-US" sz="2400" b="1" dirty="0"/>
+              <a:t>describe its purpose.</a:t>
+            </a:r>
+          </a:p>
+          <a:p>
+            <a:r>
+              <a:rPr lang="en-US" sz="2400" dirty="0"/>
+              <a:t>These are </a:t>
+            </a:r>
+            <a:r>
+              <a:rPr lang="en-US" sz="2400" b="1" dirty="0">
+                <a:solidFill>
+                  <a:srgbClr val="C00000"/>
+                </a:solidFill>
+              </a:rPr>
+              <a:t>not technically comments </a:t>
+            </a:r>
+            <a:r>
+              <a:rPr lang="en-US" sz="2400" dirty="0"/>
+              <a:t>but serve a similar purpose.</a:t>
+            </a:r>
+          </a:p>
+          <a:p>
+            <a:r>
+              <a:rPr lang="en-US" sz="2400" dirty="0"/>
+              <a:t>Accessible via the help() function in Python.</a:t>
+            </a:r>
+          </a:p>
+          <a:p>
+            <a:pPr marL="0" indent="0">
+              <a:buNone/>
+            </a:pPr>
+            <a:r>
+              <a:rPr lang="en-US" sz="2400" b="1" dirty="0"/>
+              <a:t>Example:</a:t>
+            </a:r>
+            <a:endParaRPr lang="en-IN" sz="2400" b="1" dirty="0"/>
+          </a:p>
+        </p:txBody>
+      </p:sp>
+      <p:pic>
+        <p:nvPicPr>
+          <p:cNvPr id="4" name="Picture 3">
+            <a:extLst>
+              <a:ext uri="{FF2B5EF4-FFF2-40B4-BE49-F238E27FC236}">
+                <a16:creationId xmlns:a16="http://schemas.microsoft.com/office/drawing/2014/main" id="{01378895-28BE-5C34-729D-A2169FE10B45}"/>
+              </a:ext>
+            </a:extLst>
+          </p:cNvPr>
+          <p:cNvPicPr>
+            <a:picLocks noChangeAspect="1"/>
+          </p:cNvPicPr>
+          <p:nvPr/>
+        </p:nvPicPr>
+        <p:blipFill>
+          <a:blip r:embed="rId2"/>
+          <a:stretch>
+            <a:fillRect/>
+          </a:stretch>
+        </p:blipFill>
+        <p:spPr>
+          <a:xfrm>
+            <a:off x="1123268" y="3416808"/>
+            <a:ext cx="8848048" cy="2760155"/>
+          </a:xfrm>
+          <a:prstGeom prst="rect">
+            <a:avLst/>
+          </a:prstGeom>
+        </p:spPr>
+      </p:pic>
+    </p:spTree>
+    <p:extLst>
+      <p:ext uri="{BB962C8B-B14F-4D97-AF65-F5344CB8AC3E}">
+        <p14:creationId xmlns:p14="http://schemas.microsoft.com/office/powerpoint/2010/main" val="3982238349"/>
+      </p:ext>
+    </p:extLst>
+  </p:cSld>
+  <p:clrMapOvr>
+    <a:masterClrMapping/>
+  </p:clrMapOvr>
+</p:sld>
+</file>
+
+<file path=ppt/slides/slide28.xml><?xml version="1.0" encoding="utf-8"?>
+<p:sld xmlns:a="http://schemas.openxmlformats.org/drawingml/2006/main" xmlns:r="http://schemas.openxmlformats.org/officeDocument/2006/relationships" xmlns:p="http://schemas.openxmlformats.org/presentationml/2006/main">
+  <p:cSld>
+    <p:spTree>
+      <p:nvGrpSpPr>
+        <p:cNvPr id="1" name="">
+          <a:extLst>
+            <a:ext uri="{FF2B5EF4-FFF2-40B4-BE49-F238E27FC236}">
+              <a16:creationId xmlns:a16="http://schemas.microsoft.com/office/drawing/2014/main" id="{E64B0317-D55A-B051-B978-3ABC8F2AD3A7}"/>
+            </a:ext>
+          </a:extLst>
+        </p:cNvPr>
+        <p:cNvGrpSpPr/>
+        <p:nvPr/>
+      </p:nvGrpSpPr>
+      <p:grpSpPr>
+        <a:xfrm>
+          <a:off x="0" y="0"/>
+          <a:ext cx="0" cy="0"/>
+          <a:chOff x="0" y="0"/>
+          <a:chExt cx="0" cy="0"/>
+        </a:xfrm>
+      </p:grpSpPr>
+      <p:sp>
+        <p:nvSpPr>
+          <p:cNvPr id="3" name="Content Placeholder 2">
+            <a:extLst>
+              <a:ext uri="{FF2B5EF4-FFF2-40B4-BE49-F238E27FC236}">
+                <a16:creationId xmlns:a16="http://schemas.microsoft.com/office/drawing/2014/main" id="{8A710A5B-D905-EA16-37DD-5FD66DF9E834}"/>
+              </a:ext>
+            </a:extLst>
+          </p:cNvPr>
+          <p:cNvSpPr>
+            <a:spLocks noGrp="1"/>
+          </p:cNvSpPr>
+          <p:nvPr>
+            <p:ph idx="1"/>
+          </p:nvPr>
+        </p:nvSpPr>
+        <p:spPr>
+          <a:xfrm>
+            <a:off x="702853" y="719137"/>
+            <a:ext cx="10900568" cy="5313801"/>
+          </a:xfrm>
+        </p:spPr>
+        <p:txBody>
+          <a:bodyPr>
+            <a:normAutofit/>
+          </a:bodyPr>
+          <a:lstStyle/>
+          <a:p>
+            <a:pPr marL="0" indent="0">
+              <a:buNone/>
+            </a:pPr>
+            <a:r>
+              <a:rPr lang="en-US" sz="3200" b="1" dirty="0">
+                <a:solidFill>
+                  <a:srgbClr val="C00000"/>
+                </a:solidFill>
+              </a:rPr>
+              <a:t>Module-1: </a:t>
+            </a:r>
+            <a:r>
+              <a:rPr lang="en-US" sz="3200" b="1" dirty="0">
+                <a:solidFill>
+                  <a:srgbClr val="002060"/>
+                </a:solidFill>
+              </a:rPr>
+              <a:t>Python Basic Concepts and Programming </a:t>
+            </a:r>
+            <a:r>
+              <a:rPr lang="en-IN" sz="3200" b="1" dirty="0">
+                <a:solidFill>
+                  <a:srgbClr val="C00000"/>
+                </a:solidFill>
+              </a:rPr>
+              <a:t>:</a:t>
+            </a:r>
+          </a:p>
+          <a:p>
+            <a:pPr marL="0" indent="0">
+              <a:buNone/>
+            </a:pPr>
+            <a:r>
+              <a:rPr lang="en-US" sz="2800" b="1" dirty="0"/>
+              <a:t>Interpreter, Parts of Python Programming Language</a:t>
+            </a:r>
+            <a:r>
+              <a:rPr lang="en-US" sz="2800" dirty="0"/>
+              <a:t>, </a:t>
+            </a:r>
+            <a:r>
+              <a:rPr lang="en-US" sz="2800" b="1" dirty="0"/>
+              <a:t>Identifiers</a:t>
+            </a:r>
+            <a:r>
+              <a:rPr lang="en-US" sz="2800" dirty="0"/>
+              <a:t>, </a:t>
+            </a:r>
+            <a:r>
+              <a:rPr lang="en-US" sz="2800" b="1" dirty="0"/>
+              <a:t>Keywords</a:t>
+            </a:r>
+            <a:r>
+              <a:rPr lang="en-US" sz="2800" dirty="0"/>
+              <a:t>, </a:t>
+            </a:r>
+            <a:r>
+              <a:rPr lang="en-US" sz="2800" b="1" dirty="0"/>
+              <a:t>Statements and Expressions</a:t>
+            </a:r>
+            <a:r>
+              <a:rPr lang="en-US" sz="2800" dirty="0"/>
+              <a:t>, </a:t>
+            </a:r>
+            <a:r>
+              <a:rPr lang="en-US" sz="2800" b="1" dirty="0"/>
+              <a:t>Variables</a:t>
+            </a:r>
+            <a:r>
+              <a:rPr lang="en-US" sz="2800" dirty="0"/>
+              <a:t>, Operators, Precedence and Associativity, Data Types, Indentation, Comments, Program Execution, Reading Input, Print Output, Type Conversions, The type( ) Function and Is Operator, Control Flow Statements, The if Decision Control Flow Statement, The if…else Decision Control Flow Statement, The if…</a:t>
+            </a:r>
+            <a:r>
+              <a:rPr lang="en-US" sz="2800" dirty="0" err="1"/>
+              <a:t>elif</a:t>
+            </a:r>
+            <a:r>
+              <a:rPr lang="en-US" sz="2800" dirty="0"/>
+              <a:t>…else Decision Control Statement, Nested if Statement, The while Loop, The for Loop, The continue and break Statements, Sequences – Strings, Built-In Functions, Commonly Used Modules, Function Definition and Calling the Function, The return Statement and void Function, Scope and Lifetime of Variables, Default Parameters, Keyword Arguments, *</a:t>
+            </a:r>
+            <a:r>
+              <a:rPr lang="en-US" sz="2800" dirty="0" err="1"/>
+              <a:t>args</a:t>
+            </a:r>
+            <a:r>
+              <a:rPr lang="en-US" sz="2800" dirty="0"/>
+              <a:t> and **</a:t>
+            </a:r>
+            <a:r>
+              <a:rPr lang="en-US" sz="2800" dirty="0" err="1"/>
+              <a:t>kwargs</a:t>
+            </a:r>
+            <a:r>
+              <a:rPr lang="en-US" sz="2800" dirty="0"/>
+              <a:t>, Command Line Arguments. </a:t>
+            </a:r>
+            <a:endParaRPr lang="en-IN" sz="3200" dirty="0"/>
           </a:p>
         </p:txBody>
       </p:sp>
     </p:spTree>
     <p:extLst>
       <p:ext uri="{BB962C8B-B14F-4D97-AF65-F5344CB8AC3E}">
-        <p14:creationId xmlns:p14="http://schemas.microsoft.com/office/powerpoint/2010/main" val="3982238349"/>
+        <p14:creationId xmlns:p14="http://schemas.microsoft.com/office/powerpoint/2010/main" val="2505600029"/>
       </p:ext>
     </p:extLst>
   </p:cSld>
@@ -8620,7 +10303,7 @@
         <p:cNvPr id="1" name="">
           <a:extLst>
             <a:ext uri="{FF2B5EF4-FFF2-40B4-BE49-F238E27FC236}">
-              <a16:creationId xmlns:a16="http://schemas.microsoft.com/office/drawing/2014/main" id="{9CFAA02A-FFD0-5514-BCA3-3D15A7B577CC}"/>
+              <a16:creationId xmlns:a16="http://schemas.microsoft.com/office/drawing/2014/main" id="{F792CEF0-84DA-C349-BECB-951397357F02}"/>
             </a:ext>
           </a:extLst>
         </p:cNvPr>
@@ -8640,7 +10323,7 @@
           <p:cNvPr id="3" name="Content Placeholder 2">
             <a:extLst>
               <a:ext uri="{FF2B5EF4-FFF2-40B4-BE49-F238E27FC236}">
-                <a16:creationId xmlns:a16="http://schemas.microsoft.com/office/drawing/2014/main" id="{4F60BB45-8FFC-FEB4-4F65-C9D94D8142D9}"/>
+                <a16:creationId xmlns:a16="http://schemas.microsoft.com/office/drawing/2014/main" id="{B967AC5D-D562-6CB0-A46A-D66053D9749D}"/>
               </a:ext>
             </a:extLst>
           </p:cNvPr>
@@ -8659,7 +10342,7 @@
         </p:spPr>
         <p:txBody>
           <a:bodyPr>
-            <a:normAutofit/>
+            <a:normAutofit lnSpcReduction="10000"/>
           </a:bodyPr>
           <a:lstStyle/>
           <a:p>
@@ -8668,7 +10351,7 @@
             </a:pPr>
             <a:r>
               <a:rPr lang="en-US" sz="2400" b="1" dirty="0"/>
-              <a:t>What is Python:</a:t>
+              <a:t>Python Tokens:</a:t>
             </a:r>
           </a:p>
           <a:p>
@@ -8677,336 +10360,128 @@
             </a:pPr>
             <a:r>
               <a:rPr lang="en-US" sz="2400" dirty="0"/>
-              <a:t>Python is an general purpose, </a:t>
-            </a:r>
-            <a:r>
-              <a:rPr lang="en-US" sz="2400" b="1" dirty="0">
-                <a:solidFill>
-                  <a:srgbClr val="C00000"/>
-                </a:solidFill>
-              </a:rPr>
-              <a:t>Object-oriented</a:t>
-            </a:r>
-            <a:r>
-              <a:rPr lang="en-US" sz="2400" dirty="0"/>
-              <a:t>, </a:t>
-            </a:r>
-            <a:r>
-              <a:rPr lang="en-US" sz="2400" b="1" dirty="0">
-                <a:solidFill>
-                  <a:srgbClr val="C00000"/>
-                </a:solidFill>
-              </a:rPr>
-              <a:t>High-level, </a:t>
-            </a:r>
-            <a:r>
-              <a:rPr lang="en-IN" sz="2400" b="1" dirty="0">
-                <a:solidFill>
-                  <a:srgbClr val="C00000"/>
-                </a:solidFill>
-              </a:rPr>
-              <a:t>Dynamically Typed</a:t>
-            </a:r>
+              <a:t>In Python, </a:t>
+            </a:r>
+            <a:r>
+              <a:rPr lang="en-US" sz="2400" b="1" dirty="0"/>
+              <a:t>tokens</a:t>
+            </a:r>
+            <a:r>
+              <a:rPr lang="en-US" sz="2400" dirty="0"/>
+              <a:t> are the smallest units of the program that have a meaningful role. Python breaks every program into these tokens during the lexical analysis phase.</a:t>
+            </a:r>
+          </a:p>
+          <a:p>
+            <a:pPr marL="0" indent="0">
+              <a:buNone/>
+            </a:pPr>
+            <a:r>
+              <a:rPr lang="en-US" sz="2400" dirty="0"/>
+              <a:t>There are </a:t>
+            </a:r>
+            <a:r>
+              <a:rPr lang="en-US" sz="2400" b="1" dirty="0"/>
+              <a:t>5 types of Python tokens</a:t>
+            </a:r>
+            <a:r>
+              <a:rPr lang="en-US" sz="2400" dirty="0"/>
+              <a:t>:</a:t>
+            </a:r>
+          </a:p>
+          <a:p>
+            <a:pPr marL="457200" indent="-457200">
+              <a:buAutoNum type="arabicPeriod"/>
+            </a:pPr>
             <a:r>
               <a:rPr lang="en-IN" sz="2400" dirty="0"/>
-              <a:t>,</a:t>
-            </a:r>
-            <a:r>
-              <a:rPr lang="en-US" sz="2400" b="1" dirty="0">
-                <a:solidFill>
-                  <a:srgbClr val="C00000"/>
-                </a:solidFill>
-              </a:rPr>
-              <a:t> Compiled and Interpreted </a:t>
-            </a:r>
-            <a:r>
-              <a:rPr lang="en-US" sz="2400" b="1" dirty="0"/>
-              <a:t>programming language </a:t>
-            </a:r>
-            <a:r>
-              <a:rPr lang="en-US" sz="2400" dirty="0"/>
-              <a:t>known for its </a:t>
-            </a:r>
-            <a:r>
-              <a:rPr lang="en-US" sz="2400" b="1" dirty="0"/>
-              <a:t>simplicity</a:t>
-            </a:r>
-            <a:r>
-              <a:rPr lang="en-US" sz="2400" dirty="0"/>
-              <a:t> and </a:t>
-            </a:r>
-            <a:r>
-              <a:rPr lang="en-US" sz="2400" b="1" dirty="0"/>
-              <a:t>readability</a:t>
-            </a:r>
-            <a:r>
-              <a:rPr lang="en-US" sz="2400" dirty="0"/>
-              <a:t>.</a:t>
-            </a:r>
-          </a:p>
-          <a:p>
-            <a:pPr marL="0" indent="0">
-              <a:buNone/>
-            </a:pPr>
-            <a:r>
-              <a:rPr lang="en-US" sz="2200" b="1" dirty="0"/>
-              <a:t>Common Uses of Python:</a:t>
-            </a:r>
+              <a:t>Keywords</a:t>
+            </a:r>
+            <a:endParaRPr lang="en-US" sz="2400" dirty="0"/>
           </a:p>
           <a:p>
             <a:pPr marL="457200" indent="-457200">
-              <a:buFont typeface="+mj-lt"/>
               <a:buAutoNum type="arabicPeriod"/>
             </a:pPr>
             <a:r>
-              <a:rPr lang="en-US" sz="2200" b="1" dirty="0"/>
-              <a:t>Web Development</a:t>
-            </a:r>
-            <a:r>
-              <a:rPr lang="en-US" sz="2200" dirty="0"/>
-              <a:t>: Using frameworks like </a:t>
-            </a:r>
-            <a:r>
-              <a:rPr lang="en-US" sz="2200" b="1" dirty="0">
-                <a:solidFill>
-                  <a:srgbClr val="002060"/>
-                </a:solidFill>
-              </a:rPr>
-              <a:t>Django</a:t>
-            </a:r>
-            <a:r>
-              <a:rPr lang="en-US" sz="2200" dirty="0"/>
-              <a:t> and </a:t>
-            </a:r>
-            <a:r>
-              <a:rPr lang="en-US" sz="2200" b="1" dirty="0">
-                <a:solidFill>
-                  <a:srgbClr val="002060"/>
-                </a:solidFill>
-              </a:rPr>
-              <a:t>Flask</a:t>
-            </a:r>
-            <a:r>
-              <a:rPr lang="en-US" sz="2200" dirty="0"/>
-              <a:t>.</a:t>
-            </a:r>
+              <a:rPr lang="en-IN" sz="2400" dirty="0"/>
+              <a:t>Identifiers</a:t>
+            </a:r>
+            <a:endParaRPr lang="en-US" sz="2400" dirty="0"/>
           </a:p>
           <a:p>
             <a:pPr marL="457200" indent="-457200">
-              <a:buFont typeface="+mj-lt"/>
               <a:buAutoNum type="arabicPeriod"/>
             </a:pPr>
             <a:r>
-              <a:rPr lang="en-US" sz="2200" b="1" dirty="0"/>
-              <a:t>Data Analysis and Visualization</a:t>
-            </a:r>
-            <a:r>
-              <a:rPr lang="en-US" sz="2200" dirty="0"/>
-              <a:t>: With libraries like </a:t>
-            </a:r>
-            <a:r>
-              <a:rPr lang="en-US" sz="2200" b="1" dirty="0">
-                <a:solidFill>
-                  <a:srgbClr val="002060"/>
-                </a:solidFill>
-              </a:rPr>
-              <a:t>Pandas</a:t>
-            </a:r>
-            <a:r>
-              <a:rPr lang="en-US" sz="2200" dirty="0"/>
-              <a:t>, </a:t>
-            </a:r>
-            <a:r>
-              <a:rPr lang="en-US" sz="2200" b="1" dirty="0">
-                <a:solidFill>
-                  <a:srgbClr val="002060"/>
-                </a:solidFill>
-              </a:rPr>
-              <a:t>Matplotlib</a:t>
-            </a:r>
-            <a:r>
-              <a:rPr lang="en-US" sz="2200" dirty="0"/>
-              <a:t>, and </a:t>
-            </a:r>
-            <a:r>
-              <a:rPr lang="en-US" sz="2200" b="1" dirty="0">
-                <a:solidFill>
-                  <a:srgbClr val="002060"/>
-                </a:solidFill>
-              </a:rPr>
-              <a:t>Seaborn</a:t>
-            </a:r>
-            <a:r>
-              <a:rPr lang="en-US" sz="2200" dirty="0"/>
-              <a:t>.</a:t>
+              <a:rPr lang="en-IN" sz="2400" dirty="0"/>
+              <a:t>Literals</a:t>
+            </a:r>
+          </a:p>
+          <a:p>
+            <a:pPr lvl="1"/>
+            <a:r>
+              <a:rPr lang="en-IN" sz="2000" dirty="0"/>
+              <a:t>String Literals</a:t>
+            </a:r>
+          </a:p>
+          <a:p>
+            <a:pPr lvl="1"/>
+            <a:r>
+              <a:rPr lang="en-IN" sz="2000" dirty="0"/>
+              <a:t>Numeric Literals</a:t>
+            </a:r>
+          </a:p>
+          <a:p>
+            <a:pPr lvl="1"/>
+            <a:r>
+              <a:rPr lang="en-IN" sz="2000" dirty="0"/>
+              <a:t>Boolean Literals</a:t>
+            </a:r>
+          </a:p>
+          <a:p>
+            <a:pPr lvl="1"/>
+            <a:r>
+              <a:rPr lang="en-IN" sz="2000" dirty="0"/>
+              <a:t>Special Literal (None)</a:t>
+            </a:r>
+          </a:p>
+          <a:p>
+            <a:pPr lvl="1"/>
+            <a:r>
+              <a:rPr lang="en-IN" sz="2000" dirty="0"/>
+              <a:t>Collection Literals</a:t>
             </a:r>
           </a:p>
           <a:p>
             <a:pPr marL="457200" indent="-457200">
-              <a:buFont typeface="+mj-lt"/>
               <a:buAutoNum type="arabicPeriod"/>
             </a:pPr>
             <a:r>
-              <a:rPr lang="en-US" sz="2200" b="1" dirty="0"/>
-              <a:t>Artificial Intelligence and Machine Learning</a:t>
-            </a:r>
-            <a:r>
-              <a:rPr lang="en-US" sz="2200" dirty="0"/>
-              <a:t>: Leveraging tools like </a:t>
-            </a:r>
-            <a:r>
-              <a:rPr lang="en-US" sz="2200" b="1" dirty="0">
-                <a:solidFill>
-                  <a:srgbClr val="002060"/>
-                </a:solidFill>
-              </a:rPr>
-              <a:t>TensorFlow</a:t>
-            </a:r>
-            <a:r>
-              <a:rPr lang="en-US" sz="2200" dirty="0"/>
-              <a:t>, </a:t>
-            </a:r>
-            <a:r>
-              <a:rPr lang="en-US" sz="2200" b="1" dirty="0" err="1">
-                <a:solidFill>
-                  <a:srgbClr val="002060"/>
-                </a:solidFill>
-              </a:rPr>
-              <a:t>PyTorch</a:t>
-            </a:r>
-            <a:r>
-              <a:rPr lang="en-US" sz="2200" dirty="0"/>
-              <a:t>, and </a:t>
-            </a:r>
-            <a:r>
-              <a:rPr lang="en-US" sz="2200" b="1" dirty="0">
-                <a:solidFill>
-                  <a:srgbClr val="002060"/>
-                </a:solidFill>
-              </a:rPr>
-              <a:t>Scikit-learn</a:t>
-            </a:r>
-            <a:r>
-              <a:rPr lang="en-US" sz="2200" dirty="0"/>
-              <a:t>.</a:t>
+              <a:rPr lang="en-IN" sz="2400" dirty="0"/>
+              <a:t>Operators</a:t>
             </a:r>
           </a:p>
           <a:p>
             <a:pPr marL="457200" indent="-457200">
-              <a:buFont typeface="+mj-lt"/>
               <a:buAutoNum type="arabicPeriod"/>
             </a:pPr>
             <a:r>
-              <a:rPr lang="en-US" sz="2200" b="1" dirty="0"/>
-              <a:t>Automation/Scripting</a:t>
-            </a:r>
-            <a:r>
-              <a:rPr lang="en-US" sz="2200" dirty="0"/>
-              <a:t>: </a:t>
-            </a:r>
-            <a:r>
-              <a:rPr lang="en-US" sz="2200" b="1" dirty="0">
-                <a:solidFill>
-                  <a:srgbClr val="002060"/>
-                </a:solidFill>
-              </a:rPr>
-              <a:t>Automating repetitive tasks </a:t>
-            </a:r>
-            <a:r>
-              <a:rPr lang="en-US" sz="2200" dirty="0"/>
-              <a:t>using Python scripts.</a:t>
+              <a:rPr lang="en-IN" sz="2400" dirty="0"/>
+              <a:t>Punctuators</a:t>
             </a:r>
           </a:p>
           <a:p>
             <a:pPr marL="457200" indent="-457200">
-              <a:buFont typeface="+mj-lt"/>
               <a:buAutoNum type="arabicPeriod"/>
             </a:pPr>
-            <a:r>
-              <a:rPr lang="en-US" sz="2200" b="1" dirty="0"/>
-              <a:t>Game Development</a:t>
-            </a:r>
-            <a:r>
-              <a:rPr lang="en-US" sz="2200" dirty="0"/>
-              <a:t>: Using libraries like </a:t>
-            </a:r>
-            <a:r>
-              <a:rPr lang="en-US" sz="2200" b="1" dirty="0" err="1">
-                <a:solidFill>
-                  <a:srgbClr val="002060"/>
-                </a:solidFill>
-              </a:rPr>
-              <a:t>Pygame</a:t>
-            </a:r>
-            <a:r>
-              <a:rPr lang="en-US" sz="2200" dirty="0"/>
-              <a:t>.</a:t>
-            </a:r>
-          </a:p>
-          <a:p>
-            <a:pPr marL="457200" indent="-457200">
-              <a:buFont typeface="+mj-lt"/>
-              <a:buAutoNum type="arabicPeriod"/>
-            </a:pPr>
-            <a:r>
-              <a:rPr lang="en-US" sz="2200" b="1" dirty="0"/>
-              <a:t>Scientific Computing</a:t>
-            </a:r>
-            <a:r>
-              <a:rPr lang="en-US" sz="2200" dirty="0"/>
-              <a:t>: Libraries like </a:t>
-            </a:r>
-            <a:r>
-              <a:rPr lang="en-US" sz="2200" b="1" dirty="0">
-                <a:solidFill>
-                  <a:srgbClr val="002060"/>
-                </a:solidFill>
-              </a:rPr>
-              <a:t>SciPy</a:t>
-            </a:r>
-            <a:r>
-              <a:rPr lang="en-US" sz="2200" dirty="0"/>
-              <a:t> and </a:t>
-            </a:r>
-            <a:r>
-              <a:rPr lang="en-US" sz="2200" b="1" dirty="0" err="1">
-                <a:solidFill>
-                  <a:srgbClr val="002060"/>
-                </a:solidFill>
-              </a:rPr>
-              <a:t>SymPy</a:t>
-            </a:r>
-            <a:r>
-              <a:rPr lang="en-US" sz="2200" dirty="0"/>
-              <a:t> are used for simulations and computations.</a:t>
-            </a:r>
-          </a:p>
-          <a:p>
-            <a:pPr marL="457200" indent="-457200">
-              <a:buFont typeface="+mj-lt"/>
-              <a:buAutoNum type="arabicPeriod"/>
-            </a:pPr>
-            <a:r>
-              <a:rPr lang="en-US" sz="2200" b="1" dirty="0"/>
-              <a:t>Software Development</a:t>
-            </a:r>
-            <a:r>
-              <a:rPr lang="en-US" sz="2200" dirty="0"/>
-              <a:t>: For prototyping and backend development.</a:t>
-            </a:r>
-          </a:p>
-          <a:p>
-            <a:pPr marL="0" indent="0">
-              <a:buNone/>
-            </a:pPr>
-            <a:endParaRPr lang="en-IN" sz="2400" dirty="0"/>
+            <a:endParaRPr lang="en-IN" sz="2600" dirty="0"/>
           </a:p>
         </p:txBody>
       </p:sp>
     </p:spTree>
     <p:extLst>
       <p:ext uri="{BB962C8B-B14F-4D97-AF65-F5344CB8AC3E}">
-        <p14:creationId xmlns:p14="http://schemas.microsoft.com/office/powerpoint/2010/main" val="3288260606"/>
+        <p14:creationId xmlns:p14="http://schemas.microsoft.com/office/powerpoint/2010/main" val="859050280"/>
       </p:ext>
     </p:extLst>
   </p:cSld>
@@ -9231,7 +10706,7 @@
         <p:cNvPr id="1" name="">
           <a:extLst>
             <a:ext uri="{FF2B5EF4-FFF2-40B4-BE49-F238E27FC236}">
-              <a16:creationId xmlns:a16="http://schemas.microsoft.com/office/drawing/2014/main" id="{E1CF8036-C059-DC54-1C0D-F38FC653A31C}"/>
+              <a16:creationId xmlns:a16="http://schemas.microsoft.com/office/drawing/2014/main" id="{9CFAA02A-FFD0-5514-BCA3-3D15A7B577CC}"/>
             </a:ext>
           </a:extLst>
         </p:cNvPr>
@@ -9251,7 +10726,7 @@
           <p:cNvPr id="3" name="Content Placeholder 2">
             <a:extLst>
               <a:ext uri="{FF2B5EF4-FFF2-40B4-BE49-F238E27FC236}">
-                <a16:creationId xmlns:a16="http://schemas.microsoft.com/office/drawing/2014/main" id="{C4650BEF-517E-6E06-8E1B-60B7E150B76B}"/>
+                <a16:creationId xmlns:a16="http://schemas.microsoft.com/office/drawing/2014/main" id="{4F60BB45-8FFC-FEB4-4F65-C9D94D8142D9}"/>
               </a:ext>
             </a:extLst>
           </p:cNvPr>
@@ -9279,7 +10754,16 @@
             </a:pPr>
             <a:r>
               <a:rPr lang="en-US" sz="2400" b="1" dirty="0"/>
-              <a:t>How Python is </a:t>
+              <a:t>What is Python:</a:t>
+            </a:r>
+          </a:p>
+          <a:p>
+            <a:pPr marL="0" indent="0">
+              <a:buNone/>
+            </a:pPr>
+            <a:r>
+              <a:rPr lang="en-US" sz="2400" dirty="0"/>
+              <a:t>Python is an general purpose, </a:t>
             </a:r>
             <a:r>
               <a:rPr lang="en-US" sz="2400" b="1" dirty="0">
@@ -9287,23 +10771,63 @@
                   <a:srgbClr val="C00000"/>
                 </a:solidFill>
               </a:rPr>
-              <a:t>Compiled</a:t>
+              <a:t>Object-oriented</a:t>
+            </a:r>
+            <a:r>
+              <a:rPr lang="en-US" sz="2400" dirty="0"/>
+              <a:t>, </a:t>
+            </a:r>
+            <a:r>
+              <a:rPr lang="en-US" sz="2400" b="1" dirty="0">
+                <a:solidFill>
+                  <a:srgbClr val="C00000"/>
+                </a:solidFill>
+              </a:rPr>
+              <a:t>High-level, </a:t>
+            </a:r>
+            <a:r>
+              <a:rPr lang="en-IN" sz="2400" b="1" dirty="0">
+                <a:solidFill>
+                  <a:srgbClr val="C00000"/>
+                </a:solidFill>
+              </a:rPr>
+              <a:t>Dynamically Typed</a:t>
+            </a:r>
+            <a:r>
+              <a:rPr lang="en-IN" sz="2400" dirty="0"/>
+              <a:t>,</a:t>
+            </a:r>
+            <a:r>
+              <a:rPr lang="en-US" sz="2400" b="1" dirty="0">
+                <a:solidFill>
+                  <a:srgbClr val="C00000"/>
+                </a:solidFill>
+              </a:rPr>
+              <a:t> Compiled and Interpreted </a:t>
             </a:r>
             <a:r>
               <a:rPr lang="en-US" sz="2400" b="1" dirty="0"/>
+              <a:t>programming language </a:t>
+            </a:r>
+            <a:r>
+              <a:rPr lang="en-US" sz="2400" dirty="0"/>
+              <a:t>known for its </a:t>
+            </a:r>
+            <a:r>
+              <a:rPr lang="en-US" sz="2400" b="1" dirty="0"/>
+              <a:t>simplicity</a:t>
+            </a:r>
+            <a:r>
+              <a:rPr lang="en-US" sz="2400" dirty="0"/>
               <a:t> and </a:t>
             </a:r>
             <a:r>
-              <a:rPr lang="en-US" sz="2400" b="1" dirty="0">
-                <a:solidFill>
-                  <a:srgbClr val="C00000"/>
-                </a:solidFill>
-              </a:rPr>
-              <a:t>Interpreted</a:t>
-            </a:r>
-            <a:r>
               <a:rPr lang="en-US" sz="2400" b="1" dirty="0"/>
-              <a:t>:</a:t>
+              <a:t>readability</a:t>
+            </a:r>
+            <a:r>
+              <a:rPr lang="en-US" sz="2400" dirty="0"/>
+              <a:t>.</a:t>
             </a:r>
           </a:p>
           <a:p>
@@ -9311,173 +10835,42 @@
               <a:buNone/>
             </a:pPr>
             <a:r>
-              <a:rPr lang="en-US" sz="2400" dirty="0"/>
-              <a:t>Python is often described as both a compiled and an interpreted language, depending on how you look at its execution process. </a:t>
-            </a:r>
-          </a:p>
-          <a:p>
-            <a:pPr marL="0" indent="0">
-              <a:buNone/>
-            </a:pPr>
-            <a:r>
-              <a:rPr lang="en-US" sz="2400" b="1" dirty="0"/>
-              <a:t>Compilation in Python:</a:t>
-            </a:r>
-          </a:p>
-          <a:p>
-            <a:pPr marL="0" indent="0">
-              <a:buNone/>
-            </a:pPr>
-            <a:r>
-              <a:rPr lang="en-US" sz="2400" dirty="0"/>
-              <a:t>When you </a:t>
-            </a:r>
-            <a:r>
-              <a:rPr lang="en-US" sz="2400" b="1" dirty="0">
-                <a:solidFill>
-                  <a:srgbClr val="C00000"/>
-                </a:solidFill>
-              </a:rPr>
-              <a:t>run</a:t>
-            </a:r>
-            <a:r>
-              <a:rPr lang="en-US" sz="2400" dirty="0"/>
-              <a:t> a Python program, it first goes through a </a:t>
-            </a:r>
-            <a:r>
-              <a:rPr lang="en-US" sz="2400" b="1" dirty="0"/>
-              <a:t>compilation step</a:t>
-            </a:r>
-            <a:r>
-              <a:rPr lang="en-US" sz="2400" dirty="0"/>
-              <a:t>. </a:t>
-            </a:r>
-          </a:p>
-          <a:p>
-            <a:pPr marL="0" indent="0">
-              <a:buNone/>
-            </a:pPr>
-            <a:r>
-              <a:rPr lang="en-US" sz="2400" dirty="0"/>
-              <a:t>The </a:t>
-            </a:r>
-            <a:r>
-              <a:rPr lang="en-US" sz="2400" b="1" dirty="0">
-                <a:solidFill>
-                  <a:srgbClr val="0070C0"/>
-                </a:solidFill>
-              </a:rPr>
-              <a:t>Python interpreter </a:t>
-            </a:r>
-            <a:r>
-              <a:rPr lang="en-US" sz="2400" dirty="0"/>
-              <a:t>compiles the source code (.</a:t>
-            </a:r>
-            <a:r>
-              <a:rPr lang="en-US" sz="2400" b="1" dirty="0" err="1">
-                <a:solidFill>
-                  <a:srgbClr val="C00000"/>
-                </a:solidFill>
-              </a:rPr>
-              <a:t>py</a:t>
-            </a:r>
-            <a:r>
-              <a:rPr lang="en-US" sz="2400" dirty="0"/>
-              <a:t> file) into </a:t>
-            </a:r>
-            <a:r>
-              <a:rPr lang="en-US" sz="2400" b="1" dirty="0">
-                <a:solidFill>
-                  <a:srgbClr val="0070C0"/>
-                </a:solidFill>
-              </a:rPr>
-              <a:t>bytecode</a:t>
-            </a:r>
-            <a:r>
-              <a:rPr lang="en-US" sz="2400" dirty="0"/>
-              <a:t> (</a:t>
-            </a:r>
-            <a:r>
-              <a:rPr lang="en-US" sz="2400" b="1" dirty="0"/>
-              <a:t>a lower-level, </a:t>
-            </a:r>
-            <a:r>
-              <a:rPr lang="en-US" sz="2400" b="1" dirty="0">
-                <a:solidFill>
-                  <a:srgbClr val="C00000"/>
-                </a:solidFill>
-              </a:rPr>
-              <a:t>platform-independent</a:t>
-            </a:r>
-            <a:r>
-              <a:rPr lang="en-US" sz="2400" b="1" dirty="0"/>
-              <a:t> representation</a:t>
-            </a:r>
-            <a:r>
-              <a:rPr lang="en-US" sz="2400" dirty="0"/>
-              <a:t>). This bytecode is stored in .</a:t>
-            </a:r>
-            <a:r>
-              <a:rPr lang="en-US" sz="2400" b="1" dirty="0" err="1">
-                <a:solidFill>
-                  <a:srgbClr val="C00000"/>
-                </a:solidFill>
-              </a:rPr>
-              <a:t>pyc</a:t>
-            </a:r>
-            <a:r>
-              <a:rPr lang="en-US" sz="2400" dirty="0"/>
-              <a:t> files (in the __</a:t>
-            </a:r>
-            <a:r>
-              <a:rPr lang="en-US" sz="2400" dirty="0" err="1"/>
-              <a:t>pycache</a:t>
-            </a:r>
-            <a:r>
-              <a:rPr lang="en-US" sz="2400" dirty="0"/>
-              <a:t>__ directory).</a:t>
-            </a:r>
-          </a:p>
-          <a:p>
-            <a:pPr marL="0" indent="0">
-              <a:buNone/>
-            </a:pPr>
-            <a:endParaRPr lang="en-US" sz="2400" dirty="0"/>
-          </a:p>
-          <a:p>
-            <a:pPr marL="0" indent="0">
-              <a:buNone/>
-            </a:pPr>
-            <a:r>
-              <a:rPr lang="en-US" sz="2400" b="1" dirty="0"/>
-              <a:t>Note:</a:t>
-            </a:r>
-          </a:p>
-          <a:p>
-            <a:pPr lvl="1"/>
+              <a:rPr lang="en-US" sz="2200" b="1" dirty="0"/>
+              <a:t>Common Uses of Python:</a:t>
+            </a:r>
+          </a:p>
+          <a:p>
+            <a:pPr marL="457200" indent="-457200">
+              <a:buFont typeface="+mj-lt"/>
+              <a:buAutoNum type="arabicPeriod"/>
+            </a:pPr>
+            <a:r>
+              <a:rPr lang="en-US" sz="2200" b="1" dirty="0"/>
+              <a:t>Web Development</a:t>
+            </a:r>
             <a:r>
               <a:rPr lang="en-US" sz="2200" dirty="0"/>
-              <a:t>This compilation step is </a:t>
-            </a:r>
-            <a:r>
-              <a:rPr lang="en-US" sz="2200" b="1" dirty="0"/>
-              <a:t>implicit</a:t>
+              <a:t>: Using frameworks like </a:t>
+            </a:r>
+            <a:r>
+              <a:rPr lang="en-US" sz="2200" b="1" dirty="0">
+                <a:solidFill>
+                  <a:srgbClr val="002060"/>
+                </a:solidFill>
+              </a:rPr>
+              <a:t>Django</a:t>
             </a:r>
             <a:r>
               <a:rPr lang="en-US" sz="2200" dirty="0"/>
               <a:t> and </a:t>
             </a:r>
             <a:r>
-              <a:rPr lang="en-US" sz="2200" b="1" dirty="0"/>
-              <a:t>happens </a:t>
-            </a:r>
-            <a:r>
               <a:rPr lang="en-US" sz="2200" b="1" dirty="0">
                 <a:solidFill>
-                  <a:srgbClr val="C00000"/>
-                </a:solidFill>
-              </a:rPr>
-              <a:t>behind the scenes</a:t>
+                  <a:srgbClr val="002060"/>
+                </a:solidFill>
+              </a:rPr>
+              <a:t>Flask</a:t>
             </a:r>
             <a:r>
               <a:rPr lang="en-US" sz="2200" dirty="0"/>
@@ -9485,27 +10878,221 @@
             </a:r>
           </a:p>
           <a:p>
-            <a:pPr lvl="1"/>
+            <a:pPr marL="457200" indent="-457200">
+              <a:buFont typeface="+mj-lt"/>
+              <a:buAutoNum type="arabicPeriod"/>
+            </a:pPr>
+            <a:r>
+              <a:rPr lang="en-US" sz="2200" b="1" dirty="0"/>
+              <a:t>Data Analysis and Visualization</a:t>
+            </a:r>
             <a:r>
               <a:rPr lang="en-US" sz="2200" dirty="0"/>
-              <a:t>The </a:t>
-            </a:r>
+              <a:t>: With libraries like </a:t>
+            </a:r>
+            <a:r>
+              <a:rPr lang="en-US" sz="2200" b="1" dirty="0">
+                <a:solidFill>
+                  <a:srgbClr val="002060"/>
+                </a:solidFill>
+              </a:rPr>
+              <a:t>Pandas</a:t>
+            </a:r>
+            <a:r>
+              <a:rPr lang="en-US" sz="2200" dirty="0"/>
+              <a:t>, </a:t>
+            </a:r>
+            <a:r>
+              <a:rPr lang="en-US" sz="2200" b="1" dirty="0">
+                <a:solidFill>
+                  <a:srgbClr val="002060"/>
+                </a:solidFill>
+              </a:rPr>
+              <a:t>Matplotlib</a:t>
+            </a:r>
+            <a:r>
+              <a:rPr lang="en-US" sz="2200" dirty="0"/>
+              <a:t>, and </a:t>
+            </a:r>
+            <a:r>
+              <a:rPr lang="en-US" sz="2200" b="1" dirty="0">
+                <a:solidFill>
+                  <a:srgbClr val="002060"/>
+                </a:solidFill>
+              </a:rPr>
+              <a:t>Seaborn</a:t>
+            </a:r>
+            <a:r>
+              <a:rPr lang="en-US" sz="2200" dirty="0"/>
+              <a:t>.</a:t>
+            </a:r>
+          </a:p>
+          <a:p>
+            <a:pPr marL="457200" indent="-457200">
+              <a:buFont typeface="+mj-lt"/>
+              <a:buAutoNum type="arabicPeriod"/>
+            </a:pPr>
             <a:r>
               <a:rPr lang="en-US" sz="2200" b="1" dirty="0"/>
-              <a:t>bytecode is not directly executed by your machine</a:t>
+              <a:t>Artificial Intelligence and Machine Learning</a:t>
             </a:r>
             <a:r>
               <a:rPr lang="en-US" sz="2200" dirty="0"/>
-              <a:t>; it is executed by the Python interpreter.</a:t>
-            </a:r>
-            <a:endParaRPr lang="en-IN" sz="2200" dirty="0"/>
+              <a:t>: Leveraging tools like </a:t>
+            </a:r>
+            <a:r>
+              <a:rPr lang="en-US" sz="2200" b="1" dirty="0">
+                <a:solidFill>
+                  <a:srgbClr val="002060"/>
+                </a:solidFill>
+              </a:rPr>
+              <a:t>TensorFlow</a:t>
+            </a:r>
+            <a:r>
+              <a:rPr lang="en-US" sz="2200" dirty="0"/>
+              <a:t>, </a:t>
+            </a:r>
+            <a:r>
+              <a:rPr lang="en-US" sz="2200" b="1" dirty="0" err="1">
+                <a:solidFill>
+                  <a:srgbClr val="002060"/>
+                </a:solidFill>
+              </a:rPr>
+              <a:t>PyTorch</a:t>
+            </a:r>
+            <a:r>
+              <a:rPr lang="en-US" sz="2200" dirty="0"/>
+              <a:t>, and </a:t>
+            </a:r>
+            <a:r>
+              <a:rPr lang="en-US" sz="2200" b="1" dirty="0">
+                <a:solidFill>
+                  <a:srgbClr val="002060"/>
+                </a:solidFill>
+              </a:rPr>
+              <a:t>Scikit-learn</a:t>
+            </a:r>
+            <a:r>
+              <a:rPr lang="en-US" sz="2200" dirty="0"/>
+              <a:t>.</a:t>
+            </a:r>
+          </a:p>
+          <a:p>
+            <a:pPr marL="457200" indent="-457200">
+              <a:buFont typeface="+mj-lt"/>
+              <a:buAutoNum type="arabicPeriod"/>
+            </a:pPr>
+            <a:r>
+              <a:rPr lang="en-US" sz="2200" b="1" dirty="0"/>
+              <a:t>Automation/Scripting</a:t>
+            </a:r>
+            <a:r>
+              <a:rPr lang="en-US" sz="2200" dirty="0"/>
+              <a:t>: </a:t>
+            </a:r>
+            <a:r>
+              <a:rPr lang="en-US" sz="2200" b="1" dirty="0">
+                <a:solidFill>
+                  <a:srgbClr val="002060"/>
+                </a:solidFill>
+              </a:rPr>
+              <a:t>Automating repetitive tasks </a:t>
+            </a:r>
+            <a:r>
+              <a:rPr lang="en-US" sz="2200" dirty="0"/>
+              <a:t>using Python scripts.</a:t>
+            </a:r>
+          </a:p>
+          <a:p>
+            <a:pPr marL="457200" indent="-457200">
+              <a:buFont typeface="+mj-lt"/>
+              <a:buAutoNum type="arabicPeriod"/>
+            </a:pPr>
+            <a:r>
+              <a:rPr lang="en-US" sz="2200" b="1" dirty="0"/>
+              <a:t>Game Development</a:t>
+            </a:r>
+            <a:r>
+              <a:rPr lang="en-US" sz="2200" dirty="0"/>
+              <a:t>: Using libraries like </a:t>
+            </a:r>
+            <a:r>
+              <a:rPr lang="en-US" sz="2200" b="1" dirty="0" err="1">
+                <a:solidFill>
+                  <a:srgbClr val="002060"/>
+                </a:solidFill>
+              </a:rPr>
+              <a:t>Pygame</a:t>
+            </a:r>
+            <a:r>
+              <a:rPr lang="en-US" sz="2200" dirty="0"/>
+              <a:t>.</a:t>
+            </a:r>
+          </a:p>
+          <a:p>
+            <a:pPr marL="457200" indent="-457200">
+              <a:buFont typeface="+mj-lt"/>
+              <a:buAutoNum type="arabicPeriod"/>
+            </a:pPr>
+            <a:r>
+              <a:rPr lang="en-US" sz="2200" b="1" dirty="0"/>
+              <a:t>Scientific Computing</a:t>
+            </a:r>
+            <a:r>
+              <a:rPr lang="en-US" sz="2200" dirty="0"/>
+              <a:t>: Libraries like </a:t>
+            </a:r>
+            <a:r>
+              <a:rPr lang="en-US" sz="2200" b="1" dirty="0">
+                <a:solidFill>
+                  <a:srgbClr val="002060"/>
+                </a:solidFill>
+              </a:rPr>
+              <a:t>SciPy</a:t>
+            </a:r>
+            <a:r>
+              <a:rPr lang="en-US" sz="2200" dirty="0"/>
+              <a:t> and </a:t>
+            </a:r>
+            <a:r>
+              <a:rPr lang="en-US" sz="2200" b="1" dirty="0" err="1">
+                <a:solidFill>
+                  <a:srgbClr val="002060"/>
+                </a:solidFill>
+              </a:rPr>
+              <a:t>SymPy</a:t>
+            </a:r>
+            <a:r>
+              <a:rPr lang="en-US" sz="2200" dirty="0"/>
+              <a:t> are used for simulations and computations.</a:t>
+            </a:r>
+          </a:p>
+          <a:p>
+            <a:pPr marL="457200" indent="-457200">
+              <a:buFont typeface="+mj-lt"/>
+              <a:buAutoNum type="arabicPeriod"/>
+            </a:pPr>
+            <a:r>
+              <a:rPr lang="en-US" sz="2200" b="1" dirty="0"/>
+              <a:t>Software Development</a:t>
+            </a:r>
+            <a:r>
+              <a:rPr lang="en-US" sz="2200" dirty="0"/>
+              <a:t>: For prototyping and backend development.</a:t>
+            </a:r>
+          </a:p>
+          <a:p>
+            <a:pPr marL="0" indent="0">
+              <a:buNone/>
+            </a:pPr>
+            <a:endParaRPr lang="en-IN" sz="2400" dirty="0"/>
           </a:p>
         </p:txBody>
       </p:sp>
     </p:spTree>
     <p:extLst>
       <p:ext uri="{BB962C8B-B14F-4D97-AF65-F5344CB8AC3E}">
-        <p14:creationId xmlns:p14="http://schemas.microsoft.com/office/powerpoint/2010/main" val="659511840"/>
+        <p14:creationId xmlns:p14="http://schemas.microsoft.com/office/powerpoint/2010/main" val="3288260606"/>
       </p:ext>
     </p:extLst>
   </p:cSld>
@@ -9789,6 +11376,298 @@
         <p:cNvPr id="1" name="">
           <a:extLst>
             <a:ext uri="{FF2B5EF4-FFF2-40B4-BE49-F238E27FC236}">
+              <a16:creationId xmlns:a16="http://schemas.microsoft.com/office/drawing/2014/main" id="{E1CF8036-C059-DC54-1C0D-F38FC653A31C}"/>
+            </a:ext>
+          </a:extLst>
+        </p:cNvPr>
+        <p:cNvGrpSpPr/>
+        <p:nvPr/>
+      </p:nvGrpSpPr>
+      <p:grpSpPr>
+        <a:xfrm>
+          <a:off x="0" y="0"/>
+          <a:ext cx="0" cy="0"/>
+          <a:chOff x="0" y="0"/>
+          <a:chExt cx="0" cy="0"/>
+        </a:xfrm>
+      </p:grpSpPr>
+      <p:sp>
+        <p:nvSpPr>
+          <p:cNvPr id="3" name="Content Placeholder 2">
+            <a:extLst>
+              <a:ext uri="{FF2B5EF4-FFF2-40B4-BE49-F238E27FC236}">
+                <a16:creationId xmlns:a16="http://schemas.microsoft.com/office/drawing/2014/main" id="{C4650BEF-517E-6E06-8E1B-60B7E150B76B}"/>
+              </a:ext>
+            </a:extLst>
+          </p:cNvPr>
+          <p:cNvSpPr>
+            <a:spLocks noGrp="1"/>
+          </p:cNvSpPr>
+          <p:nvPr>
+            <p:ph idx="1"/>
+          </p:nvPr>
+        </p:nvSpPr>
+        <p:spPr>
+          <a:xfrm>
+            <a:off x="777240" y="592183"/>
+            <a:ext cx="10659110" cy="5584780"/>
+          </a:xfrm>
+        </p:spPr>
+        <p:txBody>
+          <a:bodyPr>
+            <a:normAutofit/>
+          </a:bodyPr>
+          <a:lstStyle/>
+          <a:p>
+            <a:pPr marL="0" indent="0">
+              <a:buNone/>
+            </a:pPr>
+            <a:r>
+              <a:rPr lang="en-US" sz="2400" b="1" dirty="0"/>
+              <a:t>How Python is </a:t>
+            </a:r>
+            <a:r>
+              <a:rPr lang="en-US" sz="2400" b="1" dirty="0">
+                <a:solidFill>
+                  <a:srgbClr val="C00000"/>
+                </a:solidFill>
+              </a:rPr>
+              <a:t>Compiled</a:t>
+            </a:r>
+            <a:r>
+              <a:rPr lang="en-US" sz="2400" b="1" dirty="0"/>
+              <a:t> and </a:t>
+            </a:r>
+            <a:r>
+              <a:rPr lang="en-US" sz="2400" b="1" dirty="0">
+                <a:solidFill>
+                  <a:srgbClr val="C00000"/>
+                </a:solidFill>
+              </a:rPr>
+              <a:t>Interpreted</a:t>
+            </a:r>
+            <a:r>
+              <a:rPr lang="en-US" sz="2400" b="1" dirty="0"/>
+              <a:t>:</a:t>
+            </a:r>
+          </a:p>
+          <a:p>
+            <a:pPr marL="0" indent="0">
+              <a:buNone/>
+            </a:pPr>
+            <a:r>
+              <a:rPr lang="en-US" sz="2400" dirty="0"/>
+              <a:t>Python is often described as both a compiled and an interpreted language, depending on how you look at its execution process. </a:t>
+            </a:r>
+          </a:p>
+          <a:p>
+            <a:pPr marL="0" indent="0">
+              <a:buNone/>
+            </a:pPr>
+            <a:r>
+              <a:rPr lang="en-US" sz="2400" b="1" dirty="0"/>
+              <a:t>Compilation in Python:</a:t>
+            </a:r>
+          </a:p>
+          <a:p>
+            <a:pPr marL="0" indent="0">
+              <a:buNone/>
+            </a:pPr>
+            <a:r>
+              <a:rPr lang="en-US" sz="2400" dirty="0"/>
+              <a:t>When you </a:t>
+            </a:r>
+            <a:r>
+              <a:rPr lang="en-US" sz="2400" b="1" dirty="0">
+                <a:solidFill>
+                  <a:srgbClr val="C00000"/>
+                </a:solidFill>
+              </a:rPr>
+              <a:t>run</a:t>
+            </a:r>
+            <a:r>
+              <a:rPr lang="en-US" sz="2400" dirty="0"/>
+              <a:t> a Python program, it first goes through a </a:t>
+            </a:r>
+            <a:r>
+              <a:rPr lang="en-US" sz="2400" b="1" dirty="0"/>
+              <a:t>compilation step</a:t>
+            </a:r>
+            <a:r>
+              <a:rPr lang="en-US" sz="2400" dirty="0"/>
+              <a:t>. </a:t>
+            </a:r>
+          </a:p>
+          <a:p>
+            <a:pPr marL="0" indent="0">
+              <a:buNone/>
+            </a:pPr>
+            <a:r>
+              <a:rPr lang="en-US" sz="2400" dirty="0"/>
+              <a:t>The </a:t>
+            </a:r>
+            <a:r>
+              <a:rPr lang="en-US" sz="2400" b="1" dirty="0">
+                <a:solidFill>
+                  <a:srgbClr val="0070C0"/>
+                </a:solidFill>
+              </a:rPr>
+              <a:t>Python interpreter </a:t>
+            </a:r>
+            <a:r>
+              <a:rPr lang="en-US" sz="2400" dirty="0"/>
+              <a:t>compiles the source code (.</a:t>
+            </a:r>
+            <a:r>
+              <a:rPr lang="en-US" sz="2400" b="1" dirty="0" err="1">
+                <a:solidFill>
+                  <a:srgbClr val="C00000"/>
+                </a:solidFill>
+              </a:rPr>
+              <a:t>py</a:t>
+            </a:r>
+            <a:r>
+              <a:rPr lang="en-US" sz="2400" dirty="0"/>
+              <a:t> file) into </a:t>
+            </a:r>
+            <a:r>
+              <a:rPr lang="en-US" sz="2400" b="1" dirty="0">
+                <a:solidFill>
+                  <a:srgbClr val="0070C0"/>
+                </a:solidFill>
+              </a:rPr>
+              <a:t>bytecode</a:t>
+            </a:r>
+            <a:r>
+              <a:rPr lang="en-US" sz="2400" dirty="0"/>
+              <a:t> (</a:t>
+            </a:r>
+            <a:r>
+              <a:rPr lang="en-US" sz="2400" b="1" dirty="0"/>
+              <a:t>a lower-level, </a:t>
+            </a:r>
+            <a:r>
+              <a:rPr lang="en-US" sz="2400" b="1" dirty="0">
+                <a:solidFill>
+                  <a:srgbClr val="C00000"/>
+                </a:solidFill>
+              </a:rPr>
+              <a:t>platform-independent</a:t>
+            </a:r>
+            <a:r>
+              <a:rPr lang="en-US" sz="2400" b="1" dirty="0"/>
+              <a:t> representation</a:t>
+            </a:r>
+            <a:r>
+              <a:rPr lang="en-US" sz="2400" dirty="0"/>
+              <a:t>). This bytecode is stored in .</a:t>
+            </a:r>
+            <a:r>
+              <a:rPr lang="en-US" sz="2400" b="1" dirty="0" err="1">
+                <a:solidFill>
+                  <a:srgbClr val="C00000"/>
+                </a:solidFill>
+              </a:rPr>
+              <a:t>pyc</a:t>
+            </a:r>
+            <a:r>
+              <a:rPr lang="en-US" sz="2400" dirty="0"/>
+              <a:t> files (in the __</a:t>
+            </a:r>
+            <a:r>
+              <a:rPr lang="en-US" sz="2400" dirty="0" err="1"/>
+              <a:t>pycache</a:t>
+            </a:r>
+            <a:r>
+              <a:rPr lang="en-US" sz="2400" dirty="0"/>
+              <a:t>__ directory).</a:t>
+            </a:r>
+          </a:p>
+          <a:p>
+            <a:pPr marL="0" indent="0">
+              <a:buNone/>
+            </a:pPr>
+            <a:endParaRPr lang="en-US" sz="2400" dirty="0"/>
+          </a:p>
+          <a:p>
+            <a:pPr marL="0" indent="0">
+              <a:buNone/>
+            </a:pPr>
+            <a:r>
+              <a:rPr lang="en-US" sz="2400" b="1" dirty="0"/>
+              <a:t>Note:</a:t>
+            </a:r>
+          </a:p>
+          <a:p>
+            <a:pPr lvl="1"/>
+            <a:r>
+              <a:rPr lang="en-US" sz="2200" dirty="0"/>
+              <a:t>This compilation step is </a:t>
+            </a:r>
+            <a:r>
+              <a:rPr lang="en-US" sz="2200" b="1" dirty="0"/>
+              <a:t>implicit</a:t>
+            </a:r>
+            <a:r>
+              <a:rPr lang="en-US" sz="2200" dirty="0"/>
+              <a:t> and </a:t>
+            </a:r>
+            <a:r>
+              <a:rPr lang="en-US" sz="2200" b="1" dirty="0"/>
+              <a:t>happens </a:t>
+            </a:r>
+            <a:r>
+              <a:rPr lang="en-US" sz="2200" b="1" dirty="0">
+                <a:solidFill>
+                  <a:srgbClr val="C00000"/>
+                </a:solidFill>
+              </a:rPr>
+              <a:t>behind the scenes</a:t>
+            </a:r>
+            <a:r>
+              <a:rPr lang="en-US" sz="2200" dirty="0"/>
+              <a:t>.</a:t>
+            </a:r>
+          </a:p>
+          <a:p>
+            <a:pPr lvl="1"/>
+            <a:r>
+              <a:rPr lang="en-US" sz="2200" dirty="0"/>
+              <a:t>The </a:t>
+            </a:r>
+            <a:r>
+              <a:rPr lang="en-US" sz="2200" b="1" dirty="0"/>
+              <a:t>bytecode is not directly executed by your machine</a:t>
+            </a:r>
+            <a:r>
+              <a:rPr lang="en-US" sz="2200" dirty="0"/>
+              <a:t>; it is executed by the Python interpreter.</a:t>
+            </a:r>
+            <a:endParaRPr lang="en-IN" sz="2200" dirty="0"/>
+          </a:p>
+        </p:txBody>
+      </p:sp>
+    </p:spTree>
+    <p:extLst>
+      <p:ext uri="{BB962C8B-B14F-4D97-AF65-F5344CB8AC3E}">
+        <p14:creationId xmlns:p14="http://schemas.microsoft.com/office/powerpoint/2010/main" val="659511840"/>
+      </p:ext>
+    </p:extLst>
+  </p:cSld>
+  <p:clrMapOvr>
+    <a:masterClrMapping/>
+  </p:clrMapOvr>
+</p:sld>
+</file>
+
+<file path=ppt/slides/slide7.xml><?xml version="1.0" encoding="utf-8"?>
+<p:sld xmlns:a="http://schemas.openxmlformats.org/drawingml/2006/main" xmlns:r="http://schemas.openxmlformats.org/officeDocument/2006/relationships" xmlns:p="http://schemas.openxmlformats.org/presentationml/2006/main">
+  <p:cSld>
+    <p:spTree>
+      <p:nvGrpSpPr>
+        <p:cNvPr id="1" name="">
+          <a:extLst>
+            <a:ext uri="{FF2B5EF4-FFF2-40B4-BE49-F238E27FC236}">
               <a16:creationId xmlns:a16="http://schemas.microsoft.com/office/drawing/2014/main" id="{C729B481-2F1C-05FC-DF2F-3A47ED3C98A3}"/>
             </a:ext>
           </a:extLst>
@@ -10051,7 +11930,7 @@
 </p:sld>
 </file>
 
-<file path=ppt/slides/slide7.xml><?xml version="1.0" encoding="utf-8"?>
+<file path=ppt/slides/slide8.xml><?xml version="1.0" encoding="utf-8"?>
 <p:sld xmlns:a="http://schemas.openxmlformats.org/drawingml/2006/main" xmlns:r="http://schemas.openxmlformats.org/officeDocument/2006/relationships" xmlns:p="http://schemas.openxmlformats.org/presentationml/2006/main">
   <p:cSld>
     <p:spTree>
@@ -10252,202 +12131,6 @@
     <p:extLst>
       <p:ext uri="{BB962C8B-B14F-4D97-AF65-F5344CB8AC3E}">
         <p14:creationId xmlns:p14="http://schemas.microsoft.com/office/powerpoint/2010/main" val="3104394822"/>
-      </p:ext>
-    </p:extLst>
-  </p:cSld>
-  <p:clrMapOvr>
-    <a:masterClrMapping/>
-  </p:clrMapOvr>
-</p:sld>
-</file>
-
-<file path=ppt/slides/slide8.xml><?xml version="1.0" encoding="utf-8"?>
-<p:sld xmlns:a="http://schemas.openxmlformats.org/drawingml/2006/main" xmlns:r="http://schemas.openxmlformats.org/officeDocument/2006/relationships" xmlns:p="http://schemas.openxmlformats.org/presentationml/2006/main">
-  <p:cSld>
-    <p:spTree>
-      <p:nvGrpSpPr>
-        <p:cNvPr id="1" name="">
-          <a:extLst>
-            <a:ext uri="{FF2B5EF4-FFF2-40B4-BE49-F238E27FC236}">
-              <a16:creationId xmlns:a16="http://schemas.microsoft.com/office/drawing/2014/main" id="{F792CEF0-84DA-C349-BECB-951397357F02}"/>
-            </a:ext>
-          </a:extLst>
-        </p:cNvPr>
-        <p:cNvGrpSpPr/>
-        <p:nvPr/>
-      </p:nvGrpSpPr>
-      <p:grpSpPr>
-        <a:xfrm>
-          <a:off x="0" y="0"/>
-          <a:ext cx="0" cy="0"/>
-          <a:chOff x="0" y="0"/>
-          <a:chExt cx="0" cy="0"/>
-        </a:xfrm>
-      </p:grpSpPr>
-      <p:sp>
-        <p:nvSpPr>
-          <p:cNvPr id="3" name="Content Placeholder 2">
-            <a:extLst>
-              <a:ext uri="{FF2B5EF4-FFF2-40B4-BE49-F238E27FC236}">
-                <a16:creationId xmlns:a16="http://schemas.microsoft.com/office/drawing/2014/main" id="{B967AC5D-D562-6CB0-A46A-D66053D9749D}"/>
-              </a:ext>
-            </a:extLst>
-          </p:cNvPr>
-          <p:cNvSpPr>
-            <a:spLocks noGrp="1"/>
-          </p:cNvSpPr>
-          <p:nvPr>
-            <p:ph idx="1"/>
-          </p:nvPr>
-        </p:nvSpPr>
-        <p:spPr>
-          <a:xfrm>
-            <a:off x="777240" y="592183"/>
-            <a:ext cx="10659110" cy="5584780"/>
-          </a:xfrm>
-        </p:spPr>
-        <p:txBody>
-          <a:bodyPr>
-            <a:normAutofit lnSpcReduction="10000"/>
-          </a:bodyPr>
-          <a:lstStyle/>
-          <a:p>
-            <a:pPr marL="0" indent="0">
-              <a:buNone/>
-            </a:pPr>
-            <a:r>
-              <a:rPr lang="en-US" sz="2400" b="1" dirty="0"/>
-              <a:t>Python Tokens:</a:t>
-            </a:r>
-          </a:p>
-          <a:p>
-            <a:pPr marL="0" indent="0">
-              <a:buNone/>
-            </a:pPr>
-            <a:r>
-              <a:rPr lang="en-US" sz="2400" dirty="0"/>
-              <a:t>In Python, </a:t>
-            </a:r>
-            <a:r>
-              <a:rPr lang="en-US" sz="2400" b="1" dirty="0"/>
-              <a:t>tokens</a:t>
-            </a:r>
-            <a:r>
-              <a:rPr lang="en-US" sz="2400" dirty="0"/>
-              <a:t> are the smallest units of the program that have a meaningful role. Python breaks every program into these tokens during the lexical analysis phase.</a:t>
-            </a:r>
-          </a:p>
-          <a:p>
-            <a:pPr marL="0" indent="0">
-              <a:buNone/>
-            </a:pPr>
-            <a:r>
-              <a:rPr lang="en-US" sz="2400" dirty="0"/>
-              <a:t>There are </a:t>
-            </a:r>
-            <a:r>
-              <a:rPr lang="en-US" sz="2400" b="1" dirty="0"/>
-              <a:t>5 types of Python tokens</a:t>
-            </a:r>
-            <a:r>
-              <a:rPr lang="en-US" sz="2400" dirty="0"/>
-              <a:t>:</a:t>
-            </a:r>
-          </a:p>
-          <a:p>
-            <a:pPr marL="457200" indent="-457200">
-              <a:buAutoNum type="arabicPeriod"/>
-            </a:pPr>
-            <a:r>
-              <a:rPr lang="en-IN" sz="2400" dirty="0"/>
-              <a:t>Keywords</a:t>
-            </a:r>
-            <a:endParaRPr lang="en-US" sz="2400" dirty="0"/>
-          </a:p>
-          <a:p>
-            <a:pPr marL="457200" indent="-457200">
-              <a:buAutoNum type="arabicPeriod"/>
-            </a:pPr>
-            <a:r>
-              <a:rPr lang="en-IN" sz="2400" dirty="0"/>
-              <a:t>Identifiers</a:t>
-            </a:r>
-            <a:endParaRPr lang="en-US" sz="2400" dirty="0"/>
-          </a:p>
-          <a:p>
-            <a:pPr marL="457200" indent="-457200">
-              <a:buAutoNum type="arabicPeriod"/>
-            </a:pPr>
-            <a:r>
-              <a:rPr lang="en-IN" sz="2400" dirty="0"/>
-              <a:t>Literals</a:t>
-            </a:r>
-          </a:p>
-          <a:p>
-            <a:pPr lvl="1"/>
-            <a:r>
-              <a:rPr lang="en-IN" sz="2000" dirty="0"/>
-              <a:t>String Literals</a:t>
-            </a:r>
-          </a:p>
-          <a:p>
-            <a:pPr lvl="1"/>
-            <a:r>
-              <a:rPr lang="en-IN" sz="2000" dirty="0"/>
-              <a:t>Numeric Literals</a:t>
-            </a:r>
-          </a:p>
-          <a:p>
-            <a:pPr lvl="1"/>
-            <a:r>
-              <a:rPr lang="en-IN" sz="2000" dirty="0"/>
-              <a:t>Boolean Literals</a:t>
-            </a:r>
-          </a:p>
-          <a:p>
-            <a:pPr lvl="1"/>
-            <a:r>
-              <a:rPr lang="en-IN" sz="2000" dirty="0"/>
-              <a:t>Special Literal (None)</a:t>
-            </a:r>
-          </a:p>
-          <a:p>
-            <a:pPr lvl="1"/>
-            <a:r>
-              <a:rPr lang="en-IN" sz="2000" dirty="0"/>
-              <a:t>Collection Literals</a:t>
-            </a:r>
-          </a:p>
-          <a:p>
-            <a:pPr marL="457200" indent="-457200">
-              <a:buAutoNum type="arabicPeriod"/>
-            </a:pPr>
-            <a:r>
-              <a:rPr lang="en-IN" sz="2400" dirty="0"/>
-              <a:t>Operators</a:t>
-            </a:r>
-          </a:p>
-          <a:p>
-            <a:pPr marL="457200" indent="-457200">
-              <a:buAutoNum type="arabicPeriod"/>
-            </a:pPr>
-            <a:r>
-              <a:rPr lang="en-IN" sz="2400" dirty="0"/>
-              <a:t>Punctuators</a:t>
-            </a:r>
-          </a:p>
-          <a:p>
-            <a:pPr marL="457200" indent="-457200">
-              <a:buAutoNum type="arabicPeriod"/>
-            </a:pPr>
-            <a:endParaRPr lang="en-IN" sz="2600" dirty="0"/>
-          </a:p>
-        </p:txBody>
-      </p:sp>
-    </p:spTree>
-    <p:extLst>
-      <p:ext uri="{BB962C8B-B14F-4D97-AF65-F5344CB8AC3E}">
-        <p14:creationId xmlns:p14="http://schemas.microsoft.com/office/powerpoint/2010/main" val="4101375337"/>
       </p:ext>
     </p:extLst>
   </p:cSld>

--- a/Theory Class-Notes/Module-1 Python Basic Concepts and Programming.pptx
+++ b/Theory Class-Notes/Module-1 Python Basic Concepts and Programming.pptx
@@ -5,7 +5,7 @@
     <p:sldMasterId id="2147483710" r:id="rId1"/>
   </p:sldMasterIdLst>
   <p:notesMasterIdLst>
-    <p:notesMasterId r:id="rId109"/>
+    <p:notesMasterId r:id="rId151"/>
   </p:notesMasterIdLst>
   <p:sldIdLst>
     <p:sldId id="418" r:id="rId2"/>
@@ -102,19 +102,61 @@
     <p:sldId id="623" r:id="rId93"/>
     <p:sldId id="624" r:id="rId94"/>
     <p:sldId id="625" r:id="rId95"/>
-    <p:sldId id="561" r:id="rId96"/>
-    <p:sldId id="582" r:id="rId97"/>
-    <p:sldId id="626" r:id="rId98"/>
-    <p:sldId id="627" r:id="rId99"/>
-    <p:sldId id="628" r:id="rId100"/>
-    <p:sldId id="629" r:id="rId101"/>
-    <p:sldId id="630" r:id="rId102"/>
-    <p:sldId id="631" r:id="rId103"/>
-    <p:sldId id="632" r:id="rId104"/>
-    <p:sldId id="633" r:id="rId105"/>
-    <p:sldId id="634" r:id="rId106"/>
-    <p:sldId id="635" r:id="rId107"/>
-    <p:sldId id="636" r:id="rId108"/>
+    <p:sldId id="626" r:id="rId96"/>
+    <p:sldId id="627" r:id="rId97"/>
+    <p:sldId id="628" r:id="rId98"/>
+    <p:sldId id="340" r:id="rId99"/>
+    <p:sldId id="318" r:id="rId100"/>
+    <p:sldId id="341" r:id="rId101"/>
+    <p:sldId id="515" r:id="rId102"/>
+    <p:sldId id="516" r:id="rId103"/>
+    <p:sldId id="322" r:id="rId104"/>
+    <p:sldId id="517" r:id="rId105"/>
+    <p:sldId id="630" r:id="rId106"/>
+    <p:sldId id="631" r:id="rId107"/>
+    <p:sldId id="329" r:id="rId108"/>
+    <p:sldId id="632" r:id="rId109"/>
+    <p:sldId id="321" r:id="rId110"/>
+    <p:sldId id="637" r:id="rId111"/>
+    <p:sldId id="633" r:id="rId112"/>
+    <p:sldId id="336" r:id="rId113"/>
+    <p:sldId id="635" r:id="rId114"/>
+    <p:sldId id="634" r:id="rId115"/>
+    <p:sldId id="636" r:id="rId116"/>
+    <p:sldId id="638" r:id="rId117"/>
+    <p:sldId id="639" r:id="rId118"/>
+    <p:sldId id="640" r:id="rId119"/>
+    <p:sldId id="641" r:id="rId120"/>
+    <p:sldId id="642" r:id="rId121"/>
+    <p:sldId id="643" r:id="rId122"/>
+    <p:sldId id="561" r:id="rId123"/>
+    <p:sldId id="644" r:id="rId124"/>
+    <p:sldId id="645" r:id="rId125"/>
+    <p:sldId id="646" r:id="rId126"/>
+    <p:sldId id="647" r:id="rId127"/>
+    <p:sldId id="648" r:id="rId128"/>
+    <p:sldId id="649" r:id="rId129"/>
+    <p:sldId id="650" r:id="rId130"/>
+    <p:sldId id="651" r:id="rId131"/>
+    <p:sldId id="652" r:id="rId132"/>
+    <p:sldId id="653" r:id="rId133"/>
+    <p:sldId id="654" r:id="rId134"/>
+    <p:sldId id="655" r:id="rId135"/>
+    <p:sldId id="656" r:id="rId136"/>
+    <p:sldId id="657" r:id="rId137"/>
+    <p:sldId id="658" r:id="rId138"/>
+    <p:sldId id="659" r:id="rId139"/>
+    <p:sldId id="660" r:id="rId140"/>
+    <p:sldId id="661" r:id="rId141"/>
+    <p:sldId id="662" r:id="rId142"/>
+    <p:sldId id="663" r:id="rId143"/>
+    <p:sldId id="664" r:id="rId144"/>
+    <p:sldId id="665" r:id="rId145"/>
+    <p:sldId id="666" r:id="rId146"/>
+    <p:sldId id="667" r:id="rId147"/>
+    <p:sldId id="668" r:id="rId148"/>
+    <p:sldId id="669" r:id="rId149"/>
+    <p:sldId id="670" r:id="rId150"/>
   </p:sldIdLst>
   <p:sldSz cx="12192000" cy="6858000"/>
   <p:notesSz cx="6858000" cy="9144000"/>
@@ -5463,10 +5505,135 @@
   <p:cSld>
     <p:spTree>
       <p:nvGrpSpPr>
+        <p:cNvPr id="1" name=""/>
+        <p:cNvGrpSpPr/>
+        <p:nvPr/>
+      </p:nvGrpSpPr>
+      <p:grpSpPr>
+        <a:xfrm>
+          <a:off x="0" y="0"/>
+          <a:ext cx="0" cy="0"/>
+          <a:chOff x="0" y="0"/>
+          <a:chExt cx="0" cy="0"/>
+        </a:xfrm>
+      </p:grpSpPr>
+      <p:sp>
+        <p:nvSpPr>
+          <p:cNvPr id="3" name="Content Placeholder 2">
+            <a:extLst>
+              <a:ext uri="{FF2B5EF4-FFF2-40B4-BE49-F238E27FC236}">
+                <a16:creationId xmlns:a16="http://schemas.microsoft.com/office/drawing/2014/main" id="{C9C92495-41CF-B50A-0605-C5C042F358AB}"/>
+              </a:ext>
+            </a:extLst>
+          </p:cNvPr>
+          <p:cNvSpPr>
+            <a:spLocks noGrp="1"/>
+          </p:cNvSpPr>
+          <p:nvPr>
+            <p:ph idx="1"/>
+          </p:nvPr>
+        </p:nvSpPr>
+        <p:spPr>
+          <a:xfrm>
+            <a:off x="263209" y="2938013"/>
+            <a:ext cx="3888528" cy="660593"/>
+          </a:xfrm>
+        </p:spPr>
+        <p:txBody>
+          <a:bodyPr>
+            <a:normAutofit/>
+          </a:bodyPr>
+          <a:lstStyle/>
+          <a:p>
+            <a:pPr marL="0" indent="0">
+              <a:buNone/>
+            </a:pPr>
+            <a:r>
+              <a:rPr lang="en-US" sz="4000" b="1" dirty="0">
+                <a:solidFill>
+                  <a:schemeClr val="accent2">
+                    <a:lumMod val="75000"/>
+                  </a:schemeClr>
+                </a:solidFill>
+              </a:rPr>
+              <a:t>if-else</a:t>
+            </a:r>
+            <a:r>
+              <a:rPr lang="en-US" sz="4000" b="1" dirty="0"/>
+              <a:t> Flow Chart</a:t>
+            </a:r>
+            <a:endParaRPr lang="en-IN" sz="4000" b="1" dirty="0"/>
+          </a:p>
+        </p:txBody>
+      </p:sp>
+      <p:pic>
+        <p:nvPicPr>
+          <p:cNvPr id="3074" name="Picture 2" descr="PHP If Else - javatpoint">
+            <a:extLst>
+              <a:ext uri="{FF2B5EF4-FFF2-40B4-BE49-F238E27FC236}">
+                <a16:creationId xmlns:a16="http://schemas.microsoft.com/office/drawing/2014/main" id="{6F3ECD34-67BB-58E5-ABAA-A15B607D6CD8}"/>
+              </a:ext>
+            </a:extLst>
+          </p:cNvPr>
+          <p:cNvPicPr>
+            <a:picLocks noChangeAspect="1" noChangeArrowheads="1"/>
+          </p:cNvPicPr>
+          <p:nvPr/>
+        </p:nvPicPr>
+        <p:blipFill>
+          <a:blip r:embed="rId2">
+            <a:extLst>
+              <a:ext uri="{28A0092B-C50C-407E-A947-70E740481C1C}">
+                <a14:useLocalDpi xmlns:a14="http://schemas.microsoft.com/office/drawing/2010/main" val="0"/>
+              </a:ext>
+            </a:extLst>
+          </a:blip>
+          <a:stretch>
+            <a:fillRect/>
+          </a:stretch>
+        </p:blipFill>
+        <p:spPr bwMode="auto">
+          <a:xfrm>
+            <a:off x="5257667" y="237931"/>
+            <a:ext cx="5322703" cy="6382138"/>
+          </a:xfrm>
+          <a:prstGeom prst="rect">
+            <a:avLst/>
+          </a:prstGeom>
+          <a:noFill/>
+          <a:extLst>
+            <a:ext uri="{909E8E84-426E-40DD-AFC4-6F175D3DCCD1}">
+              <a14:hiddenFill xmlns:a14="http://schemas.microsoft.com/office/drawing/2010/main">
+                <a:solidFill>
+                  <a:srgbClr val="FFFFFF"/>
+                </a:solidFill>
+              </a14:hiddenFill>
+            </a:ext>
+          </a:extLst>
+        </p:spPr>
+      </p:pic>
+    </p:spTree>
+    <p:extLst>
+      <p:ext uri="{BB962C8B-B14F-4D97-AF65-F5344CB8AC3E}">
+        <p14:creationId xmlns:p14="http://schemas.microsoft.com/office/powerpoint/2010/main" val="129823493"/>
+      </p:ext>
+    </p:extLst>
+  </p:cSld>
+  <p:clrMapOvr>
+    <a:masterClrMapping/>
+  </p:clrMapOvr>
+</p:sld>
+</file>
+
+<file path=ppt/slides/slide101.xml><?xml version="1.0" encoding="utf-8"?>
+<p:sld xmlns:a="http://schemas.openxmlformats.org/drawingml/2006/main" xmlns:r="http://schemas.openxmlformats.org/officeDocument/2006/relationships" xmlns:p="http://schemas.openxmlformats.org/presentationml/2006/main">
+  <p:cSld>
+    <p:spTree>
+      <p:nvGrpSpPr>
         <p:cNvPr id="1" name="">
           <a:extLst>
             <a:ext uri="{FF2B5EF4-FFF2-40B4-BE49-F238E27FC236}">
-              <a16:creationId xmlns:a16="http://schemas.microsoft.com/office/drawing/2014/main" id="{1382A025-41DC-38A6-7F96-320F4F0F6BFD}"/>
+              <a16:creationId xmlns:a16="http://schemas.microsoft.com/office/drawing/2014/main" id="{C8710E29-6D61-B866-B5CC-D219C2E74DCC}"/>
             </a:ext>
           </a:extLst>
         </p:cNvPr>
@@ -5486,7 +5653,7 @@
           <p:cNvPr id="3" name="Content Placeholder 2">
             <a:extLst>
               <a:ext uri="{FF2B5EF4-FFF2-40B4-BE49-F238E27FC236}">
-                <a16:creationId xmlns:a16="http://schemas.microsoft.com/office/drawing/2014/main" id="{C53B3D6C-F6EF-0D1C-2FB4-F84AF2CAD254}"/>
+                <a16:creationId xmlns:a16="http://schemas.microsoft.com/office/drawing/2014/main" id="{073AA820-0A34-52ED-FADE-619BC979A565}"/>
               </a:ext>
             </a:extLst>
           </p:cNvPr>
@@ -5499,25 +5666,181 @@
         </p:nvSpPr>
         <p:spPr>
           <a:xfrm>
-            <a:off x="777240" y="674914"/>
-            <a:ext cx="10659110" cy="5502049"/>
+            <a:off x="777240" y="592183"/>
+            <a:ext cx="10659110" cy="5584780"/>
           </a:xfrm>
         </p:spPr>
         <p:txBody>
-          <a:bodyPr/>
+          <a:bodyPr>
+            <a:normAutofit/>
+          </a:bodyPr>
           <a:lstStyle/>
           <a:p>
             <a:pPr marL="0" indent="0">
               <a:buNone/>
             </a:pPr>
-            <a:endParaRPr lang="en-IN" dirty="0"/>
+            <a:r>
+              <a:rPr lang="en-IN" sz="2400" b="1" dirty="0">
+                <a:solidFill>
+                  <a:schemeClr val="accent6">
+                    <a:lumMod val="50000"/>
+                  </a:schemeClr>
+                </a:solidFill>
+              </a:rPr>
+              <a:t>3. if-</a:t>
+            </a:r>
+            <a:r>
+              <a:rPr lang="en-IN" sz="2400" b="1" dirty="0" err="1">
+                <a:solidFill>
+                  <a:schemeClr val="accent6">
+                    <a:lumMod val="50000"/>
+                  </a:schemeClr>
+                </a:solidFill>
+              </a:rPr>
+              <a:t>elif</a:t>
+            </a:r>
+            <a:r>
+              <a:rPr lang="en-IN" sz="2400" b="1" dirty="0">
+                <a:solidFill>
+                  <a:schemeClr val="accent6">
+                    <a:lumMod val="50000"/>
+                  </a:schemeClr>
+                </a:solidFill>
+              </a:rPr>
+              <a:t>-else Statement</a:t>
+            </a:r>
+            <a:r>
+              <a:rPr lang="en-IN" sz="2400" dirty="0">
+                <a:solidFill>
+                  <a:schemeClr val="accent6">
+                    <a:lumMod val="50000"/>
+                  </a:schemeClr>
+                </a:solidFill>
+              </a:rPr>
+              <a:t>:</a:t>
+            </a:r>
+          </a:p>
+          <a:p>
+            <a:pPr marL="0" indent="0">
+              <a:buNone/>
+            </a:pPr>
+            <a:r>
+              <a:rPr lang="en-US" sz="2400" dirty="0"/>
+              <a:t>The if-</a:t>
+            </a:r>
+            <a:r>
+              <a:rPr lang="en-US" sz="2400" dirty="0" err="1"/>
+              <a:t>elif</a:t>
+            </a:r>
+            <a:r>
+              <a:rPr lang="en-US" sz="2400" dirty="0"/>
+              <a:t>-else allows for </a:t>
+            </a:r>
+            <a:r>
+              <a:rPr lang="en-US" sz="2400" b="1" dirty="0"/>
+              <a:t>multiple conditions</a:t>
+            </a:r>
+            <a:r>
+              <a:rPr lang="en-US" sz="2400" dirty="0"/>
+              <a:t> to be evaluated </a:t>
+            </a:r>
+            <a:r>
+              <a:rPr lang="en-US" sz="2400" b="1" dirty="0">
+                <a:solidFill>
+                  <a:srgbClr val="C00000"/>
+                </a:solidFill>
+              </a:rPr>
+              <a:t>sequentially</a:t>
+            </a:r>
+            <a:r>
+              <a:rPr lang="en-US" sz="2400" dirty="0"/>
+              <a:t>. The </a:t>
+            </a:r>
+            <a:r>
+              <a:rPr lang="en-US" sz="2400" b="1" dirty="0"/>
+              <a:t>first condition that evaluates to true will have its corresponding block executed, </a:t>
+            </a:r>
+            <a:r>
+              <a:rPr lang="en-US" sz="2400" dirty="0"/>
+              <a:t>and the rest of the ladder will be skipped. If none of the conditions are true, the </a:t>
+            </a:r>
+            <a:r>
+              <a:rPr lang="en-US" sz="2400" b="1" dirty="0">
+                <a:solidFill>
+                  <a:srgbClr val="C00000"/>
+                </a:solidFill>
+              </a:rPr>
+              <a:t>else</a:t>
+            </a:r>
+            <a:r>
+              <a:rPr lang="en-US" sz="2400" dirty="0"/>
+              <a:t> block (</a:t>
+            </a:r>
+            <a:r>
+              <a:rPr lang="en-US" sz="2400" b="1" dirty="0">
+                <a:solidFill>
+                  <a:srgbClr val="C00000"/>
+                </a:solidFill>
+              </a:rPr>
+              <a:t>if present</a:t>
+            </a:r>
+            <a:r>
+              <a:rPr lang="en-US" sz="2400" dirty="0"/>
+              <a:t>) will be executed.</a:t>
+            </a:r>
+            <a:endParaRPr lang="en-IN" sz="2400" b="1" dirty="0"/>
+          </a:p>
+          <a:p>
+            <a:pPr marL="0" indent="0">
+              <a:buNone/>
+            </a:pPr>
+            <a:r>
+              <a:rPr lang="en-IN" sz="2400" b="1" dirty="0"/>
+              <a:t>Syntax:</a:t>
+            </a:r>
+          </a:p>
+          <a:p>
+            <a:pPr marL="0" indent="0">
+              <a:buNone/>
+            </a:pPr>
+            <a:endParaRPr lang="en-IN" sz="2400" dirty="0"/>
           </a:p>
         </p:txBody>
       </p:sp>
+      <p:pic>
+        <p:nvPicPr>
+          <p:cNvPr id="4" name="Picture 3">
+            <a:extLst>
+              <a:ext uri="{FF2B5EF4-FFF2-40B4-BE49-F238E27FC236}">
+                <a16:creationId xmlns:a16="http://schemas.microsoft.com/office/drawing/2014/main" id="{4743C2B5-E214-C7FF-955F-5EFD0591D92C}"/>
+              </a:ext>
+            </a:extLst>
+          </p:cNvPr>
+          <p:cNvPicPr>
+            <a:picLocks noChangeAspect="1"/>
+          </p:cNvPicPr>
+          <p:nvPr/>
+        </p:nvPicPr>
+        <p:blipFill>
+          <a:blip r:embed="rId2"/>
+          <a:stretch>
+            <a:fillRect/>
+          </a:stretch>
+        </p:blipFill>
+        <p:spPr>
+          <a:xfrm>
+            <a:off x="1668829" y="3028457"/>
+            <a:ext cx="9485714" cy="3000000"/>
+          </a:xfrm>
+          <a:prstGeom prst="rect">
+            <a:avLst/>
+          </a:prstGeom>
+        </p:spPr>
+      </p:pic>
     </p:spTree>
     <p:extLst>
       <p:ext uri="{BB962C8B-B14F-4D97-AF65-F5344CB8AC3E}">
-        <p14:creationId xmlns:p14="http://schemas.microsoft.com/office/powerpoint/2010/main" val="1071068401"/>
+        <p14:creationId xmlns:p14="http://schemas.microsoft.com/office/powerpoint/2010/main" val="2450055905"/>
       </p:ext>
     </p:extLst>
   </p:cSld>
@@ -5527,7 +5850,389 @@
 </p:sld>
 </file>
 
-<file path=ppt/slides/slide101.xml><?xml version="1.0" encoding="utf-8"?>
+<file path=ppt/slides/slide102.xml><?xml version="1.0" encoding="utf-8"?>
+<p:sld xmlns:a="http://schemas.openxmlformats.org/drawingml/2006/main" xmlns:r="http://schemas.openxmlformats.org/officeDocument/2006/relationships" xmlns:p="http://schemas.openxmlformats.org/presentationml/2006/main">
+  <p:cSld>
+    <p:spTree>
+      <p:nvGrpSpPr>
+        <p:cNvPr id="1" name="">
+          <a:extLst>
+            <a:ext uri="{FF2B5EF4-FFF2-40B4-BE49-F238E27FC236}">
+              <a16:creationId xmlns:a16="http://schemas.microsoft.com/office/drawing/2014/main" id="{CBDBB23B-B3C8-1CE2-D852-DEE69D8F3424}"/>
+            </a:ext>
+          </a:extLst>
+        </p:cNvPr>
+        <p:cNvGrpSpPr/>
+        <p:nvPr/>
+      </p:nvGrpSpPr>
+      <p:grpSpPr>
+        <a:xfrm>
+          <a:off x="0" y="0"/>
+          <a:ext cx="0" cy="0"/>
+          <a:chOff x="0" y="0"/>
+          <a:chExt cx="0" cy="0"/>
+        </a:xfrm>
+      </p:grpSpPr>
+      <p:sp>
+        <p:nvSpPr>
+          <p:cNvPr id="3" name="Content Placeholder 2">
+            <a:extLst>
+              <a:ext uri="{FF2B5EF4-FFF2-40B4-BE49-F238E27FC236}">
+                <a16:creationId xmlns:a16="http://schemas.microsoft.com/office/drawing/2014/main" id="{68B4CC4C-451D-C453-E0D5-C8D97549FD8B}"/>
+              </a:ext>
+            </a:extLst>
+          </p:cNvPr>
+          <p:cNvSpPr>
+            <a:spLocks noGrp="1"/>
+          </p:cNvSpPr>
+          <p:nvPr>
+            <p:ph idx="1"/>
+          </p:nvPr>
+        </p:nvSpPr>
+        <p:spPr>
+          <a:xfrm>
+            <a:off x="777240" y="592183"/>
+            <a:ext cx="10659110" cy="5584780"/>
+          </a:xfrm>
+        </p:spPr>
+        <p:txBody>
+          <a:bodyPr>
+            <a:normAutofit/>
+          </a:bodyPr>
+          <a:lstStyle/>
+          <a:p>
+            <a:pPr marL="0" indent="0">
+              <a:buNone/>
+            </a:pPr>
+            <a:r>
+              <a:rPr lang="en-US" sz="2800" b="1" dirty="0"/>
+              <a:t>Example:</a:t>
+            </a:r>
+          </a:p>
+          <a:p>
+            <a:pPr marL="0" indent="0">
+              <a:buNone/>
+            </a:pPr>
+            <a:endParaRPr lang="en-IN" sz="2800" b="1" dirty="0"/>
+          </a:p>
+        </p:txBody>
+      </p:sp>
+      <p:pic>
+        <p:nvPicPr>
+          <p:cNvPr id="5" name="Picture 4">
+            <a:extLst>
+              <a:ext uri="{FF2B5EF4-FFF2-40B4-BE49-F238E27FC236}">
+                <a16:creationId xmlns:a16="http://schemas.microsoft.com/office/drawing/2014/main" id="{797456C5-FD6D-E99C-173D-7B6AD51BEE56}"/>
+              </a:ext>
+            </a:extLst>
+          </p:cNvPr>
+          <p:cNvPicPr>
+            <a:picLocks noChangeAspect="1"/>
+          </p:cNvPicPr>
+          <p:nvPr/>
+        </p:nvPicPr>
+        <p:blipFill>
+          <a:blip r:embed="rId2"/>
+          <a:stretch>
+            <a:fillRect/>
+          </a:stretch>
+        </p:blipFill>
+        <p:spPr>
+          <a:xfrm>
+            <a:off x="1791238" y="1377266"/>
+            <a:ext cx="8609524" cy="3580952"/>
+          </a:xfrm>
+          <a:prstGeom prst="rect">
+            <a:avLst/>
+          </a:prstGeom>
+        </p:spPr>
+      </p:pic>
+    </p:spTree>
+    <p:extLst>
+      <p:ext uri="{BB962C8B-B14F-4D97-AF65-F5344CB8AC3E}">
+        <p14:creationId xmlns:p14="http://schemas.microsoft.com/office/powerpoint/2010/main" val="1439470893"/>
+      </p:ext>
+    </p:extLst>
+  </p:cSld>
+  <p:clrMapOvr>
+    <a:masterClrMapping/>
+  </p:clrMapOvr>
+</p:sld>
+</file>
+
+<file path=ppt/slides/slide103.xml><?xml version="1.0" encoding="utf-8"?>
+<p:sld xmlns:a="http://schemas.openxmlformats.org/drawingml/2006/main" xmlns:r="http://schemas.openxmlformats.org/officeDocument/2006/relationships" xmlns:p="http://schemas.openxmlformats.org/presentationml/2006/main">
+  <p:cSld>
+    <p:spTree>
+      <p:nvGrpSpPr>
+        <p:cNvPr id="1" name=""/>
+        <p:cNvGrpSpPr/>
+        <p:nvPr/>
+      </p:nvGrpSpPr>
+      <p:grpSpPr>
+        <a:xfrm>
+          <a:off x="0" y="0"/>
+          <a:ext cx="0" cy="0"/>
+          <a:chOff x="0" y="0"/>
+          <a:chExt cx="0" cy="0"/>
+        </a:xfrm>
+      </p:grpSpPr>
+      <p:sp>
+        <p:nvSpPr>
+          <p:cNvPr id="3" name="Content Placeholder 2">
+            <a:extLst>
+              <a:ext uri="{FF2B5EF4-FFF2-40B4-BE49-F238E27FC236}">
+                <a16:creationId xmlns:a16="http://schemas.microsoft.com/office/drawing/2014/main" id="{B4FE8E85-8426-4AB7-AD5A-5C275C24FF8D}"/>
+              </a:ext>
+            </a:extLst>
+          </p:cNvPr>
+          <p:cNvSpPr>
+            <a:spLocks noGrp="1"/>
+          </p:cNvSpPr>
+          <p:nvPr>
+            <p:ph idx="1"/>
+          </p:nvPr>
+        </p:nvSpPr>
+        <p:spPr>
+          <a:xfrm>
+            <a:off x="786581" y="609600"/>
+            <a:ext cx="10567219" cy="5567363"/>
+          </a:xfrm>
+        </p:spPr>
+        <p:txBody>
+          <a:bodyPr/>
+          <a:lstStyle/>
+          <a:p>
+            <a:pPr marL="0" indent="0">
+              <a:buNone/>
+            </a:pPr>
+            <a:r>
+              <a:rPr lang="en-IN" sz="2400" b="1" dirty="0">
+                <a:solidFill>
+                  <a:schemeClr val="accent6">
+                    <a:lumMod val="50000"/>
+                  </a:schemeClr>
+                </a:solidFill>
+              </a:rPr>
+              <a:t>4. Nested if statement</a:t>
+            </a:r>
+            <a:r>
+              <a:rPr lang="en-IN" sz="2400" dirty="0">
+                <a:solidFill>
+                  <a:schemeClr val="accent6">
+                    <a:lumMod val="50000"/>
+                  </a:schemeClr>
+                </a:solidFill>
+              </a:rPr>
+              <a:t>:</a:t>
+            </a:r>
+          </a:p>
+          <a:p>
+            <a:pPr marL="0" indent="0">
+              <a:buNone/>
+            </a:pPr>
+            <a:r>
+              <a:rPr lang="en-US" sz="2400" dirty="0"/>
+              <a:t>Nested if statements allow an </a:t>
+            </a:r>
+            <a:r>
+              <a:rPr lang="en-US" sz="2400" b="1" dirty="0">
+                <a:solidFill>
+                  <a:srgbClr val="C00000"/>
+                </a:solidFill>
+              </a:rPr>
+              <a:t>if statement </a:t>
+            </a:r>
+            <a:r>
+              <a:rPr lang="en-US" sz="2400" dirty="0"/>
+              <a:t>to be placed </a:t>
+            </a:r>
+            <a:r>
+              <a:rPr lang="en-US" sz="2400" b="1" dirty="0">
+                <a:solidFill>
+                  <a:srgbClr val="C00000"/>
+                </a:solidFill>
+              </a:rPr>
+              <a:t>inside another if statement</a:t>
+            </a:r>
+            <a:r>
+              <a:rPr lang="en-US" sz="2400" dirty="0"/>
+              <a:t>. This allows for </a:t>
+            </a:r>
+            <a:r>
+              <a:rPr lang="en-US" sz="2400" b="1" dirty="0"/>
+              <a:t>more complex decision-making </a:t>
+            </a:r>
+            <a:r>
+              <a:rPr lang="en-US" sz="2400" dirty="0"/>
+              <a:t>processes where multiple conditions must be true for a block of code to execute.</a:t>
+            </a:r>
+          </a:p>
+          <a:p>
+            <a:pPr marL="0" indent="0">
+              <a:buNone/>
+            </a:pPr>
+            <a:r>
+              <a:rPr lang="en-IN" sz="2400" b="1" dirty="0"/>
+              <a:t>Syntax:</a:t>
+            </a:r>
+          </a:p>
+        </p:txBody>
+      </p:sp>
+      <p:pic>
+        <p:nvPicPr>
+          <p:cNvPr id="4" name="Picture 3">
+            <a:extLst>
+              <a:ext uri="{FF2B5EF4-FFF2-40B4-BE49-F238E27FC236}">
+                <a16:creationId xmlns:a16="http://schemas.microsoft.com/office/drawing/2014/main" id="{F1F44B66-05C5-E9B9-133A-0F14AE5588A4}"/>
+              </a:ext>
+            </a:extLst>
+          </p:cNvPr>
+          <p:cNvPicPr>
+            <a:picLocks noChangeAspect="1"/>
+          </p:cNvPicPr>
+          <p:nvPr/>
+        </p:nvPicPr>
+        <p:blipFill>
+          <a:blip r:embed="rId2"/>
+          <a:stretch>
+            <a:fillRect/>
+          </a:stretch>
+        </p:blipFill>
+        <p:spPr>
+          <a:xfrm>
+            <a:off x="1002172" y="2977400"/>
+            <a:ext cx="10188343" cy="2334829"/>
+          </a:xfrm>
+          <a:prstGeom prst="rect">
+            <a:avLst/>
+          </a:prstGeom>
+        </p:spPr>
+      </p:pic>
+    </p:spTree>
+    <p:extLst>
+      <p:ext uri="{BB962C8B-B14F-4D97-AF65-F5344CB8AC3E}">
+        <p14:creationId xmlns:p14="http://schemas.microsoft.com/office/powerpoint/2010/main" val="3462852584"/>
+      </p:ext>
+    </p:extLst>
+  </p:cSld>
+  <p:clrMapOvr>
+    <a:masterClrMapping/>
+  </p:clrMapOvr>
+</p:sld>
+</file>
+
+<file path=ppt/slides/slide104.xml><?xml version="1.0" encoding="utf-8"?>
+<p:sld xmlns:a="http://schemas.openxmlformats.org/drawingml/2006/main" xmlns:r="http://schemas.openxmlformats.org/officeDocument/2006/relationships" xmlns:p="http://schemas.openxmlformats.org/presentationml/2006/main">
+  <p:cSld>
+    <p:spTree>
+      <p:nvGrpSpPr>
+        <p:cNvPr id="1" name="">
+          <a:extLst>
+            <a:ext uri="{FF2B5EF4-FFF2-40B4-BE49-F238E27FC236}">
+              <a16:creationId xmlns:a16="http://schemas.microsoft.com/office/drawing/2014/main" id="{91D06B42-10F1-8756-54A2-9BC7D8D181A2}"/>
+            </a:ext>
+          </a:extLst>
+        </p:cNvPr>
+        <p:cNvGrpSpPr/>
+        <p:nvPr/>
+      </p:nvGrpSpPr>
+      <p:grpSpPr>
+        <a:xfrm>
+          <a:off x="0" y="0"/>
+          <a:ext cx="0" cy="0"/>
+          <a:chOff x="0" y="0"/>
+          <a:chExt cx="0" cy="0"/>
+        </a:xfrm>
+      </p:grpSpPr>
+      <p:sp>
+        <p:nvSpPr>
+          <p:cNvPr id="3" name="Content Placeholder 2">
+            <a:extLst>
+              <a:ext uri="{FF2B5EF4-FFF2-40B4-BE49-F238E27FC236}">
+                <a16:creationId xmlns:a16="http://schemas.microsoft.com/office/drawing/2014/main" id="{4B961C25-0ADA-163F-8CCA-38687EC2075C}"/>
+              </a:ext>
+            </a:extLst>
+          </p:cNvPr>
+          <p:cNvSpPr>
+            <a:spLocks noGrp="1"/>
+          </p:cNvSpPr>
+          <p:nvPr>
+            <p:ph idx="1"/>
+          </p:nvPr>
+        </p:nvSpPr>
+        <p:spPr>
+          <a:xfrm>
+            <a:off x="766445" y="940526"/>
+            <a:ext cx="10659110" cy="5584780"/>
+          </a:xfrm>
+        </p:spPr>
+        <p:txBody>
+          <a:bodyPr>
+            <a:normAutofit/>
+          </a:bodyPr>
+          <a:lstStyle/>
+          <a:p>
+            <a:pPr marL="0" indent="0">
+              <a:buNone/>
+            </a:pPr>
+            <a:r>
+              <a:rPr lang="en-US" sz="2400" b="1" dirty="0"/>
+              <a:t>Example:</a:t>
+            </a:r>
+          </a:p>
+          <a:p>
+            <a:pPr marL="0" indent="0">
+              <a:buNone/>
+            </a:pPr>
+            <a:endParaRPr lang="en-IN" sz="2400" b="1" dirty="0"/>
+          </a:p>
+        </p:txBody>
+      </p:sp>
+      <p:pic>
+        <p:nvPicPr>
+          <p:cNvPr id="5" name="Picture 4">
+            <a:extLst>
+              <a:ext uri="{FF2B5EF4-FFF2-40B4-BE49-F238E27FC236}">
+                <a16:creationId xmlns:a16="http://schemas.microsoft.com/office/drawing/2014/main" id="{6C7168F5-6B09-84FB-A753-E92E95FBF8BB}"/>
+              </a:ext>
+            </a:extLst>
+          </p:cNvPr>
+          <p:cNvPicPr>
+            <a:picLocks noChangeAspect="1"/>
+          </p:cNvPicPr>
+          <p:nvPr/>
+        </p:nvPicPr>
+        <p:blipFill>
+          <a:blip r:embed="rId2"/>
+          <a:stretch>
+            <a:fillRect/>
+          </a:stretch>
+        </p:blipFill>
+        <p:spPr>
+          <a:xfrm>
+            <a:off x="1766001" y="1863590"/>
+            <a:ext cx="8029038" cy="3130820"/>
+          </a:xfrm>
+          <a:prstGeom prst="rect">
+            <a:avLst/>
+          </a:prstGeom>
+        </p:spPr>
+      </p:pic>
+    </p:spTree>
+    <p:extLst>
+      <p:ext uri="{BB962C8B-B14F-4D97-AF65-F5344CB8AC3E}">
+        <p14:creationId xmlns:p14="http://schemas.microsoft.com/office/powerpoint/2010/main" val="3111650614"/>
+      </p:ext>
+    </p:extLst>
+  </p:cSld>
+  <p:clrMapOvr>
+    <a:masterClrMapping/>
+  </p:clrMapOvr>
+</p:sld>
+</file>
+
+<file path=ppt/slides/slide105.xml><?xml version="1.0" encoding="utf-8"?>
 <p:sld xmlns:a="http://schemas.openxmlformats.org/drawingml/2006/main" xmlns:r="http://schemas.openxmlformats.org/officeDocument/2006/relationships" xmlns:p="http://schemas.openxmlformats.org/presentationml/2006/main">
   <p:cSld>
     <p:spTree>
@@ -5576,6 +6281,121 @@
           <a:bodyPr/>
           <a:lstStyle/>
           <a:p>
+            <a:r>
+              <a:rPr lang="en-US" b="1" dirty="0">
+                <a:solidFill>
+                  <a:srgbClr val="002060"/>
+                </a:solidFill>
+              </a:rPr>
+              <a:t>One-Liner if Statement: </a:t>
+            </a:r>
+            <a:r>
+              <a:rPr lang="en-US" dirty="0"/>
+              <a:t>Python allows simple if statements to be written in a </a:t>
+            </a:r>
+            <a:r>
+              <a:rPr lang="en-US" b="1" dirty="0">
+                <a:solidFill>
+                  <a:srgbClr val="C00000"/>
+                </a:solidFill>
+              </a:rPr>
+              <a:t>single line</a:t>
+            </a:r>
+            <a:r>
+              <a:rPr lang="en-US" dirty="0"/>
+              <a:t>.</a:t>
+            </a:r>
+          </a:p>
+          <a:p>
+            <a:pPr marL="0" indent="0">
+              <a:buNone/>
+            </a:pPr>
+            <a:r>
+              <a:rPr lang="en-US" b="1" dirty="0"/>
+              <a:t>Example:</a:t>
+            </a:r>
+          </a:p>
+          <a:p>
+            <a:pPr marL="0" indent="0">
+              <a:buNone/>
+            </a:pPr>
+            <a:endParaRPr lang="en-US" b="1" dirty="0"/>
+          </a:p>
+          <a:p>
+            <a:pPr marL="0" indent="0">
+              <a:buNone/>
+            </a:pPr>
+            <a:endParaRPr lang="en-US" b="1" dirty="0"/>
+          </a:p>
+          <a:p>
+            <a:pPr marL="0" indent="0">
+              <a:buNone/>
+            </a:pPr>
+            <a:endParaRPr lang="en-US" b="1" dirty="0"/>
+          </a:p>
+          <a:p>
+            <a:pPr marL="0" indent="0">
+              <a:buNone/>
+            </a:pPr>
+            <a:endParaRPr lang="en-US" b="1" dirty="0"/>
+          </a:p>
+          <a:p>
+            <a:r>
+              <a:rPr lang="en-US" b="1" dirty="0">
+                <a:solidFill>
+                  <a:srgbClr val="002060"/>
+                </a:solidFill>
+              </a:rPr>
+              <a:t>One-Liner if-else Statement (Ternary Operator): </a:t>
+            </a:r>
+            <a:r>
+              <a:rPr lang="en-US" dirty="0"/>
+              <a:t>The if-else statement can also be written as a one-liner using the </a:t>
+            </a:r>
+            <a:r>
+              <a:rPr lang="en-US" b="1" dirty="0">
+                <a:solidFill>
+                  <a:srgbClr val="C00000"/>
+                </a:solidFill>
+              </a:rPr>
+              <a:t>ternary operator</a:t>
+            </a:r>
+            <a:r>
+              <a:rPr lang="en-US" dirty="0"/>
+              <a:t>.</a:t>
+            </a:r>
+          </a:p>
+          <a:p>
+            <a:pPr marL="0" indent="0">
+              <a:buNone/>
+            </a:pPr>
+            <a:r>
+              <a:rPr lang="en-US" b="1" dirty="0"/>
+              <a:t>Syntax:</a:t>
+            </a:r>
+          </a:p>
+          <a:p>
+            <a:pPr marL="0" indent="0">
+              <a:buNone/>
+            </a:pPr>
+            <a:endParaRPr lang="en-US" b="1" dirty="0"/>
+          </a:p>
+          <a:p>
+            <a:pPr marL="0" indent="0">
+              <a:buNone/>
+            </a:pPr>
+            <a:endParaRPr lang="en-US" b="1" dirty="0"/>
+          </a:p>
+          <a:p>
+            <a:pPr marL="0" indent="0">
+              <a:buNone/>
+            </a:pPr>
+            <a:r>
+              <a:rPr lang="en-US" b="1" dirty="0"/>
+              <a:t>Example: </a:t>
+            </a:r>
+          </a:p>
+          <a:p>
             <a:pPr marL="0" indent="0">
               <a:buNone/>
             </a:pPr>
@@ -5583,6 +6403,96 @@
           </a:p>
         </p:txBody>
       </p:sp>
+      <p:pic>
+        <p:nvPicPr>
+          <p:cNvPr id="4" name="Picture 3">
+            <a:extLst>
+              <a:ext uri="{FF2B5EF4-FFF2-40B4-BE49-F238E27FC236}">
+                <a16:creationId xmlns:a16="http://schemas.microsoft.com/office/drawing/2014/main" id="{4C8A01EA-8F1F-34DF-1E80-98978991B68B}"/>
+              </a:ext>
+            </a:extLst>
+          </p:cNvPr>
+          <p:cNvPicPr>
+            <a:picLocks noChangeAspect="1"/>
+          </p:cNvPicPr>
+          <p:nvPr/>
+        </p:nvPicPr>
+        <p:blipFill>
+          <a:blip r:embed="rId2"/>
+          <a:stretch>
+            <a:fillRect/>
+          </a:stretch>
+        </p:blipFill>
+        <p:spPr>
+          <a:xfrm>
+            <a:off x="1817038" y="1592799"/>
+            <a:ext cx="7752381" cy="1342857"/>
+          </a:xfrm>
+          <a:prstGeom prst="rect">
+            <a:avLst/>
+          </a:prstGeom>
+        </p:spPr>
+      </p:pic>
+      <p:pic>
+        <p:nvPicPr>
+          <p:cNvPr id="6" name="Picture 5">
+            <a:extLst>
+              <a:ext uri="{FF2B5EF4-FFF2-40B4-BE49-F238E27FC236}">
+                <a16:creationId xmlns:a16="http://schemas.microsoft.com/office/drawing/2014/main" id="{91680103-0D5D-0534-6E6A-B75463FB06DE}"/>
+              </a:ext>
+            </a:extLst>
+          </p:cNvPr>
+          <p:cNvPicPr>
+            <a:picLocks noChangeAspect="1"/>
+          </p:cNvPicPr>
+          <p:nvPr/>
+        </p:nvPicPr>
+        <p:blipFill>
+          <a:blip r:embed="rId3"/>
+          <a:stretch>
+            <a:fillRect/>
+          </a:stretch>
+        </p:blipFill>
+        <p:spPr>
+          <a:xfrm>
+            <a:off x="1817038" y="3979990"/>
+            <a:ext cx="8652076" cy="576319"/>
+          </a:xfrm>
+          <a:prstGeom prst="rect">
+            <a:avLst/>
+          </a:prstGeom>
+        </p:spPr>
+      </p:pic>
+      <p:pic>
+        <p:nvPicPr>
+          <p:cNvPr id="8" name="Picture 7">
+            <a:extLst>
+              <a:ext uri="{FF2B5EF4-FFF2-40B4-BE49-F238E27FC236}">
+                <a16:creationId xmlns:a16="http://schemas.microsoft.com/office/drawing/2014/main" id="{AFBBD35E-974F-9C56-9D2F-4ED0B3DE2B2B}"/>
+              </a:ext>
+            </a:extLst>
+          </p:cNvPr>
+          <p:cNvPicPr>
+            <a:picLocks noChangeAspect="1"/>
+          </p:cNvPicPr>
+          <p:nvPr/>
+        </p:nvPicPr>
+        <p:blipFill>
+          <a:blip r:embed="rId4"/>
+          <a:stretch>
+            <a:fillRect/>
+          </a:stretch>
+        </p:blipFill>
+        <p:spPr>
+          <a:xfrm>
+            <a:off x="2590047" y="5061242"/>
+            <a:ext cx="6206362" cy="1425879"/>
+          </a:xfrm>
+          <a:prstGeom prst="rect">
+            <a:avLst/>
+          </a:prstGeom>
+        </p:spPr>
+      </p:pic>
     </p:spTree>
     <p:extLst>
       <p:ext uri="{BB962C8B-B14F-4D97-AF65-F5344CB8AC3E}">
@@ -5596,7 +6506,7 @@
 </p:sld>
 </file>
 
-<file path=ppt/slides/slide102.xml><?xml version="1.0" encoding="utf-8"?>
+<file path=ppt/slides/slide106.xml><?xml version="1.0" encoding="utf-8"?>
 <p:sld xmlns:a="http://schemas.openxmlformats.org/drawingml/2006/main" xmlns:r="http://schemas.openxmlformats.org/officeDocument/2006/relationships" xmlns:p="http://schemas.openxmlformats.org/presentationml/2006/main">
   <p:cSld>
     <p:spTree>
@@ -5637,18 +6547,184 @@
         </p:nvSpPr>
         <p:spPr>
           <a:xfrm>
-            <a:off x="777240" y="674914"/>
-            <a:ext cx="10659110" cy="5502049"/>
+            <a:off x="766445" y="1023257"/>
+            <a:ext cx="10659110" cy="4005943"/>
           </a:xfrm>
         </p:spPr>
         <p:txBody>
-          <a:bodyPr/>
+          <a:bodyPr>
+            <a:normAutofit/>
+          </a:bodyPr>
           <a:lstStyle/>
           <a:p>
             <a:pPr marL="0" indent="0">
               <a:buNone/>
             </a:pPr>
-            <a:endParaRPr lang="en-IN" dirty="0"/>
+            <a:r>
+              <a:rPr lang="en-US" sz="2400" b="1" dirty="0"/>
+              <a:t>2. Looping Statements:</a:t>
+            </a:r>
+          </a:p>
+          <a:p>
+            <a:pPr marL="0" indent="0">
+              <a:buNone/>
+            </a:pPr>
+            <a:r>
+              <a:rPr lang="en-US" sz="2400" dirty="0"/>
+              <a:t>Looping statements in Python allow you to </a:t>
+            </a:r>
+            <a:r>
+              <a:rPr lang="en-US" sz="2400" b="1" dirty="0">
+                <a:solidFill>
+                  <a:srgbClr val="C00000"/>
+                </a:solidFill>
+              </a:rPr>
+              <a:t>execute a block of code multiple times</a:t>
+            </a:r>
+            <a:r>
+              <a:rPr lang="en-US" sz="2400" dirty="0"/>
+              <a:t>, either for a </a:t>
+            </a:r>
+            <a:r>
+              <a:rPr lang="en-US" sz="2400" b="1" dirty="0">
+                <a:solidFill>
+                  <a:srgbClr val="002060"/>
+                </a:solidFill>
+              </a:rPr>
+              <a:t>specific number of iterations </a:t>
+            </a:r>
+            <a:r>
+              <a:rPr lang="en-US" sz="2400" dirty="0"/>
+              <a:t>or </a:t>
+            </a:r>
+            <a:r>
+              <a:rPr lang="en-US" sz="2400" b="1" dirty="0">
+                <a:solidFill>
+                  <a:srgbClr val="002060"/>
+                </a:solidFill>
+              </a:rPr>
+              <a:t>until a certain condition is met</a:t>
+            </a:r>
+            <a:r>
+              <a:rPr lang="en-US" sz="2400" dirty="0"/>
+              <a:t>. </a:t>
+            </a:r>
+          </a:p>
+          <a:p>
+            <a:pPr marL="0" indent="0">
+              <a:buNone/>
+            </a:pPr>
+            <a:r>
+              <a:rPr lang="en-US" sz="2400" b="1" dirty="0"/>
+              <a:t>Python provides two main types of loops:</a:t>
+            </a:r>
+          </a:p>
+          <a:p>
+            <a:pPr marL="457200" indent="-457200">
+              <a:buFont typeface="+mj-lt"/>
+              <a:buAutoNum type="arabicPeriod"/>
+            </a:pPr>
+            <a:r>
+              <a:rPr lang="en-US" sz="2400" dirty="0"/>
+              <a:t>for Loop</a:t>
+            </a:r>
+          </a:p>
+          <a:p>
+            <a:pPr marL="457200" indent="-457200">
+              <a:buFont typeface="+mj-lt"/>
+              <a:buAutoNum type="arabicPeriod"/>
+            </a:pPr>
+            <a:r>
+              <a:rPr lang="en-US" sz="2400" dirty="0"/>
+              <a:t>while Loop</a:t>
+            </a:r>
+          </a:p>
+          <a:p>
+            <a:pPr marL="0" indent="0">
+              <a:buNone/>
+            </a:pPr>
+            <a:endParaRPr lang="en-US" sz="2400" dirty="0"/>
+          </a:p>
+          <a:p>
+            <a:pPr marL="0" indent="0">
+              <a:buNone/>
+            </a:pPr>
+            <a:r>
+              <a:rPr lang="en-US" sz="2400" b="1" dirty="0"/>
+              <a:t>Additionally</a:t>
+            </a:r>
+            <a:r>
+              <a:rPr lang="en-US" sz="2400" dirty="0"/>
+              <a:t>, Python supports </a:t>
+            </a:r>
+            <a:r>
+              <a:rPr lang="en-US" sz="2400" b="1" dirty="0">
+                <a:solidFill>
+                  <a:srgbClr val="C00000"/>
+                </a:solidFill>
+              </a:rPr>
+              <a:t>jump</a:t>
+            </a:r>
+            <a:r>
+              <a:rPr lang="en-US" sz="2400" dirty="0"/>
+              <a:t> </a:t>
+            </a:r>
+            <a:r>
+              <a:rPr lang="en-US" sz="2400" b="1" dirty="0">
+                <a:solidFill>
+                  <a:srgbClr val="C00000"/>
+                </a:solidFill>
+              </a:rPr>
+              <a:t>statements</a:t>
+            </a:r>
+            <a:r>
+              <a:rPr lang="en-US" sz="2400" dirty="0"/>
+              <a:t> (</a:t>
+            </a:r>
+            <a:r>
+              <a:rPr lang="en-US" sz="2400" b="1" dirty="0"/>
+              <a:t>break</a:t>
+            </a:r>
+            <a:r>
+              <a:rPr lang="en-US" sz="2400" dirty="0"/>
+              <a:t>, </a:t>
+            </a:r>
+            <a:r>
+              <a:rPr lang="en-US" sz="2400" b="1" dirty="0"/>
+              <a:t>continue</a:t>
+            </a:r>
+            <a:r>
+              <a:rPr lang="en-US" sz="2400" dirty="0"/>
+              <a:t>, and </a:t>
+            </a:r>
+            <a:r>
+              <a:rPr lang="en-US" sz="2400" b="1" dirty="0"/>
+              <a:t>pass</a:t>
+            </a:r>
+            <a:r>
+              <a:rPr lang="en-US" sz="2400" dirty="0"/>
+              <a:t>) </a:t>
+            </a:r>
+            <a:r>
+              <a:rPr lang="en-US" sz="2400" b="1" dirty="0">
+                <a:solidFill>
+                  <a:srgbClr val="C00000"/>
+                </a:solidFill>
+              </a:rPr>
+              <a:t>to control the flow within loops.</a:t>
+            </a:r>
+          </a:p>
+          <a:p>
+            <a:pPr marL="0" indent="0">
+              <a:buNone/>
+            </a:pPr>
+            <a:endParaRPr lang="en-US" sz="2400" dirty="0"/>
+          </a:p>
+          <a:p>
+            <a:pPr marL="0" indent="0">
+              <a:buNone/>
+            </a:pPr>
+            <a:endParaRPr lang="en-IN" sz="2400" dirty="0"/>
           </a:p>
         </p:txBody>
       </p:sp>
@@ -5665,7 +6741,353 @@
 </p:sld>
 </file>
 
-<file path=ppt/slides/slide103.xml><?xml version="1.0" encoding="utf-8"?>
+<file path=ppt/slides/slide107.xml><?xml version="1.0" encoding="utf-8"?>
+<p:sld xmlns:a="http://schemas.openxmlformats.org/drawingml/2006/main" xmlns:r="http://schemas.openxmlformats.org/officeDocument/2006/relationships" xmlns:p="http://schemas.openxmlformats.org/presentationml/2006/main">
+  <p:cSld>
+    <p:spTree>
+      <p:nvGrpSpPr>
+        <p:cNvPr id="1" name=""/>
+        <p:cNvGrpSpPr/>
+        <p:nvPr/>
+      </p:nvGrpSpPr>
+      <p:grpSpPr>
+        <a:xfrm>
+          <a:off x="0" y="0"/>
+          <a:ext cx="0" cy="0"/>
+          <a:chOff x="0" y="0"/>
+          <a:chExt cx="0" cy="0"/>
+        </a:xfrm>
+      </p:grpSpPr>
+      <p:sp>
+        <p:nvSpPr>
+          <p:cNvPr id="3" name="Content Placeholder 2">
+            <a:extLst>
+              <a:ext uri="{FF2B5EF4-FFF2-40B4-BE49-F238E27FC236}">
+                <a16:creationId xmlns:a16="http://schemas.microsoft.com/office/drawing/2014/main" id="{B4FE8E85-8426-4AB7-AD5A-5C275C24FF8D}"/>
+              </a:ext>
+            </a:extLst>
+          </p:cNvPr>
+          <p:cNvSpPr>
+            <a:spLocks noGrp="1"/>
+          </p:cNvSpPr>
+          <p:nvPr>
+            <p:ph idx="1"/>
+          </p:nvPr>
+        </p:nvSpPr>
+        <p:spPr>
+          <a:xfrm>
+            <a:off x="786581" y="609600"/>
+            <a:ext cx="10567219" cy="5567363"/>
+          </a:xfrm>
+        </p:spPr>
+        <p:txBody>
+          <a:bodyPr>
+            <a:normAutofit/>
+          </a:bodyPr>
+          <a:lstStyle/>
+          <a:p>
+            <a:pPr marL="0" indent="0">
+              <a:buNone/>
+            </a:pPr>
+            <a:r>
+              <a:rPr lang="en-US" sz="2400" b="1" dirty="0">
+                <a:solidFill>
+                  <a:srgbClr val="002060"/>
+                </a:solidFill>
+              </a:rPr>
+              <a:t>1. for loop:</a:t>
+            </a:r>
+          </a:p>
+          <a:p>
+            <a:pPr marL="0" indent="0">
+              <a:buNone/>
+            </a:pPr>
+            <a:r>
+              <a:rPr lang="en-US" sz="2400" dirty="0"/>
+              <a:t>The for loop provides a </a:t>
+            </a:r>
+            <a:r>
+              <a:rPr lang="en-US" sz="2400" b="1" dirty="0"/>
+              <a:t>concise</a:t>
+            </a:r>
+            <a:r>
+              <a:rPr lang="en-US" sz="2400" dirty="0"/>
+              <a:t> </a:t>
+            </a:r>
+            <a:r>
+              <a:rPr lang="en-US" sz="2400" b="1" dirty="0"/>
+              <a:t>way</a:t>
+            </a:r>
+            <a:r>
+              <a:rPr lang="en-US" sz="2400" dirty="0"/>
+              <a:t> of writing the loop structure. It is used when the </a:t>
+            </a:r>
+            <a:r>
+              <a:rPr lang="en-US" sz="2400" b="1" dirty="0"/>
+              <a:t>number of iterations is known </a:t>
+            </a:r>
+            <a:r>
+              <a:rPr lang="en-IN" sz="2400" b="1" dirty="0">
+                <a:solidFill>
+                  <a:srgbClr val="C00000"/>
+                </a:solidFill>
+              </a:rPr>
+              <a:t>advance</a:t>
+            </a:r>
+            <a:r>
+              <a:rPr lang="en-IN" sz="2400" dirty="0"/>
+              <a:t> or</a:t>
+            </a:r>
+            <a:r>
+              <a:rPr lang="en-US" sz="2400" b="1" dirty="0"/>
+              <a:t> </a:t>
+            </a:r>
+            <a:r>
+              <a:rPr lang="en-US" sz="2400" b="1" dirty="0">
+                <a:solidFill>
+                  <a:srgbClr val="C00000"/>
+                </a:solidFill>
+              </a:rPr>
+              <a:t>beforehand</a:t>
+            </a:r>
+            <a:r>
+              <a:rPr lang="en-US" sz="2400" dirty="0"/>
+              <a:t>.</a:t>
+            </a:r>
+          </a:p>
+          <a:p>
+            <a:pPr marL="0" indent="0">
+              <a:buNone/>
+            </a:pPr>
+            <a:r>
+              <a:rPr lang="en-US" sz="2400" dirty="0"/>
+              <a:t>The for loop is used to iterate over a </a:t>
+            </a:r>
+            <a:r>
+              <a:rPr lang="en-US" sz="2400" b="1" dirty="0">
+                <a:solidFill>
+                  <a:srgbClr val="C00000"/>
+                </a:solidFill>
+              </a:rPr>
+              <a:t>sequence</a:t>
+            </a:r>
+            <a:r>
+              <a:rPr lang="en-US" sz="2400" dirty="0"/>
+              <a:t> (e.g., </a:t>
+            </a:r>
+            <a:r>
+              <a:rPr lang="en-US" sz="2400" b="1" dirty="0"/>
+              <a:t>list</a:t>
+            </a:r>
+            <a:r>
+              <a:rPr lang="en-US" sz="2400" dirty="0"/>
+              <a:t>, </a:t>
+            </a:r>
+            <a:r>
+              <a:rPr lang="en-US" sz="2400" b="1" dirty="0"/>
+              <a:t>tuple</a:t>
+            </a:r>
+            <a:r>
+              <a:rPr lang="en-US" sz="2400" dirty="0"/>
+              <a:t>, </a:t>
+            </a:r>
+            <a:r>
+              <a:rPr lang="en-US" sz="2400" b="1" dirty="0"/>
+              <a:t>dictionary</a:t>
+            </a:r>
+            <a:r>
+              <a:rPr lang="en-US" sz="2400" dirty="0"/>
+              <a:t>, </a:t>
+            </a:r>
+            <a:r>
+              <a:rPr lang="en-US" sz="2400" b="1" dirty="0"/>
+              <a:t>string</a:t>
+            </a:r>
+            <a:r>
+              <a:rPr lang="en-US" sz="2400" dirty="0"/>
+              <a:t>, or </a:t>
+            </a:r>
+            <a:r>
+              <a:rPr lang="en-US" sz="2400" b="1" dirty="0"/>
+              <a:t>range</a:t>
+            </a:r>
+            <a:r>
+              <a:rPr lang="en-US" sz="2400" dirty="0"/>
+              <a:t>). It executes the block of code </a:t>
+            </a:r>
+            <a:r>
+              <a:rPr lang="en-US" sz="2400" b="1" dirty="0"/>
+              <a:t>once for each element </a:t>
+            </a:r>
+            <a:r>
+              <a:rPr lang="en-US" sz="2400" dirty="0"/>
+              <a:t>in the sequence.</a:t>
+            </a:r>
+          </a:p>
+          <a:p>
+            <a:pPr marL="0" indent="0">
+              <a:buNone/>
+            </a:pPr>
+            <a:r>
+              <a:rPr lang="en-US" sz="2400" b="1" dirty="0"/>
+              <a:t>Syntax:</a:t>
+            </a:r>
+          </a:p>
+          <a:p>
+            <a:pPr marL="0" indent="0">
+              <a:buNone/>
+            </a:pPr>
+            <a:endParaRPr lang="en-US" sz="2400" dirty="0"/>
+          </a:p>
+          <a:p>
+            <a:pPr marL="0" indent="0">
+              <a:buNone/>
+            </a:pPr>
+            <a:endParaRPr lang="en-US" sz="2400" b="1" dirty="0"/>
+          </a:p>
+          <a:p>
+            <a:pPr marL="0" indent="0">
+              <a:buNone/>
+            </a:pPr>
+            <a:endParaRPr lang="en-US" sz="2400" b="1" dirty="0"/>
+          </a:p>
+          <a:p>
+            <a:pPr marL="0" indent="0">
+              <a:buNone/>
+            </a:pPr>
+            <a:r>
+              <a:rPr lang="en-US" sz="2400" b="1" dirty="0"/>
+              <a:t>Example: </a:t>
+            </a:r>
+            <a:r>
+              <a:rPr lang="en-US" sz="2400" b="1" dirty="0">
+                <a:solidFill>
+                  <a:srgbClr val="0070C0"/>
+                </a:solidFill>
+              </a:rPr>
+              <a:t>a) Iterating Over a List:					     </a:t>
+            </a:r>
+            <a:r>
+              <a:rPr lang="en-US" sz="2400" b="1" dirty="0">
+                <a:solidFill>
+                  <a:srgbClr val="C00000"/>
+                </a:solidFill>
+              </a:rPr>
+              <a:t>Output:</a:t>
+            </a:r>
+          </a:p>
+          <a:p>
+            <a:pPr marL="0" indent="0">
+              <a:buNone/>
+            </a:pPr>
+            <a:endParaRPr lang="en-IN" sz="2400" dirty="0"/>
+          </a:p>
+        </p:txBody>
+      </p:sp>
+      <p:pic>
+        <p:nvPicPr>
+          <p:cNvPr id="5" name="Picture 4">
+            <a:extLst>
+              <a:ext uri="{FF2B5EF4-FFF2-40B4-BE49-F238E27FC236}">
+                <a16:creationId xmlns:a16="http://schemas.microsoft.com/office/drawing/2014/main" id="{4B1E2207-322D-BD7B-1804-71FDFFB87EAE}"/>
+              </a:ext>
+            </a:extLst>
+          </p:cNvPr>
+          <p:cNvPicPr>
+            <a:picLocks noChangeAspect="1"/>
+          </p:cNvPicPr>
+          <p:nvPr/>
+        </p:nvPicPr>
+        <p:blipFill>
+          <a:blip r:embed="rId2"/>
+          <a:stretch>
+            <a:fillRect/>
+          </a:stretch>
+        </p:blipFill>
+        <p:spPr>
+          <a:xfrm>
+            <a:off x="2371487" y="2816253"/>
+            <a:ext cx="6533028" cy="1225494"/>
+          </a:xfrm>
+          <a:prstGeom prst="rect">
+            <a:avLst/>
+          </a:prstGeom>
+        </p:spPr>
+      </p:pic>
+      <p:pic>
+        <p:nvPicPr>
+          <p:cNvPr id="8" name="Picture 7">
+            <a:extLst>
+              <a:ext uri="{FF2B5EF4-FFF2-40B4-BE49-F238E27FC236}">
+                <a16:creationId xmlns:a16="http://schemas.microsoft.com/office/drawing/2014/main" id="{0EE0289D-8B15-BC50-DE72-1BDFAA42BB9C}"/>
+              </a:ext>
+            </a:extLst>
+          </p:cNvPr>
+          <p:cNvPicPr>
+            <a:picLocks noChangeAspect="1"/>
+          </p:cNvPicPr>
+          <p:nvPr/>
+        </p:nvPicPr>
+        <p:blipFill>
+          <a:blip r:embed="rId3"/>
+          <a:stretch>
+            <a:fillRect/>
+          </a:stretch>
+        </p:blipFill>
+        <p:spPr>
+          <a:xfrm>
+            <a:off x="2257187" y="5044698"/>
+            <a:ext cx="6761627" cy="1466582"/>
+          </a:xfrm>
+          <a:prstGeom prst="rect">
+            <a:avLst/>
+          </a:prstGeom>
+        </p:spPr>
+      </p:pic>
+      <p:pic>
+        <p:nvPicPr>
+          <p:cNvPr id="10" name="Picture 9">
+            <a:extLst>
+              <a:ext uri="{FF2B5EF4-FFF2-40B4-BE49-F238E27FC236}">
+                <a16:creationId xmlns:a16="http://schemas.microsoft.com/office/drawing/2014/main" id="{A7CEA332-31DF-DB3C-9507-B9E584274525}"/>
+              </a:ext>
+            </a:extLst>
+          </p:cNvPr>
+          <p:cNvPicPr>
+            <a:picLocks noChangeAspect="1"/>
+          </p:cNvPicPr>
+          <p:nvPr/>
+        </p:nvPicPr>
+        <p:blipFill>
+          <a:blip r:embed="rId4"/>
+          <a:stretch>
+            <a:fillRect/>
+          </a:stretch>
+        </p:blipFill>
+        <p:spPr>
+          <a:xfrm>
+            <a:off x="9490398" y="4858941"/>
+            <a:ext cx="1571429" cy="1838095"/>
+          </a:xfrm>
+          <a:prstGeom prst="rect">
+            <a:avLst/>
+          </a:prstGeom>
+        </p:spPr>
+      </p:pic>
+    </p:spTree>
+    <p:extLst>
+      <p:ext uri="{BB962C8B-B14F-4D97-AF65-F5344CB8AC3E}">
+        <p14:creationId xmlns:p14="http://schemas.microsoft.com/office/powerpoint/2010/main" val="1047685721"/>
+      </p:ext>
+    </p:extLst>
+  </p:cSld>
+  <p:clrMapOvr>
+    <a:masterClrMapping/>
+  </p:clrMapOvr>
+</p:sld>
+</file>
+
+<file path=ppt/slides/slide108.xml><?xml version="1.0" encoding="utf-8"?>
 <p:sld xmlns:a="http://schemas.openxmlformats.org/drawingml/2006/main" xmlns:r="http://schemas.openxmlformats.org/officeDocument/2006/relationships" xmlns:p="http://schemas.openxmlformats.org/presentationml/2006/main">
   <p:cSld>
     <p:spTree>
@@ -5711,16 +7133,248 @@
           </a:xfrm>
         </p:spPr>
         <p:txBody>
-          <a:bodyPr/>
+          <a:bodyPr>
+            <a:normAutofit/>
+          </a:bodyPr>
           <a:lstStyle/>
           <a:p>
             <a:pPr marL="0" indent="0">
               <a:buNone/>
             </a:pPr>
-            <a:endParaRPr lang="en-IN" dirty="0"/>
+            <a:r>
+              <a:rPr lang="en-US" sz="2400" b="1" dirty="0">
+                <a:solidFill>
+                  <a:srgbClr val="00B0F0"/>
+                </a:solidFill>
+              </a:rPr>
+              <a:t>b) Using range(): </a:t>
+            </a:r>
+            <a:r>
+              <a:rPr lang="en-US" sz="2400" dirty="0"/>
+              <a:t>The </a:t>
+            </a:r>
+            <a:r>
+              <a:rPr lang="en-US" sz="2400" b="1" dirty="0">
+                <a:solidFill>
+                  <a:srgbClr val="C00000"/>
+                </a:solidFill>
+              </a:rPr>
+              <a:t>range() function </a:t>
+            </a:r>
+            <a:r>
+              <a:rPr lang="en-US" sz="2400" b="1" dirty="0"/>
+              <a:t>generates a sequence of numbers</a:t>
+            </a:r>
+            <a:r>
+              <a:rPr lang="en-US" sz="2400" dirty="0"/>
+              <a:t>.</a:t>
+            </a:r>
+          </a:p>
+          <a:p>
+            <a:pPr marL="0" indent="0">
+              <a:buNone/>
+            </a:pPr>
+            <a:r>
+              <a:rPr lang="en-IN" sz="2400" dirty="0"/>
+              <a:t>						</a:t>
+            </a:r>
+            <a:r>
+              <a:rPr lang="en-IN" sz="2400" b="1" dirty="0">
+                <a:solidFill>
+                  <a:srgbClr val="002060"/>
+                </a:solidFill>
+              </a:rPr>
+              <a:t>Output:</a:t>
+            </a:r>
+          </a:p>
+          <a:p>
+            <a:pPr marL="0" indent="0">
+              <a:buNone/>
+            </a:pPr>
+            <a:endParaRPr lang="en-IN" sz="2400" b="1" dirty="0">
+              <a:solidFill>
+                <a:srgbClr val="002060"/>
+              </a:solidFill>
+            </a:endParaRPr>
+          </a:p>
+          <a:p>
+            <a:pPr marL="0" indent="0">
+              <a:buNone/>
+            </a:pPr>
+            <a:endParaRPr lang="en-IN" sz="2400" b="1" dirty="0">
+              <a:solidFill>
+                <a:srgbClr val="002060"/>
+              </a:solidFill>
+            </a:endParaRPr>
+          </a:p>
+          <a:p>
+            <a:pPr marL="0" indent="0">
+              <a:buNone/>
+            </a:pPr>
+            <a:endParaRPr lang="en-IN" sz="2400" b="1" dirty="0">
+              <a:solidFill>
+                <a:srgbClr val="002060"/>
+              </a:solidFill>
+            </a:endParaRPr>
+          </a:p>
+          <a:p>
+            <a:pPr marL="0" indent="0">
+              <a:buNone/>
+            </a:pPr>
+            <a:endParaRPr lang="en-IN" sz="2400" b="1" dirty="0">
+              <a:solidFill>
+                <a:srgbClr val="002060"/>
+              </a:solidFill>
+            </a:endParaRPr>
+          </a:p>
+          <a:p>
+            <a:pPr marL="0" indent="0">
+              <a:buNone/>
+            </a:pPr>
+            <a:r>
+              <a:rPr lang="en-IN" sz="2400" b="1" dirty="0">
+                <a:solidFill>
+                  <a:srgbClr val="002060"/>
+                </a:solidFill>
+              </a:rPr>
+              <a:t>c) Iterating Over a String: </a:t>
+            </a:r>
+          </a:p>
+          <a:p>
+            <a:pPr marL="0" indent="0">
+              <a:buNone/>
+            </a:pPr>
+            <a:r>
+              <a:rPr lang="en-IN" sz="2400" b="1" dirty="0">
+                <a:solidFill>
+                  <a:srgbClr val="002060"/>
+                </a:solidFill>
+              </a:rPr>
+              <a:t>						Output:</a:t>
+            </a:r>
           </a:p>
         </p:txBody>
       </p:sp>
+      <p:pic>
+        <p:nvPicPr>
+          <p:cNvPr id="4" name="Picture 3">
+            <a:extLst>
+              <a:ext uri="{FF2B5EF4-FFF2-40B4-BE49-F238E27FC236}">
+                <a16:creationId xmlns:a16="http://schemas.microsoft.com/office/drawing/2014/main" id="{1161544E-F46D-31B1-EE92-F3C5F3A015EE}"/>
+              </a:ext>
+            </a:extLst>
+          </p:cNvPr>
+          <p:cNvPicPr>
+            <a:picLocks noChangeAspect="1"/>
+          </p:cNvPicPr>
+          <p:nvPr/>
+        </p:nvPicPr>
+        <p:blipFill>
+          <a:blip r:embed="rId2"/>
+          <a:stretch>
+            <a:fillRect/>
+          </a:stretch>
+        </p:blipFill>
+        <p:spPr>
+          <a:xfrm>
+            <a:off x="1699771" y="1621371"/>
+            <a:ext cx="3828571" cy="1285714"/>
+          </a:xfrm>
+          <a:prstGeom prst="rect">
+            <a:avLst/>
+          </a:prstGeom>
+        </p:spPr>
+      </p:pic>
+      <p:pic>
+        <p:nvPicPr>
+          <p:cNvPr id="6" name="Picture 5">
+            <a:extLst>
+              <a:ext uri="{FF2B5EF4-FFF2-40B4-BE49-F238E27FC236}">
+                <a16:creationId xmlns:a16="http://schemas.microsoft.com/office/drawing/2014/main" id="{BA69234B-77E0-B608-F843-DABD9CCD575B}"/>
+              </a:ext>
+            </a:extLst>
+          </p:cNvPr>
+          <p:cNvPicPr>
+            <a:picLocks noChangeAspect="1"/>
+          </p:cNvPicPr>
+          <p:nvPr/>
+        </p:nvPicPr>
+        <p:blipFill>
+          <a:blip r:embed="rId3"/>
+          <a:stretch>
+            <a:fillRect/>
+          </a:stretch>
+        </p:blipFill>
+        <p:spPr>
+          <a:xfrm>
+            <a:off x="6775066" y="1621371"/>
+            <a:ext cx="640359" cy="1633458"/>
+          </a:xfrm>
+          <a:prstGeom prst="rect">
+            <a:avLst/>
+          </a:prstGeom>
+        </p:spPr>
+      </p:pic>
+      <p:pic>
+        <p:nvPicPr>
+          <p:cNvPr id="8" name="Picture 7">
+            <a:extLst>
+              <a:ext uri="{FF2B5EF4-FFF2-40B4-BE49-F238E27FC236}">
+                <a16:creationId xmlns:a16="http://schemas.microsoft.com/office/drawing/2014/main" id="{D1C6114C-F448-7D7F-45C4-106C9E7E6F3D}"/>
+              </a:ext>
+            </a:extLst>
+          </p:cNvPr>
+          <p:cNvPicPr>
+            <a:picLocks noChangeAspect="1"/>
+          </p:cNvPicPr>
+          <p:nvPr/>
+        </p:nvPicPr>
+        <p:blipFill>
+          <a:blip r:embed="rId4"/>
+          <a:stretch>
+            <a:fillRect/>
+          </a:stretch>
+        </p:blipFill>
+        <p:spPr>
+          <a:xfrm>
+            <a:off x="1754414" y="4195838"/>
+            <a:ext cx="4352381" cy="1209524"/>
+          </a:xfrm>
+          <a:prstGeom prst="rect">
+            <a:avLst/>
+          </a:prstGeom>
+        </p:spPr>
+      </p:pic>
+      <p:pic>
+        <p:nvPicPr>
+          <p:cNvPr id="10" name="Picture 9">
+            <a:extLst>
+              <a:ext uri="{FF2B5EF4-FFF2-40B4-BE49-F238E27FC236}">
+                <a16:creationId xmlns:a16="http://schemas.microsoft.com/office/drawing/2014/main" id="{EA21683B-8BEB-CB98-9FB4-47EAC1519283}"/>
+              </a:ext>
+            </a:extLst>
+          </p:cNvPr>
+          <p:cNvPicPr>
+            <a:picLocks noChangeAspect="1"/>
+          </p:cNvPicPr>
+          <p:nvPr/>
+        </p:nvPicPr>
+        <p:blipFill>
+          <a:blip r:embed="rId5"/>
+          <a:stretch>
+            <a:fillRect/>
+          </a:stretch>
+        </p:blipFill>
+        <p:spPr>
+          <a:xfrm>
+            <a:off x="6775066" y="4245888"/>
+            <a:ext cx="640358" cy="2619646"/>
+          </a:xfrm>
+          <a:prstGeom prst="rect">
+            <a:avLst/>
+          </a:prstGeom>
+        </p:spPr>
+      </p:pic>
     </p:spTree>
     <p:extLst>
       <p:ext uri="{BB962C8B-B14F-4D97-AF65-F5344CB8AC3E}">
@@ -5734,18 +7388,12 @@
 </p:sld>
 </file>
 
-<file path=ppt/slides/slide104.xml><?xml version="1.0" encoding="utf-8"?>
+<file path=ppt/slides/slide109.xml><?xml version="1.0" encoding="utf-8"?>
 <p:sld xmlns:a="http://schemas.openxmlformats.org/drawingml/2006/main" xmlns:r="http://schemas.openxmlformats.org/officeDocument/2006/relationships" xmlns:p="http://schemas.openxmlformats.org/presentationml/2006/main">
   <p:cSld>
     <p:spTree>
       <p:nvGrpSpPr>
-        <p:cNvPr id="1" name="">
-          <a:extLst>
-            <a:ext uri="{FF2B5EF4-FFF2-40B4-BE49-F238E27FC236}">
-              <a16:creationId xmlns:a16="http://schemas.microsoft.com/office/drawing/2014/main" id="{51256A71-ACD6-FB75-B16D-62AE554CA21C}"/>
-            </a:ext>
-          </a:extLst>
-        </p:cNvPr>
+        <p:cNvPr id="1" name=""/>
         <p:cNvGrpSpPr/>
         <p:nvPr/>
       </p:nvGrpSpPr>
@@ -5757,250 +7405,117 @@
           <a:chExt cx="0" cy="0"/>
         </a:xfrm>
       </p:grpSpPr>
-      <p:sp>
-        <p:nvSpPr>
-          <p:cNvPr id="3" name="Content Placeholder 2">
+      <p:pic>
+        <p:nvPicPr>
+          <p:cNvPr id="2" name="Picture 6" descr="For Loop in Java - GeeksforGeeks">
             <a:extLst>
               <a:ext uri="{FF2B5EF4-FFF2-40B4-BE49-F238E27FC236}">
-                <a16:creationId xmlns:a16="http://schemas.microsoft.com/office/drawing/2014/main" id="{9908956F-D1DB-8AD3-C64A-3987D545D54B}"/>
+                <a16:creationId xmlns:a16="http://schemas.microsoft.com/office/drawing/2014/main" id="{AD35F7C7-4897-872D-7199-64ABBD54C788}"/>
               </a:ext>
             </a:extLst>
           </p:cNvPr>
-          <p:cNvSpPr>
-            <a:spLocks noGrp="1"/>
-          </p:cNvSpPr>
+          <p:cNvPicPr>
+            <a:picLocks noGrp="1" noChangeAspect="1" noChangeArrowheads="1"/>
+          </p:cNvPicPr>
           <p:nvPr>
             <p:ph idx="1"/>
           </p:nvPr>
+        </p:nvPicPr>
+        <p:blipFill>
+          <a:blip r:embed="rId2">
+            <a:extLst>
+              <a:ext uri="{28A0092B-C50C-407E-A947-70E740481C1C}">
+                <a14:useLocalDpi xmlns:a14="http://schemas.microsoft.com/office/drawing/2010/main" val="0"/>
+              </a:ext>
+            </a:extLst>
+          </a:blip>
+          <a:stretch>
+            <a:fillRect/>
+          </a:stretch>
+        </p:blipFill>
+        <p:spPr bwMode="auto">
+          <a:xfrm>
+            <a:off x="643467" y="1769322"/>
+            <a:ext cx="10905066" cy="4225712"/>
+          </a:xfrm>
+          <a:prstGeom prst="rect">
+            <a:avLst/>
+          </a:prstGeom>
+          <a:noFill/>
+          <a:ln>
+            <a:noFill/>
+          </a:ln>
+          <a:extLst>
+            <a:ext uri="{909E8E84-426E-40DD-AFC4-6F175D3DCCD1}">
+              <a14:hiddenFill xmlns:a14="http://schemas.microsoft.com/office/drawing/2010/main">
+                <a:solidFill>
+                  <a:srgbClr val="FFFFFF"/>
+                </a:solidFill>
+              </a14:hiddenFill>
+            </a:ext>
+          </a:extLst>
+        </p:spPr>
+      </p:pic>
+      <p:sp>
+        <p:nvSpPr>
+          <p:cNvPr id="4" name="TextBox 3">
+            <a:extLst>
+              <a:ext uri="{FF2B5EF4-FFF2-40B4-BE49-F238E27FC236}">
+                <a16:creationId xmlns:a16="http://schemas.microsoft.com/office/drawing/2014/main" id="{A9470CB0-53C1-824A-39FC-54588850B1CD}"/>
+              </a:ext>
+            </a:extLst>
+          </p:cNvPr>
+          <p:cNvSpPr txBox="1"/>
+          <p:nvPr/>
         </p:nvSpPr>
         <p:spPr>
           <a:xfrm>
-            <a:off x="777240" y="674914"/>
-            <a:ext cx="10659110" cy="5502049"/>
+            <a:off x="1587640" y="1072043"/>
+            <a:ext cx="3758083" cy="584775"/>
           </a:xfrm>
+          <a:prstGeom prst="rect">
+            <a:avLst/>
+          </a:prstGeom>
+          <a:noFill/>
         </p:spPr>
         <p:txBody>
-          <a:bodyPr/>
+          <a:bodyPr wrap="square" rtlCol="0">
+            <a:spAutoFit/>
+          </a:bodyPr>
           <a:lstStyle/>
           <a:p>
-            <a:pPr marL="0" indent="0">
-              <a:buNone/>
-            </a:pPr>
-            <a:endParaRPr lang="en-IN" dirty="0"/>
+            <a:r>
+              <a:rPr lang="en-US" sz="3200" b="1" dirty="0">
+                <a:solidFill>
+                  <a:srgbClr val="C00000"/>
+                </a:solidFill>
+              </a:rPr>
+              <a:t>for</a:t>
+            </a:r>
+            <a:r>
+              <a:rPr lang="en-US" sz="3200" b="1" dirty="0">
+                <a:solidFill>
+                  <a:schemeClr val="accent2">
+                    <a:lumMod val="75000"/>
+                  </a:schemeClr>
+                </a:solidFill>
+              </a:rPr>
+              <a:t> Loop Flow Chart:</a:t>
+            </a:r>
+            <a:endParaRPr lang="en-IN" sz="3200" b="1" dirty="0">
+              <a:solidFill>
+                <a:schemeClr val="accent2">
+                  <a:lumMod val="75000"/>
+                </a:schemeClr>
+              </a:solidFill>
+            </a:endParaRPr>
           </a:p>
         </p:txBody>
       </p:sp>
     </p:spTree>
     <p:extLst>
       <p:ext uri="{BB962C8B-B14F-4D97-AF65-F5344CB8AC3E}">
-        <p14:creationId xmlns:p14="http://schemas.microsoft.com/office/powerpoint/2010/main" val="2025989913"/>
-      </p:ext>
-    </p:extLst>
-  </p:cSld>
-  <p:clrMapOvr>
-    <a:masterClrMapping/>
-  </p:clrMapOvr>
-</p:sld>
-</file>
-
-<file path=ppt/slides/slide105.xml><?xml version="1.0" encoding="utf-8"?>
-<p:sld xmlns:a="http://schemas.openxmlformats.org/drawingml/2006/main" xmlns:r="http://schemas.openxmlformats.org/officeDocument/2006/relationships" xmlns:p="http://schemas.openxmlformats.org/presentationml/2006/main">
-  <p:cSld>
-    <p:spTree>
-      <p:nvGrpSpPr>
-        <p:cNvPr id="1" name="">
-          <a:extLst>
-            <a:ext uri="{FF2B5EF4-FFF2-40B4-BE49-F238E27FC236}">
-              <a16:creationId xmlns:a16="http://schemas.microsoft.com/office/drawing/2014/main" id="{86D9C5AC-FF16-08BF-8605-464310AA0C4A}"/>
-            </a:ext>
-          </a:extLst>
-        </p:cNvPr>
-        <p:cNvGrpSpPr/>
-        <p:nvPr/>
-      </p:nvGrpSpPr>
-      <p:grpSpPr>
-        <a:xfrm>
-          <a:off x="0" y="0"/>
-          <a:ext cx="0" cy="0"/>
-          <a:chOff x="0" y="0"/>
-          <a:chExt cx="0" cy="0"/>
-        </a:xfrm>
-      </p:grpSpPr>
-      <p:sp>
-        <p:nvSpPr>
-          <p:cNvPr id="3" name="Content Placeholder 2">
-            <a:extLst>
-              <a:ext uri="{FF2B5EF4-FFF2-40B4-BE49-F238E27FC236}">
-                <a16:creationId xmlns:a16="http://schemas.microsoft.com/office/drawing/2014/main" id="{F570951E-67F9-5A39-48D5-CE31D9A80A38}"/>
-              </a:ext>
-            </a:extLst>
-          </p:cNvPr>
-          <p:cNvSpPr>
-            <a:spLocks noGrp="1"/>
-          </p:cNvSpPr>
-          <p:nvPr>
-            <p:ph idx="1"/>
-          </p:nvPr>
-        </p:nvSpPr>
-        <p:spPr>
-          <a:xfrm>
-            <a:off x="777240" y="674914"/>
-            <a:ext cx="10659110" cy="5502049"/>
-          </a:xfrm>
-        </p:spPr>
-        <p:txBody>
-          <a:bodyPr/>
-          <a:lstStyle/>
-          <a:p>
-            <a:pPr marL="0" indent="0">
-              <a:buNone/>
-            </a:pPr>
-            <a:endParaRPr lang="en-IN" dirty="0"/>
-          </a:p>
-        </p:txBody>
-      </p:sp>
-    </p:spTree>
-    <p:extLst>
-      <p:ext uri="{BB962C8B-B14F-4D97-AF65-F5344CB8AC3E}">
-        <p14:creationId xmlns:p14="http://schemas.microsoft.com/office/powerpoint/2010/main" val="273322052"/>
-      </p:ext>
-    </p:extLst>
-  </p:cSld>
-  <p:clrMapOvr>
-    <a:masterClrMapping/>
-  </p:clrMapOvr>
-</p:sld>
-</file>
-
-<file path=ppt/slides/slide106.xml><?xml version="1.0" encoding="utf-8"?>
-<p:sld xmlns:a="http://schemas.openxmlformats.org/drawingml/2006/main" xmlns:r="http://schemas.openxmlformats.org/officeDocument/2006/relationships" xmlns:p="http://schemas.openxmlformats.org/presentationml/2006/main">
-  <p:cSld>
-    <p:spTree>
-      <p:nvGrpSpPr>
-        <p:cNvPr id="1" name="">
-          <a:extLst>
-            <a:ext uri="{FF2B5EF4-FFF2-40B4-BE49-F238E27FC236}">
-              <a16:creationId xmlns:a16="http://schemas.microsoft.com/office/drawing/2014/main" id="{F224E9E8-E69D-B7F2-00A5-A4EABB7F453C}"/>
-            </a:ext>
-          </a:extLst>
-        </p:cNvPr>
-        <p:cNvGrpSpPr/>
-        <p:nvPr/>
-      </p:nvGrpSpPr>
-      <p:grpSpPr>
-        <a:xfrm>
-          <a:off x="0" y="0"/>
-          <a:ext cx="0" cy="0"/>
-          <a:chOff x="0" y="0"/>
-          <a:chExt cx="0" cy="0"/>
-        </a:xfrm>
-      </p:grpSpPr>
-      <p:sp>
-        <p:nvSpPr>
-          <p:cNvPr id="3" name="Content Placeholder 2">
-            <a:extLst>
-              <a:ext uri="{FF2B5EF4-FFF2-40B4-BE49-F238E27FC236}">
-                <a16:creationId xmlns:a16="http://schemas.microsoft.com/office/drawing/2014/main" id="{07363B84-D91B-947C-6656-D871F058511B}"/>
-              </a:ext>
-            </a:extLst>
-          </p:cNvPr>
-          <p:cNvSpPr>
-            <a:spLocks noGrp="1"/>
-          </p:cNvSpPr>
-          <p:nvPr>
-            <p:ph idx="1"/>
-          </p:nvPr>
-        </p:nvSpPr>
-        <p:spPr>
-          <a:xfrm>
-            <a:off x="777240" y="674914"/>
-            <a:ext cx="10659110" cy="5502049"/>
-          </a:xfrm>
-        </p:spPr>
-        <p:txBody>
-          <a:bodyPr/>
-          <a:lstStyle/>
-          <a:p>
-            <a:pPr marL="0" indent="0">
-              <a:buNone/>
-            </a:pPr>
-            <a:endParaRPr lang="en-IN" dirty="0"/>
-          </a:p>
-        </p:txBody>
-      </p:sp>
-    </p:spTree>
-    <p:extLst>
-      <p:ext uri="{BB962C8B-B14F-4D97-AF65-F5344CB8AC3E}">
-        <p14:creationId xmlns:p14="http://schemas.microsoft.com/office/powerpoint/2010/main" val="1260890278"/>
-      </p:ext>
-    </p:extLst>
-  </p:cSld>
-  <p:clrMapOvr>
-    <a:masterClrMapping/>
-  </p:clrMapOvr>
-</p:sld>
-</file>
-
-<file path=ppt/slides/slide107.xml><?xml version="1.0" encoding="utf-8"?>
-<p:sld xmlns:a="http://schemas.openxmlformats.org/drawingml/2006/main" xmlns:r="http://schemas.openxmlformats.org/officeDocument/2006/relationships" xmlns:p="http://schemas.openxmlformats.org/presentationml/2006/main">
-  <p:cSld>
-    <p:spTree>
-      <p:nvGrpSpPr>
-        <p:cNvPr id="1" name="">
-          <a:extLst>
-            <a:ext uri="{FF2B5EF4-FFF2-40B4-BE49-F238E27FC236}">
-              <a16:creationId xmlns:a16="http://schemas.microsoft.com/office/drawing/2014/main" id="{47659715-32A3-7AEC-7222-9BF860CBB366}"/>
-            </a:ext>
-          </a:extLst>
-        </p:cNvPr>
-        <p:cNvGrpSpPr/>
-        <p:nvPr/>
-      </p:nvGrpSpPr>
-      <p:grpSpPr>
-        <a:xfrm>
-          <a:off x="0" y="0"/>
-          <a:ext cx="0" cy="0"/>
-          <a:chOff x="0" y="0"/>
-          <a:chExt cx="0" cy="0"/>
-        </a:xfrm>
-      </p:grpSpPr>
-      <p:sp>
-        <p:nvSpPr>
-          <p:cNvPr id="3" name="Content Placeholder 2">
-            <a:extLst>
-              <a:ext uri="{FF2B5EF4-FFF2-40B4-BE49-F238E27FC236}">
-                <a16:creationId xmlns:a16="http://schemas.microsoft.com/office/drawing/2014/main" id="{127AD8EA-4DDB-ECD3-7339-1FE159B16D53}"/>
-              </a:ext>
-            </a:extLst>
-          </p:cNvPr>
-          <p:cNvSpPr>
-            <a:spLocks noGrp="1"/>
-          </p:cNvSpPr>
-          <p:nvPr>
-            <p:ph idx="1"/>
-          </p:nvPr>
-        </p:nvSpPr>
-        <p:spPr>
-          <a:xfrm>
-            <a:off x="777240" y="674914"/>
-            <a:ext cx="10659110" cy="5502049"/>
-          </a:xfrm>
-        </p:spPr>
-        <p:txBody>
-          <a:bodyPr/>
-          <a:lstStyle/>
-          <a:p>
-            <a:pPr marL="0" indent="0">
-              <a:buNone/>
-            </a:pPr>
-            <a:endParaRPr lang="en-IN" dirty="0"/>
-          </a:p>
-        </p:txBody>
-      </p:sp>
-    </p:spTree>
-    <p:extLst>
-      <p:ext uri="{BB962C8B-B14F-4D97-AF65-F5344CB8AC3E}">
-        <p14:creationId xmlns:p14="http://schemas.microsoft.com/office/powerpoint/2010/main" val="844081939"/>
+        <p14:creationId xmlns:p14="http://schemas.microsoft.com/office/powerpoint/2010/main" val="4139956834"/>
       </p:ext>
     </p:extLst>
   </p:cSld>
@@ -6418,6 +7933,1950 @@
 </p:sld>
 </file>
 
+<file path=ppt/slides/slide110.xml><?xml version="1.0" encoding="utf-8"?>
+<p:sld xmlns:a="http://schemas.openxmlformats.org/drawingml/2006/main" xmlns:r="http://schemas.openxmlformats.org/officeDocument/2006/relationships" xmlns:p="http://schemas.openxmlformats.org/presentationml/2006/main">
+  <p:cSld>
+    <p:spTree>
+      <p:nvGrpSpPr>
+        <p:cNvPr id="1" name=""/>
+        <p:cNvGrpSpPr/>
+        <p:nvPr/>
+      </p:nvGrpSpPr>
+      <p:grpSpPr>
+        <a:xfrm>
+          <a:off x="0" y="0"/>
+          <a:ext cx="0" cy="0"/>
+          <a:chOff x="0" y="0"/>
+          <a:chExt cx="0" cy="0"/>
+        </a:xfrm>
+      </p:grpSpPr>
+      <p:sp>
+        <p:nvSpPr>
+          <p:cNvPr id="3" name="Content Placeholder 2">
+            <a:extLst>
+              <a:ext uri="{FF2B5EF4-FFF2-40B4-BE49-F238E27FC236}">
+                <a16:creationId xmlns:a16="http://schemas.microsoft.com/office/drawing/2014/main" id="{D54E3524-9608-1748-6BEE-6292D3D1DF9B}"/>
+              </a:ext>
+            </a:extLst>
+          </p:cNvPr>
+          <p:cNvSpPr>
+            <a:spLocks noGrp="1"/>
+          </p:cNvSpPr>
+          <p:nvPr>
+            <p:ph idx="1"/>
+          </p:nvPr>
+        </p:nvSpPr>
+        <p:spPr>
+          <a:xfrm>
+            <a:off x="777240" y="413658"/>
+            <a:ext cx="10659110" cy="5763306"/>
+          </a:xfrm>
+        </p:spPr>
+        <p:txBody>
+          <a:bodyPr>
+            <a:normAutofit/>
+          </a:bodyPr>
+          <a:lstStyle/>
+          <a:p>
+            <a:pPr marL="0" indent="0">
+              <a:buNone/>
+            </a:pPr>
+            <a:r>
+              <a:rPr lang="en-US" sz="2400" b="1" dirty="0">
+                <a:solidFill>
+                  <a:srgbClr val="002060"/>
+                </a:solidFill>
+              </a:rPr>
+              <a:t>2. while loop:</a:t>
+            </a:r>
+          </a:p>
+          <a:p>
+            <a:pPr marL="0" indent="0">
+              <a:buNone/>
+            </a:pPr>
+            <a:r>
+              <a:rPr lang="en-US" sz="2400" dirty="0"/>
+              <a:t>The while loop continually executes a block of code </a:t>
+            </a:r>
+            <a:r>
+              <a:rPr lang="en-US" sz="2400" b="1" dirty="0"/>
+              <a:t>as long as a specified </a:t>
+            </a:r>
+            <a:r>
+              <a:rPr lang="en-US" sz="2400" b="1" dirty="0">
+                <a:solidFill>
+                  <a:srgbClr val="C00000"/>
+                </a:solidFill>
+              </a:rPr>
+              <a:t>condition</a:t>
+            </a:r>
+            <a:r>
+              <a:rPr lang="en-US" sz="2400" b="1" dirty="0"/>
+              <a:t> </a:t>
+            </a:r>
+            <a:r>
+              <a:rPr lang="en-US" sz="2400" b="1" dirty="0">
+                <a:solidFill>
+                  <a:srgbClr val="C00000"/>
+                </a:solidFill>
+              </a:rPr>
+              <a:t>is true</a:t>
+            </a:r>
+            <a:r>
+              <a:rPr lang="en-US" sz="2400" dirty="0"/>
+              <a:t>. The condition is checked before the execution of the loop body, making it a </a:t>
+            </a:r>
+            <a:r>
+              <a:rPr lang="en-US" sz="2400" b="1" dirty="0">
+                <a:solidFill>
+                  <a:srgbClr val="C00000"/>
+                </a:solidFill>
+              </a:rPr>
+              <a:t>pre-test loop</a:t>
+            </a:r>
+            <a:r>
+              <a:rPr lang="en-US" sz="2400" dirty="0"/>
+              <a:t>.</a:t>
+            </a:r>
+          </a:p>
+          <a:p>
+            <a:pPr marL="0" indent="0">
+              <a:buNone/>
+            </a:pPr>
+            <a:r>
+              <a:rPr lang="en-US" sz="2400" dirty="0"/>
+              <a:t>The while loop is used when the number of iterations is </a:t>
+            </a:r>
+            <a:r>
+              <a:rPr lang="en-US" sz="2400" b="1" dirty="0">
+                <a:solidFill>
+                  <a:srgbClr val="002060"/>
+                </a:solidFill>
+              </a:rPr>
+              <a:t>not known in advance</a:t>
+            </a:r>
+            <a:r>
+              <a:rPr lang="en-US" sz="2400" dirty="0"/>
+              <a:t>, but the condition is checked before the loop body executes.</a:t>
+            </a:r>
+          </a:p>
+          <a:p>
+            <a:pPr marL="0" indent="0">
+              <a:buNone/>
+            </a:pPr>
+            <a:r>
+              <a:rPr lang="en-US" sz="2400" b="1" dirty="0"/>
+              <a:t>Syntax:</a:t>
+            </a:r>
+          </a:p>
+          <a:p>
+            <a:pPr marL="0" indent="0">
+              <a:buNone/>
+            </a:pPr>
+            <a:endParaRPr lang="en-US" sz="2400" b="1" dirty="0"/>
+          </a:p>
+          <a:p>
+            <a:pPr marL="0" indent="0">
+              <a:buNone/>
+            </a:pPr>
+            <a:endParaRPr lang="en-US" sz="2400" b="1" dirty="0"/>
+          </a:p>
+          <a:p>
+            <a:pPr marL="0" indent="0">
+              <a:buNone/>
+            </a:pPr>
+            <a:endParaRPr lang="en-US" sz="2400" b="1" dirty="0"/>
+          </a:p>
+          <a:p>
+            <a:pPr marL="0" indent="0">
+              <a:buNone/>
+            </a:pPr>
+            <a:r>
+              <a:rPr lang="en-US" sz="2400" b="1" dirty="0"/>
+              <a:t>Example: </a:t>
+            </a:r>
+            <a:r>
+              <a:rPr lang="en-US" sz="2400" b="1" dirty="0">
+                <a:solidFill>
+                  <a:srgbClr val="002060"/>
+                </a:solidFill>
+              </a:rPr>
+              <a:t>Print Num from 0-4</a:t>
+            </a:r>
+            <a:r>
+              <a:rPr lang="en-US" sz="2400" b="1" dirty="0"/>
+              <a:t>:</a:t>
+            </a:r>
+          </a:p>
+          <a:p>
+            <a:pPr marL="0" indent="0">
+              <a:buNone/>
+            </a:pPr>
+            <a:endParaRPr lang="en-IN" sz="2400" dirty="0"/>
+          </a:p>
+        </p:txBody>
+      </p:sp>
+      <p:pic>
+        <p:nvPicPr>
+          <p:cNvPr id="5" name="Picture 4">
+            <a:extLst>
+              <a:ext uri="{FF2B5EF4-FFF2-40B4-BE49-F238E27FC236}">
+                <a16:creationId xmlns:a16="http://schemas.microsoft.com/office/drawing/2014/main" id="{8346B2CD-BDC0-30EB-92FD-18C206AD43EB}"/>
+              </a:ext>
+            </a:extLst>
+          </p:cNvPr>
+          <p:cNvPicPr>
+            <a:picLocks noChangeAspect="1"/>
+          </p:cNvPicPr>
+          <p:nvPr/>
+        </p:nvPicPr>
+        <p:blipFill>
+          <a:blip r:embed="rId2"/>
+          <a:stretch>
+            <a:fillRect/>
+          </a:stretch>
+        </p:blipFill>
+        <p:spPr>
+          <a:xfrm>
+            <a:off x="2171571" y="2979625"/>
+            <a:ext cx="8169857" cy="1295544"/>
+          </a:xfrm>
+          <a:prstGeom prst="rect">
+            <a:avLst/>
+          </a:prstGeom>
+        </p:spPr>
+      </p:pic>
+      <p:pic>
+        <p:nvPicPr>
+          <p:cNvPr id="6" name="Picture 5">
+            <a:extLst>
+              <a:ext uri="{FF2B5EF4-FFF2-40B4-BE49-F238E27FC236}">
+                <a16:creationId xmlns:a16="http://schemas.microsoft.com/office/drawing/2014/main" id="{9098EAC7-75B6-4764-1FFB-55137FEF2528}"/>
+              </a:ext>
+            </a:extLst>
+          </p:cNvPr>
+          <p:cNvPicPr>
+            <a:picLocks noChangeAspect="1"/>
+          </p:cNvPicPr>
+          <p:nvPr/>
+        </p:nvPicPr>
+        <p:blipFill>
+          <a:blip r:embed="rId3"/>
+          <a:stretch>
+            <a:fillRect/>
+          </a:stretch>
+        </p:blipFill>
+        <p:spPr>
+          <a:xfrm>
+            <a:off x="5558802" y="4691854"/>
+            <a:ext cx="3400142" cy="1872230"/>
+          </a:xfrm>
+          <a:prstGeom prst="rect">
+            <a:avLst/>
+          </a:prstGeom>
+        </p:spPr>
+      </p:pic>
+    </p:spTree>
+    <p:extLst>
+      <p:ext uri="{BB962C8B-B14F-4D97-AF65-F5344CB8AC3E}">
+        <p14:creationId xmlns:p14="http://schemas.microsoft.com/office/powerpoint/2010/main" val="2389693802"/>
+      </p:ext>
+    </p:extLst>
+  </p:cSld>
+  <p:clrMapOvr>
+    <a:masterClrMapping/>
+  </p:clrMapOvr>
+</p:sld>
+</file>
+
+<file path=ppt/slides/slide111.xml><?xml version="1.0" encoding="utf-8"?>
+<p:sld xmlns:a="http://schemas.openxmlformats.org/drawingml/2006/main" xmlns:r="http://schemas.openxmlformats.org/officeDocument/2006/relationships" xmlns:p="http://schemas.openxmlformats.org/presentationml/2006/main">
+  <p:cSld>
+    <p:spTree>
+      <p:nvGrpSpPr>
+        <p:cNvPr id="1" name="">
+          <a:extLst>
+            <a:ext uri="{FF2B5EF4-FFF2-40B4-BE49-F238E27FC236}">
+              <a16:creationId xmlns:a16="http://schemas.microsoft.com/office/drawing/2014/main" id="{51256A71-ACD6-FB75-B16D-62AE554CA21C}"/>
+            </a:ext>
+          </a:extLst>
+        </p:cNvPr>
+        <p:cNvGrpSpPr/>
+        <p:nvPr/>
+      </p:nvGrpSpPr>
+      <p:grpSpPr>
+        <a:xfrm>
+          <a:off x="0" y="0"/>
+          <a:ext cx="0" cy="0"/>
+          <a:chOff x="0" y="0"/>
+          <a:chExt cx="0" cy="0"/>
+        </a:xfrm>
+      </p:grpSpPr>
+      <p:sp>
+        <p:nvSpPr>
+          <p:cNvPr id="3" name="Content Placeholder 2">
+            <a:extLst>
+              <a:ext uri="{FF2B5EF4-FFF2-40B4-BE49-F238E27FC236}">
+                <a16:creationId xmlns:a16="http://schemas.microsoft.com/office/drawing/2014/main" id="{9908956F-D1DB-8AD3-C64A-3987D545D54B}"/>
+              </a:ext>
+            </a:extLst>
+          </p:cNvPr>
+          <p:cNvSpPr>
+            <a:spLocks noGrp="1"/>
+          </p:cNvSpPr>
+          <p:nvPr>
+            <p:ph idx="1"/>
+          </p:nvPr>
+        </p:nvSpPr>
+        <p:spPr>
+          <a:xfrm>
+            <a:off x="777240" y="674914"/>
+            <a:ext cx="10659110" cy="5502049"/>
+          </a:xfrm>
+        </p:spPr>
+        <p:txBody>
+          <a:bodyPr>
+            <a:normAutofit/>
+          </a:bodyPr>
+          <a:lstStyle/>
+          <a:p>
+            <a:r>
+              <a:rPr lang="en-US" sz="2400" b="1" dirty="0"/>
+              <a:t>Using a while Loop with </a:t>
+            </a:r>
+            <a:r>
+              <a:rPr lang="en-US" sz="2400" b="1" dirty="0">
+                <a:solidFill>
+                  <a:srgbClr val="C00000"/>
+                </a:solidFill>
+              </a:rPr>
+              <a:t>else</a:t>
+            </a:r>
+            <a:r>
+              <a:rPr lang="en-US" sz="2400" b="1" dirty="0"/>
+              <a:t>:</a:t>
+            </a:r>
+          </a:p>
+          <a:p>
+            <a:pPr marL="0" indent="0">
+              <a:buNone/>
+            </a:pPr>
+            <a:r>
+              <a:rPr lang="en-US" sz="2400" dirty="0"/>
+              <a:t>The else block in a while loop executes </a:t>
+            </a:r>
+            <a:r>
+              <a:rPr lang="en-US" sz="2400" b="1" dirty="0"/>
+              <a:t>if the loop completes </a:t>
+            </a:r>
+            <a:r>
+              <a:rPr lang="en-US" sz="2400" b="1" dirty="0">
+                <a:solidFill>
+                  <a:srgbClr val="C00000"/>
+                </a:solidFill>
+              </a:rPr>
+              <a:t>normally</a:t>
+            </a:r>
+            <a:r>
+              <a:rPr lang="en-US" sz="2400" b="1" dirty="0"/>
+              <a:t> </a:t>
+            </a:r>
+            <a:r>
+              <a:rPr lang="en-US" sz="2400" dirty="0"/>
+              <a:t>(i.e., not terminated by a break).</a:t>
+            </a:r>
+          </a:p>
+          <a:p>
+            <a:pPr marL="0" indent="0">
+              <a:buNone/>
+            </a:pPr>
+            <a:r>
+              <a:rPr lang="en-US" sz="2400" b="1" dirty="0"/>
+              <a:t>Example:							Output:</a:t>
+            </a:r>
+          </a:p>
+          <a:p>
+            <a:pPr marL="0" indent="0">
+              <a:buNone/>
+            </a:pPr>
+            <a:endParaRPr lang="en-IN" sz="2400" dirty="0"/>
+          </a:p>
+        </p:txBody>
+      </p:sp>
+      <p:pic>
+        <p:nvPicPr>
+          <p:cNvPr id="5" name="Picture 4">
+            <a:extLst>
+              <a:ext uri="{FF2B5EF4-FFF2-40B4-BE49-F238E27FC236}">
+                <a16:creationId xmlns:a16="http://schemas.microsoft.com/office/drawing/2014/main" id="{9CD7875C-9279-7E85-7A7C-C4CC0F6CB4B3}"/>
+              </a:ext>
+            </a:extLst>
+          </p:cNvPr>
+          <p:cNvPicPr>
+            <a:picLocks noChangeAspect="1"/>
+          </p:cNvPicPr>
+          <p:nvPr/>
+        </p:nvPicPr>
+        <p:blipFill>
+          <a:blip r:embed="rId2"/>
+          <a:stretch>
+            <a:fillRect/>
+          </a:stretch>
+        </p:blipFill>
+        <p:spPr>
+          <a:xfrm>
+            <a:off x="1852982" y="2410350"/>
+            <a:ext cx="5895238" cy="2923809"/>
+          </a:xfrm>
+          <a:prstGeom prst="rect">
+            <a:avLst/>
+          </a:prstGeom>
+        </p:spPr>
+      </p:pic>
+      <p:pic>
+        <p:nvPicPr>
+          <p:cNvPr id="7" name="Picture 6">
+            <a:extLst>
+              <a:ext uri="{FF2B5EF4-FFF2-40B4-BE49-F238E27FC236}">
+                <a16:creationId xmlns:a16="http://schemas.microsoft.com/office/drawing/2014/main" id="{B242ED91-922C-69DA-5244-F3E2E93DA8A4}"/>
+              </a:ext>
+            </a:extLst>
+          </p:cNvPr>
+          <p:cNvPicPr>
+            <a:picLocks noChangeAspect="1"/>
+          </p:cNvPicPr>
+          <p:nvPr/>
+        </p:nvPicPr>
+        <p:blipFill>
+          <a:blip r:embed="rId3"/>
+          <a:srcRect r="12954"/>
+          <a:stretch/>
+        </p:blipFill>
+        <p:spPr>
+          <a:xfrm>
+            <a:off x="8113115" y="2410350"/>
+            <a:ext cx="3730543" cy="2066667"/>
+          </a:xfrm>
+          <a:prstGeom prst="rect">
+            <a:avLst/>
+          </a:prstGeom>
+        </p:spPr>
+      </p:pic>
+    </p:spTree>
+    <p:extLst>
+      <p:ext uri="{BB962C8B-B14F-4D97-AF65-F5344CB8AC3E}">
+        <p14:creationId xmlns:p14="http://schemas.microsoft.com/office/powerpoint/2010/main" val="2025989913"/>
+      </p:ext>
+    </p:extLst>
+  </p:cSld>
+  <p:clrMapOvr>
+    <a:masterClrMapping/>
+  </p:clrMapOvr>
+</p:sld>
+</file>
+
+<file path=ppt/slides/slide112.xml><?xml version="1.0" encoding="utf-8"?>
+<p:sld xmlns:a="http://schemas.openxmlformats.org/drawingml/2006/main" xmlns:r="http://schemas.openxmlformats.org/officeDocument/2006/relationships" xmlns:p="http://schemas.openxmlformats.org/presentationml/2006/main">
+  <p:cSld>
+    <p:spTree>
+      <p:nvGrpSpPr>
+        <p:cNvPr id="1" name=""/>
+        <p:cNvGrpSpPr/>
+        <p:nvPr/>
+      </p:nvGrpSpPr>
+      <p:grpSpPr>
+        <a:xfrm>
+          <a:off x="0" y="0"/>
+          <a:ext cx="0" cy="0"/>
+          <a:chOff x="0" y="0"/>
+          <a:chExt cx="0" cy="0"/>
+        </a:xfrm>
+      </p:grpSpPr>
+      <p:pic>
+        <p:nvPicPr>
+          <p:cNvPr id="4098" name="Picture 2" descr="For Loop Flowchart - A Visual Guide">
+            <a:extLst>
+              <a:ext uri="{FF2B5EF4-FFF2-40B4-BE49-F238E27FC236}">
+                <a16:creationId xmlns:a16="http://schemas.microsoft.com/office/drawing/2014/main" id="{89526F42-EE59-CB0F-D5E7-239309157FD7}"/>
+              </a:ext>
+            </a:extLst>
+          </p:cNvPr>
+          <p:cNvPicPr>
+            <a:picLocks noGrp="1" noChangeAspect="1" noChangeArrowheads="1"/>
+          </p:cNvPicPr>
+          <p:nvPr>
+            <p:ph idx="1"/>
+          </p:nvPr>
+        </p:nvPicPr>
+        <p:blipFill>
+          <a:blip r:embed="rId2">
+            <a:extLst>
+              <a:ext uri="{28A0092B-C50C-407E-A947-70E740481C1C}">
+                <a14:useLocalDpi xmlns:a14="http://schemas.microsoft.com/office/drawing/2010/main" val="0"/>
+              </a:ext>
+            </a:extLst>
+          </a:blip>
+          <a:stretch>
+            <a:fillRect/>
+          </a:stretch>
+        </p:blipFill>
+        <p:spPr bwMode="auto">
+          <a:xfrm>
+            <a:off x="3721443" y="311871"/>
+            <a:ext cx="4813989" cy="6132472"/>
+          </a:xfrm>
+          <a:prstGeom prst="rect">
+            <a:avLst/>
+          </a:prstGeom>
+          <a:noFill/>
+          <a:extLst>
+            <a:ext uri="{909E8E84-426E-40DD-AFC4-6F175D3DCCD1}">
+              <a14:hiddenFill xmlns:a14="http://schemas.microsoft.com/office/drawing/2010/main">
+                <a:solidFill>
+                  <a:srgbClr val="FFFFFF"/>
+                </a:solidFill>
+              </a14:hiddenFill>
+            </a:ext>
+          </a:extLst>
+        </p:spPr>
+      </p:pic>
+    </p:spTree>
+    <p:extLst>
+      <p:ext uri="{BB962C8B-B14F-4D97-AF65-F5344CB8AC3E}">
+        <p14:creationId xmlns:p14="http://schemas.microsoft.com/office/powerpoint/2010/main" val="1571429852"/>
+      </p:ext>
+    </p:extLst>
+  </p:cSld>
+  <p:clrMapOvr>
+    <a:masterClrMapping/>
+  </p:clrMapOvr>
+</p:sld>
+</file>
+
+<file path=ppt/slides/slide113.xml><?xml version="1.0" encoding="utf-8"?>
+<p:sld xmlns:a="http://schemas.openxmlformats.org/drawingml/2006/main" xmlns:r="http://schemas.openxmlformats.org/officeDocument/2006/relationships" xmlns:p="http://schemas.openxmlformats.org/presentationml/2006/main">
+  <p:cSld>
+    <p:spTree>
+      <p:nvGrpSpPr>
+        <p:cNvPr id="1" name="">
+          <a:extLst>
+            <a:ext uri="{FF2B5EF4-FFF2-40B4-BE49-F238E27FC236}">
+              <a16:creationId xmlns:a16="http://schemas.microsoft.com/office/drawing/2014/main" id="{F224E9E8-E69D-B7F2-00A5-A4EABB7F453C}"/>
+            </a:ext>
+          </a:extLst>
+        </p:cNvPr>
+        <p:cNvGrpSpPr/>
+        <p:nvPr/>
+      </p:nvGrpSpPr>
+      <p:grpSpPr>
+        <a:xfrm>
+          <a:off x="0" y="0"/>
+          <a:ext cx="0" cy="0"/>
+          <a:chOff x="0" y="0"/>
+          <a:chExt cx="0" cy="0"/>
+        </a:xfrm>
+      </p:grpSpPr>
+      <p:sp>
+        <p:nvSpPr>
+          <p:cNvPr id="3" name="Content Placeholder 2">
+            <a:extLst>
+              <a:ext uri="{FF2B5EF4-FFF2-40B4-BE49-F238E27FC236}">
+                <a16:creationId xmlns:a16="http://schemas.microsoft.com/office/drawing/2014/main" id="{07363B84-D91B-947C-6656-D871F058511B}"/>
+              </a:ext>
+            </a:extLst>
+          </p:cNvPr>
+          <p:cNvSpPr>
+            <a:spLocks noGrp="1"/>
+          </p:cNvSpPr>
+          <p:nvPr>
+            <p:ph idx="1"/>
+          </p:nvPr>
+        </p:nvSpPr>
+        <p:spPr>
+          <a:xfrm>
+            <a:off x="777240" y="674914"/>
+            <a:ext cx="10659110" cy="5502049"/>
+          </a:xfrm>
+        </p:spPr>
+        <p:txBody>
+          <a:bodyPr>
+            <a:normAutofit/>
+          </a:bodyPr>
+          <a:lstStyle/>
+          <a:p>
+            <a:r>
+              <a:rPr lang="en-US" sz="2400" b="1" dirty="0"/>
+              <a:t>Loops with else</a:t>
+            </a:r>
+          </a:p>
+          <a:p>
+            <a:pPr marL="0" indent="0">
+              <a:buNone/>
+            </a:pPr>
+            <a:r>
+              <a:rPr lang="en-US" sz="2400" dirty="0"/>
+              <a:t>Both </a:t>
+            </a:r>
+            <a:r>
+              <a:rPr lang="en-US" sz="2400" b="1" dirty="0">
+                <a:solidFill>
+                  <a:srgbClr val="C00000"/>
+                </a:solidFill>
+              </a:rPr>
+              <a:t>for</a:t>
+            </a:r>
+            <a:r>
+              <a:rPr lang="en-US" sz="2400" dirty="0"/>
+              <a:t> and </a:t>
+            </a:r>
+            <a:r>
+              <a:rPr lang="en-US" sz="2400" b="1" dirty="0">
+                <a:solidFill>
+                  <a:srgbClr val="C00000"/>
+                </a:solidFill>
+              </a:rPr>
+              <a:t>while</a:t>
+            </a:r>
+            <a:r>
+              <a:rPr lang="en-US" sz="2400" dirty="0"/>
+              <a:t> loops can have an </a:t>
+            </a:r>
+            <a:r>
+              <a:rPr lang="en-US" sz="2400" b="1" dirty="0">
+                <a:solidFill>
+                  <a:srgbClr val="C00000"/>
+                </a:solidFill>
+              </a:rPr>
+              <a:t>optional else block </a:t>
+            </a:r>
+            <a:r>
+              <a:rPr lang="en-US" sz="2400" dirty="0"/>
+              <a:t>that executes if the loop finishes without encountering a break.</a:t>
+            </a:r>
+          </a:p>
+          <a:p>
+            <a:pPr marL="0" indent="0">
+              <a:buNone/>
+            </a:pPr>
+            <a:endParaRPr lang="en-US" sz="2400" dirty="0"/>
+          </a:p>
+          <a:p>
+            <a:pPr marL="0" indent="0">
+              <a:buNone/>
+            </a:pPr>
+            <a:endParaRPr lang="en-IN" sz="2400" dirty="0"/>
+          </a:p>
+        </p:txBody>
+      </p:sp>
+      <p:pic>
+        <p:nvPicPr>
+          <p:cNvPr id="4" name="Picture 3">
+            <a:extLst>
+              <a:ext uri="{FF2B5EF4-FFF2-40B4-BE49-F238E27FC236}">
+                <a16:creationId xmlns:a16="http://schemas.microsoft.com/office/drawing/2014/main" id="{D8D2D554-4895-491E-983D-FBFE2064ACF0}"/>
+              </a:ext>
+            </a:extLst>
+          </p:cNvPr>
+          <p:cNvPicPr>
+            <a:picLocks noChangeAspect="1"/>
+          </p:cNvPicPr>
+          <p:nvPr/>
+        </p:nvPicPr>
+        <p:blipFill>
+          <a:blip r:embed="rId2"/>
+          <a:srcRect r="8647"/>
+          <a:stretch/>
+        </p:blipFill>
+        <p:spPr>
+          <a:xfrm>
+            <a:off x="174172" y="2451594"/>
+            <a:ext cx="5749933" cy="1868071"/>
+          </a:xfrm>
+          <a:prstGeom prst="rect">
+            <a:avLst/>
+          </a:prstGeom>
+        </p:spPr>
+      </p:pic>
+      <p:pic>
+        <p:nvPicPr>
+          <p:cNvPr id="8" name="Picture 7">
+            <a:extLst>
+              <a:ext uri="{FF2B5EF4-FFF2-40B4-BE49-F238E27FC236}">
+                <a16:creationId xmlns:a16="http://schemas.microsoft.com/office/drawing/2014/main" id="{1D372D74-C3D8-1FB0-B16B-CF18B53850D8}"/>
+              </a:ext>
+            </a:extLst>
+          </p:cNvPr>
+          <p:cNvPicPr>
+            <a:picLocks noChangeAspect="1"/>
+          </p:cNvPicPr>
+          <p:nvPr/>
+        </p:nvPicPr>
+        <p:blipFill>
+          <a:blip r:embed="rId3"/>
+          <a:stretch>
+            <a:fillRect/>
+          </a:stretch>
+        </p:blipFill>
+        <p:spPr>
+          <a:xfrm>
+            <a:off x="6096000" y="2127699"/>
+            <a:ext cx="5831357" cy="2335444"/>
+          </a:xfrm>
+          <a:prstGeom prst="rect">
+            <a:avLst/>
+          </a:prstGeom>
+        </p:spPr>
+      </p:pic>
+    </p:spTree>
+    <p:extLst>
+      <p:ext uri="{BB962C8B-B14F-4D97-AF65-F5344CB8AC3E}">
+        <p14:creationId xmlns:p14="http://schemas.microsoft.com/office/powerpoint/2010/main" val="1260890278"/>
+      </p:ext>
+    </p:extLst>
+  </p:cSld>
+  <p:clrMapOvr>
+    <a:masterClrMapping/>
+  </p:clrMapOvr>
+</p:sld>
+</file>
+
+<file path=ppt/slides/slide114.xml><?xml version="1.0" encoding="utf-8"?>
+<p:sld xmlns:a="http://schemas.openxmlformats.org/drawingml/2006/main" xmlns:r="http://schemas.openxmlformats.org/officeDocument/2006/relationships" xmlns:p="http://schemas.openxmlformats.org/presentationml/2006/main">
+  <p:cSld>
+    <p:spTree>
+      <p:nvGrpSpPr>
+        <p:cNvPr id="1" name="">
+          <a:extLst>
+            <a:ext uri="{FF2B5EF4-FFF2-40B4-BE49-F238E27FC236}">
+              <a16:creationId xmlns:a16="http://schemas.microsoft.com/office/drawing/2014/main" id="{86D9C5AC-FF16-08BF-8605-464310AA0C4A}"/>
+            </a:ext>
+          </a:extLst>
+        </p:cNvPr>
+        <p:cNvGrpSpPr/>
+        <p:nvPr/>
+      </p:nvGrpSpPr>
+      <p:grpSpPr>
+        <a:xfrm>
+          <a:off x="0" y="0"/>
+          <a:ext cx="0" cy="0"/>
+          <a:chOff x="0" y="0"/>
+          <a:chExt cx="0" cy="0"/>
+        </a:xfrm>
+      </p:grpSpPr>
+      <p:sp>
+        <p:nvSpPr>
+          <p:cNvPr id="3" name="Content Placeholder 2">
+            <a:extLst>
+              <a:ext uri="{FF2B5EF4-FFF2-40B4-BE49-F238E27FC236}">
+                <a16:creationId xmlns:a16="http://schemas.microsoft.com/office/drawing/2014/main" id="{F570951E-67F9-5A39-48D5-CE31D9A80A38}"/>
+              </a:ext>
+            </a:extLst>
+          </p:cNvPr>
+          <p:cNvSpPr>
+            <a:spLocks noGrp="1"/>
+          </p:cNvSpPr>
+          <p:nvPr>
+            <p:ph idx="1"/>
+          </p:nvPr>
+        </p:nvSpPr>
+        <p:spPr>
+          <a:xfrm>
+            <a:off x="766445" y="1039585"/>
+            <a:ext cx="10659110" cy="4778829"/>
+          </a:xfrm>
+        </p:spPr>
+        <p:txBody>
+          <a:bodyPr>
+            <a:normAutofit/>
+          </a:bodyPr>
+          <a:lstStyle/>
+          <a:p>
+            <a:pPr marL="0" indent="0">
+              <a:buNone/>
+            </a:pPr>
+            <a:r>
+              <a:rPr lang="en-US" sz="2800" b="1" dirty="0">
+                <a:solidFill>
+                  <a:srgbClr val="0070C0"/>
+                </a:solidFill>
+              </a:rPr>
+              <a:t>3. Jump Statements:</a:t>
+            </a:r>
+          </a:p>
+          <a:p>
+            <a:pPr marL="0" indent="0">
+              <a:buNone/>
+            </a:pPr>
+            <a:r>
+              <a:rPr lang="en-US" sz="2400" dirty="0"/>
+              <a:t>Jump statements in Python are used to control the </a:t>
+            </a:r>
+            <a:r>
+              <a:rPr lang="en-US" sz="2400" b="1" dirty="0"/>
+              <a:t>flow of loops </a:t>
+            </a:r>
+            <a:r>
+              <a:rPr lang="en-US" sz="2400" b="1" dirty="0">
+                <a:solidFill>
+                  <a:srgbClr val="C00000"/>
+                </a:solidFill>
+              </a:rPr>
+              <a:t>by altering their default behavior</a:t>
+            </a:r>
+            <a:r>
+              <a:rPr lang="en-US" sz="2400" dirty="0"/>
+              <a:t>. </a:t>
+            </a:r>
+          </a:p>
+          <a:p>
+            <a:pPr marL="0" indent="0">
+              <a:buNone/>
+            </a:pPr>
+            <a:r>
+              <a:rPr lang="en-US" sz="2400" dirty="0"/>
+              <a:t>Python provides the following jump statements:</a:t>
+            </a:r>
+          </a:p>
+          <a:p>
+            <a:pPr marL="457200" indent="-457200">
+              <a:buFont typeface="+mj-lt"/>
+              <a:buAutoNum type="arabicPeriod"/>
+            </a:pPr>
+            <a:r>
+              <a:rPr lang="en-US" sz="2400" dirty="0"/>
+              <a:t>break Statement</a:t>
+            </a:r>
+          </a:p>
+          <a:p>
+            <a:pPr marL="457200" indent="-457200">
+              <a:buFont typeface="+mj-lt"/>
+              <a:buAutoNum type="arabicPeriod"/>
+            </a:pPr>
+            <a:r>
+              <a:rPr lang="en-US" sz="2400" dirty="0"/>
+              <a:t>continue Statement</a:t>
+            </a:r>
+          </a:p>
+          <a:p>
+            <a:pPr marL="457200" indent="-457200">
+              <a:buFont typeface="+mj-lt"/>
+              <a:buAutoNum type="arabicPeriod"/>
+            </a:pPr>
+            <a:r>
+              <a:rPr lang="en-US" sz="2400" dirty="0"/>
+              <a:t>pass Statement</a:t>
+            </a:r>
+          </a:p>
+          <a:p>
+            <a:pPr marL="0" indent="0">
+              <a:buNone/>
+            </a:pPr>
+            <a:endParaRPr lang="en-US" sz="2400" dirty="0"/>
+          </a:p>
+          <a:p>
+            <a:r>
+              <a:rPr lang="en-US" sz="2400" dirty="0"/>
+              <a:t>These statements </a:t>
+            </a:r>
+            <a:r>
+              <a:rPr lang="en-US" sz="2400" b="1" dirty="0"/>
+              <a:t>allow you </a:t>
+            </a:r>
+            <a:r>
+              <a:rPr lang="en-US" sz="2400" dirty="0"/>
+              <a:t>to </a:t>
+            </a:r>
+            <a:r>
+              <a:rPr lang="en-US" sz="2400" b="1" dirty="0">
+                <a:solidFill>
+                  <a:srgbClr val="C00000"/>
+                </a:solidFill>
+              </a:rPr>
+              <a:t>exit a loop</a:t>
+            </a:r>
+            <a:r>
+              <a:rPr lang="en-US" sz="2400" dirty="0"/>
+              <a:t>, </a:t>
+            </a:r>
+            <a:r>
+              <a:rPr lang="en-US" sz="2400" b="1" dirty="0">
+                <a:solidFill>
+                  <a:srgbClr val="C00000"/>
+                </a:solidFill>
+              </a:rPr>
+              <a:t>skip</a:t>
+            </a:r>
+            <a:r>
+              <a:rPr lang="en-US" sz="2400" dirty="0"/>
+              <a:t> </a:t>
+            </a:r>
+            <a:r>
+              <a:rPr lang="en-US" sz="2400" b="1" dirty="0">
+                <a:solidFill>
+                  <a:srgbClr val="C00000"/>
+                </a:solidFill>
+              </a:rPr>
+              <a:t>an</a:t>
+            </a:r>
+            <a:r>
+              <a:rPr lang="en-US" sz="2400" dirty="0"/>
+              <a:t> </a:t>
+            </a:r>
+            <a:r>
+              <a:rPr lang="en-US" sz="2400" b="1" dirty="0">
+                <a:solidFill>
+                  <a:srgbClr val="C00000"/>
+                </a:solidFill>
+              </a:rPr>
+              <a:t>iteration</a:t>
+            </a:r>
+            <a:r>
+              <a:rPr lang="en-US" sz="2400" dirty="0"/>
+              <a:t>, or </a:t>
+            </a:r>
+            <a:r>
+              <a:rPr lang="en-US" sz="2400" b="1" dirty="0">
+                <a:solidFill>
+                  <a:srgbClr val="C00000"/>
+                </a:solidFill>
+              </a:rPr>
+              <a:t>do</a:t>
+            </a:r>
+            <a:r>
+              <a:rPr lang="en-US" sz="2400" dirty="0"/>
+              <a:t> </a:t>
+            </a:r>
+            <a:r>
+              <a:rPr lang="en-US" sz="2400" b="1" dirty="0">
+                <a:solidFill>
+                  <a:srgbClr val="C00000"/>
+                </a:solidFill>
+              </a:rPr>
+              <a:t>nothing</a:t>
+            </a:r>
+            <a:r>
+              <a:rPr lang="en-US" sz="2400" dirty="0"/>
+              <a:t>, respectively.</a:t>
+            </a:r>
+          </a:p>
+        </p:txBody>
+      </p:sp>
+    </p:spTree>
+    <p:extLst>
+      <p:ext uri="{BB962C8B-B14F-4D97-AF65-F5344CB8AC3E}">
+        <p14:creationId xmlns:p14="http://schemas.microsoft.com/office/powerpoint/2010/main" val="273322052"/>
+      </p:ext>
+    </p:extLst>
+  </p:cSld>
+  <p:clrMapOvr>
+    <a:masterClrMapping/>
+  </p:clrMapOvr>
+</p:sld>
+</file>
+
+<file path=ppt/slides/slide115.xml><?xml version="1.0" encoding="utf-8"?>
+<p:sld xmlns:a="http://schemas.openxmlformats.org/drawingml/2006/main" xmlns:r="http://schemas.openxmlformats.org/officeDocument/2006/relationships" xmlns:p="http://schemas.openxmlformats.org/presentationml/2006/main">
+  <p:cSld>
+    <p:spTree>
+      <p:nvGrpSpPr>
+        <p:cNvPr id="1" name="">
+          <a:extLst>
+            <a:ext uri="{FF2B5EF4-FFF2-40B4-BE49-F238E27FC236}">
+              <a16:creationId xmlns:a16="http://schemas.microsoft.com/office/drawing/2014/main" id="{47659715-32A3-7AEC-7222-9BF860CBB366}"/>
+            </a:ext>
+          </a:extLst>
+        </p:cNvPr>
+        <p:cNvGrpSpPr/>
+        <p:nvPr/>
+      </p:nvGrpSpPr>
+      <p:grpSpPr>
+        <a:xfrm>
+          <a:off x="0" y="0"/>
+          <a:ext cx="0" cy="0"/>
+          <a:chOff x="0" y="0"/>
+          <a:chExt cx="0" cy="0"/>
+        </a:xfrm>
+      </p:grpSpPr>
+      <p:sp>
+        <p:nvSpPr>
+          <p:cNvPr id="3" name="Content Placeholder 2">
+            <a:extLst>
+              <a:ext uri="{FF2B5EF4-FFF2-40B4-BE49-F238E27FC236}">
+                <a16:creationId xmlns:a16="http://schemas.microsoft.com/office/drawing/2014/main" id="{127AD8EA-4DDB-ECD3-7339-1FE159B16D53}"/>
+              </a:ext>
+            </a:extLst>
+          </p:cNvPr>
+          <p:cNvSpPr>
+            <a:spLocks noGrp="1"/>
+          </p:cNvSpPr>
+          <p:nvPr>
+            <p:ph idx="1"/>
+          </p:nvPr>
+        </p:nvSpPr>
+        <p:spPr>
+          <a:xfrm>
+            <a:off x="777240" y="674914"/>
+            <a:ext cx="10659110" cy="5502049"/>
+          </a:xfrm>
+        </p:spPr>
+        <p:txBody>
+          <a:bodyPr>
+            <a:normAutofit/>
+          </a:bodyPr>
+          <a:lstStyle/>
+          <a:p>
+            <a:pPr marL="0" indent="0">
+              <a:buNone/>
+            </a:pPr>
+            <a:r>
+              <a:rPr lang="en-US" sz="2400" b="1" dirty="0">
+                <a:solidFill>
+                  <a:srgbClr val="0070C0"/>
+                </a:solidFill>
+              </a:rPr>
+              <a:t>1. break Statement:</a:t>
+            </a:r>
+          </a:p>
+          <a:p>
+            <a:pPr marL="0" indent="0">
+              <a:buNone/>
+            </a:pPr>
+            <a:r>
+              <a:rPr lang="en-US" sz="2400" dirty="0"/>
+              <a:t>The break statement is used to </a:t>
+            </a:r>
+            <a:r>
+              <a:rPr lang="en-US" sz="2400" b="1" dirty="0">
+                <a:solidFill>
+                  <a:srgbClr val="C00000"/>
+                </a:solidFill>
+              </a:rPr>
+              <a:t>exit a loop prematurely</a:t>
+            </a:r>
+            <a:r>
+              <a:rPr lang="en-US" sz="2400" dirty="0"/>
+              <a:t>, </a:t>
+            </a:r>
+            <a:r>
+              <a:rPr lang="en-US" sz="2400" b="1" dirty="0"/>
+              <a:t>regardless of the loop's condition.</a:t>
+            </a:r>
+            <a:r>
+              <a:rPr lang="en-US" sz="2400" dirty="0"/>
+              <a:t> Once the break statement is executed, the </a:t>
+            </a:r>
+            <a:r>
+              <a:rPr lang="en-US" sz="2400" b="1" dirty="0">
+                <a:solidFill>
+                  <a:srgbClr val="C00000"/>
+                </a:solidFill>
+              </a:rPr>
+              <a:t>loop terminates</a:t>
+            </a:r>
+            <a:r>
+              <a:rPr lang="en-US" sz="2400" dirty="0"/>
+              <a:t>, and control moves to the </a:t>
+            </a:r>
+            <a:r>
+              <a:rPr lang="en-US" sz="2400" b="1" dirty="0"/>
+              <a:t>code following the loop</a:t>
+            </a:r>
+            <a:r>
+              <a:rPr lang="en-US" sz="2400" dirty="0"/>
+              <a:t>.</a:t>
+            </a:r>
+          </a:p>
+          <a:p>
+            <a:pPr marL="0" indent="0">
+              <a:buNone/>
+            </a:pPr>
+            <a:r>
+              <a:rPr lang="en-US" sz="2400" b="1" dirty="0"/>
+              <a:t>Syntax:</a:t>
+            </a:r>
+            <a:endParaRPr lang="en-IN" sz="2400" b="1" dirty="0"/>
+          </a:p>
+        </p:txBody>
+      </p:sp>
+      <p:pic>
+        <p:nvPicPr>
+          <p:cNvPr id="4" name="Picture 3">
+            <a:extLst>
+              <a:ext uri="{FF2B5EF4-FFF2-40B4-BE49-F238E27FC236}">
+                <a16:creationId xmlns:a16="http://schemas.microsoft.com/office/drawing/2014/main" id="{CBCACD2B-3905-3480-0353-E44784F711AF}"/>
+              </a:ext>
+            </a:extLst>
+          </p:cNvPr>
+          <p:cNvPicPr>
+            <a:picLocks noChangeAspect="1"/>
+          </p:cNvPicPr>
+          <p:nvPr/>
+        </p:nvPicPr>
+        <p:blipFill>
+          <a:blip r:embed="rId2"/>
+          <a:stretch>
+            <a:fillRect/>
+          </a:stretch>
+        </p:blipFill>
+        <p:spPr>
+          <a:xfrm>
+            <a:off x="2130409" y="2845005"/>
+            <a:ext cx="4231995" cy="1835852"/>
+          </a:xfrm>
+          <a:prstGeom prst="rect">
+            <a:avLst/>
+          </a:prstGeom>
+        </p:spPr>
+      </p:pic>
+    </p:spTree>
+    <p:extLst>
+      <p:ext uri="{BB962C8B-B14F-4D97-AF65-F5344CB8AC3E}">
+        <p14:creationId xmlns:p14="http://schemas.microsoft.com/office/powerpoint/2010/main" val="844081939"/>
+      </p:ext>
+    </p:extLst>
+  </p:cSld>
+  <p:clrMapOvr>
+    <a:masterClrMapping/>
+  </p:clrMapOvr>
+</p:sld>
+</file>
+
+<file path=ppt/slides/slide116.xml><?xml version="1.0" encoding="utf-8"?>
+<p:sld xmlns:a="http://schemas.openxmlformats.org/drawingml/2006/main" xmlns:r="http://schemas.openxmlformats.org/officeDocument/2006/relationships" xmlns:p="http://schemas.openxmlformats.org/presentationml/2006/main">
+  <p:cSld>
+    <p:spTree>
+      <p:nvGrpSpPr>
+        <p:cNvPr id="1" name="">
+          <a:extLst>
+            <a:ext uri="{FF2B5EF4-FFF2-40B4-BE49-F238E27FC236}">
+              <a16:creationId xmlns:a16="http://schemas.microsoft.com/office/drawing/2014/main" id="{9DBF1707-05D7-E69C-C190-4E1DB9F1E0FB}"/>
+            </a:ext>
+          </a:extLst>
+        </p:cNvPr>
+        <p:cNvGrpSpPr/>
+        <p:nvPr/>
+      </p:nvGrpSpPr>
+      <p:grpSpPr>
+        <a:xfrm>
+          <a:off x="0" y="0"/>
+          <a:ext cx="0" cy="0"/>
+          <a:chOff x="0" y="0"/>
+          <a:chExt cx="0" cy="0"/>
+        </a:xfrm>
+      </p:grpSpPr>
+      <p:sp>
+        <p:nvSpPr>
+          <p:cNvPr id="3" name="Content Placeholder 2">
+            <a:extLst>
+              <a:ext uri="{FF2B5EF4-FFF2-40B4-BE49-F238E27FC236}">
+                <a16:creationId xmlns:a16="http://schemas.microsoft.com/office/drawing/2014/main" id="{452652A2-A171-A13F-C69B-78F638900F60}"/>
+              </a:ext>
+            </a:extLst>
+          </p:cNvPr>
+          <p:cNvSpPr>
+            <a:spLocks noGrp="1"/>
+          </p:cNvSpPr>
+          <p:nvPr>
+            <p:ph idx="1"/>
+          </p:nvPr>
+        </p:nvSpPr>
+        <p:spPr>
+          <a:xfrm>
+            <a:off x="766445" y="272143"/>
+            <a:ext cx="10659110" cy="5502049"/>
+          </a:xfrm>
+        </p:spPr>
+        <p:txBody>
+          <a:bodyPr>
+            <a:normAutofit/>
+          </a:bodyPr>
+          <a:lstStyle/>
+          <a:p>
+            <a:pPr marL="0" indent="0">
+              <a:buNone/>
+            </a:pPr>
+            <a:r>
+              <a:rPr lang="en-US" sz="2400" b="1" dirty="0"/>
+              <a:t>Examples:</a:t>
+            </a:r>
+          </a:p>
+          <a:p>
+            <a:pPr marL="457200" indent="-457200">
+              <a:buAutoNum type="alphaLcParenR"/>
+            </a:pPr>
+            <a:r>
+              <a:rPr lang="en-US" sz="2400" b="1" dirty="0">
+                <a:solidFill>
+                  <a:srgbClr val="002060"/>
+                </a:solidFill>
+              </a:rPr>
+              <a:t>Breaking a for Loop:			Output:</a:t>
+            </a:r>
+          </a:p>
+          <a:p>
+            <a:pPr marL="457200" indent="-457200">
+              <a:buAutoNum type="alphaLcParenR"/>
+            </a:pPr>
+            <a:endParaRPr lang="en-US" sz="2400" b="1" dirty="0">
+              <a:solidFill>
+                <a:srgbClr val="002060"/>
+              </a:solidFill>
+            </a:endParaRPr>
+          </a:p>
+          <a:p>
+            <a:pPr marL="457200" indent="-457200">
+              <a:buAutoNum type="alphaLcParenR"/>
+            </a:pPr>
+            <a:endParaRPr lang="en-US" sz="2400" b="1" dirty="0">
+              <a:solidFill>
+                <a:srgbClr val="002060"/>
+              </a:solidFill>
+            </a:endParaRPr>
+          </a:p>
+          <a:p>
+            <a:pPr marL="457200" indent="-457200">
+              <a:buAutoNum type="alphaLcParenR"/>
+            </a:pPr>
+            <a:endParaRPr lang="en-US" sz="2400" b="1" dirty="0">
+              <a:solidFill>
+                <a:srgbClr val="002060"/>
+              </a:solidFill>
+            </a:endParaRPr>
+          </a:p>
+          <a:p>
+            <a:pPr marL="457200" indent="-457200">
+              <a:buAutoNum type="alphaLcParenR"/>
+            </a:pPr>
+            <a:endParaRPr lang="en-US" sz="2400" b="1" dirty="0">
+              <a:solidFill>
+                <a:srgbClr val="002060"/>
+              </a:solidFill>
+            </a:endParaRPr>
+          </a:p>
+          <a:p>
+            <a:pPr marL="457200" indent="-457200">
+              <a:buAutoNum type="alphaLcParenR"/>
+            </a:pPr>
+            <a:endParaRPr lang="en-US" sz="2400" b="1" dirty="0">
+              <a:solidFill>
+                <a:srgbClr val="002060"/>
+              </a:solidFill>
+            </a:endParaRPr>
+          </a:p>
+          <a:p>
+            <a:pPr marL="457200" indent="-457200">
+              <a:buAutoNum type="alphaLcParenR"/>
+            </a:pPr>
+            <a:r>
+              <a:rPr lang="en-US" sz="2400" b="1" dirty="0">
+                <a:solidFill>
+                  <a:srgbClr val="002060"/>
+                </a:solidFill>
+              </a:rPr>
+              <a:t>Breaking a while Loop:</a:t>
+            </a:r>
+          </a:p>
+          <a:p>
+            <a:pPr marL="457200" indent="-457200">
+              <a:buAutoNum type="alphaLcParenR"/>
+            </a:pPr>
+            <a:endParaRPr lang="en-US" sz="2400" b="1" dirty="0">
+              <a:solidFill>
+                <a:srgbClr val="002060"/>
+              </a:solidFill>
+            </a:endParaRPr>
+          </a:p>
+          <a:p>
+            <a:pPr marL="457200" indent="-457200">
+              <a:buAutoNum type="alphaLcParenR"/>
+            </a:pPr>
+            <a:endParaRPr lang="en-IN" sz="2400" b="1" dirty="0">
+              <a:solidFill>
+                <a:srgbClr val="002060"/>
+              </a:solidFill>
+            </a:endParaRPr>
+          </a:p>
+        </p:txBody>
+      </p:sp>
+      <p:pic>
+        <p:nvPicPr>
+          <p:cNvPr id="5" name="Picture 4">
+            <a:extLst>
+              <a:ext uri="{FF2B5EF4-FFF2-40B4-BE49-F238E27FC236}">
+                <a16:creationId xmlns:a16="http://schemas.microsoft.com/office/drawing/2014/main" id="{F025F91F-B616-FCFE-D982-CA7C964D3246}"/>
+              </a:ext>
+            </a:extLst>
+          </p:cNvPr>
+          <p:cNvPicPr>
+            <a:picLocks noChangeAspect="1"/>
+          </p:cNvPicPr>
+          <p:nvPr/>
+        </p:nvPicPr>
+        <p:blipFill>
+          <a:blip r:embed="rId2"/>
+          <a:stretch>
+            <a:fillRect/>
+          </a:stretch>
+        </p:blipFill>
+        <p:spPr>
+          <a:xfrm>
+            <a:off x="1548815" y="1223400"/>
+            <a:ext cx="3895452" cy="1987885"/>
+          </a:xfrm>
+          <a:prstGeom prst="rect">
+            <a:avLst/>
+          </a:prstGeom>
+        </p:spPr>
+      </p:pic>
+      <p:pic>
+        <p:nvPicPr>
+          <p:cNvPr id="7" name="Picture 6">
+            <a:extLst>
+              <a:ext uri="{FF2B5EF4-FFF2-40B4-BE49-F238E27FC236}">
+                <a16:creationId xmlns:a16="http://schemas.microsoft.com/office/drawing/2014/main" id="{8869DDE9-D201-42F6-C45C-A8F83C27446A}"/>
+              </a:ext>
+            </a:extLst>
+          </p:cNvPr>
+          <p:cNvPicPr>
+            <a:picLocks noChangeAspect="1"/>
+          </p:cNvPicPr>
+          <p:nvPr/>
+        </p:nvPicPr>
+        <p:blipFill>
+          <a:blip r:embed="rId3"/>
+          <a:stretch>
+            <a:fillRect/>
+          </a:stretch>
+        </p:blipFill>
+        <p:spPr>
+          <a:xfrm>
+            <a:off x="7880719" y="864886"/>
+            <a:ext cx="828571" cy="2428571"/>
+          </a:xfrm>
+          <a:prstGeom prst="rect">
+            <a:avLst/>
+          </a:prstGeom>
+        </p:spPr>
+      </p:pic>
+      <p:pic>
+        <p:nvPicPr>
+          <p:cNvPr id="9" name="Picture 8">
+            <a:extLst>
+              <a:ext uri="{FF2B5EF4-FFF2-40B4-BE49-F238E27FC236}">
+                <a16:creationId xmlns:a16="http://schemas.microsoft.com/office/drawing/2014/main" id="{4B618626-A58F-1405-BC12-3EFD3370C50B}"/>
+              </a:ext>
+            </a:extLst>
+          </p:cNvPr>
+          <p:cNvPicPr>
+            <a:picLocks noChangeAspect="1"/>
+          </p:cNvPicPr>
+          <p:nvPr/>
+        </p:nvPicPr>
+        <p:blipFill>
+          <a:blip r:embed="rId4"/>
+          <a:stretch>
+            <a:fillRect/>
+          </a:stretch>
+        </p:blipFill>
+        <p:spPr>
+          <a:xfrm>
+            <a:off x="2378008" y="3944497"/>
+            <a:ext cx="3228571" cy="2780952"/>
+          </a:xfrm>
+          <a:prstGeom prst="rect">
+            <a:avLst/>
+          </a:prstGeom>
+        </p:spPr>
+      </p:pic>
+    </p:spTree>
+    <p:extLst>
+      <p:ext uri="{BB962C8B-B14F-4D97-AF65-F5344CB8AC3E}">
+        <p14:creationId xmlns:p14="http://schemas.microsoft.com/office/powerpoint/2010/main" val="2711399517"/>
+      </p:ext>
+    </p:extLst>
+  </p:cSld>
+  <p:clrMapOvr>
+    <a:masterClrMapping/>
+  </p:clrMapOvr>
+</p:sld>
+</file>
+
+<file path=ppt/slides/slide117.xml><?xml version="1.0" encoding="utf-8"?>
+<p:sld xmlns:a="http://schemas.openxmlformats.org/drawingml/2006/main" xmlns:r="http://schemas.openxmlformats.org/officeDocument/2006/relationships" xmlns:p="http://schemas.openxmlformats.org/presentationml/2006/main">
+  <p:cSld>
+    <p:spTree>
+      <p:nvGrpSpPr>
+        <p:cNvPr id="1" name="">
+          <a:extLst>
+            <a:ext uri="{FF2B5EF4-FFF2-40B4-BE49-F238E27FC236}">
+              <a16:creationId xmlns:a16="http://schemas.microsoft.com/office/drawing/2014/main" id="{BA1B2341-1D88-2991-C3C9-52BD6CCF5A3A}"/>
+            </a:ext>
+          </a:extLst>
+        </p:cNvPr>
+        <p:cNvGrpSpPr/>
+        <p:nvPr/>
+      </p:nvGrpSpPr>
+      <p:grpSpPr>
+        <a:xfrm>
+          <a:off x="0" y="0"/>
+          <a:ext cx="0" cy="0"/>
+          <a:chOff x="0" y="0"/>
+          <a:chExt cx="0" cy="0"/>
+        </a:xfrm>
+      </p:grpSpPr>
+      <p:sp>
+        <p:nvSpPr>
+          <p:cNvPr id="3" name="Content Placeholder 2">
+            <a:extLst>
+              <a:ext uri="{FF2B5EF4-FFF2-40B4-BE49-F238E27FC236}">
+                <a16:creationId xmlns:a16="http://schemas.microsoft.com/office/drawing/2014/main" id="{B791F613-EF4B-C17E-84AA-F18DF61CDB72}"/>
+              </a:ext>
+            </a:extLst>
+          </p:cNvPr>
+          <p:cNvSpPr>
+            <a:spLocks noGrp="1"/>
+          </p:cNvSpPr>
+          <p:nvPr>
+            <p:ph idx="1"/>
+          </p:nvPr>
+        </p:nvSpPr>
+        <p:spPr>
+          <a:xfrm>
+            <a:off x="875212" y="968829"/>
+            <a:ext cx="10659110" cy="4735286"/>
+          </a:xfrm>
+        </p:spPr>
+        <p:txBody>
+          <a:bodyPr>
+            <a:normAutofit/>
+          </a:bodyPr>
+          <a:lstStyle/>
+          <a:p>
+            <a:pPr marL="0" indent="0">
+              <a:buNone/>
+            </a:pPr>
+            <a:r>
+              <a:rPr lang="en-US" sz="2400" b="1" dirty="0"/>
+              <a:t>2. continue Statement:</a:t>
+            </a:r>
+          </a:p>
+          <a:p>
+            <a:pPr marL="0" indent="0">
+              <a:buNone/>
+            </a:pPr>
+            <a:r>
+              <a:rPr lang="en-US" sz="2400" dirty="0"/>
+              <a:t>The continue statement is used to </a:t>
+            </a:r>
+            <a:r>
+              <a:rPr lang="en-US" sz="2400" b="1" dirty="0">
+                <a:solidFill>
+                  <a:srgbClr val="002060"/>
+                </a:solidFill>
+              </a:rPr>
+              <a:t>skip the rest of the code </a:t>
+            </a:r>
+            <a:r>
+              <a:rPr lang="en-US" sz="2400" b="1" dirty="0">
+                <a:solidFill>
+                  <a:srgbClr val="C00000"/>
+                </a:solidFill>
+              </a:rPr>
+              <a:t>in the current iteration </a:t>
+            </a:r>
+            <a:r>
+              <a:rPr lang="en-US" sz="2400" dirty="0"/>
+              <a:t>and </a:t>
+            </a:r>
+            <a:r>
+              <a:rPr lang="en-US" sz="2400" b="1" dirty="0">
+                <a:solidFill>
+                  <a:srgbClr val="002060"/>
+                </a:solidFill>
+              </a:rPr>
+              <a:t>proceed to the next iteration of the loop</a:t>
+            </a:r>
+            <a:r>
+              <a:rPr lang="en-US" sz="2400" dirty="0"/>
+              <a:t>. The </a:t>
+            </a:r>
+            <a:r>
+              <a:rPr lang="en-US" sz="2400" b="1" dirty="0"/>
+              <a:t>loop does not </a:t>
+            </a:r>
+            <a:r>
+              <a:rPr lang="en-US" sz="2400" b="1" dirty="0">
+                <a:solidFill>
+                  <a:srgbClr val="C00000"/>
+                </a:solidFill>
+              </a:rPr>
+              <a:t>terminate</a:t>
+            </a:r>
+            <a:r>
+              <a:rPr lang="en-US" sz="2400" b="1" dirty="0"/>
+              <a:t> </a:t>
+            </a:r>
+            <a:r>
+              <a:rPr lang="en-US" sz="2400" dirty="0"/>
+              <a:t>but </a:t>
+            </a:r>
+            <a:r>
+              <a:rPr lang="en-US" sz="2400" b="1" dirty="0"/>
+              <a:t>continues with the next iteration</a:t>
+            </a:r>
+            <a:r>
+              <a:rPr lang="en-US" sz="2400" dirty="0"/>
+              <a:t>.</a:t>
+            </a:r>
+          </a:p>
+          <a:p>
+            <a:pPr marL="0" indent="0">
+              <a:buNone/>
+            </a:pPr>
+            <a:r>
+              <a:rPr lang="en-US" sz="2400" b="1" dirty="0"/>
+              <a:t>Syntax:</a:t>
+            </a:r>
+          </a:p>
+          <a:p>
+            <a:pPr marL="0" indent="0">
+              <a:buNone/>
+            </a:pPr>
+            <a:endParaRPr lang="en-IN" sz="2400" b="1" dirty="0"/>
+          </a:p>
+        </p:txBody>
+      </p:sp>
+      <p:pic>
+        <p:nvPicPr>
+          <p:cNvPr id="6" name="Picture 5">
+            <a:extLst>
+              <a:ext uri="{FF2B5EF4-FFF2-40B4-BE49-F238E27FC236}">
+                <a16:creationId xmlns:a16="http://schemas.microsoft.com/office/drawing/2014/main" id="{84C054E6-88A5-4B84-5B14-8D36C425E6AB}"/>
+              </a:ext>
+            </a:extLst>
+          </p:cNvPr>
+          <p:cNvPicPr>
+            <a:picLocks noChangeAspect="1"/>
+          </p:cNvPicPr>
+          <p:nvPr/>
+        </p:nvPicPr>
+        <p:blipFill>
+          <a:blip r:embed="rId2"/>
+          <a:stretch>
+            <a:fillRect/>
+          </a:stretch>
+        </p:blipFill>
+        <p:spPr>
+          <a:xfrm>
+            <a:off x="2565153" y="3067826"/>
+            <a:ext cx="4112940" cy="1961373"/>
+          </a:xfrm>
+          <a:prstGeom prst="rect">
+            <a:avLst/>
+          </a:prstGeom>
+        </p:spPr>
+      </p:pic>
+    </p:spTree>
+    <p:extLst>
+      <p:ext uri="{BB962C8B-B14F-4D97-AF65-F5344CB8AC3E}">
+        <p14:creationId xmlns:p14="http://schemas.microsoft.com/office/powerpoint/2010/main" val="1785265599"/>
+      </p:ext>
+    </p:extLst>
+  </p:cSld>
+  <p:clrMapOvr>
+    <a:masterClrMapping/>
+  </p:clrMapOvr>
+</p:sld>
+</file>
+
+<file path=ppt/slides/slide118.xml><?xml version="1.0" encoding="utf-8"?>
+<p:sld xmlns:a="http://schemas.openxmlformats.org/drawingml/2006/main" xmlns:r="http://schemas.openxmlformats.org/officeDocument/2006/relationships" xmlns:p="http://schemas.openxmlformats.org/presentationml/2006/main">
+  <p:cSld>
+    <p:spTree>
+      <p:nvGrpSpPr>
+        <p:cNvPr id="1" name="">
+          <a:extLst>
+            <a:ext uri="{FF2B5EF4-FFF2-40B4-BE49-F238E27FC236}">
+              <a16:creationId xmlns:a16="http://schemas.microsoft.com/office/drawing/2014/main" id="{7FCFD2FC-A0BF-7E0B-255B-D6E8A201763C}"/>
+            </a:ext>
+          </a:extLst>
+        </p:cNvPr>
+        <p:cNvGrpSpPr/>
+        <p:nvPr/>
+      </p:nvGrpSpPr>
+      <p:grpSpPr>
+        <a:xfrm>
+          <a:off x="0" y="0"/>
+          <a:ext cx="0" cy="0"/>
+          <a:chOff x="0" y="0"/>
+          <a:chExt cx="0" cy="0"/>
+        </a:xfrm>
+      </p:grpSpPr>
+      <p:sp>
+        <p:nvSpPr>
+          <p:cNvPr id="3" name="Content Placeholder 2">
+            <a:extLst>
+              <a:ext uri="{FF2B5EF4-FFF2-40B4-BE49-F238E27FC236}">
+                <a16:creationId xmlns:a16="http://schemas.microsoft.com/office/drawing/2014/main" id="{2569E581-C619-555F-F864-B7ACE4F62686}"/>
+              </a:ext>
+            </a:extLst>
+          </p:cNvPr>
+          <p:cNvSpPr>
+            <a:spLocks noGrp="1"/>
+          </p:cNvSpPr>
+          <p:nvPr>
+            <p:ph idx="1"/>
+          </p:nvPr>
+        </p:nvSpPr>
+        <p:spPr>
+          <a:xfrm>
+            <a:off x="1332411" y="511628"/>
+            <a:ext cx="9683932" cy="5502049"/>
+          </a:xfrm>
+        </p:spPr>
+        <p:txBody>
+          <a:bodyPr>
+            <a:normAutofit/>
+          </a:bodyPr>
+          <a:lstStyle/>
+          <a:p>
+            <a:pPr marL="0" indent="0">
+              <a:buNone/>
+            </a:pPr>
+            <a:r>
+              <a:rPr lang="en-US" sz="2400" b="1" dirty="0"/>
+              <a:t>Example: </a:t>
+            </a:r>
+          </a:p>
+          <a:p>
+            <a:pPr marL="457200" indent="-457200">
+              <a:buAutoNum type="alphaLcParenR"/>
+            </a:pPr>
+            <a:r>
+              <a:rPr lang="en-US" sz="2400" b="1" dirty="0"/>
+              <a:t>Skipping an Iteration in a for Loop:</a:t>
+            </a:r>
+          </a:p>
+          <a:p>
+            <a:pPr marL="0" indent="0">
+              <a:buNone/>
+            </a:pPr>
+            <a:r>
+              <a:rPr lang="en-IN" sz="2400" b="1" dirty="0"/>
+              <a:t>						Output:</a:t>
+            </a:r>
+          </a:p>
+          <a:p>
+            <a:pPr marL="457200" indent="-457200">
+              <a:buAutoNum type="alphaLcParenR"/>
+            </a:pPr>
+            <a:endParaRPr lang="en-IN" sz="2400" b="1" dirty="0"/>
+          </a:p>
+          <a:p>
+            <a:pPr marL="457200" indent="-457200">
+              <a:buAutoNum type="alphaLcParenR"/>
+            </a:pPr>
+            <a:endParaRPr lang="en-IN" sz="2400" b="1" dirty="0"/>
+          </a:p>
+          <a:p>
+            <a:pPr marL="457200" indent="-457200">
+              <a:buAutoNum type="alphaLcParenR"/>
+            </a:pPr>
+            <a:endParaRPr lang="en-IN" sz="2400" b="1" dirty="0"/>
+          </a:p>
+          <a:p>
+            <a:pPr marL="457200" indent="-457200">
+              <a:buAutoNum type="alphaLcParenR"/>
+            </a:pPr>
+            <a:endParaRPr lang="en-IN" sz="2400" b="1" dirty="0"/>
+          </a:p>
+          <a:p>
+            <a:pPr marL="0" indent="0">
+              <a:buNone/>
+            </a:pPr>
+            <a:r>
+              <a:rPr lang="en-US" sz="2400" b="1" dirty="0"/>
+              <a:t>b) Skipping an Iteration in a while Loop:</a:t>
+            </a:r>
+            <a:endParaRPr lang="en-IN" sz="2400" b="1" dirty="0"/>
+          </a:p>
+        </p:txBody>
+      </p:sp>
+      <p:pic>
+        <p:nvPicPr>
+          <p:cNvPr id="5" name="Picture 4">
+            <a:extLst>
+              <a:ext uri="{FF2B5EF4-FFF2-40B4-BE49-F238E27FC236}">
+                <a16:creationId xmlns:a16="http://schemas.microsoft.com/office/drawing/2014/main" id="{D0AF1F92-16E5-85B6-9CB1-C758762156BA}"/>
+              </a:ext>
+            </a:extLst>
+          </p:cNvPr>
+          <p:cNvPicPr>
+            <a:picLocks noChangeAspect="1"/>
+          </p:cNvPicPr>
+          <p:nvPr/>
+        </p:nvPicPr>
+        <p:blipFill>
+          <a:blip r:embed="rId2"/>
+          <a:stretch>
+            <a:fillRect/>
+          </a:stretch>
+        </p:blipFill>
+        <p:spPr>
+          <a:xfrm>
+            <a:off x="2460380" y="1552695"/>
+            <a:ext cx="3352381" cy="1923810"/>
+          </a:xfrm>
+          <a:prstGeom prst="rect">
+            <a:avLst/>
+          </a:prstGeom>
+        </p:spPr>
+      </p:pic>
+      <p:pic>
+        <p:nvPicPr>
+          <p:cNvPr id="7" name="Picture 6">
+            <a:extLst>
+              <a:ext uri="{FF2B5EF4-FFF2-40B4-BE49-F238E27FC236}">
+                <a16:creationId xmlns:a16="http://schemas.microsoft.com/office/drawing/2014/main" id="{6D2CCD29-ACD0-C173-AFCF-695426F1146D}"/>
+              </a:ext>
+            </a:extLst>
+          </p:cNvPr>
+          <p:cNvPicPr>
+            <a:picLocks noChangeAspect="1"/>
+          </p:cNvPicPr>
+          <p:nvPr/>
+        </p:nvPicPr>
+        <p:blipFill>
+          <a:blip r:embed="rId3"/>
+          <a:stretch>
+            <a:fillRect/>
+          </a:stretch>
+        </p:blipFill>
+        <p:spPr>
+          <a:xfrm>
+            <a:off x="8718142" y="1390791"/>
+            <a:ext cx="742857" cy="2085714"/>
+          </a:xfrm>
+          <a:prstGeom prst="rect">
+            <a:avLst/>
+          </a:prstGeom>
+        </p:spPr>
+      </p:pic>
+      <p:pic>
+        <p:nvPicPr>
+          <p:cNvPr id="9" name="Picture 8">
+            <a:extLst>
+              <a:ext uri="{FF2B5EF4-FFF2-40B4-BE49-F238E27FC236}">
+                <a16:creationId xmlns:a16="http://schemas.microsoft.com/office/drawing/2014/main" id="{4BC28A68-29D7-DDDD-D4D7-F044331D9CE0}"/>
+              </a:ext>
+            </a:extLst>
+          </p:cNvPr>
+          <p:cNvPicPr>
+            <a:picLocks noChangeAspect="1"/>
+          </p:cNvPicPr>
+          <p:nvPr/>
+        </p:nvPicPr>
+        <p:blipFill>
+          <a:blip r:embed="rId4"/>
+          <a:stretch>
+            <a:fillRect/>
+          </a:stretch>
+        </p:blipFill>
+        <p:spPr>
+          <a:xfrm>
+            <a:off x="2769056" y="4198896"/>
+            <a:ext cx="3043705" cy="2474073"/>
+          </a:xfrm>
+          <a:prstGeom prst="rect">
+            <a:avLst/>
+          </a:prstGeom>
+        </p:spPr>
+      </p:pic>
+    </p:spTree>
+    <p:extLst>
+      <p:ext uri="{BB962C8B-B14F-4D97-AF65-F5344CB8AC3E}">
+        <p14:creationId xmlns:p14="http://schemas.microsoft.com/office/powerpoint/2010/main" val="1237282108"/>
+      </p:ext>
+    </p:extLst>
+  </p:cSld>
+  <p:clrMapOvr>
+    <a:masterClrMapping/>
+  </p:clrMapOvr>
+</p:sld>
+</file>
+
+<file path=ppt/slides/slide119.xml><?xml version="1.0" encoding="utf-8"?>
+<p:sld xmlns:a="http://schemas.openxmlformats.org/drawingml/2006/main" xmlns:r="http://schemas.openxmlformats.org/officeDocument/2006/relationships" xmlns:p="http://schemas.openxmlformats.org/presentationml/2006/main">
+  <p:cSld>
+    <p:spTree>
+      <p:nvGrpSpPr>
+        <p:cNvPr id="1" name="">
+          <a:extLst>
+            <a:ext uri="{FF2B5EF4-FFF2-40B4-BE49-F238E27FC236}">
+              <a16:creationId xmlns:a16="http://schemas.microsoft.com/office/drawing/2014/main" id="{BFCFD78C-1D24-2137-D3D8-FB07ABC90FB0}"/>
+            </a:ext>
+          </a:extLst>
+        </p:cNvPr>
+        <p:cNvGrpSpPr/>
+        <p:nvPr/>
+      </p:nvGrpSpPr>
+      <p:grpSpPr>
+        <a:xfrm>
+          <a:off x="0" y="0"/>
+          <a:ext cx="0" cy="0"/>
+          <a:chOff x="0" y="0"/>
+          <a:chExt cx="0" cy="0"/>
+        </a:xfrm>
+      </p:grpSpPr>
+      <p:sp>
+        <p:nvSpPr>
+          <p:cNvPr id="3" name="Content Placeholder 2">
+            <a:extLst>
+              <a:ext uri="{FF2B5EF4-FFF2-40B4-BE49-F238E27FC236}">
+                <a16:creationId xmlns:a16="http://schemas.microsoft.com/office/drawing/2014/main" id="{94235BEB-398B-FC4A-EE41-A3A57E44715B}"/>
+              </a:ext>
+            </a:extLst>
+          </p:cNvPr>
+          <p:cNvSpPr>
+            <a:spLocks noGrp="1"/>
+          </p:cNvSpPr>
+          <p:nvPr>
+            <p:ph idx="1"/>
+          </p:nvPr>
+        </p:nvSpPr>
+        <p:spPr>
+          <a:xfrm>
+            <a:off x="777240" y="674914"/>
+            <a:ext cx="10659110" cy="5502049"/>
+          </a:xfrm>
+        </p:spPr>
+        <p:txBody>
+          <a:bodyPr>
+            <a:normAutofit/>
+          </a:bodyPr>
+          <a:lstStyle/>
+          <a:p>
+            <a:pPr marL="0" indent="0">
+              <a:buNone/>
+            </a:pPr>
+            <a:r>
+              <a:rPr lang="en-US" sz="2400" b="1" dirty="0"/>
+              <a:t>3. pass Statement:</a:t>
+            </a:r>
+          </a:p>
+          <a:p>
+            <a:pPr marL="0" indent="0">
+              <a:buNone/>
+            </a:pPr>
+            <a:r>
+              <a:rPr lang="en-US" sz="2400" dirty="0"/>
+              <a:t>The pass statement is a </a:t>
+            </a:r>
+            <a:r>
+              <a:rPr lang="en-US" sz="2400" b="1" dirty="0">
+                <a:solidFill>
+                  <a:srgbClr val="C00000"/>
+                </a:solidFill>
+              </a:rPr>
+              <a:t>placeholder</a:t>
+            </a:r>
+            <a:r>
+              <a:rPr lang="en-US" sz="2400" b="1" dirty="0"/>
+              <a:t> that </a:t>
+            </a:r>
+            <a:r>
+              <a:rPr lang="en-US" sz="2400" b="1" dirty="0">
+                <a:solidFill>
+                  <a:srgbClr val="C00000"/>
+                </a:solidFill>
+              </a:rPr>
+              <a:t>does nothing when executed</a:t>
+            </a:r>
+            <a:r>
+              <a:rPr lang="en-US" sz="2400" dirty="0"/>
+              <a:t>. It is often used when a statement is </a:t>
+            </a:r>
+            <a:r>
+              <a:rPr lang="en-US" sz="2400" b="1" dirty="0">
+                <a:solidFill>
+                  <a:srgbClr val="C00000"/>
+                </a:solidFill>
+              </a:rPr>
+              <a:t>syntactically required </a:t>
+            </a:r>
+            <a:r>
+              <a:rPr lang="en-US" sz="2400" dirty="0"/>
+              <a:t>but </a:t>
+            </a:r>
+            <a:r>
+              <a:rPr lang="en-US" sz="2400" b="1" dirty="0"/>
+              <a:t>no action is desired</a:t>
+            </a:r>
+            <a:r>
+              <a:rPr lang="en-US" sz="2400" dirty="0"/>
+              <a:t>.</a:t>
+            </a:r>
+          </a:p>
+          <a:p>
+            <a:pPr marL="0" indent="0">
+              <a:buNone/>
+            </a:pPr>
+            <a:r>
+              <a:rPr lang="en-US" sz="2400" b="1" dirty="0"/>
+              <a:t>Syntax:</a:t>
+            </a:r>
+          </a:p>
+          <a:p>
+            <a:pPr marL="0" indent="0">
+              <a:buNone/>
+            </a:pPr>
+            <a:endParaRPr lang="en-IN" sz="2400" b="1" dirty="0"/>
+          </a:p>
+        </p:txBody>
+      </p:sp>
+      <p:pic>
+        <p:nvPicPr>
+          <p:cNvPr id="6" name="Picture 5">
+            <a:extLst>
+              <a:ext uri="{FF2B5EF4-FFF2-40B4-BE49-F238E27FC236}">
+                <a16:creationId xmlns:a16="http://schemas.microsoft.com/office/drawing/2014/main" id="{12EFEE40-8EF8-8A8D-CE5A-861DF952C800}"/>
+              </a:ext>
+            </a:extLst>
+          </p:cNvPr>
+          <p:cNvPicPr>
+            <a:picLocks noChangeAspect="1"/>
+          </p:cNvPicPr>
+          <p:nvPr/>
+        </p:nvPicPr>
+        <p:blipFill>
+          <a:blip r:embed="rId2"/>
+          <a:stretch>
+            <a:fillRect/>
+          </a:stretch>
+        </p:blipFill>
+        <p:spPr>
+          <a:xfrm>
+            <a:off x="2284114" y="2307567"/>
+            <a:ext cx="3215477" cy="1404461"/>
+          </a:xfrm>
+          <a:prstGeom prst="rect">
+            <a:avLst/>
+          </a:prstGeom>
+        </p:spPr>
+      </p:pic>
+    </p:spTree>
+    <p:extLst>
+      <p:ext uri="{BB962C8B-B14F-4D97-AF65-F5344CB8AC3E}">
+        <p14:creationId xmlns:p14="http://schemas.microsoft.com/office/powerpoint/2010/main" val="593261601"/>
+      </p:ext>
+    </p:extLst>
+  </p:cSld>
+  <p:clrMapOvr>
+    <a:masterClrMapping/>
+  </p:clrMapOvr>
+</p:sld>
+</file>
+
 <file path=ppt/slides/slide12.xml><?xml version="1.0" encoding="utf-8"?>
 <p:sld xmlns:a="http://schemas.openxmlformats.org/drawingml/2006/main" xmlns:r="http://schemas.openxmlformats.org/officeDocument/2006/relationships" xmlns:p="http://schemas.openxmlformats.org/presentationml/2006/main">
   <p:cSld>
@@ -6520,6 +9979,1034 @@
     <p:extLst>
       <p:ext uri="{BB962C8B-B14F-4D97-AF65-F5344CB8AC3E}">
         <p14:creationId xmlns:p14="http://schemas.microsoft.com/office/powerpoint/2010/main" val="1922528670"/>
+      </p:ext>
+    </p:extLst>
+  </p:cSld>
+  <p:clrMapOvr>
+    <a:masterClrMapping/>
+  </p:clrMapOvr>
+</p:sld>
+</file>
+
+<file path=ppt/slides/slide120.xml><?xml version="1.0" encoding="utf-8"?>
+<p:sld xmlns:a="http://schemas.openxmlformats.org/drawingml/2006/main" xmlns:r="http://schemas.openxmlformats.org/officeDocument/2006/relationships" xmlns:p="http://schemas.openxmlformats.org/presentationml/2006/main">
+  <p:cSld>
+    <p:spTree>
+      <p:nvGrpSpPr>
+        <p:cNvPr id="1" name="">
+          <a:extLst>
+            <a:ext uri="{FF2B5EF4-FFF2-40B4-BE49-F238E27FC236}">
+              <a16:creationId xmlns:a16="http://schemas.microsoft.com/office/drawing/2014/main" id="{4574E998-26CA-5AC8-F3C1-F69CD8608FC6}"/>
+            </a:ext>
+          </a:extLst>
+        </p:cNvPr>
+        <p:cNvGrpSpPr/>
+        <p:nvPr/>
+      </p:nvGrpSpPr>
+      <p:grpSpPr>
+        <a:xfrm>
+          <a:off x="0" y="0"/>
+          <a:ext cx="0" cy="0"/>
+          <a:chOff x="0" y="0"/>
+          <a:chExt cx="0" cy="0"/>
+        </a:xfrm>
+      </p:grpSpPr>
+      <p:sp>
+        <p:nvSpPr>
+          <p:cNvPr id="3" name="Content Placeholder 2">
+            <a:extLst>
+              <a:ext uri="{FF2B5EF4-FFF2-40B4-BE49-F238E27FC236}">
+                <a16:creationId xmlns:a16="http://schemas.microsoft.com/office/drawing/2014/main" id="{ED58AB53-C289-7D0C-E87E-9BB76C379FFC}"/>
+              </a:ext>
+            </a:extLst>
+          </p:cNvPr>
+          <p:cNvSpPr>
+            <a:spLocks noGrp="1"/>
+          </p:cNvSpPr>
+          <p:nvPr>
+            <p:ph idx="1"/>
+          </p:nvPr>
+        </p:nvSpPr>
+        <p:spPr>
+          <a:xfrm>
+            <a:off x="777240" y="674914"/>
+            <a:ext cx="10659110" cy="5502049"/>
+          </a:xfrm>
+        </p:spPr>
+        <p:txBody>
+          <a:bodyPr>
+            <a:normAutofit/>
+          </a:bodyPr>
+          <a:lstStyle/>
+          <a:p>
+            <a:pPr marL="0" indent="0">
+              <a:buNone/>
+            </a:pPr>
+            <a:r>
+              <a:rPr lang="en-US" sz="2400" b="1" dirty="0"/>
+              <a:t>Examples</a:t>
+            </a:r>
+          </a:p>
+          <a:p>
+            <a:pPr marL="457200" indent="-457200">
+              <a:buAutoNum type="alphaLcParenR"/>
+            </a:pPr>
+            <a:r>
+              <a:rPr lang="en-US" sz="2400" b="1" dirty="0"/>
+              <a:t>Using pass in an </a:t>
+            </a:r>
+            <a:r>
+              <a:rPr lang="en-US" sz="2400" b="1" dirty="0">
+                <a:solidFill>
+                  <a:srgbClr val="C00000"/>
+                </a:solidFill>
+              </a:rPr>
+              <a:t>if Statement</a:t>
+            </a:r>
+            <a:r>
+              <a:rPr lang="en-US" sz="2400" b="1" dirty="0"/>
+              <a:t>:</a:t>
+            </a:r>
+          </a:p>
+          <a:p>
+            <a:pPr marL="457200" indent="-457200">
+              <a:buAutoNum type="alphaLcParenR"/>
+            </a:pPr>
+            <a:endParaRPr lang="en-US" sz="2400" b="1" dirty="0"/>
+          </a:p>
+          <a:p>
+            <a:pPr marL="457200" indent="-457200">
+              <a:buAutoNum type="alphaLcParenR"/>
+            </a:pPr>
+            <a:endParaRPr lang="en-US" sz="2400" b="1" dirty="0"/>
+          </a:p>
+          <a:p>
+            <a:pPr marL="457200" indent="-457200">
+              <a:buAutoNum type="alphaLcParenR"/>
+            </a:pPr>
+            <a:endParaRPr lang="en-US" sz="2400" b="1" dirty="0"/>
+          </a:p>
+          <a:p>
+            <a:pPr marL="457200" indent="-457200">
+              <a:buAutoNum type="alphaLcParenR"/>
+            </a:pPr>
+            <a:endParaRPr lang="en-US" sz="2400" b="1" dirty="0"/>
+          </a:p>
+          <a:p>
+            <a:pPr marL="457200" indent="-457200">
+              <a:buAutoNum type="alphaLcParenR"/>
+            </a:pPr>
+            <a:endParaRPr lang="en-US" sz="2400" b="1" dirty="0"/>
+          </a:p>
+          <a:p>
+            <a:pPr marL="457200" indent="-457200">
+              <a:buAutoNum type="alphaLcParenR"/>
+            </a:pPr>
+            <a:r>
+              <a:rPr lang="en-US" sz="2400" b="1" dirty="0"/>
+              <a:t>Using pass in a Loop:</a:t>
+            </a:r>
+          </a:p>
+          <a:p>
+            <a:pPr marL="457200" indent="-457200">
+              <a:buAutoNum type="alphaLcParenR"/>
+            </a:pPr>
+            <a:endParaRPr lang="en-IN" sz="2400" b="1" dirty="0"/>
+          </a:p>
+        </p:txBody>
+      </p:sp>
+      <p:pic>
+        <p:nvPicPr>
+          <p:cNvPr id="4" name="Picture 3">
+            <a:extLst>
+              <a:ext uri="{FF2B5EF4-FFF2-40B4-BE49-F238E27FC236}">
+                <a16:creationId xmlns:a16="http://schemas.microsoft.com/office/drawing/2014/main" id="{90F3D5CC-D3A6-6DF9-D4A6-E6CE44A6F031}"/>
+              </a:ext>
+            </a:extLst>
+          </p:cNvPr>
+          <p:cNvPicPr>
+            <a:picLocks noChangeAspect="1"/>
+          </p:cNvPicPr>
+          <p:nvPr/>
+        </p:nvPicPr>
+        <p:blipFill>
+          <a:blip r:embed="rId2"/>
+          <a:stretch>
+            <a:fillRect/>
+          </a:stretch>
+        </p:blipFill>
+        <p:spPr>
+          <a:xfrm>
+            <a:off x="1718267" y="1756125"/>
+            <a:ext cx="5509847" cy="1842608"/>
+          </a:xfrm>
+          <a:prstGeom prst="rect">
+            <a:avLst/>
+          </a:prstGeom>
+        </p:spPr>
+      </p:pic>
+      <p:pic>
+        <p:nvPicPr>
+          <p:cNvPr id="6" name="Picture 5">
+            <a:extLst>
+              <a:ext uri="{FF2B5EF4-FFF2-40B4-BE49-F238E27FC236}">
+                <a16:creationId xmlns:a16="http://schemas.microsoft.com/office/drawing/2014/main" id="{35B5B23F-392F-03DC-F907-18EB77CEF06F}"/>
+              </a:ext>
+            </a:extLst>
+          </p:cNvPr>
+          <p:cNvPicPr>
+            <a:picLocks noChangeAspect="1"/>
+          </p:cNvPicPr>
+          <p:nvPr/>
+        </p:nvPicPr>
+        <p:blipFill>
+          <a:blip r:embed="rId3"/>
+          <a:stretch>
+            <a:fillRect/>
+          </a:stretch>
+        </p:blipFill>
+        <p:spPr>
+          <a:xfrm>
+            <a:off x="2396428" y="4349637"/>
+            <a:ext cx="3699572" cy="2016998"/>
+          </a:xfrm>
+          <a:prstGeom prst="rect">
+            <a:avLst/>
+          </a:prstGeom>
+        </p:spPr>
+      </p:pic>
+    </p:spTree>
+    <p:extLst>
+      <p:ext uri="{BB962C8B-B14F-4D97-AF65-F5344CB8AC3E}">
+        <p14:creationId xmlns:p14="http://schemas.microsoft.com/office/powerpoint/2010/main" val="29966392"/>
+      </p:ext>
+    </p:extLst>
+  </p:cSld>
+  <p:clrMapOvr>
+    <a:masterClrMapping/>
+  </p:clrMapOvr>
+</p:sld>
+</file>
+
+<file path=ppt/slides/slide121.xml><?xml version="1.0" encoding="utf-8"?>
+<p:sld xmlns:a="http://schemas.openxmlformats.org/drawingml/2006/main" xmlns:r="http://schemas.openxmlformats.org/officeDocument/2006/relationships" xmlns:p="http://schemas.openxmlformats.org/presentationml/2006/main">
+  <p:cSld>
+    <p:spTree>
+      <p:nvGrpSpPr>
+        <p:cNvPr id="1" name="">
+          <a:extLst>
+            <a:ext uri="{FF2B5EF4-FFF2-40B4-BE49-F238E27FC236}">
+              <a16:creationId xmlns:a16="http://schemas.microsoft.com/office/drawing/2014/main" id="{FA8FFF5E-69F0-99C8-8D75-3B2E37612467}"/>
+            </a:ext>
+          </a:extLst>
+        </p:cNvPr>
+        <p:cNvGrpSpPr/>
+        <p:nvPr/>
+      </p:nvGrpSpPr>
+      <p:grpSpPr>
+        <a:xfrm>
+          <a:off x="0" y="0"/>
+          <a:ext cx="0" cy="0"/>
+          <a:chOff x="0" y="0"/>
+          <a:chExt cx="0" cy="0"/>
+        </a:xfrm>
+      </p:grpSpPr>
+      <p:sp>
+        <p:nvSpPr>
+          <p:cNvPr id="3" name="Content Placeholder 2">
+            <a:extLst>
+              <a:ext uri="{FF2B5EF4-FFF2-40B4-BE49-F238E27FC236}">
+                <a16:creationId xmlns:a16="http://schemas.microsoft.com/office/drawing/2014/main" id="{C1F20E97-01CA-C4A9-5F97-73A608B7005E}"/>
+              </a:ext>
+            </a:extLst>
+          </p:cNvPr>
+          <p:cNvSpPr>
+            <a:spLocks noGrp="1"/>
+          </p:cNvSpPr>
+          <p:nvPr>
+            <p:ph idx="1"/>
+          </p:nvPr>
+        </p:nvSpPr>
+        <p:spPr>
+          <a:xfrm>
+            <a:off x="777240" y="674914"/>
+            <a:ext cx="10659110" cy="5502049"/>
+          </a:xfrm>
+        </p:spPr>
+        <p:txBody>
+          <a:bodyPr/>
+          <a:lstStyle/>
+          <a:p>
+            <a:pPr marL="0" indent="0">
+              <a:buNone/>
+            </a:pPr>
+            <a:endParaRPr lang="en-IN" dirty="0"/>
+          </a:p>
+        </p:txBody>
+      </p:sp>
+    </p:spTree>
+    <p:extLst>
+      <p:ext uri="{BB962C8B-B14F-4D97-AF65-F5344CB8AC3E}">
+        <p14:creationId xmlns:p14="http://schemas.microsoft.com/office/powerpoint/2010/main" val="89408639"/>
+      </p:ext>
+    </p:extLst>
+  </p:cSld>
+  <p:clrMapOvr>
+    <a:masterClrMapping/>
+  </p:clrMapOvr>
+</p:sld>
+</file>
+
+<file path=ppt/slides/slide122.xml><?xml version="1.0" encoding="utf-8"?>
+<p:sld xmlns:a="http://schemas.openxmlformats.org/drawingml/2006/main" xmlns:r="http://schemas.openxmlformats.org/officeDocument/2006/relationships" xmlns:p="http://schemas.openxmlformats.org/presentationml/2006/main">
+  <p:cSld>
+    <p:spTree>
+      <p:nvGrpSpPr>
+        <p:cNvPr id="1" name="">
+          <a:extLst>
+            <a:ext uri="{FF2B5EF4-FFF2-40B4-BE49-F238E27FC236}">
+              <a16:creationId xmlns:a16="http://schemas.microsoft.com/office/drawing/2014/main" id="{E64B0317-D55A-B051-B978-3ABC8F2AD3A7}"/>
+            </a:ext>
+          </a:extLst>
+        </p:cNvPr>
+        <p:cNvGrpSpPr/>
+        <p:nvPr/>
+      </p:nvGrpSpPr>
+      <p:grpSpPr>
+        <a:xfrm>
+          <a:off x="0" y="0"/>
+          <a:ext cx="0" cy="0"/>
+          <a:chOff x="0" y="0"/>
+          <a:chExt cx="0" cy="0"/>
+        </a:xfrm>
+      </p:grpSpPr>
+      <p:sp>
+        <p:nvSpPr>
+          <p:cNvPr id="3" name="Content Placeholder 2">
+            <a:extLst>
+              <a:ext uri="{FF2B5EF4-FFF2-40B4-BE49-F238E27FC236}">
+                <a16:creationId xmlns:a16="http://schemas.microsoft.com/office/drawing/2014/main" id="{8A710A5B-D905-EA16-37DD-5FD66DF9E834}"/>
+              </a:ext>
+            </a:extLst>
+          </p:cNvPr>
+          <p:cNvSpPr>
+            <a:spLocks noGrp="1"/>
+          </p:cNvSpPr>
+          <p:nvPr>
+            <p:ph idx="1"/>
+          </p:nvPr>
+        </p:nvSpPr>
+        <p:spPr>
+          <a:xfrm>
+            <a:off x="702853" y="719137"/>
+            <a:ext cx="10900568" cy="5313801"/>
+          </a:xfrm>
+        </p:spPr>
+        <p:txBody>
+          <a:bodyPr>
+            <a:normAutofit lnSpcReduction="10000"/>
+          </a:bodyPr>
+          <a:lstStyle/>
+          <a:p>
+            <a:pPr marL="0" indent="0">
+              <a:buNone/>
+            </a:pPr>
+            <a:r>
+              <a:rPr lang="en-US" sz="3200" b="1" dirty="0">
+                <a:solidFill>
+                  <a:srgbClr val="C00000"/>
+                </a:solidFill>
+              </a:rPr>
+              <a:t>Module-1: </a:t>
+            </a:r>
+            <a:r>
+              <a:rPr lang="en-US" sz="3200" b="1" dirty="0">
+                <a:solidFill>
+                  <a:srgbClr val="002060"/>
+                </a:solidFill>
+              </a:rPr>
+              <a:t>Python Basic Concepts and Programming </a:t>
+            </a:r>
+            <a:r>
+              <a:rPr lang="en-IN" sz="3200" b="1" dirty="0">
+                <a:solidFill>
+                  <a:srgbClr val="C00000"/>
+                </a:solidFill>
+              </a:rPr>
+              <a:t>:</a:t>
+            </a:r>
+          </a:p>
+          <a:p>
+            <a:pPr marL="0" indent="0">
+              <a:buNone/>
+            </a:pPr>
+            <a:r>
+              <a:rPr lang="en-US" sz="2800" b="1" dirty="0"/>
+              <a:t>Interpreter, Parts of Python Programming Language</a:t>
+            </a:r>
+            <a:r>
+              <a:rPr lang="en-US" sz="2800" dirty="0"/>
+              <a:t>, </a:t>
+            </a:r>
+            <a:r>
+              <a:rPr lang="en-US" sz="2800" b="1" dirty="0"/>
+              <a:t>Identifiers</a:t>
+            </a:r>
+            <a:r>
+              <a:rPr lang="en-US" sz="2800" dirty="0"/>
+              <a:t>, </a:t>
+            </a:r>
+            <a:r>
+              <a:rPr lang="en-US" sz="2800" b="1" dirty="0"/>
+              <a:t>Keywords</a:t>
+            </a:r>
+            <a:r>
+              <a:rPr lang="en-US" sz="2800" dirty="0"/>
+              <a:t>, </a:t>
+            </a:r>
+            <a:r>
+              <a:rPr lang="en-US" sz="2800" b="1" dirty="0"/>
+              <a:t>Statements and Expressions</a:t>
+            </a:r>
+            <a:r>
+              <a:rPr lang="en-US" sz="2800" dirty="0"/>
+              <a:t>, </a:t>
+            </a:r>
+            <a:r>
+              <a:rPr lang="en-US" sz="2800" b="1" dirty="0"/>
+              <a:t>Variables</a:t>
+            </a:r>
+            <a:r>
+              <a:rPr lang="en-US" sz="2800" dirty="0"/>
+              <a:t>, </a:t>
+            </a:r>
+            <a:r>
+              <a:rPr lang="en-US" sz="2800" b="1" dirty="0"/>
+              <a:t>Operators</a:t>
+            </a:r>
+            <a:r>
+              <a:rPr lang="en-US" sz="2800" dirty="0"/>
+              <a:t>, </a:t>
+            </a:r>
+            <a:r>
+              <a:rPr lang="en-US" sz="2800" b="1" dirty="0"/>
+              <a:t>Precedence and Associativity</a:t>
+            </a:r>
+            <a:r>
+              <a:rPr lang="en-US" sz="2800" dirty="0"/>
+              <a:t>, </a:t>
+            </a:r>
+            <a:r>
+              <a:rPr lang="en-US" sz="2800" b="1" dirty="0"/>
+              <a:t>Data Types</a:t>
+            </a:r>
+            <a:r>
+              <a:rPr lang="en-US" sz="2800" dirty="0"/>
+              <a:t>, </a:t>
+            </a:r>
+            <a:r>
+              <a:rPr lang="en-US" sz="2800" b="1" dirty="0"/>
+              <a:t>Indentation</a:t>
+            </a:r>
+            <a:r>
+              <a:rPr lang="en-US" sz="2800" dirty="0"/>
+              <a:t>, </a:t>
+            </a:r>
+            <a:r>
+              <a:rPr lang="en-US" sz="2800" b="1" dirty="0"/>
+              <a:t>Comments</a:t>
+            </a:r>
+            <a:r>
+              <a:rPr lang="en-US" sz="2800" dirty="0"/>
+              <a:t>, </a:t>
+            </a:r>
+            <a:r>
+              <a:rPr lang="en-US" sz="2800" b="1" dirty="0"/>
+              <a:t>Program Execution</a:t>
+            </a:r>
+            <a:r>
+              <a:rPr lang="en-US" sz="2800" dirty="0"/>
+              <a:t>, </a:t>
+            </a:r>
+            <a:r>
+              <a:rPr lang="en-US" sz="2800" b="1" dirty="0"/>
+              <a:t>Reading Input</a:t>
+            </a:r>
+            <a:r>
+              <a:rPr lang="en-US" sz="2800" dirty="0"/>
+              <a:t>, </a:t>
+            </a:r>
+            <a:r>
+              <a:rPr lang="en-US" sz="2800" b="1" dirty="0"/>
+              <a:t>Print Output</a:t>
+            </a:r>
+            <a:r>
+              <a:rPr lang="en-US" sz="2800" dirty="0"/>
+              <a:t>, </a:t>
+            </a:r>
+            <a:r>
+              <a:rPr lang="en-US" sz="2800" b="1" dirty="0"/>
+              <a:t>Type Conversions</a:t>
+            </a:r>
+            <a:r>
+              <a:rPr lang="en-US" sz="2800" dirty="0"/>
+              <a:t>, </a:t>
+            </a:r>
+            <a:r>
+              <a:rPr lang="en-US" sz="2800" b="1" dirty="0"/>
+              <a:t>The type( ) Function and Is Operator</a:t>
+            </a:r>
+            <a:r>
+              <a:rPr lang="en-US" sz="2800" dirty="0"/>
+              <a:t>, </a:t>
+            </a:r>
+            <a:r>
+              <a:rPr lang="en-US" sz="2800" b="1" dirty="0"/>
+              <a:t>Control Flow Statements:</a:t>
+            </a:r>
+            <a:r>
+              <a:rPr lang="en-US" sz="2800" dirty="0"/>
+              <a:t> </a:t>
+            </a:r>
+            <a:r>
+              <a:rPr lang="en-US" sz="2800" b="1" dirty="0"/>
+              <a:t>The if Decision Control Flow Statement, The if…else Decision Control Flow Statement, The if…</a:t>
+            </a:r>
+            <a:r>
+              <a:rPr lang="en-US" sz="2800" b="1" dirty="0" err="1"/>
+              <a:t>elif</a:t>
+            </a:r>
+            <a:r>
+              <a:rPr lang="en-US" sz="2800" b="1" dirty="0"/>
+              <a:t>…else Decision Control Statement, Nested if Statement</a:t>
+            </a:r>
+            <a:r>
+              <a:rPr lang="en-US" sz="2800" dirty="0"/>
+              <a:t>, </a:t>
+            </a:r>
+            <a:r>
+              <a:rPr lang="en-US" sz="2800" b="1" dirty="0"/>
+              <a:t>The while Loop, The for Loop</a:t>
+            </a:r>
+            <a:r>
+              <a:rPr lang="en-US" sz="2800" dirty="0"/>
+              <a:t>, </a:t>
+            </a:r>
+            <a:r>
+              <a:rPr lang="en-US" sz="2800" b="1" dirty="0"/>
+              <a:t>The continue and break Statements</a:t>
+            </a:r>
+            <a:r>
+              <a:rPr lang="en-US" sz="2800" dirty="0"/>
+              <a:t>, Sequences – Strings, Built-In Functions, Commonly Used Modules, Function Definition and Calling the Function, The return Statement and void Function, Scope and Lifetime of Variables, Default Parameters, Keyword Arguments, *</a:t>
+            </a:r>
+            <a:r>
+              <a:rPr lang="en-US" sz="2800" dirty="0" err="1"/>
+              <a:t>args</a:t>
+            </a:r>
+            <a:r>
+              <a:rPr lang="en-US" sz="2800" dirty="0"/>
+              <a:t> and **</a:t>
+            </a:r>
+            <a:r>
+              <a:rPr lang="en-US" sz="2800" dirty="0" err="1"/>
+              <a:t>kwargs</a:t>
+            </a:r>
+            <a:r>
+              <a:rPr lang="en-US" sz="2800" dirty="0"/>
+              <a:t>, Command Line Arguments. </a:t>
+            </a:r>
+            <a:endParaRPr lang="en-IN" sz="3200" dirty="0"/>
+          </a:p>
+        </p:txBody>
+      </p:sp>
+    </p:spTree>
+    <p:extLst>
+      <p:ext uri="{BB962C8B-B14F-4D97-AF65-F5344CB8AC3E}">
+        <p14:creationId xmlns:p14="http://schemas.microsoft.com/office/powerpoint/2010/main" val="3366606969"/>
+      </p:ext>
+    </p:extLst>
+  </p:cSld>
+  <p:clrMapOvr>
+    <a:masterClrMapping/>
+  </p:clrMapOvr>
+</p:sld>
+</file>
+
+<file path=ppt/slides/slide123.xml><?xml version="1.0" encoding="utf-8"?>
+<p:sld xmlns:a="http://schemas.openxmlformats.org/drawingml/2006/main" xmlns:r="http://schemas.openxmlformats.org/officeDocument/2006/relationships" xmlns:p="http://schemas.openxmlformats.org/presentationml/2006/main">
+  <p:cSld>
+    <p:spTree>
+      <p:nvGrpSpPr>
+        <p:cNvPr id="1" name="">
+          <a:extLst>
+            <a:ext uri="{FF2B5EF4-FFF2-40B4-BE49-F238E27FC236}">
+              <a16:creationId xmlns:a16="http://schemas.microsoft.com/office/drawing/2014/main" id="{63A3F753-6B18-B663-9F21-78EA22228CE1}"/>
+            </a:ext>
+          </a:extLst>
+        </p:cNvPr>
+        <p:cNvGrpSpPr/>
+        <p:nvPr/>
+      </p:nvGrpSpPr>
+      <p:grpSpPr>
+        <a:xfrm>
+          <a:off x="0" y="0"/>
+          <a:ext cx="0" cy="0"/>
+          <a:chOff x="0" y="0"/>
+          <a:chExt cx="0" cy="0"/>
+        </a:xfrm>
+      </p:grpSpPr>
+      <p:sp>
+        <p:nvSpPr>
+          <p:cNvPr id="3" name="Content Placeholder 2">
+            <a:extLst>
+              <a:ext uri="{FF2B5EF4-FFF2-40B4-BE49-F238E27FC236}">
+                <a16:creationId xmlns:a16="http://schemas.microsoft.com/office/drawing/2014/main" id="{47D1FE30-8D64-3B69-FCD1-04CF4F96BFEE}"/>
+              </a:ext>
+            </a:extLst>
+          </p:cNvPr>
+          <p:cNvSpPr>
+            <a:spLocks noGrp="1"/>
+          </p:cNvSpPr>
+          <p:nvPr>
+            <p:ph idx="1"/>
+          </p:nvPr>
+        </p:nvSpPr>
+        <p:spPr>
+          <a:xfrm>
+            <a:off x="777240" y="674914"/>
+            <a:ext cx="10659110" cy="5502049"/>
+          </a:xfrm>
+        </p:spPr>
+        <p:txBody>
+          <a:bodyPr/>
+          <a:lstStyle/>
+          <a:p>
+            <a:pPr marL="0" indent="0">
+              <a:buNone/>
+            </a:pPr>
+            <a:endParaRPr lang="en-IN" dirty="0"/>
+          </a:p>
+        </p:txBody>
+      </p:sp>
+    </p:spTree>
+    <p:extLst>
+      <p:ext uri="{BB962C8B-B14F-4D97-AF65-F5344CB8AC3E}">
+        <p14:creationId xmlns:p14="http://schemas.microsoft.com/office/powerpoint/2010/main" val="1799877677"/>
+      </p:ext>
+    </p:extLst>
+  </p:cSld>
+  <p:clrMapOvr>
+    <a:masterClrMapping/>
+  </p:clrMapOvr>
+</p:sld>
+</file>
+
+<file path=ppt/slides/slide124.xml><?xml version="1.0" encoding="utf-8"?>
+<p:sld xmlns:a="http://schemas.openxmlformats.org/drawingml/2006/main" xmlns:r="http://schemas.openxmlformats.org/officeDocument/2006/relationships" xmlns:p="http://schemas.openxmlformats.org/presentationml/2006/main">
+  <p:cSld>
+    <p:spTree>
+      <p:nvGrpSpPr>
+        <p:cNvPr id="1" name="">
+          <a:extLst>
+            <a:ext uri="{FF2B5EF4-FFF2-40B4-BE49-F238E27FC236}">
+              <a16:creationId xmlns:a16="http://schemas.microsoft.com/office/drawing/2014/main" id="{3750B466-514F-221E-C43F-00598DBABFA2}"/>
+            </a:ext>
+          </a:extLst>
+        </p:cNvPr>
+        <p:cNvGrpSpPr/>
+        <p:nvPr/>
+      </p:nvGrpSpPr>
+      <p:grpSpPr>
+        <a:xfrm>
+          <a:off x="0" y="0"/>
+          <a:ext cx="0" cy="0"/>
+          <a:chOff x="0" y="0"/>
+          <a:chExt cx="0" cy="0"/>
+        </a:xfrm>
+      </p:grpSpPr>
+      <p:sp>
+        <p:nvSpPr>
+          <p:cNvPr id="3" name="Content Placeholder 2">
+            <a:extLst>
+              <a:ext uri="{FF2B5EF4-FFF2-40B4-BE49-F238E27FC236}">
+                <a16:creationId xmlns:a16="http://schemas.microsoft.com/office/drawing/2014/main" id="{4BA2CDF7-3623-B8F8-D224-7C120E27C3B2}"/>
+              </a:ext>
+            </a:extLst>
+          </p:cNvPr>
+          <p:cNvSpPr>
+            <a:spLocks noGrp="1"/>
+          </p:cNvSpPr>
+          <p:nvPr>
+            <p:ph idx="1"/>
+          </p:nvPr>
+        </p:nvSpPr>
+        <p:spPr>
+          <a:xfrm>
+            <a:off x="777240" y="674914"/>
+            <a:ext cx="10659110" cy="5502049"/>
+          </a:xfrm>
+        </p:spPr>
+        <p:txBody>
+          <a:bodyPr/>
+          <a:lstStyle/>
+          <a:p>
+            <a:pPr marL="0" indent="0">
+              <a:buNone/>
+            </a:pPr>
+            <a:endParaRPr lang="en-IN" dirty="0"/>
+          </a:p>
+        </p:txBody>
+      </p:sp>
+    </p:spTree>
+    <p:extLst>
+      <p:ext uri="{BB962C8B-B14F-4D97-AF65-F5344CB8AC3E}">
+        <p14:creationId xmlns:p14="http://schemas.microsoft.com/office/powerpoint/2010/main" val="161455538"/>
+      </p:ext>
+    </p:extLst>
+  </p:cSld>
+  <p:clrMapOvr>
+    <a:masterClrMapping/>
+  </p:clrMapOvr>
+</p:sld>
+</file>
+
+<file path=ppt/slides/slide125.xml><?xml version="1.0" encoding="utf-8"?>
+<p:sld xmlns:a="http://schemas.openxmlformats.org/drawingml/2006/main" xmlns:r="http://schemas.openxmlformats.org/officeDocument/2006/relationships" xmlns:p="http://schemas.openxmlformats.org/presentationml/2006/main">
+  <p:cSld>
+    <p:spTree>
+      <p:nvGrpSpPr>
+        <p:cNvPr id="1" name="">
+          <a:extLst>
+            <a:ext uri="{FF2B5EF4-FFF2-40B4-BE49-F238E27FC236}">
+              <a16:creationId xmlns:a16="http://schemas.microsoft.com/office/drawing/2014/main" id="{76A2D2C2-CDD4-F672-5BD9-DBA887B17FC0}"/>
+            </a:ext>
+          </a:extLst>
+        </p:cNvPr>
+        <p:cNvGrpSpPr/>
+        <p:nvPr/>
+      </p:nvGrpSpPr>
+      <p:grpSpPr>
+        <a:xfrm>
+          <a:off x="0" y="0"/>
+          <a:ext cx="0" cy="0"/>
+          <a:chOff x="0" y="0"/>
+          <a:chExt cx="0" cy="0"/>
+        </a:xfrm>
+      </p:grpSpPr>
+      <p:sp>
+        <p:nvSpPr>
+          <p:cNvPr id="3" name="Content Placeholder 2">
+            <a:extLst>
+              <a:ext uri="{FF2B5EF4-FFF2-40B4-BE49-F238E27FC236}">
+                <a16:creationId xmlns:a16="http://schemas.microsoft.com/office/drawing/2014/main" id="{78B46853-483E-2ED0-11B1-45A813F922E0}"/>
+              </a:ext>
+            </a:extLst>
+          </p:cNvPr>
+          <p:cNvSpPr>
+            <a:spLocks noGrp="1"/>
+          </p:cNvSpPr>
+          <p:nvPr>
+            <p:ph idx="1"/>
+          </p:nvPr>
+        </p:nvSpPr>
+        <p:spPr>
+          <a:xfrm>
+            <a:off x="777240" y="674914"/>
+            <a:ext cx="10659110" cy="5502049"/>
+          </a:xfrm>
+        </p:spPr>
+        <p:txBody>
+          <a:bodyPr/>
+          <a:lstStyle/>
+          <a:p>
+            <a:pPr marL="0" indent="0">
+              <a:buNone/>
+            </a:pPr>
+            <a:endParaRPr lang="en-IN" dirty="0"/>
+          </a:p>
+        </p:txBody>
+      </p:sp>
+    </p:spTree>
+    <p:extLst>
+      <p:ext uri="{BB962C8B-B14F-4D97-AF65-F5344CB8AC3E}">
+        <p14:creationId xmlns:p14="http://schemas.microsoft.com/office/powerpoint/2010/main" val="993494858"/>
+      </p:ext>
+    </p:extLst>
+  </p:cSld>
+  <p:clrMapOvr>
+    <a:masterClrMapping/>
+  </p:clrMapOvr>
+</p:sld>
+</file>
+
+<file path=ppt/slides/slide126.xml><?xml version="1.0" encoding="utf-8"?>
+<p:sld xmlns:a="http://schemas.openxmlformats.org/drawingml/2006/main" xmlns:r="http://schemas.openxmlformats.org/officeDocument/2006/relationships" xmlns:p="http://schemas.openxmlformats.org/presentationml/2006/main">
+  <p:cSld>
+    <p:spTree>
+      <p:nvGrpSpPr>
+        <p:cNvPr id="1" name="">
+          <a:extLst>
+            <a:ext uri="{FF2B5EF4-FFF2-40B4-BE49-F238E27FC236}">
+              <a16:creationId xmlns:a16="http://schemas.microsoft.com/office/drawing/2014/main" id="{7DDC2EAF-063C-CF81-0487-8350935528D1}"/>
+            </a:ext>
+          </a:extLst>
+        </p:cNvPr>
+        <p:cNvGrpSpPr/>
+        <p:nvPr/>
+      </p:nvGrpSpPr>
+      <p:grpSpPr>
+        <a:xfrm>
+          <a:off x="0" y="0"/>
+          <a:ext cx="0" cy="0"/>
+          <a:chOff x="0" y="0"/>
+          <a:chExt cx="0" cy="0"/>
+        </a:xfrm>
+      </p:grpSpPr>
+      <p:sp>
+        <p:nvSpPr>
+          <p:cNvPr id="3" name="Content Placeholder 2">
+            <a:extLst>
+              <a:ext uri="{FF2B5EF4-FFF2-40B4-BE49-F238E27FC236}">
+                <a16:creationId xmlns:a16="http://schemas.microsoft.com/office/drawing/2014/main" id="{215B77F9-445A-B8FF-30D3-AED88EF88F2B}"/>
+              </a:ext>
+            </a:extLst>
+          </p:cNvPr>
+          <p:cNvSpPr>
+            <a:spLocks noGrp="1"/>
+          </p:cNvSpPr>
+          <p:nvPr>
+            <p:ph idx="1"/>
+          </p:nvPr>
+        </p:nvSpPr>
+        <p:spPr>
+          <a:xfrm>
+            <a:off x="777240" y="674914"/>
+            <a:ext cx="10659110" cy="5502049"/>
+          </a:xfrm>
+        </p:spPr>
+        <p:txBody>
+          <a:bodyPr/>
+          <a:lstStyle/>
+          <a:p>
+            <a:pPr marL="0" indent="0">
+              <a:buNone/>
+            </a:pPr>
+            <a:endParaRPr lang="en-IN" dirty="0"/>
+          </a:p>
+        </p:txBody>
+      </p:sp>
+    </p:spTree>
+    <p:extLst>
+      <p:ext uri="{BB962C8B-B14F-4D97-AF65-F5344CB8AC3E}">
+        <p14:creationId xmlns:p14="http://schemas.microsoft.com/office/powerpoint/2010/main" val="1777430762"/>
+      </p:ext>
+    </p:extLst>
+  </p:cSld>
+  <p:clrMapOvr>
+    <a:masterClrMapping/>
+  </p:clrMapOvr>
+</p:sld>
+</file>
+
+<file path=ppt/slides/slide127.xml><?xml version="1.0" encoding="utf-8"?>
+<p:sld xmlns:a="http://schemas.openxmlformats.org/drawingml/2006/main" xmlns:r="http://schemas.openxmlformats.org/officeDocument/2006/relationships" xmlns:p="http://schemas.openxmlformats.org/presentationml/2006/main">
+  <p:cSld>
+    <p:spTree>
+      <p:nvGrpSpPr>
+        <p:cNvPr id="1" name="">
+          <a:extLst>
+            <a:ext uri="{FF2B5EF4-FFF2-40B4-BE49-F238E27FC236}">
+              <a16:creationId xmlns:a16="http://schemas.microsoft.com/office/drawing/2014/main" id="{16559B95-6C17-8B42-0D9E-E3871854A1EA}"/>
+            </a:ext>
+          </a:extLst>
+        </p:cNvPr>
+        <p:cNvGrpSpPr/>
+        <p:nvPr/>
+      </p:nvGrpSpPr>
+      <p:grpSpPr>
+        <a:xfrm>
+          <a:off x="0" y="0"/>
+          <a:ext cx="0" cy="0"/>
+          <a:chOff x="0" y="0"/>
+          <a:chExt cx="0" cy="0"/>
+        </a:xfrm>
+      </p:grpSpPr>
+      <p:sp>
+        <p:nvSpPr>
+          <p:cNvPr id="3" name="Content Placeholder 2">
+            <a:extLst>
+              <a:ext uri="{FF2B5EF4-FFF2-40B4-BE49-F238E27FC236}">
+                <a16:creationId xmlns:a16="http://schemas.microsoft.com/office/drawing/2014/main" id="{FD98724B-0258-D165-0DD9-F81F47769A32}"/>
+              </a:ext>
+            </a:extLst>
+          </p:cNvPr>
+          <p:cNvSpPr>
+            <a:spLocks noGrp="1"/>
+          </p:cNvSpPr>
+          <p:nvPr>
+            <p:ph idx="1"/>
+          </p:nvPr>
+        </p:nvSpPr>
+        <p:spPr>
+          <a:xfrm>
+            <a:off x="777240" y="674914"/>
+            <a:ext cx="10659110" cy="5502049"/>
+          </a:xfrm>
+        </p:spPr>
+        <p:txBody>
+          <a:bodyPr/>
+          <a:lstStyle/>
+          <a:p>
+            <a:pPr marL="0" indent="0">
+              <a:buNone/>
+            </a:pPr>
+            <a:endParaRPr lang="en-IN" dirty="0"/>
+          </a:p>
+        </p:txBody>
+      </p:sp>
+    </p:spTree>
+    <p:extLst>
+      <p:ext uri="{BB962C8B-B14F-4D97-AF65-F5344CB8AC3E}">
+        <p14:creationId xmlns:p14="http://schemas.microsoft.com/office/powerpoint/2010/main" val="3689257789"/>
+      </p:ext>
+    </p:extLst>
+  </p:cSld>
+  <p:clrMapOvr>
+    <a:masterClrMapping/>
+  </p:clrMapOvr>
+</p:sld>
+</file>
+
+<file path=ppt/slides/slide128.xml><?xml version="1.0" encoding="utf-8"?>
+<p:sld xmlns:a="http://schemas.openxmlformats.org/drawingml/2006/main" xmlns:r="http://schemas.openxmlformats.org/officeDocument/2006/relationships" xmlns:p="http://schemas.openxmlformats.org/presentationml/2006/main">
+  <p:cSld>
+    <p:spTree>
+      <p:nvGrpSpPr>
+        <p:cNvPr id="1" name="">
+          <a:extLst>
+            <a:ext uri="{FF2B5EF4-FFF2-40B4-BE49-F238E27FC236}">
+              <a16:creationId xmlns:a16="http://schemas.microsoft.com/office/drawing/2014/main" id="{F9F193D3-3BFE-012F-EE73-B5D727DA06F1}"/>
+            </a:ext>
+          </a:extLst>
+        </p:cNvPr>
+        <p:cNvGrpSpPr/>
+        <p:nvPr/>
+      </p:nvGrpSpPr>
+      <p:grpSpPr>
+        <a:xfrm>
+          <a:off x="0" y="0"/>
+          <a:ext cx="0" cy="0"/>
+          <a:chOff x="0" y="0"/>
+          <a:chExt cx="0" cy="0"/>
+        </a:xfrm>
+      </p:grpSpPr>
+      <p:sp>
+        <p:nvSpPr>
+          <p:cNvPr id="3" name="Content Placeholder 2">
+            <a:extLst>
+              <a:ext uri="{FF2B5EF4-FFF2-40B4-BE49-F238E27FC236}">
+                <a16:creationId xmlns:a16="http://schemas.microsoft.com/office/drawing/2014/main" id="{601DDD83-EE22-6B80-E2BF-B16320BF7688}"/>
+              </a:ext>
+            </a:extLst>
+          </p:cNvPr>
+          <p:cNvSpPr>
+            <a:spLocks noGrp="1"/>
+          </p:cNvSpPr>
+          <p:nvPr>
+            <p:ph idx="1"/>
+          </p:nvPr>
+        </p:nvSpPr>
+        <p:spPr>
+          <a:xfrm>
+            <a:off x="777240" y="674914"/>
+            <a:ext cx="10659110" cy="5502049"/>
+          </a:xfrm>
+        </p:spPr>
+        <p:txBody>
+          <a:bodyPr/>
+          <a:lstStyle/>
+          <a:p>
+            <a:pPr marL="0" indent="0">
+              <a:buNone/>
+            </a:pPr>
+            <a:endParaRPr lang="en-IN" dirty="0"/>
+          </a:p>
+        </p:txBody>
+      </p:sp>
+    </p:spTree>
+    <p:extLst>
+      <p:ext uri="{BB962C8B-B14F-4D97-AF65-F5344CB8AC3E}">
+        <p14:creationId xmlns:p14="http://schemas.microsoft.com/office/powerpoint/2010/main" val="2851887663"/>
+      </p:ext>
+    </p:extLst>
+  </p:cSld>
+  <p:clrMapOvr>
+    <a:masterClrMapping/>
+  </p:clrMapOvr>
+</p:sld>
+</file>
+
+<file path=ppt/slides/slide129.xml><?xml version="1.0" encoding="utf-8"?>
+<p:sld xmlns:a="http://schemas.openxmlformats.org/drawingml/2006/main" xmlns:r="http://schemas.openxmlformats.org/officeDocument/2006/relationships" xmlns:p="http://schemas.openxmlformats.org/presentationml/2006/main">
+  <p:cSld>
+    <p:spTree>
+      <p:nvGrpSpPr>
+        <p:cNvPr id="1" name="">
+          <a:extLst>
+            <a:ext uri="{FF2B5EF4-FFF2-40B4-BE49-F238E27FC236}">
+              <a16:creationId xmlns:a16="http://schemas.microsoft.com/office/drawing/2014/main" id="{A641650F-69AF-D914-8468-5CC4B8C261CD}"/>
+            </a:ext>
+          </a:extLst>
+        </p:cNvPr>
+        <p:cNvGrpSpPr/>
+        <p:nvPr/>
+      </p:nvGrpSpPr>
+      <p:grpSpPr>
+        <a:xfrm>
+          <a:off x="0" y="0"/>
+          <a:ext cx="0" cy="0"/>
+          <a:chOff x="0" y="0"/>
+          <a:chExt cx="0" cy="0"/>
+        </a:xfrm>
+      </p:grpSpPr>
+      <p:sp>
+        <p:nvSpPr>
+          <p:cNvPr id="3" name="Content Placeholder 2">
+            <a:extLst>
+              <a:ext uri="{FF2B5EF4-FFF2-40B4-BE49-F238E27FC236}">
+                <a16:creationId xmlns:a16="http://schemas.microsoft.com/office/drawing/2014/main" id="{6B46365F-0051-8ACC-7CFF-2F6113809E75}"/>
+              </a:ext>
+            </a:extLst>
+          </p:cNvPr>
+          <p:cNvSpPr>
+            <a:spLocks noGrp="1"/>
+          </p:cNvSpPr>
+          <p:nvPr>
+            <p:ph idx="1"/>
+          </p:nvPr>
+        </p:nvSpPr>
+        <p:spPr>
+          <a:xfrm>
+            <a:off x="777240" y="674914"/>
+            <a:ext cx="10659110" cy="5502049"/>
+          </a:xfrm>
+        </p:spPr>
+        <p:txBody>
+          <a:bodyPr/>
+          <a:lstStyle/>
+          <a:p>
+            <a:pPr marL="0" indent="0">
+              <a:buNone/>
+            </a:pPr>
+            <a:endParaRPr lang="en-IN" dirty="0"/>
+          </a:p>
+        </p:txBody>
+      </p:sp>
+    </p:spTree>
+    <p:extLst>
+      <p:ext uri="{BB962C8B-B14F-4D97-AF65-F5344CB8AC3E}">
+        <p14:creationId xmlns:p14="http://schemas.microsoft.com/office/powerpoint/2010/main" val="1171278552"/>
       </p:ext>
     </p:extLst>
   </p:cSld>
@@ -6802,6 +11289,696 @@
     <p:extLst>
       <p:ext uri="{BB962C8B-B14F-4D97-AF65-F5344CB8AC3E}">
         <p14:creationId xmlns:p14="http://schemas.microsoft.com/office/powerpoint/2010/main" val="3326673098"/>
+      </p:ext>
+    </p:extLst>
+  </p:cSld>
+  <p:clrMapOvr>
+    <a:masterClrMapping/>
+  </p:clrMapOvr>
+</p:sld>
+</file>
+
+<file path=ppt/slides/slide130.xml><?xml version="1.0" encoding="utf-8"?>
+<p:sld xmlns:a="http://schemas.openxmlformats.org/drawingml/2006/main" xmlns:r="http://schemas.openxmlformats.org/officeDocument/2006/relationships" xmlns:p="http://schemas.openxmlformats.org/presentationml/2006/main">
+  <p:cSld>
+    <p:spTree>
+      <p:nvGrpSpPr>
+        <p:cNvPr id="1" name="">
+          <a:extLst>
+            <a:ext uri="{FF2B5EF4-FFF2-40B4-BE49-F238E27FC236}">
+              <a16:creationId xmlns:a16="http://schemas.microsoft.com/office/drawing/2014/main" id="{8210C74A-E993-CA6D-71FE-CC6AFF6560B4}"/>
+            </a:ext>
+          </a:extLst>
+        </p:cNvPr>
+        <p:cNvGrpSpPr/>
+        <p:nvPr/>
+      </p:nvGrpSpPr>
+      <p:grpSpPr>
+        <a:xfrm>
+          <a:off x="0" y="0"/>
+          <a:ext cx="0" cy="0"/>
+          <a:chOff x="0" y="0"/>
+          <a:chExt cx="0" cy="0"/>
+        </a:xfrm>
+      </p:grpSpPr>
+      <p:sp>
+        <p:nvSpPr>
+          <p:cNvPr id="3" name="Content Placeholder 2">
+            <a:extLst>
+              <a:ext uri="{FF2B5EF4-FFF2-40B4-BE49-F238E27FC236}">
+                <a16:creationId xmlns:a16="http://schemas.microsoft.com/office/drawing/2014/main" id="{754AA595-ADC1-F85F-BBC4-E1AFF53BC726}"/>
+              </a:ext>
+            </a:extLst>
+          </p:cNvPr>
+          <p:cNvSpPr>
+            <a:spLocks noGrp="1"/>
+          </p:cNvSpPr>
+          <p:nvPr>
+            <p:ph idx="1"/>
+          </p:nvPr>
+        </p:nvSpPr>
+        <p:spPr>
+          <a:xfrm>
+            <a:off x="777240" y="674914"/>
+            <a:ext cx="10659110" cy="5502049"/>
+          </a:xfrm>
+        </p:spPr>
+        <p:txBody>
+          <a:bodyPr/>
+          <a:lstStyle/>
+          <a:p>
+            <a:pPr marL="0" indent="0">
+              <a:buNone/>
+            </a:pPr>
+            <a:endParaRPr lang="en-IN" dirty="0"/>
+          </a:p>
+        </p:txBody>
+      </p:sp>
+    </p:spTree>
+    <p:extLst>
+      <p:ext uri="{BB962C8B-B14F-4D97-AF65-F5344CB8AC3E}">
+        <p14:creationId xmlns:p14="http://schemas.microsoft.com/office/powerpoint/2010/main" val="549614990"/>
+      </p:ext>
+    </p:extLst>
+  </p:cSld>
+  <p:clrMapOvr>
+    <a:masterClrMapping/>
+  </p:clrMapOvr>
+</p:sld>
+</file>
+
+<file path=ppt/slides/slide131.xml><?xml version="1.0" encoding="utf-8"?>
+<p:sld xmlns:a="http://schemas.openxmlformats.org/drawingml/2006/main" xmlns:r="http://schemas.openxmlformats.org/officeDocument/2006/relationships" xmlns:p="http://schemas.openxmlformats.org/presentationml/2006/main">
+  <p:cSld>
+    <p:spTree>
+      <p:nvGrpSpPr>
+        <p:cNvPr id="1" name="">
+          <a:extLst>
+            <a:ext uri="{FF2B5EF4-FFF2-40B4-BE49-F238E27FC236}">
+              <a16:creationId xmlns:a16="http://schemas.microsoft.com/office/drawing/2014/main" id="{36DFE2F8-B391-1027-4B49-3FB8441E9544}"/>
+            </a:ext>
+          </a:extLst>
+        </p:cNvPr>
+        <p:cNvGrpSpPr/>
+        <p:nvPr/>
+      </p:nvGrpSpPr>
+      <p:grpSpPr>
+        <a:xfrm>
+          <a:off x="0" y="0"/>
+          <a:ext cx="0" cy="0"/>
+          <a:chOff x="0" y="0"/>
+          <a:chExt cx="0" cy="0"/>
+        </a:xfrm>
+      </p:grpSpPr>
+      <p:sp>
+        <p:nvSpPr>
+          <p:cNvPr id="3" name="Content Placeholder 2">
+            <a:extLst>
+              <a:ext uri="{FF2B5EF4-FFF2-40B4-BE49-F238E27FC236}">
+                <a16:creationId xmlns:a16="http://schemas.microsoft.com/office/drawing/2014/main" id="{245DC97A-5526-BBBA-22BE-A626318FEBF4}"/>
+              </a:ext>
+            </a:extLst>
+          </p:cNvPr>
+          <p:cNvSpPr>
+            <a:spLocks noGrp="1"/>
+          </p:cNvSpPr>
+          <p:nvPr>
+            <p:ph idx="1"/>
+          </p:nvPr>
+        </p:nvSpPr>
+        <p:spPr>
+          <a:xfrm>
+            <a:off x="777240" y="674914"/>
+            <a:ext cx="10659110" cy="5502049"/>
+          </a:xfrm>
+        </p:spPr>
+        <p:txBody>
+          <a:bodyPr/>
+          <a:lstStyle/>
+          <a:p>
+            <a:pPr marL="0" indent="0">
+              <a:buNone/>
+            </a:pPr>
+            <a:endParaRPr lang="en-IN" dirty="0"/>
+          </a:p>
+        </p:txBody>
+      </p:sp>
+    </p:spTree>
+    <p:extLst>
+      <p:ext uri="{BB962C8B-B14F-4D97-AF65-F5344CB8AC3E}">
+        <p14:creationId xmlns:p14="http://schemas.microsoft.com/office/powerpoint/2010/main" val="1435902425"/>
+      </p:ext>
+    </p:extLst>
+  </p:cSld>
+  <p:clrMapOvr>
+    <a:masterClrMapping/>
+  </p:clrMapOvr>
+</p:sld>
+</file>
+
+<file path=ppt/slides/slide132.xml><?xml version="1.0" encoding="utf-8"?>
+<p:sld xmlns:a="http://schemas.openxmlformats.org/drawingml/2006/main" xmlns:r="http://schemas.openxmlformats.org/officeDocument/2006/relationships" xmlns:p="http://schemas.openxmlformats.org/presentationml/2006/main">
+  <p:cSld>
+    <p:spTree>
+      <p:nvGrpSpPr>
+        <p:cNvPr id="1" name="">
+          <a:extLst>
+            <a:ext uri="{FF2B5EF4-FFF2-40B4-BE49-F238E27FC236}">
+              <a16:creationId xmlns:a16="http://schemas.microsoft.com/office/drawing/2014/main" id="{742F3C53-BD86-BA2A-5941-7762EF3B01B0}"/>
+            </a:ext>
+          </a:extLst>
+        </p:cNvPr>
+        <p:cNvGrpSpPr/>
+        <p:nvPr/>
+      </p:nvGrpSpPr>
+      <p:grpSpPr>
+        <a:xfrm>
+          <a:off x="0" y="0"/>
+          <a:ext cx="0" cy="0"/>
+          <a:chOff x="0" y="0"/>
+          <a:chExt cx="0" cy="0"/>
+        </a:xfrm>
+      </p:grpSpPr>
+      <p:sp>
+        <p:nvSpPr>
+          <p:cNvPr id="3" name="Content Placeholder 2">
+            <a:extLst>
+              <a:ext uri="{FF2B5EF4-FFF2-40B4-BE49-F238E27FC236}">
+                <a16:creationId xmlns:a16="http://schemas.microsoft.com/office/drawing/2014/main" id="{FB472D7A-EA57-B3A7-01E7-E9E489041C8B}"/>
+              </a:ext>
+            </a:extLst>
+          </p:cNvPr>
+          <p:cNvSpPr>
+            <a:spLocks noGrp="1"/>
+          </p:cNvSpPr>
+          <p:nvPr>
+            <p:ph idx="1"/>
+          </p:nvPr>
+        </p:nvSpPr>
+        <p:spPr>
+          <a:xfrm>
+            <a:off x="777240" y="674914"/>
+            <a:ext cx="10659110" cy="5502049"/>
+          </a:xfrm>
+        </p:spPr>
+        <p:txBody>
+          <a:bodyPr/>
+          <a:lstStyle/>
+          <a:p>
+            <a:pPr marL="0" indent="0">
+              <a:buNone/>
+            </a:pPr>
+            <a:endParaRPr lang="en-IN" dirty="0"/>
+          </a:p>
+        </p:txBody>
+      </p:sp>
+    </p:spTree>
+    <p:extLst>
+      <p:ext uri="{BB962C8B-B14F-4D97-AF65-F5344CB8AC3E}">
+        <p14:creationId xmlns:p14="http://schemas.microsoft.com/office/powerpoint/2010/main" val="1906032598"/>
+      </p:ext>
+    </p:extLst>
+  </p:cSld>
+  <p:clrMapOvr>
+    <a:masterClrMapping/>
+  </p:clrMapOvr>
+</p:sld>
+</file>
+
+<file path=ppt/slides/slide133.xml><?xml version="1.0" encoding="utf-8"?>
+<p:sld xmlns:a="http://schemas.openxmlformats.org/drawingml/2006/main" xmlns:r="http://schemas.openxmlformats.org/officeDocument/2006/relationships" xmlns:p="http://schemas.openxmlformats.org/presentationml/2006/main">
+  <p:cSld>
+    <p:spTree>
+      <p:nvGrpSpPr>
+        <p:cNvPr id="1" name="">
+          <a:extLst>
+            <a:ext uri="{FF2B5EF4-FFF2-40B4-BE49-F238E27FC236}">
+              <a16:creationId xmlns:a16="http://schemas.microsoft.com/office/drawing/2014/main" id="{EA20AE4F-4D59-6D0B-5CF1-64C29AB88268}"/>
+            </a:ext>
+          </a:extLst>
+        </p:cNvPr>
+        <p:cNvGrpSpPr/>
+        <p:nvPr/>
+      </p:nvGrpSpPr>
+      <p:grpSpPr>
+        <a:xfrm>
+          <a:off x="0" y="0"/>
+          <a:ext cx="0" cy="0"/>
+          <a:chOff x="0" y="0"/>
+          <a:chExt cx="0" cy="0"/>
+        </a:xfrm>
+      </p:grpSpPr>
+      <p:sp>
+        <p:nvSpPr>
+          <p:cNvPr id="3" name="Content Placeholder 2">
+            <a:extLst>
+              <a:ext uri="{FF2B5EF4-FFF2-40B4-BE49-F238E27FC236}">
+                <a16:creationId xmlns:a16="http://schemas.microsoft.com/office/drawing/2014/main" id="{F0488397-E15D-9AE7-A716-8BE5F5C51A44}"/>
+              </a:ext>
+            </a:extLst>
+          </p:cNvPr>
+          <p:cNvSpPr>
+            <a:spLocks noGrp="1"/>
+          </p:cNvSpPr>
+          <p:nvPr>
+            <p:ph idx="1"/>
+          </p:nvPr>
+        </p:nvSpPr>
+        <p:spPr>
+          <a:xfrm>
+            <a:off x="777240" y="674914"/>
+            <a:ext cx="10659110" cy="5502049"/>
+          </a:xfrm>
+        </p:spPr>
+        <p:txBody>
+          <a:bodyPr/>
+          <a:lstStyle/>
+          <a:p>
+            <a:pPr marL="0" indent="0">
+              <a:buNone/>
+            </a:pPr>
+            <a:endParaRPr lang="en-IN" dirty="0"/>
+          </a:p>
+        </p:txBody>
+      </p:sp>
+    </p:spTree>
+    <p:extLst>
+      <p:ext uri="{BB962C8B-B14F-4D97-AF65-F5344CB8AC3E}">
+        <p14:creationId xmlns:p14="http://schemas.microsoft.com/office/powerpoint/2010/main" val="2212418362"/>
+      </p:ext>
+    </p:extLst>
+  </p:cSld>
+  <p:clrMapOvr>
+    <a:masterClrMapping/>
+  </p:clrMapOvr>
+</p:sld>
+</file>
+
+<file path=ppt/slides/slide134.xml><?xml version="1.0" encoding="utf-8"?>
+<p:sld xmlns:a="http://schemas.openxmlformats.org/drawingml/2006/main" xmlns:r="http://schemas.openxmlformats.org/officeDocument/2006/relationships" xmlns:p="http://schemas.openxmlformats.org/presentationml/2006/main">
+  <p:cSld>
+    <p:spTree>
+      <p:nvGrpSpPr>
+        <p:cNvPr id="1" name="">
+          <a:extLst>
+            <a:ext uri="{FF2B5EF4-FFF2-40B4-BE49-F238E27FC236}">
+              <a16:creationId xmlns:a16="http://schemas.microsoft.com/office/drawing/2014/main" id="{5D7A291A-9D02-2985-8967-FD1E65BDB38C}"/>
+            </a:ext>
+          </a:extLst>
+        </p:cNvPr>
+        <p:cNvGrpSpPr/>
+        <p:nvPr/>
+      </p:nvGrpSpPr>
+      <p:grpSpPr>
+        <a:xfrm>
+          <a:off x="0" y="0"/>
+          <a:ext cx="0" cy="0"/>
+          <a:chOff x="0" y="0"/>
+          <a:chExt cx="0" cy="0"/>
+        </a:xfrm>
+      </p:grpSpPr>
+      <p:sp>
+        <p:nvSpPr>
+          <p:cNvPr id="3" name="Content Placeholder 2">
+            <a:extLst>
+              <a:ext uri="{FF2B5EF4-FFF2-40B4-BE49-F238E27FC236}">
+                <a16:creationId xmlns:a16="http://schemas.microsoft.com/office/drawing/2014/main" id="{4267145A-EEE0-13CF-E449-FFCFC71EDA39}"/>
+              </a:ext>
+            </a:extLst>
+          </p:cNvPr>
+          <p:cNvSpPr>
+            <a:spLocks noGrp="1"/>
+          </p:cNvSpPr>
+          <p:nvPr>
+            <p:ph idx="1"/>
+          </p:nvPr>
+        </p:nvSpPr>
+        <p:spPr>
+          <a:xfrm>
+            <a:off x="777240" y="674914"/>
+            <a:ext cx="10659110" cy="5502049"/>
+          </a:xfrm>
+        </p:spPr>
+        <p:txBody>
+          <a:bodyPr/>
+          <a:lstStyle/>
+          <a:p>
+            <a:pPr marL="0" indent="0">
+              <a:buNone/>
+            </a:pPr>
+            <a:endParaRPr lang="en-IN" dirty="0"/>
+          </a:p>
+        </p:txBody>
+      </p:sp>
+    </p:spTree>
+    <p:extLst>
+      <p:ext uri="{BB962C8B-B14F-4D97-AF65-F5344CB8AC3E}">
+        <p14:creationId xmlns:p14="http://schemas.microsoft.com/office/powerpoint/2010/main" val="2771268693"/>
+      </p:ext>
+    </p:extLst>
+  </p:cSld>
+  <p:clrMapOvr>
+    <a:masterClrMapping/>
+  </p:clrMapOvr>
+</p:sld>
+</file>
+
+<file path=ppt/slides/slide135.xml><?xml version="1.0" encoding="utf-8"?>
+<p:sld xmlns:a="http://schemas.openxmlformats.org/drawingml/2006/main" xmlns:r="http://schemas.openxmlformats.org/officeDocument/2006/relationships" xmlns:p="http://schemas.openxmlformats.org/presentationml/2006/main">
+  <p:cSld>
+    <p:spTree>
+      <p:nvGrpSpPr>
+        <p:cNvPr id="1" name="">
+          <a:extLst>
+            <a:ext uri="{FF2B5EF4-FFF2-40B4-BE49-F238E27FC236}">
+              <a16:creationId xmlns:a16="http://schemas.microsoft.com/office/drawing/2014/main" id="{5A53BBE4-16E1-D48A-D18F-3B6EFAF4E9FF}"/>
+            </a:ext>
+          </a:extLst>
+        </p:cNvPr>
+        <p:cNvGrpSpPr/>
+        <p:nvPr/>
+      </p:nvGrpSpPr>
+      <p:grpSpPr>
+        <a:xfrm>
+          <a:off x="0" y="0"/>
+          <a:ext cx="0" cy="0"/>
+          <a:chOff x="0" y="0"/>
+          <a:chExt cx="0" cy="0"/>
+        </a:xfrm>
+      </p:grpSpPr>
+      <p:sp>
+        <p:nvSpPr>
+          <p:cNvPr id="3" name="Content Placeholder 2">
+            <a:extLst>
+              <a:ext uri="{FF2B5EF4-FFF2-40B4-BE49-F238E27FC236}">
+                <a16:creationId xmlns:a16="http://schemas.microsoft.com/office/drawing/2014/main" id="{EFED8879-9283-E0CF-2CA8-AFCDAA055A62}"/>
+              </a:ext>
+            </a:extLst>
+          </p:cNvPr>
+          <p:cNvSpPr>
+            <a:spLocks noGrp="1"/>
+          </p:cNvSpPr>
+          <p:nvPr>
+            <p:ph idx="1"/>
+          </p:nvPr>
+        </p:nvSpPr>
+        <p:spPr>
+          <a:xfrm>
+            <a:off x="777240" y="674914"/>
+            <a:ext cx="10659110" cy="5502049"/>
+          </a:xfrm>
+        </p:spPr>
+        <p:txBody>
+          <a:bodyPr/>
+          <a:lstStyle/>
+          <a:p>
+            <a:pPr marL="0" indent="0">
+              <a:buNone/>
+            </a:pPr>
+            <a:endParaRPr lang="en-IN" dirty="0"/>
+          </a:p>
+        </p:txBody>
+      </p:sp>
+    </p:spTree>
+    <p:extLst>
+      <p:ext uri="{BB962C8B-B14F-4D97-AF65-F5344CB8AC3E}">
+        <p14:creationId xmlns:p14="http://schemas.microsoft.com/office/powerpoint/2010/main" val="2688132653"/>
+      </p:ext>
+    </p:extLst>
+  </p:cSld>
+  <p:clrMapOvr>
+    <a:masterClrMapping/>
+  </p:clrMapOvr>
+</p:sld>
+</file>
+
+<file path=ppt/slides/slide136.xml><?xml version="1.0" encoding="utf-8"?>
+<p:sld xmlns:a="http://schemas.openxmlformats.org/drawingml/2006/main" xmlns:r="http://schemas.openxmlformats.org/officeDocument/2006/relationships" xmlns:p="http://schemas.openxmlformats.org/presentationml/2006/main">
+  <p:cSld>
+    <p:spTree>
+      <p:nvGrpSpPr>
+        <p:cNvPr id="1" name="">
+          <a:extLst>
+            <a:ext uri="{FF2B5EF4-FFF2-40B4-BE49-F238E27FC236}">
+              <a16:creationId xmlns:a16="http://schemas.microsoft.com/office/drawing/2014/main" id="{C674918F-AF13-68C6-0FC5-3AF022CA371F}"/>
+            </a:ext>
+          </a:extLst>
+        </p:cNvPr>
+        <p:cNvGrpSpPr/>
+        <p:nvPr/>
+      </p:nvGrpSpPr>
+      <p:grpSpPr>
+        <a:xfrm>
+          <a:off x="0" y="0"/>
+          <a:ext cx="0" cy="0"/>
+          <a:chOff x="0" y="0"/>
+          <a:chExt cx="0" cy="0"/>
+        </a:xfrm>
+      </p:grpSpPr>
+      <p:sp>
+        <p:nvSpPr>
+          <p:cNvPr id="3" name="Content Placeholder 2">
+            <a:extLst>
+              <a:ext uri="{FF2B5EF4-FFF2-40B4-BE49-F238E27FC236}">
+                <a16:creationId xmlns:a16="http://schemas.microsoft.com/office/drawing/2014/main" id="{60FE9651-94A8-416D-5544-95CEFF98BBD4}"/>
+              </a:ext>
+            </a:extLst>
+          </p:cNvPr>
+          <p:cNvSpPr>
+            <a:spLocks noGrp="1"/>
+          </p:cNvSpPr>
+          <p:nvPr>
+            <p:ph idx="1"/>
+          </p:nvPr>
+        </p:nvSpPr>
+        <p:spPr>
+          <a:xfrm>
+            <a:off x="777240" y="674914"/>
+            <a:ext cx="10659110" cy="5502049"/>
+          </a:xfrm>
+        </p:spPr>
+        <p:txBody>
+          <a:bodyPr/>
+          <a:lstStyle/>
+          <a:p>
+            <a:pPr marL="0" indent="0">
+              <a:buNone/>
+            </a:pPr>
+            <a:endParaRPr lang="en-IN" dirty="0"/>
+          </a:p>
+        </p:txBody>
+      </p:sp>
+    </p:spTree>
+    <p:extLst>
+      <p:ext uri="{BB962C8B-B14F-4D97-AF65-F5344CB8AC3E}">
+        <p14:creationId xmlns:p14="http://schemas.microsoft.com/office/powerpoint/2010/main" val="1946244406"/>
+      </p:ext>
+    </p:extLst>
+  </p:cSld>
+  <p:clrMapOvr>
+    <a:masterClrMapping/>
+  </p:clrMapOvr>
+</p:sld>
+</file>
+
+<file path=ppt/slides/slide137.xml><?xml version="1.0" encoding="utf-8"?>
+<p:sld xmlns:a="http://schemas.openxmlformats.org/drawingml/2006/main" xmlns:r="http://schemas.openxmlformats.org/officeDocument/2006/relationships" xmlns:p="http://schemas.openxmlformats.org/presentationml/2006/main">
+  <p:cSld>
+    <p:spTree>
+      <p:nvGrpSpPr>
+        <p:cNvPr id="1" name="">
+          <a:extLst>
+            <a:ext uri="{FF2B5EF4-FFF2-40B4-BE49-F238E27FC236}">
+              <a16:creationId xmlns:a16="http://schemas.microsoft.com/office/drawing/2014/main" id="{6AF9C40F-F1AA-8FD6-CF1E-BF0C3B4516A7}"/>
+            </a:ext>
+          </a:extLst>
+        </p:cNvPr>
+        <p:cNvGrpSpPr/>
+        <p:nvPr/>
+      </p:nvGrpSpPr>
+      <p:grpSpPr>
+        <a:xfrm>
+          <a:off x="0" y="0"/>
+          <a:ext cx="0" cy="0"/>
+          <a:chOff x="0" y="0"/>
+          <a:chExt cx="0" cy="0"/>
+        </a:xfrm>
+      </p:grpSpPr>
+      <p:sp>
+        <p:nvSpPr>
+          <p:cNvPr id="3" name="Content Placeholder 2">
+            <a:extLst>
+              <a:ext uri="{FF2B5EF4-FFF2-40B4-BE49-F238E27FC236}">
+                <a16:creationId xmlns:a16="http://schemas.microsoft.com/office/drawing/2014/main" id="{A25B4B39-705A-8573-01C1-4EE23A09CF9E}"/>
+              </a:ext>
+            </a:extLst>
+          </p:cNvPr>
+          <p:cNvSpPr>
+            <a:spLocks noGrp="1"/>
+          </p:cNvSpPr>
+          <p:nvPr>
+            <p:ph idx="1"/>
+          </p:nvPr>
+        </p:nvSpPr>
+        <p:spPr>
+          <a:xfrm>
+            <a:off x="777240" y="674914"/>
+            <a:ext cx="10659110" cy="5502049"/>
+          </a:xfrm>
+        </p:spPr>
+        <p:txBody>
+          <a:bodyPr/>
+          <a:lstStyle/>
+          <a:p>
+            <a:pPr marL="0" indent="0">
+              <a:buNone/>
+            </a:pPr>
+            <a:endParaRPr lang="en-IN" dirty="0"/>
+          </a:p>
+        </p:txBody>
+      </p:sp>
+    </p:spTree>
+    <p:extLst>
+      <p:ext uri="{BB962C8B-B14F-4D97-AF65-F5344CB8AC3E}">
+        <p14:creationId xmlns:p14="http://schemas.microsoft.com/office/powerpoint/2010/main" val="2507517600"/>
+      </p:ext>
+    </p:extLst>
+  </p:cSld>
+  <p:clrMapOvr>
+    <a:masterClrMapping/>
+  </p:clrMapOvr>
+</p:sld>
+</file>
+
+<file path=ppt/slides/slide138.xml><?xml version="1.0" encoding="utf-8"?>
+<p:sld xmlns:a="http://schemas.openxmlformats.org/drawingml/2006/main" xmlns:r="http://schemas.openxmlformats.org/officeDocument/2006/relationships" xmlns:p="http://schemas.openxmlformats.org/presentationml/2006/main">
+  <p:cSld>
+    <p:spTree>
+      <p:nvGrpSpPr>
+        <p:cNvPr id="1" name="">
+          <a:extLst>
+            <a:ext uri="{FF2B5EF4-FFF2-40B4-BE49-F238E27FC236}">
+              <a16:creationId xmlns:a16="http://schemas.microsoft.com/office/drawing/2014/main" id="{8382419B-7DCB-8F30-62AF-4E98B64B3189}"/>
+            </a:ext>
+          </a:extLst>
+        </p:cNvPr>
+        <p:cNvGrpSpPr/>
+        <p:nvPr/>
+      </p:nvGrpSpPr>
+      <p:grpSpPr>
+        <a:xfrm>
+          <a:off x="0" y="0"/>
+          <a:ext cx="0" cy="0"/>
+          <a:chOff x="0" y="0"/>
+          <a:chExt cx="0" cy="0"/>
+        </a:xfrm>
+      </p:grpSpPr>
+      <p:sp>
+        <p:nvSpPr>
+          <p:cNvPr id="3" name="Content Placeholder 2">
+            <a:extLst>
+              <a:ext uri="{FF2B5EF4-FFF2-40B4-BE49-F238E27FC236}">
+                <a16:creationId xmlns:a16="http://schemas.microsoft.com/office/drawing/2014/main" id="{84F0DE98-0D84-5766-20F3-1B7535C32E89}"/>
+              </a:ext>
+            </a:extLst>
+          </p:cNvPr>
+          <p:cNvSpPr>
+            <a:spLocks noGrp="1"/>
+          </p:cNvSpPr>
+          <p:nvPr>
+            <p:ph idx="1"/>
+          </p:nvPr>
+        </p:nvSpPr>
+        <p:spPr>
+          <a:xfrm>
+            <a:off x="777240" y="674914"/>
+            <a:ext cx="10659110" cy="5502049"/>
+          </a:xfrm>
+        </p:spPr>
+        <p:txBody>
+          <a:bodyPr/>
+          <a:lstStyle/>
+          <a:p>
+            <a:pPr marL="0" indent="0">
+              <a:buNone/>
+            </a:pPr>
+            <a:endParaRPr lang="en-IN" dirty="0"/>
+          </a:p>
+        </p:txBody>
+      </p:sp>
+    </p:spTree>
+    <p:extLst>
+      <p:ext uri="{BB962C8B-B14F-4D97-AF65-F5344CB8AC3E}">
+        <p14:creationId xmlns:p14="http://schemas.microsoft.com/office/powerpoint/2010/main" val="440556165"/>
+      </p:ext>
+    </p:extLst>
+  </p:cSld>
+  <p:clrMapOvr>
+    <a:masterClrMapping/>
+  </p:clrMapOvr>
+</p:sld>
+</file>
+
+<file path=ppt/slides/slide139.xml><?xml version="1.0" encoding="utf-8"?>
+<p:sld xmlns:a="http://schemas.openxmlformats.org/drawingml/2006/main" xmlns:r="http://schemas.openxmlformats.org/officeDocument/2006/relationships" xmlns:p="http://schemas.openxmlformats.org/presentationml/2006/main">
+  <p:cSld>
+    <p:spTree>
+      <p:nvGrpSpPr>
+        <p:cNvPr id="1" name="">
+          <a:extLst>
+            <a:ext uri="{FF2B5EF4-FFF2-40B4-BE49-F238E27FC236}">
+              <a16:creationId xmlns:a16="http://schemas.microsoft.com/office/drawing/2014/main" id="{3E22E4C9-1DB4-C455-F603-BA062E4D8E73}"/>
+            </a:ext>
+          </a:extLst>
+        </p:cNvPr>
+        <p:cNvGrpSpPr/>
+        <p:nvPr/>
+      </p:nvGrpSpPr>
+      <p:grpSpPr>
+        <a:xfrm>
+          <a:off x="0" y="0"/>
+          <a:ext cx="0" cy="0"/>
+          <a:chOff x="0" y="0"/>
+          <a:chExt cx="0" cy="0"/>
+        </a:xfrm>
+      </p:grpSpPr>
+      <p:sp>
+        <p:nvSpPr>
+          <p:cNvPr id="3" name="Content Placeholder 2">
+            <a:extLst>
+              <a:ext uri="{FF2B5EF4-FFF2-40B4-BE49-F238E27FC236}">
+                <a16:creationId xmlns:a16="http://schemas.microsoft.com/office/drawing/2014/main" id="{AE919698-522F-1B6C-DA79-D8671C55F870}"/>
+              </a:ext>
+            </a:extLst>
+          </p:cNvPr>
+          <p:cNvSpPr>
+            <a:spLocks noGrp="1"/>
+          </p:cNvSpPr>
+          <p:nvPr>
+            <p:ph idx="1"/>
+          </p:nvPr>
+        </p:nvSpPr>
+        <p:spPr>
+          <a:xfrm>
+            <a:off x="777240" y="674914"/>
+            <a:ext cx="10659110" cy="5502049"/>
+          </a:xfrm>
+        </p:spPr>
+        <p:txBody>
+          <a:bodyPr/>
+          <a:lstStyle/>
+          <a:p>
+            <a:pPr marL="0" indent="0">
+              <a:buNone/>
+            </a:pPr>
+            <a:endParaRPr lang="en-IN" dirty="0"/>
+          </a:p>
+        </p:txBody>
+      </p:sp>
+    </p:spTree>
+    <p:extLst>
+      <p:ext uri="{BB962C8B-B14F-4D97-AF65-F5344CB8AC3E}">
+        <p14:creationId xmlns:p14="http://schemas.microsoft.com/office/powerpoint/2010/main" val="2268981484"/>
       </p:ext>
     </p:extLst>
   </p:cSld>
@@ -7012,6 +12189,696 @@
     <p:extLst>
       <p:ext uri="{BB962C8B-B14F-4D97-AF65-F5344CB8AC3E}">
         <p14:creationId xmlns:p14="http://schemas.microsoft.com/office/powerpoint/2010/main" val="2404463507"/>
+      </p:ext>
+    </p:extLst>
+  </p:cSld>
+  <p:clrMapOvr>
+    <a:masterClrMapping/>
+  </p:clrMapOvr>
+</p:sld>
+</file>
+
+<file path=ppt/slides/slide140.xml><?xml version="1.0" encoding="utf-8"?>
+<p:sld xmlns:a="http://schemas.openxmlformats.org/drawingml/2006/main" xmlns:r="http://schemas.openxmlformats.org/officeDocument/2006/relationships" xmlns:p="http://schemas.openxmlformats.org/presentationml/2006/main">
+  <p:cSld>
+    <p:spTree>
+      <p:nvGrpSpPr>
+        <p:cNvPr id="1" name="">
+          <a:extLst>
+            <a:ext uri="{FF2B5EF4-FFF2-40B4-BE49-F238E27FC236}">
+              <a16:creationId xmlns:a16="http://schemas.microsoft.com/office/drawing/2014/main" id="{88385C90-FE4F-CBE9-380D-78F916125431}"/>
+            </a:ext>
+          </a:extLst>
+        </p:cNvPr>
+        <p:cNvGrpSpPr/>
+        <p:nvPr/>
+      </p:nvGrpSpPr>
+      <p:grpSpPr>
+        <a:xfrm>
+          <a:off x="0" y="0"/>
+          <a:ext cx="0" cy="0"/>
+          <a:chOff x="0" y="0"/>
+          <a:chExt cx="0" cy="0"/>
+        </a:xfrm>
+      </p:grpSpPr>
+      <p:sp>
+        <p:nvSpPr>
+          <p:cNvPr id="3" name="Content Placeholder 2">
+            <a:extLst>
+              <a:ext uri="{FF2B5EF4-FFF2-40B4-BE49-F238E27FC236}">
+                <a16:creationId xmlns:a16="http://schemas.microsoft.com/office/drawing/2014/main" id="{C4511667-B9F4-A580-8080-908E7E3198FA}"/>
+              </a:ext>
+            </a:extLst>
+          </p:cNvPr>
+          <p:cNvSpPr>
+            <a:spLocks noGrp="1"/>
+          </p:cNvSpPr>
+          <p:nvPr>
+            <p:ph idx="1"/>
+          </p:nvPr>
+        </p:nvSpPr>
+        <p:spPr>
+          <a:xfrm>
+            <a:off x="777240" y="674914"/>
+            <a:ext cx="10659110" cy="5502049"/>
+          </a:xfrm>
+        </p:spPr>
+        <p:txBody>
+          <a:bodyPr/>
+          <a:lstStyle/>
+          <a:p>
+            <a:pPr marL="0" indent="0">
+              <a:buNone/>
+            </a:pPr>
+            <a:endParaRPr lang="en-IN" dirty="0"/>
+          </a:p>
+        </p:txBody>
+      </p:sp>
+    </p:spTree>
+    <p:extLst>
+      <p:ext uri="{BB962C8B-B14F-4D97-AF65-F5344CB8AC3E}">
+        <p14:creationId xmlns:p14="http://schemas.microsoft.com/office/powerpoint/2010/main" val="2213191105"/>
+      </p:ext>
+    </p:extLst>
+  </p:cSld>
+  <p:clrMapOvr>
+    <a:masterClrMapping/>
+  </p:clrMapOvr>
+</p:sld>
+</file>
+
+<file path=ppt/slides/slide141.xml><?xml version="1.0" encoding="utf-8"?>
+<p:sld xmlns:a="http://schemas.openxmlformats.org/drawingml/2006/main" xmlns:r="http://schemas.openxmlformats.org/officeDocument/2006/relationships" xmlns:p="http://schemas.openxmlformats.org/presentationml/2006/main">
+  <p:cSld>
+    <p:spTree>
+      <p:nvGrpSpPr>
+        <p:cNvPr id="1" name="">
+          <a:extLst>
+            <a:ext uri="{FF2B5EF4-FFF2-40B4-BE49-F238E27FC236}">
+              <a16:creationId xmlns:a16="http://schemas.microsoft.com/office/drawing/2014/main" id="{7E967326-FF06-39D6-0A17-EB3B032F7126}"/>
+            </a:ext>
+          </a:extLst>
+        </p:cNvPr>
+        <p:cNvGrpSpPr/>
+        <p:nvPr/>
+      </p:nvGrpSpPr>
+      <p:grpSpPr>
+        <a:xfrm>
+          <a:off x="0" y="0"/>
+          <a:ext cx="0" cy="0"/>
+          <a:chOff x="0" y="0"/>
+          <a:chExt cx="0" cy="0"/>
+        </a:xfrm>
+      </p:grpSpPr>
+      <p:sp>
+        <p:nvSpPr>
+          <p:cNvPr id="3" name="Content Placeholder 2">
+            <a:extLst>
+              <a:ext uri="{FF2B5EF4-FFF2-40B4-BE49-F238E27FC236}">
+                <a16:creationId xmlns:a16="http://schemas.microsoft.com/office/drawing/2014/main" id="{DAC2978D-D39F-6A60-8AF9-96A013924D56}"/>
+              </a:ext>
+            </a:extLst>
+          </p:cNvPr>
+          <p:cNvSpPr>
+            <a:spLocks noGrp="1"/>
+          </p:cNvSpPr>
+          <p:nvPr>
+            <p:ph idx="1"/>
+          </p:nvPr>
+        </p:nvSpPr>
+        <p:spPr>
+          <a:xfrm>
+            <a:off x="777240" y="674914"/>
+            <a:ext cx="10659110" cy="5502049"/>
+          </a:xfrm>
+        </p:spPr>
+        <p:txBody>
+          <a:bodyPr/>
+          <a:lstStyle/>
+          <a:p>
+            <a:pPr marL="0" indent="0">
+              <a:buNone/>
+            </a:pPr>
+            <a:endParaRPr lang="en-IN" dirty="0"/>
+          </a:p>
+        </p:txBody>
+      </p:sp>
+    </p:spTree>
+    <p:extLst>
+      <p:ext uri="{BB962C8B-B14F-4D97-AF65-F5344CB8AC3E}">
+        <p14:creationId xmlns:p14="http://schemas.microsoft.com/office/powerpoint/2010/main" val="2847181118"/>
+      </p:ext>
+    </p:extLst>
+  </p:cSld>
+  <p:clrMapOvr>
+    <a:masterClrMapping/>
+  </p:clrMapOvr>
+</p:sld>
+</file>
+
+<file path=ppt/slides/slide142.xml><?xml version="1.0" encoding="utf-8"?>
+<p:sld xmlns:a="http://schemas.openxmlformats.org/drawingml/2006/main" xmlns:r="http://schemas.openxmlformats.org/officeDocument/2006/relationships" xmlns:p="http://schemas.openxmlformats.org/presentationml/2006/main">
+  <p:cSld>
+    <p:spTree>
+      <p:nvGrpSpPr>
+        <p:cNvPr id="1" name="">
+          <a:extLst>
+            <a:ext uri="{FF2B5EF4-FFF2-40B4-BE49-F238E27FC236}">
+              <a16:creationId xmlns:a16="http://schemas.microsoft.com/office/drawing/2014/main" id="{C1E18F06-7A60-C940-8353-030F032220D8}"/>
+            </a:ext>
+          </a:extLst>
+        </p:cNvPr>
+        <p:cNvGrpSpPr/>
+        <p:nvPr/>
+      </p:nvGrpSpPr>
+      <p:grpSpPr>
+        <a:xfrm>
+          <a:off x="0" y="0"/>
+          <a:ext cx="0" cy="0"/>
+          <a:chOff x="0" y="0"/>
+          <a:chExt cx="0" cy="0"/>
+        </a:xfrm>
+      </p:grpSpPr>
+      <p:sp>
+        <p:nvSpPr>
+          <p:cNvPr id="3" name="Content Placeholder 2">
+            <a:extLst>
+              <a:ext uri="{FF2B5EF4-FFF2-40B4-BE49-F238E27FC236}">
+                <a16:creationId xmlns:a16="http://schemas.microsoft.com/office/drawing/2014/main" id="{EB6BF9D2-01E9-0745-FF45-043EE70C7A48}"/>
+              </a:ext>
+            </a:extLst>
+          </p:cNvPr>
+          <p:cNvSpPr>
+            <a:spLocks noGrp="1"/>
+          </p:cNvSpPr>
+          <p:nvPr>
+            <p:ph idx="1"/>
+          </p:nvPr>
+        </p:nvSpPr>
+        <p:spPr>
+          <a:xfrm>
+            <a:off x="777240" y="674914"/>
+            <a:ext cx="10659110" cy="5502049"/>
+          </a:xfrm>
+        </p:spPr>
+        <p:txBody>
+          <a:bodyPr/>
+          <a:lstStyle/>
+          <a:p>
+            <a:pPr marL="0" indent="0">
+              <a:buNone/>
+            </a:pPr>
+            <a:endParaRPr lang="en-IN" dirty="0"/>
+          </a:p>
+        </p:txBody>
+      </p:sp>
+    </p:spTree>
+    <p:extLst>
+      <p:ext uri="{BB962C8B-B14F-4D97-AF65-F5344CB8AC3E}">
+        <p14:creationId xmlns:p14="http://schemas.microsoft.com/office/powerpoint/2010/main" val="53358581"/>
+      </p:ext>
+    </p:extLst>
+  </p:cSld>
+  <p:clrMapOvr>
+    <a:masterClrMapping/>
+  </p:clrMapOvr>
+</p:sld>
+</file>
+
+<file path=ppt/slides/slide143.xml><?xml version="1.0" encoding="utf-8"?>
+<p:sld xmlns:a="http://schemas.openxmlformats.org/drawingml/2006/main" xmlns:r="http://schemas.openxmlformats.org/officeDocument/2006/relationships" xmlns:p="http://schemas.openxmlformats.org/presentationml/2006/main">
+  <p:cSld>
+    <p:spTree>
+      <p:nvGrpSpPr>
+        <p:cNvPr id="1" name="">
+          <a:extLst>
+            <a:ext uri="{FF2B5EF4-FFF2-40B4-BE49-F238E27FC236}">
+              <a16:creationId xmlns:a16="http://schemas.microsoft.com/office/drawing/2014/main" id="{5E455985-266C-D46F-F892-837644D75379}"/>
+            </a:ext>
+          </a:extLst>
+        </p:cNvPr>
+        <p:cNvGrpSpPr/>
+        <p:nvPr/>
+      </p:nvGrpSpPr>
+      <p:grpSpPr>
+        <a:xfrm>
+          <a:off x="0" y="0"/>
+          <a:ext cx="0" cy="0"/>
+          <a:chOff x="0" y="0"/>
+          <a:chExt cx="0" cy="0"/>
+        </a:xfrm>
+      </p:grpSpPr>
+      <p:sp>
+        <p:nvSpPr>
+          <p:cNvPr id="3" name="Content Placeholder 2">
+            <a:extLst>
+              <a:ext uri="{FF2B5EF4-FFF2-40B4-BE49-F238E27FC236}">
+                <a16:creationId xmlns:a16="http://schemas.microsoft.com/office/drawing/2014/main" id="{C448219B-09C0-4465-CBE5-8C1879B4EAA2}"/>
+              </a:ext>
+            </a:extLst>
+          </p:cNvPr>
+          <p:cNvSpPr>
+            <a:spLocks noGrp="1"/>
+          </p:cNvSpPr>
+          <p:nvPr>
+            <p:ph idx="1"/>
+          </p:nvPr>
+        </p:nvSpPr>
+        <p:spPr>
+          <a:xfrm>
+            <a:off x="777240" y="674914"/>
+            <a:ext cx="10659110" cy="5502049"/>
+          </a:xfrm>
+        </p:spPr>
+        <p:txBody>
+          <a:bodyPr/>
+          <a:lstStyle/>
+          <a:p>
+            <a:pPr marL="0" indent="0">
+              <a:buNone/>
+            </a:pPr>
+            <a:endParaRPr lang="en-IN" dirty="0"/>
+          </a:p>
+        </p:txBody>
+      </p:sp>
+    </p:spTree>
+    <p:extLst>
+      <p:ext uri="{BB962C8B-B14F-4D97-AF65-F5344CB8AC3E}">
+        <p14:creationId xmlns:p14="http://schemas.microsoft.com/office/powerpoint/2010/main" val="3632729981"/>
+      </p:ext>
+    </p:extLst>
+  </p:cSld>
+  <p:clrMapOvr>
+    <a:masterClrMapping/>
+  </p:clrMapOvr>
+</p:sld>
+</file>
+
+<file path=ppt/slides/slide144.xml><?xml version="1.0" encoding="utf-8"?>
+<p:sld xmlns:a="http://schemas.openxmlformats.org/drawingml/2006/main" xmlns:r="http://schemas.openxmlformats.org/officeDocument/2006/relationships" xmlns:p="http://schemas.openxmlformats.org/presentationml/2006/main">
+  <p:cSld>
+    <p:spTree>
+      <p:nvGrpSpPr>
+        <p:cNvPr id="1" name="">
+          <a:extLst>
+            <a:ext uri="{FF2B5EF4-FFF2-40B4-BE49-F238E27FC236}">
+              <a16:creationId xmlns:a16="http://schemas.microsoft.com/office/drawing/2014/main" id="{9E4B80CB-E287-14B6-B07B-B2D88955209B}"/>
+            </a:ext>
+          </a:extLst>
+        </p:cNvPr>
+        <p:cNvGrpSpPr/>
+        <p:nvPr/>
+      </p:nvGrpSpPr>
+      <p:grpSpPr>
+        <a:xfrm>
+          <a:off x="0" y="0"/>
+          <a:ext cx="0" cy="0"/>
+          <a:chOff x="0" y="0"/>
+          <a:chExt cx="0" cy="0"/>
+        </a:xfrm>
+      </p:grpSpPr>
+      <p:sp>
+        <p:nvSpPr>
+          <p:cNvPr id="3" name="Content Placeholder 2">
+            <a:extLst>
+              <a:ext uri="{FF2B5EF4-FFF2-40B4-BE49-F238E27FC236}">
+                <a16:creationId xmlns:a16="http://schemas.microsoft.com/office/drawing/2014/main" id="{FF558CE0-4E3E-2624-0A33-F8F8725944D4}"/>
+              </a:ext>
+            </a:extLst>
+          </p:cNvPr>
+          <p:cNvSpPr>
+            <a:spLocks noGrp="1"/>
+          </p:cNvSpPr>
+          <p:nvPr>
+            <p:ph idx="1"/>
+          </p:nvPr>
+        </p:nvSpPr>
+        <p:spPr>
+          <a:xfrm>
+            <a:off x="777240" y="674914"/>
+            <a:ext cx="10659110" cy="5502049"/>
+          </a:xfrm>
+        </p:spPr>
+        <p:txBody>
+          <a:bodyPr/>
+          <a:lstStyle/>
+          <a:p>
+            <a:pPr marL="0" indent="0">
+              <a:buNone/>
+            </a:pPr>
+            <a:endParaRPr lang="en-IN" dirty="0"/>
+          </a:p>
+        </p:txBody>
+      </p:sp>
+    </p:spTree>
+    <p:extLst>
+      <p:ext uri="{BB962C8B-B14F-4D97-AF65-F5344CB8AC3E}">
+        <p14:creationId xmlns:p14="http://schemas.microsoft.com/office/powerpoint/2010/main" val="1923091720"/>
+      </p:ext>
+    </p:extLst>
+  </p:cSld>
+  <p:clrMapOvr>
+    <a:masterClrMapping/>
+  </p:clrMapOvr>
+</p:sld>
+</file>
+
+<file path=ppt/slides/slide145.xml><?xml version="1.0" encoding="utf-8"?>
+<p:sld xmlns:a="http://schemas.openxmlformats.org/drawingml/2006/main" xmlns:r="http://schemas.openxmlformats.org/officeDocument/2006/relationships" xmlns:p="http://schemas.openxmlformats.org/presentationml/2006/main">
+  <p:cSld>
+    <p:spTree>
+      <p:nvGrpSpPr>
+        <p:cNvPr id="1" name="">
+          <a:extLst>
+            <a:ext uri="{FF2B5EF4-FFF2-40B4-BE49-F238E27FC236}">
+              <a16:creationId xmlns:a16="http://schemas.microsoft.com/office/drawing/2014/main" id="{AD5BB5CF-0899-FEA2-ED00-F02B2F1BBEF8}"/>
+            </a:ext>
+          </a:extLst>
+        </p:cNvPr>
+        <p:cNvGrpSpPr/>
+        <p:nvPr/>
+      </p:nvGrpSpPr>
+      <p:grpSpPr>
+        <a:xfrm>
+          <a:off x="0" y="0"/>
+          <a:ext cx="0" cy="0"/>
+          <a:chOff x="0" y="0"/>
+          <a:chExt cx="0" cy="0"/>
+        </a:xfrm>
+      </p:grpSpPr>
+      <p:sp>
+        <p:nvSpPr>
+          <p:cNvPr id="3" name="Content Placeholder 2">
+            <a:extLst>
+              <a:ext uri="{FF2B5EF4-FFF2-40B4-BE49-F238E27FC236}">
+                <a16:creationId xmlns:a16="http://schemas.microsoft.com/office/drawing/2014/main" id="{106CBDA7-AE4B-5449-3FF3-420FE1C2489B}"/>
+              </a:ext>
+            </a:extLst>
+          </p:cNvPr>
+          <p:cNvSpPr>
+            <a:spLocks noGrp="1"/>
+          </p:cNvSpPr>
+          <p:nvPr>
+            <p:ph idx="1"/>
+          </p:nvPr>
+        </p:nvSpPr>
+        <p:spPr>
+          <a:xfrm>
+            <a:off x="777240" y="674914"/>
+            <a:ext cx="10659110" cy="5502049"/>
+          </a:xfrm>
+        </p:spPr>
+        <p:txBody>
+          <a:bodyPr/>
+          <a:lstStyle/>
+          <a:p>
+            <a:pPr marL="0" indent="0">
+              <a:buNone/>
+            </a:pPr>
+            <a:endParaRPr lang="en-IN" dirty="0"/>
+          </a:p>
+        </p:txBody>
+      </p:sp>
+    </p:spTree>
+    <p:extLst>
+      <p:ext uri="{BB962C8B-B14F-4D97-AF65-F5344CB8AC3E}">
+        <p14:creationId xmlns:p14="http://schemas.microsoft.com/office/powerpoint/2010/main" val="4214409733"/>
+      </p:ext>
+    </p:extLst>
+  </p:cSld>
+  <p:clrMapOvr>
+    <a:masterClrMapping/>
+  </p:clrMapOvr>
+</p:sld>
+</file>
+
+<file path=ppt/slides/slide146.xml><?xml version="1.0" encoding="utf-8"?>
+<p:sld xmlns:a="http://schemas.openxmlformats.org/drawingml/2006/main" xmlns:r="http://schemas.openxmlformats.org/officeDocument/2006/relationships" xmlns:p="http://schemas.openxmlformats.org/presentationml/2006/main">
+  <p:cSld>
+    <p:spTree>
+      <p:nvGrpSpPr>
+        <p:cNvPr id="1" name="">
+          <a:extLst>
+            <a:ext uri="{FF2B5EF4-FFF2-40B4-BE49-F238E27FC236}">
+              <a16:creationId xmlns:a16="http://schemas.microsoft.com/office/drawing/2014/main" id="{221164C7-7373-3B33-7BE1-EDD88AA83F8D}"/>
+            </a:ext>
+          </a:extLst>
+        </p:cNvPr>
+        <p:cNvGrpSpPr/>
+        <p:nvPr/>
+      </p:nvGrpSpPr>
+      <p:grpSpPr>
+        <a:xfrm>
+          <a:off x="0" y="0"/>
+          <a:ext cx="0" cy="0"/>
+          <a:chOff x="0" y="0"/>
+          <a:chExt cx="0" cy="0"/>
+        </a:xfrm>
+      </p:grpSpPr>
+      <p:sp>
+        <p:nvSpPr>
+          <p:cNvPr id="3" name="Content Placeholder 2">
+            <a:extLst>
+              <a:ext uri="{FF2B5EF4-FFF2-40B4-BE49-F238E27FC236}">
+                <a16:creationId xmlns:a16="http://schemas.microsoft.com/office/drawing/2014/main" id="{F2F4EC23-4672-4209-D572-39FD47E4AAB9}"/>
+              </a:ext>
+            </a:extLst>
+          </p:cNvPr>
+          <p:cNvSpPr>
+            <a:spLocks noGrp="1"/>
+          </p:cNvSpPr>
+          <p:nvPr>
+            <p:ph idx="1"/>
+          </p:nvPr>
+        </p:nvSpPr>
+        <p:spPr>
+          <a:xfrm>
+            <a:off x="777240" y="674914"/>
+            <a:ext cx="10659110" cy="5502049"/>
+          </a:xfrm>
+        </p:spPr>
+        <p:txBody>
+          <a:bodyPr/>
+          <a:lstStyle/>
+          <a:p>
+            <a:pPr marL="0" indent="0">
+              <a:buNone/>
+            </a:pPr>
+            <a:endParaRPr lang="en-IN" dirty="0"/>
+          </a:p>
+        </p:txBody>
+      </p:sp>
+    </p:spTree>
+    <p:extLst>
+      <p:ext uri="{BB962C8B-B14F-4D97-AF65-F5344CB8AC3E}">
+        <p14:creationId xmlns:p14="http://schemas.microsoft.com/office/powerpoint/2010/main" val="1800528894"/>
+      </p:ext>
+    </p:extLst>
+  </p:cSld>
+  <p:clrMapOvr>
+    <a:masterClrMapping/>
+  </p:clrMapOvr>
+</p:sld>
+</file>
+
+<file path=ppt/slides/slide147.xml><?xml version="1.0" encoding="utf-8"?>
+<p:sld xmlns:a="http://schemas.openxmlformats.org/drawingml/2006/main" xmlns:r="http://schemas.openxmlformats.org/officeDocument/2006/relationships" xmlns:p="http://schemas.openxmlformats.org/presentationml/2006/main">
+  <p:cSld>
+    <p:spTree>
+      <p:nvGrpSpPr>
+        <p:cNvPr id="1" name="">
+          <a:extLst>
+            <a:ext uri="{FF2B5EF4-FFF2-40B4-BE49-F238E27FC236}">
+              <a16:creationId xmlns:a16="http://schemas.microsoft.com/office/drawing/2014/main" id="{1E379FA8-C109-0359-5CE9-98FC4503BB31}"/>
+            </a:ext>
+          </a:extLst>
+        </p:cNvPr>
+        <p:cNvGrpSpPr/>
+        <p:nvPr/>
+      </p:nvGrpSpPr>
+      <p:grpSpPr>
+        <a:xfrm>
+          <a:off x="0" y="0"/>
+          <a:ext cx="0" cy="0"/>
+          <a:chOff x="0" y="0"/>
+          <a:chExt cx="0" cy="0"/>
+        </a:xfrm>
+      </p:grpSpPr>
+      <p:sp>
+        <p:nvSpPr>
+          <p:cNvPr id="3" name="Content Placeholder 2">
+            <a:extLst>
+              <a:ext uri="{FF2B5EF4-FFF2-40B4-BE49-F238E27FC236}">
+                <a16:creationId xmlns:a16="http://schemas.microsoft.com/office/drawing/2014/main" id="{0EA6215B-1D0A-E81E-718B-C77157EE1F42}"/>
+              </a:ext>
+            </a:extLst>
+          </p:cNvPr>
+          <p:cNvSpPr>
+            <a:spLocks noGrp="1"/>
+          </p:cNvSpPr>
+          <p:nvPr>
+            <p:ph idx="1"/>
+          </p:nvPr>
+        </p:nvSpPr>
+        <p:spPr>
+          <a:xfrm>
+            <a:off x="777240" y="674914"/>
+            <a:ext cx="10659110" cy="5502049"/>
+          </a:xfrm>
+        </p:spPr>
+        <p:txBody>
+          <a:bodyPr/>
+          <a:lstStyle/>
+          <a:p>
+            <a:pPr marL="0" indent="0">
+              <a:buNone/>
+            </a:pPr>
+            <a:endParaRPr lang="en-IN" dirty="0"/>
+          </a:p>
+        </p:txBody>
+      </p:sp>
+    </p:spTree>
+    <p:extLst>
+      <p:ext uri="{BB962C8B-B14F-4D97-AF65-F5344CB8AC3E}">
+        <p14:creationId xmlns:p14="http://schemas.microsoft.com/office/powerpoint/2010/main" val="2514329430"/>
+      </p:ext>
+    </p:extLst>
+  </p:cSld>
+  <p:clrMapOvr>
+    <a:masterClrMapping/>
+  </p:clrMapOvr>
+</p:sld>
+</file>
+
+<file path=ppt/slides/slide148.xml><?xml version="1.0" encoding="utf-8"?>
+<p:sld xmlns:a="http://schemas.openxmlformats.org/drawingml/2006/main" xmlns:r="http://schemas.openxmlformats.org/officeDocument/2006/relationships" xmlns:p="http://schemas.openxmlformats.org/presentationml/2006/main">
+  <p:cSld>
+    <p:spTree>
+      <p:nvGrpSpPr>
+        <p:cNvPr id="1" name="">
+          <a:extLst>
+            <a:ext uri="{FF2B5EF4-FFF2-40B4-BE49-F238E27FC236}">
+              <a16:creationId xmlns:a16="http://schemas.microsoft.com/office/drawing/2014/main" id="{CF444DBB-9525-DCC7-D36E-A176A25991BC}"/>
+            </a:ext>
+          </a:extLst>
+        </p:cNvPr>
+        <p:cNvGrpSpPr/>
+        <p:nvPr/>
+      </p:nvGrpSpPr>
+      <p:grpSpPr>
+        <a:xfrm>
+          <a:off x="0" y="0"/>
+          <a:ext cx="0" cy="0"/>
+          <a:chOff x="0" y="0"/>
+          <a:chExt cx="0" cy="0"/>
+        </a:xfrm>
+      </p:grpSpPr>
+      <p:sp>
+        <p:nvSpPr>
+          <p:cNvPr id="3" name="Content Placeholder 2">
+            <a:extLst>
+              <a:ext uri="{FF2B5EF4-FFF2-40B4-BE49-F238E27FC236}">
+                <a16:creationId xmlns:a16="http://schemas.microsoft.com/office/drawing/2014/main" id="{9AC139CC-2857-DE17-5F86-E8F53D15C4A3}"/>
+              </a:ext>
+            </a:extLst>
+          </p:cNvPr>
+          <p:cNvSpPr>
+            <a:spLocks noGrp="1"/>
+          </p:cNvSpPr>
+          <p:nvPr>
+            <p:ph idx="1"/>
+          </p:nvPr>
+        </p:nvSpPr>
+        <p:spPr>
+          <a:xfrm>
+            <a:off x="777240" y="674914"/>
+            <a:ext cx="10659110" cy="5502049"/>
+          </a:xfrm>
+        </p:spPr>
+        <p:txBody>
+          <a:bodyPr/>
+          <a:lstStyle/>
+          <a:p>
+            <a:pPr marL="0" indent="0">
+              <a:buNone/>
+            </a:pPr>
+            <a:endParaRPr lang="en-IN" dirty="0"/>
+          </a:p>
+        </p:txBody>
+      </p:sp>
+    </p:spTree>
+    <p:extLst>
+      <p:ext uri="{BB962C8B-B14F-4D97-AF65-F5344CB8AC3E}">
+        <p14:creationId xmlns:p14="http://schemas.microsoft.com/office/powerpoint/2010/main" val="2236396122"/>
+      </p:ext>
+    </p:extLst>
+  </p:cSld>
+  <p:clrMapOvr>
+    <a:masterClrMapping/>
+  </p:clrMapOvr>
+</p:sld>
+</file>
+
+<file path=ppt/slides/slide149.xml><?xml version="1.0" encoding="utf-8"?>
+<p:sld xmlns:a="http://schemas.openxmlformats.org/drawingml/2006/main" xmlns:r="http://schemas.openxmlformats.org/officeDocument/2006/relationships" xmlns:p="http://schemas.openxmlformats.org/presentationml/2006/main">
+  <p:cSld>
+    <p:spTree>
+      <p:nvGrpSpPr>
+        <p:cNvPr id="1" name="">
+          <a:extLst>
+            <a:ext uri="{FF2B5EF4-FFF2-40B4-BE49-F238E27FC236}">
+              <a16:creationId xmlns:a16="http://schemas.microsoft.com/office/drawing/2014/main" id="{7EDC19A0-7827-6110-6FE8-086447E1461B}"/>
+            </a:ext>
+          </a:extLst>
+        </p:cNvPr>
+        <p:cNvGrpSpPr/>
+        <p:nvPr/>
+      </p:nvGrpSpPr>
+      <p:grpSpPr>
+        <a:xfrm>
+          <a:off x="0" y="0"/>
+          <a:ext cx="0" cy="0"/>
+          <a:chOff x="0" y="0"/>
+          <a:chExt cx="0" cy="0"/>
+        </a:xfrm>
+      </p:grpSpPr>
+      <p:sp>
+        <p:nvSpPr>
+          <p:cNvPr id="3" name="Content Placeholder 2">
+            <a:extLst>
+              <a:ext uri="{FF2B5EF4-FFF2-40B4-BE49-F238E27FC236}">
+                <a16:creationId xmlns:a16="http://schemas.microsoft.com/office/drawing/2014/main" id="{DD6A7A45-DAD8-6BB8-3571-E03E1723BF2C}"/>
+              </a:ext>
+            </a:extLst>
+          </p:cNvPr>
+          <p:cNvSpPr>
+            <a:spLocks noGrp="1"/>
+          </p:cNvSpPr>
+          <p:nvPr>
+            <p:ph idx="1"/>
+          </p:nvPr>
+        </p:nvSpPr>
+        <p:spPr>
+          <a:xfrm>
+            <a:off x="777240" y="674914"/>
+            <a:ext cx="10659110" cy="5502049"/>
+          </a:xfrm>
+        </p:spPr>
+        <p:txBody>
+          <a:bodyPr/>
+          <a:lstStyle/>
+          <a:p>
+            <a:pPr marL="0" indent="0">
+              <a:buNone/>
+            </a:pPr>
+            <a:endParaRPr lang="en-IN" dirty="0"/>
+          </a:p>
+        </p:txBody>
+      </p:sp>
+    </p:spTree>
+    <p:extLst>
+      <p:ext uri="{BB962C8B-B14F-4D97-AF65-F5344CB8AC3E}">
+        <p14:creationId xmlns:p14="http://schemas.microsoft.com/office/powerpoint/2010/main" val="1507307645"/>
       </p:ext>
     </p:extLst>
   </p:cSld>
@@ -37876,430 +43743,6 @@
         <p:cNvPr id="1" name="">
           <a:extLst>
             <a:ext uri="{FF2B5EF4-FFF2-40B4-BE49-F238E27FC236}">
-              <a16:creationId xmlns:a16="http://schemas.microsoft.com/office/drawing/2014/main" id="{E64B0317-D55A-B051-B978-3ABC8F2AD3A7}"/>
-            </a:ext>
-          </a:extLst>
-        </p:cNvPr>
-        <p:cNvGrpSpPr/>
-        <p:nvPr/>
-      </p:nvGrpSpPr>
-      <p:grpSpPr>
-        <a:xfrm>
-          <a:off x="0" y="0"/>
-          <a:ext cx="0" cy="0"/>
-          <a:chOff x="0" y="0"/>
-          <a:chExt cx="0" cy="0"/>
-        </a:xfrm>
-      </p:grpSpPr>
-      <p:sp>
-        <p:nvSpPr>
-          <p:cNvPr id="3" name="Content Placeholder 2">
-            <a:extLst>
-              <a:ext uri="{FF2B5EF4-FFF2-40B4-BE49-F238E27FC236}">
-                <a16:creationId xmlns:a16="http://schemas.microsoft.com/office/drawing/2014/main" id="{8A710A5B-D905-EA16-37DD-5FD66DF9E834}"/>
-              </a:ext>
-            </a:extLst>
-          </p:cNvPr>
-          <p:cNvSpPr>
-            <a:spLocks noGrp="1"/>
-          </p:cNvSpPr>
-          <p:nvPr>
-            <p:ph idx="1"/>
-          </p:nvPr>
-        </p:nvSpPr>
-        <p:spPr>
-          <a:xfrm>
-            <a:off x="702853" y="719137"/>
-            <a:ext cx="10900568" cy="5313801"/>
-          </a:xfrm>
-        </p:spPr>
-        <p:txBody>
-          <a:bodyPr>
-            <a:normAutofit/>
-          </a:bodyPr>
-          <a:lstStyle/>
-          <a:p>
-            <a:pPr marL="0" indent="0">
-              <a:buNone/>
-            </a:pPr>
-            <a:r>
-              <a:rPr lang="en-US" sz="3200" b="1" dirty="0">
-                <a:solidFill>
-                  <a:srgbClr val="C00000"/>
-                </a:solidFill>
-              </a:rPr>
-              <a:t>Module-1: </a:t>
-            </a:r>
-            <a:r>
-              <a:rPr lang="en-US" sz="3200" b="1" dirty="0">
-                <a:solidFill>
-                  <a:srgbClr val="002060"/>
-                </a:solidFill>
-              </a:rPr>
-              <a:t>Python Basic Concepts and Programming </a:t>
-            </a:r>
-            <a:r>
-              <a:rPr lang="en-IN" sz="3200" b="1" dirty="0">
-                <a:solidFill>
-                  <a:srgbClr val="C00000"/>
-                </a:solidFill>
-              </a:rPr>
-              <a:t>:</a:t>
-            </a:r>
-          </a:p>
-          <a:p>
-            <a:pPr marL="0" indent="0">
-              <a:buNone/>
-            </a:pPr>
-            <a:r>
-              <a:rPr lang="en-US" sz="2800" b="1" dirty="0"/>
-              <a:t>Interpreter, Parts of Python Programming Language</a:t>
-            </a:r>
-            <a:r>
-              <a:rPr lang="en-US" sz="2800" dirty="0"/>
-              <a:t>, </a:t>
-            </a:r>
-            <a:r>
-              <a:rPr lang="en-US" sz="2800" b="1" dirty="0"/>
-              <a:t>Identifiers</a:t>
-            </a:r>
-            <a:r>
-              <a:rPr lang="en-US" sz="2800" dirty="0"/>
-              <a:t>, </a:t>
-            </a:r>
-            <a:r>
-              <a:rPr lang="en-US" sz="2800" b="1" dirty="0"/>
-              <a:t>Keywords</a:t>
-            </a:r>
-            <a:r>
-              <a:rPr lang="en-US" sz="2800" dirty="0"/>
-              <a:t>, </a:t>
-            </a:r>
-            <a:r>
-              <a:rPr lang="en-US" sz="2800" b="1" dirty="0"/>
-              <a:t>Statements and Expressions</a:t>
-            </a:r>
-            <a:r>
-              <a:rPr lang="en-US" sz="2800" dirty="0"/>
-              <a:t>, </a:t>
-            </a:r>
-            <a:r>
-              <a:rPr lang="en-US" sz="2800" b="1" dirty="0"/>
-              <a:t>Variables</a:t>
-            </a:r>
-            <a:r>
-              <a:rPr lang="en-US" sz="2800" dirty="0"/>
-              <a:t>, </a:t>
-            </a:r>
-            <a:r>
-              <a:rPr lang="en-US" sz="2800" b="1" dirty="0"/>
-              <a:t>Operators</a:t>
-            </a:r>
-            <a:r>
-              <a:rPr lang="en-US" sz="2800" dirty="0"/>
-              <a:t>, </a:t>
-            </a:r>
-            <a:r>
-              <a:rPr lang="en-US" sz="2800" b="1" dirty="0"/>
-              <a:t>Precedence and Associativity</a:t>
-            </a:r>
-            <a:r>
-              <a:rPr lang="en-US" sz="2800" dirty="0"/>
-              <a:t>, </a:t>
-            </a:r>
-            <a:r>
-              <a:rPr lang="en-US" sz="2800" b="1" dirty="0"/>
-              <a:t>Data Types</a:t>
-            </a:r>
-            <a:r>
-              <a:rPr lang="en-US" sz="2800" dirty="0"/>
-              <a:t>, </a:t>
-            </a:r>
-            <a:r>
-              <a:rPr lang="en-US" sz="2800" b="1" dirty="0"/>
-              <a:t>Indentation</a:t>
-            </a:r>
-            <a:r>
-              <a:rPr lang="en-US" sz="2800" dirty="0"/>
-              <a:t>, </a:t>
-            </a:r>
-            <a:r>
-              <a:rPr lang="en-US" sz="2800" b="1" dirty="0"/>
-              <a:t>Comments</a:t>
-            </a:r>
-            <a:r>
-              <a:rPr lang="en-US" sz="2800" dirty="0"/>
-              <a:t>, </a:t>
-            </a:r>
-            <a:r>
-              <a:rPr lang="en-US" sz="2800" b="1" dirty="0"/>
-              <a:t>Program Execution</a:t>
-            </a:r>
-            <a:r>
-              <a:rPr lang="en-US" sz="2800" dirty="0"/>
-              <a:t>, </a:t>
-            </a:r>
-            <a:r>
-              <a:rPr lang="en-US" sz="2800" b="1" dirty="0"/>
-              <a:t>Reading Input</a:t>
-            </a:r>
-            <a:r>
-              <a:rPr lang="en-US" sz="2800" dirty="0"/>
-              <a:t>, </a:t>
-            </a:r>
-            <a:r>
-              <a:rPr lang="en-US" sz="2800" b="1" dirty="0"/>
-              <a:t>Print Output</a:t>
-            </a:r>
-            <a:r>
-              <a:rPr lang="en-US" sz="2800" dirty="0"/>
-              <a:t>, </a:t>
-            </a:r>
-            <a:r>
-              <a:rPr lang="en-US" sz="2800" b="1" dirty="0"/>
-              <a:t>Type Conversions</a:t>
-            </a:r>
-            <a:r>
-              <a:rPr lang="en-US" sz="2800" dirty="0"/>
-              <a:t>, </a:t>
-            </a:r>
-            <a:r>
-              <a:rPr lang="en-US" sz="2800" b="1" dirty="0"/>
-              <a:t>The type( ) Function and Is Operator</a:t>
-            </a:r>
-            <a:r>
-              <a:rPr lang="en-US" sz="2800" dirty="0"/>
-              <a:t>, Control Flow Statements, The if Decision Control Flow Statement, The if…else Decision Control Flow Statement, The if…</a:t>
-            </a:r>
-            <a:r>
-              <a:rPr lang="en-US" sz="2800" dirty="0" err="1"/>
-              <a:t>elif</a:t>
-            </a:r>
-            <a:r>
-              <a:rPr lang="en-US" sz="2800" dirty="0"/>
-              <a:t>…else Decision Control Statement, Nested if Statement, The while Loop, The for Loop, The continue and break Statements, Sequences – Strings, Built-In Functions, Commonly Used Modules, Function Definition and Calling the Function, The return Statement and void Function, Scope and Lifetime of Variables, Default Parameters, Keyword Arguments, *</a:t>
-            </a:r>
-            <a:r>
-              <a:rPr lang="en-US" sz="2800" dirty="0" err="1"/>
-              <a:t>args</a:t>
-            </a:r>
-            <a:r>
-              <a:rPr lang="en-US" sz="2800" dirty="0"/>
-              <a:t> and **</a:t>
-            </a:r>
-            <a:r>
-              <a:rPr lang="en-US" sz="2800" dirty="0" err="1"/>
-              <a:t>kwargs</a:t>
-            </a:r>
-            <a:r>
-              <a:rPr lang="en-US" sz="2800" dirty="0"/>
-              <a:t>, Command Line Arguments. </a:t>
-            </a:r>
-            <a:endParaRPr lang="en-IN" sz="3200" dirty="0"/>
-          </a:p>
-        </p:txBody>
-      </p:sp>
-    </p:spTree>
-    <p:extLst>
-      <p:ext uri="{BB962C8B-B14F-4D97-AF65-F5344CB8AC3E}">
-        <p14:creationId xmlns:p14="http://schemas.microsoft.com/office/powerpoint/2010/main" val="3366606969"/>
-      </p:ext>
-    </p:extLst>
-  </p:cSld>
-  <p:clrMapOvr>
-    <a:masterClrMapping/>
-  </p:clrMapOvr>
-</p:sld>
-</file>
-
-<file path=ppt/slides/slide96.xml><?xml version="1.0" encoding="utf-8"?>
-<p:sld xmlns:a="http://schemas.openxmlformats.org/drawingml/2006/main" xmlns:r="http://schemas.openxmlformats.org/officeDocument/2006/relationships" xmlns:p="http://schemas.openxmlformats.org/presentationml/2006/main">
-  <p:cSld>
-    <p:spTree>
-      <p:nvGrpSpPr>
-        <p:cNvPr id="1" name="">
-          <a:extLst>
-            <a:ext uri="{FF2B5EF4-FFF2-40B4-BE49-F238E27FC236}">
-              <a16:creationId xmlns:a16="http://schemas.microsoft.com/office/drawing/2014/main" id="{87E7E69B-4A95-4255-9F20-3803AE3BCC0D}"/>
-            </a:ext>
-          </a:extLst>
-        </p:cNvPr>
-        <p:cNvGrpSpPr/>
-        <p:nvPr/>
-      </p:nvGrpSpPr>
-      <p:grpSpPr>
-        <a:xfrm>
-          <a:off x="0" y="0"/>
-          <a:ext cx="0" cy="0"/>
-          <a:chOff x="0" y="0"/>
-          <a:chExt cx="0" cy="0"/>
-        </a:xfrm>
-      </p:grpSpPr>
-      <p:sp>
-        <p:nvSpPr>
-          <p:cNvPr id="3" name="Content Placeholder 2">
-            <a:extLst>
-              <a:ext uri="{FF2B5EF4-FFF2-40B4-BE49-F238E27FC236}">
-                <a16:creationId xmlns:a16="http://schemas.microsoft.com/office/drawing/2014/main" id="{04504B3F-000E-80F9-64A0-0B4D406E6462}"/>
-              </a:ext>
-            </a:extLst>
-          </p:cNvPr>
-          <p:cNvSpPr>
-            <a:spLocks noGrp="1"/>
-          </p:cNvSpPr>
-          <p:nvPr>
-            <p:ph idx="1"/>
-          </p:nvPr>
-        </p:nvSpPr>
-        <p:spPr>
-          <a:xfrm>
-            <a:off x="777240" y="674914"/>
-            <a:ext cx="10659110" cy="5502049"/>
-          </a:xfrm>
-        </p:spPr>
-        <p:txBody>
-          <a:bodyPr/>
-          <a:lstStyle/>
-          <a:p>
-            <a:pPr marL="0" indent="0">
-              <a:buNone/>
-            </a:pPr>
-            <a:endParaRPr lang="en-IN" dirty="0"/>
-          </a:p>
-        </p:txBody>
-      </p:sp>
-      <p:grpSp>
-        <p:nvGrpSpPr>
-          <p:cNvPr id="9" name="Group 8">
-            <a:extLst>
-              <a:ext uri="{FF2B5EF4-FFF2-40B4-BE49-F238E27FC236}">
-                <a16:creationId xmlns:a16="http://schemas.microsoft.com/office/drawing/2014/main" id="{81D3981C-5884-CF59-89D7-E8EA05603E80}"/>
-              </a:ext>
-            </a:extLst>
-          </p:cNvPr>
-          <p:cNvGrpSpPr/>
-          <p:nvPr/>
-        </p:nvGrpSpPr>
-        <p:grpSpPr>
-          <a:xfrm>
-            <a:off x="21590" y="-3062"/>
-            <a:ext cx="12170410" cy="6861062"/>
-            <a:chOff x="21590" y="-3062"/>
-            <a:chExt cx="12170410" cy="6861062"/>
-          </a:xfrm>
-        </p:grpSpPr>
-        <p:pic>
-          <p:nvPicPr>
-            <p:cNvPr id="5" name="Picture 4">
-              <a:extLst>
-                <a:ext uri="{FF2B5EF4-FFF2-40B4-BE49-F238E27FC236}">
-                  <a16:creationId xmlns:a16="http://schemas.microsoft.com/office/drawing/2014/main" id="{E278A3E6-AC12-B991-CB74-D359CBDFA120}"/>
-                </a:ext>
-              </a:extLst>
-            </p:cNvPr>
-            <p:cNvPicPr>
-              <a:picLocks noChangeAspect="1"/>
-            </p:cNvPicPr>
-            <p:nvPr/>
-          </p:nvPicPr>
-          <p:blipFill>
-            <a:blip r:embed="rId2"/>
-            <a:stretch>
-              <a:fillRect/>
-            </a:stretch>
-          </p:blipFill>
-          <p:spPr>
-            <a:xfrm>
-              <a:off x="1056821" y="0"/>
-              <a:ext cx="10078358" cy="6858000"/>
-            </a:xfrm>
-            <a:prstGeom prst="rect">
-              <a:avLst/>
-            </a:prstGeom>
-          </p:spPr>
-        </p:pic>
-        <p:pic>
-          <p:nvPicPr>
-            <p:cNvPr id="7" name="Picture 6">
-              <a:extLst>
-                <a:ext uri="{FF2B5EF4-FFF2-40B4-BE49-F238E27FC236}">
-                  <a16:creationId xmlns:a16="http://schemas.microsoft.com/office/drawing/2014/main" id="{B789202E-0604-C6B3-2626-F8067246951F}"/>
-                </a:ext>
-              </a:extLst>
-            </p:cNvPr>
-            <p:cNvPicPr>
-              <a:picLocks noChangeAspect="1"/>
-            </p:cNvPicPr>
-            <p:nvPr/>
-          </p:nvPicPr>
-          <p:blipFill>
-            <a:blip r:embed="rId3"/>
-            <a:stretch>
-              <a:fillRect/>
-            </a:stretch>
-          </p:blipFill>
-          <p:spPr>
-            <a:xfrm>
-              <a:off x="11135179" y="0"/>
-              <a:ext cx="1056821" cy="6858000"/>
-            </a:xfrm>
-            <a:prstGeom prst="rect">
-              <a:avLst/>
-            </a:prstGeom>
-          </p:spPr>
-        </p:pic>
-        <p:pic>
-          <p:nvPicPr>
-            <p:cNvPr id="8" name="Picture 7">
-              <a:extLst>
-                <a:ext uri="{FF2B5EF4-FFF2-40B4-BE49-F238E27FC236}">
-                  <a16:creationId xmlns:a16="http://schemas.microsoft.com/office/drawing/2014/main" id="{F153C6C1-7EBA-CFE1-0777-820C011A028D}"/>
-                </a:ext>
-              </a:extLst>
-            </p:cNvPr>
-            <p:cNvPicPr>
-              <a:picLocks noChangeAspect="1"/>
-            </p:cNvPicPr>
-            <p:nvPr/>
-          </p:nvPicPr>
-          <p:blipFill>
-            <a:blip r:embed="rId3"/>
-            <a:stretch>
-              <a:fillRect/>
-            </a:stretch>
-          </p:blipFill>
-          <p:spPr>
-            <a:xfrm>
-              <a:off x="21590" y="-3062"/>
-              <a:ext cx="1056821" cy="6858000"/>
-            </a:xfrm>
-            <a:prstGeom prst="rect">
-              <a:avLst/>
-            </a:prstGeom>
-          </p:spPr>
-        </p:pic>
-      </p:grpSp>
-    </p:spTree>
-    <p:extLst>
-      <p:ext uri="{BB962C8B-B14F-4D97-AF65-F5344CB8AC3E}">
-        <p14:creationId xmlns:p14="http://schemas.microsoft.com/office/powerpoint/2010/main" val="3068651487"/>
-      </p:ext>
-    </p:extLst>
-  </p:cSld>
-  <p:clrMapOvr>
-    <a:masterClrMapping/>
-  </p:clrMapOvr>
-</p:sld>
-</file>
-
-<file path=ppt/slides/slide97.xml><?xml version="1.0" encoding="utf-8"?>
-<p:sld xmlns:a="http://schemas.openxmlformats.org/drawingml/2006/main" xmlns:r="http://schemas.openxmlformats.org/officeDocument/2006/relationships" xmlns:p="http://schemas.openxmlformats.org/presentationml/2006/main">
-  <p:cSld>
-    <p:spTree>
-      <p:nvGrpSpPr>
-        <p:cNvPr id="1" name="">
-          <a:extLst>
-            <a:ext uri="{FF2B5EF4-FFF2-40B4-BE49-F238E27FC236}">
               <a16:creationId xmlns:a16="http://schemas.microsoft.com/office/drawing/2014/main" id="{1732E471-FA52-531F-8990-106E254984E6}"/>
             </a:ext>
           </a:extLst>
@@ -38333,18 +43776,247 @@
         </p:nvSpPr>
         <p:spPr>
           <a:xfrm>
-            <a:off x="777240" y="674914"/>
-            <a:ext cx="10659110" cy="5502049"/>
+            <a:off x="777240" y="566058"/>
+            <a:ext cx="10659110" cy="5610906"/>
           </a:xfrm>
         </p:spPr>
         <p:txBody>
-          <a:bodyPr/>
+          <a:bodyPr>
+            <a:normAutofit fontScale="92500" lnSpcReduction="20000"/>
+          </a:bodyPr>
           <a:lstStyle/>
           <a:p>
             <a:pPr marL="0" indent="0">
               <a:buNone/>
             </a:pPr>
-            <a:endParaRPr lang="en-IN" dirty="0"/>
+            <a:r>
+              <a:rPr lang="en-US" sz="2400" b="1" dirty="0"/>
+              <a:t>Control Flow Statements: (Control the Flow of Execution)</a:t>
+            </a:r>
+          </a:p>
+          <a:p>
+            <a:pPr marL="0" indent="0">
+              <a:buNone/>
+            </a:pPr>
+            <a:r>
+              <a:rPr lang="en-US" sz="2400" dirty="0"/>
+              <a:t>Control flow statements in Python </a:t>
+            </a:r>
+            <a:r>
+              <a:rPr lang="en-US" sz="2400" b="1" dirty="0"/>
+              <a:t>determine the </a:t>
+            </a:r>
+            <a:r>
+              <a:rPr lang="en-US" sz="2400" b="1" dirty="0">
+                <a:solidFill>
+                  <a:srgbClr val="C00000"/>
+                </a:solidFill>
+              </a:rPr>
+              <a:t>order in which the code is executed</a:t>
+            </a:r>
+            <a:r>
+              <a:rPr lang="en-US" sz="2400" dirty="0"/>
+              <a:t>. These statements help the program decide </a:t>
+            </a:r>
+            <a:r>
+              <a:rPr lang="en-US" sz="2400" b="1" dirty="0">
+                <a:solidFill>
+                  <a:srgbClr val="C00000"/>
+                </a:solidFill>
+              </a:rPr>
+              <a:t>whether to execute a particular block of code</a:t>
+            </a:r>
+            <a:r>
+              <a:rPr lang="en-US" sz="2400" dirty="0"/>
+              <a:t>, </a:t>
+            </a:r>
+            <a:r>
+              <a:rPr lang="en-US" sz="2400" b="1" dirty="0">
+                <a:solidFill>
+                  <a:srgbClr val="C00000"/>
+                </a:solidFill>
+              </a:rPr>
+              <a:t>repeat</a:t>
+            </a:r>
+            <a:r>
+              <a:rPr lang="en-US" sz="2400" dirty="0"/>
+              <a:t> a </a:t>
+            </a:r>
+            <a:r>
+              <a:rPr lang="en-US" sz="2400" b="1" dirty="0">
+                <a:solidFill>
+                  <a:srgbClr val="C00000"/>
+                </a:solidFill>
+              </a:rPr>
+              <a:t>block</a:t>
+            </a:r>
+            <a:r>
+              <a:rPr lang="en-US" sz="2400" dirty="0"/>
+              <a:t> </a:t>
+            </a:r>
+            <a:r>
+              <a:rPr lang="en-US" sz="2400" b="1" dirty="0">
+                <a:solidFill>
+                  <a:srgbClr val="C00000"/>
+                </a:solidFill>
+              </a:rPr>
+              <a:t>of</a:t>
+            </a:r>
+            <a:r>
+              <a:rPr lang="en-US" sz="2400" dirty="0"/>
+              <a:t> </a:t>
+            </a:r>
+            <a:r>
+              <a:rPr lang="en-US" sz="2400" b="1" dirty="0">
+                <a:solidFill>
+                  <a:srgbClr val="C00000"/>
+                </a:solidFill>
+              </a:rPr>
+              <a:t>code</a:t>
+            </a:r>
+            <a:r>
+              <a:rPr lang="en-US" sz="2400" dirty="0"/>
+              <a:t>, or </a:t>
+            </a:r>
+            <a:r>
+              <a:rPr lang="en-US" sz="2400" b="1" dirty="0">
+                <a:solidFill>
+                  <a:srgbClr val="C00000"/>
+                </a:solidFill>
+              </a:rPr>
+              <a:t>jump</a:t>
+            </a:r>
+            <a:r>
+              <a:rPr lang="en-US" sz="2400" dirty="0"/>
+              <a:t> </a:t>
+            </a:r>
+            <a:r>
+              <a:rPr lang="en-US" sz="2400" b="1" dirty="0">
+                <a:solidFill>
+                  <a:srgbClr val="C00000"/>
+                </a:solidFill>
+              </a:rPr>
+              <a:t>between</a:t>
+            </a:r>
+            <a:r>
+              <a:rPr lang="en-US" sz="2400" dirty="0"/>
+              <a:t> blocks </a:t>
+            </a:r>
+            <a:r>
+              <a:rPr lang="en-US" sz="2400" b="1" dirty="0"/>
+              <a:t>based on conditions.</a:t>
+            </a:r>
+          </a:p>
+          <a:p>
+            <a:pPr marL="0" indent="0">
+              <a:buNone/>
+            </a:pPr>
+            <a:r>
+              <a:rPr lang="en-US" sz="2400" b="1" dirty="0"/>
+              <a:t>Types of Control Flow Statements</a:t>
+            </a:r>
+          </a:p>
+          <a:p>
+            <a:pPr marL="457200" indent="-457200">
+              <a:buFont typeface="+mj-lt"/>
+              <a:buAutoNum type="arabicPeriod"/>
+            </a:pPr>
+            <a:r>
+              <a:rPr lang="en-US" sz="2400" b="1" dirty="0"/>
+              <a:t>Conditional Statements (Decision-Making)</a:t>
+            </a:r>
+          </a:p>
+          <a:p>
+            <a:pPr lvl="1"/>
+            <a:r>
+              <a:rPr lang="en-US" sz="2200" dirty="0"/>
+              <a:t>if</a:t>
+            </a:r>
+          </a:p>
+          <a:p>
+            <a:pPr lvl="1"/>
+            <a:r>
+              <a:rPr lang="en-US" sz="2200" dirty="0"/>
+              <a:t>if-else</a:t>
+            </a:r>
+          </a:p>
+          <a:p>
+            <a:pPr lvl="1"/>
+            <a:r>
+              <a:rPr lang="en-US" sz="2200" dirty="0"/>
+              <a:t>if-</a:t>
+            </a:r>
+            <a:r>
+              <a:rPr lang="en-US" sz="2200" dirty="0" err="1"/>
+              <a:t>elif</a:t>
+            </a:r>
+            <a:r>
+              <a:rPr lang="en-US" sz="2200" dirty="0"/>
+              <a:t>-else</a:t>
+            </a:r>
+          </a:p>
+          <a:p>
+            <a:pPr lvl="1"/>
+            <a:r>
+              <a:rPr lang="en-US" sz="2200" dirty="0"/>
+              <a:t>Nested if</a:t>
+            </a:r>
+          </a:p>
+          <a:p>
+            <a:pPr marL="457200" indent="-457200">
+              <a:buFont typeface="+mj-lt"/>
+              <a:buAutoNum type="arabicPeriod"/>
+            </a:pPr>
+            <a:r>
+              <a:rPr lang="en-US" sz="2400" b="1" dirty="0"/>
+              <a:t>Looping Statements</a:t>
+            </a:r>
+          </a:p>
+          <a:p>
+            <a:pPr lvl="1"/>
+            <a:r>
+              <a:rPr lang="en-US" sz="2200" dirty="0"/>
+              <a:t>for loop</a:t>
+            </a:r>
+          </a:p>
+          <a:p>
+            <a:pPr lvl="1"/>
+            <a:r>
+              <a:rPr lang="en-US" sz="2200" dirty="0"/>
+              <a:t>while loop</a:t>
+            </a:r>
+          </a:p>
+          <a:p>
+            <a:pPr marL="457200" indent="-457200">
+              <a:buFont typeface="+mj-lt"/>
+              <a:buAutoNum type="arabicPeriod"/>
+            </a:pPr>
+            <a:r>
+              <a:rPr lang="en-US" sz="2400" b="1" dirty="0"/>
+              <a:t>Jump Statements</a:t>
+            </a:r>
+          </a:p>
+          <a:p>
+            <a:pPr lvl="1"/>
+            <a:r>
+              <a:rPr lang="en-US" sz="2200" dirty="0"/>
+              <a:t>break</a:t>
+            </a:r>
+          </a:p>
+          <a:p>
+            <a:pPr lvl="1"/>
+            <a:r>
+              <a:rPr lang="en-US" sz="2200" dirty="0"/>
+              <a:t>continue</a:t>
+            </a:r>
+          </a:p>
+          <a:p>
+            <a:pPr lvl="1"/>
+            <a:r>
+              <a:rPr lang="en-US" sz="2200" dirty="0"/>
+              <a:t>pass</a:t>
+            </a:r>
+            <a:endParaRPr lang="en-IN" sz="2200" dirty="0"/>
           </a:p>
         </p:txBody>
       </p:sp>
@@ -38361,7 +44033,7 @@
 </p:sld>
 </file>
 
-<file path=ppt/slides/slide98.xml><?xml version="1.0" encoding="utf-8"?>
+<file path=ppt/slides/slide96.xml><?xml version="1.0" encoding="utf-8"?>
 <p:sld xmlns:a="http://schemas.openxmlformats.org/drawingml/2006/main" xmlns:r="http://schemas.openxmlformats.org/officeDocument/2006/relationships" xmlns:p="http://schemas.openxmlformats.org/presentationml/2006/main">
   <p:cSld>
     <p:spTree>
@@ -38402,18 +44074,141 @@
         </p:nvSpPr>
         <p:spPr>
           <a:xfrm>
-            <a:off x="777240" y="674914"/>
-            <a:ext cx="10659110" cy="5502049"/>
+            <a:off x="766445" y="1001486"/>
+            <a:ext cx="10659110" cy="3929743"/>
           </a:xfrm>
         </p:spPr>
         <p:txBody>
-          <a:bodyPr/>
+          <a:bodyPr>
+            <a:normAutofit/>
+          </a:bodyPr>
           <a:lstStyle/>
           <a:p>
             <a:pPr marL="0" indent="0">
               <a:buNone/>
             </a:pPr>
-            <a:endParaRPr lang="en-IN" dirty="0"/>
+            <a:r>
+              <a:rPr lang="en-US" sz="2400" b="1" dirty="0">
+                <a:solidFill>
+                  <a:srgbClr val="002060"/>
+                </a:solidFill>
+              </a:rPr>
+              <a:t>1. </a:t>
+            </a:r>
+            <a:r>
+              <a:rPr lang="en-IN" sz="2400" b="1" dirty="0">
+                <a:solidFill>
+                  <a:srgbClr val="002060"/>
+                </a:solidFill>
+              </a:rPr>
+              <a:t>Conditional Statements (Decision-Making):</a:t>
+            </a:r>
+          </a:p>
+          <a:p>
+            <a:pPr marL="0" indent="0">
+              <a:buNone/>
+            </a:pPr>
+            <a:r>
+              <a:rPr lang="en-US" sz="2400" dirty="0"/>
+              <a:t>Conditional statements in Python allow the </a:t>
+            </a:r>
+            <a:r>
+              <a:rPr lang="en-US" sz="2400" b="1" dirty="0">
+                <a:solidFill>
+                  <a:srgbClr val="C00000"/>
+                </a:solidFill>
+              </a:rPr>
+              <a:t>program to make decisions </a:t>
+            </a:r>
+            <a:r>
+              <a:rPr lang="en-US" sz="2400" b="1" dirty="0"/>
+              <a:t>based on specific </a:t>
+            </a:r>
+            <a:r>
+              <a:rPr lang="en-US" sz="2400" b="1" dirty="0">
+                <a:solidFill>
+                  <a:srgbClr val="C00000"/>
+                </a:solidFill>
+              </a:rPr>
+              <a:t>conditions</a:t>
+            </a:r>
+            <a:r>
+              <a:rPr lang="en-US" sz="2400" dirty="0"/>
+              <a:t>. These statements execute certain blocks of code only when </a:t>
+            </a:r>
+            <a:r>
+              <a:rPr lang="en-US" sz="2400" b="1" dirty="0"/>
+              <a:t>specified conditions are met</a:t>
+            </a:r>
+            <a:r>
+              <a:rPr lang="en-US" sz="2400" dirty="0"/>
+              <a:t>. The main decision-making statements in Python are:</a:t>
+            </a:r>
+          </a:p>
+          <a:p>
+            <a:pPr marL="457200" indent="-457200">
+              <a:buFont typeface="+mj-lt"/>
+              <a:buAutoNum type="arabicPeriod"/>
+            </a:pPr>
+            <a:r>
+              <a:rPr lang="en-US" sz="2400" b="1" dirty="0"/>
+              <a:t>if </a:t>
+            </a:r>
+            <a:r>
+              <a:rPr lang="en-US" sz="2400" dirty="0"/>
+              <a:t>Statement</a:t>
+            </a:r>
+          </a:p>
+          <a:p>
+            <a:pPr marL="457200" indent="-457200">
+              <a:buFont typeface="+mj-lt"/>
+              <a:buAutoNum type="arabicPeriod"/>
+            </a:pPr>
+            <a:r>
+              <a:rPr lang="en-US" sz="2400" b="1" dirty="0"/>
+              <a:t>if-else </a:t>
+            </a:r>
+            <a:r>
+              <a:rPr lang="en-US" sz="2400" dirty="0"/>
+              <a:t>Statement</a:t>
+            </a:r>
+          </a:p>
+          <a:p>
+            <a:pPr marL="457200" indent="-457200">
+              <a:buFont typeface="+mj-lt"/>
+              <a:buAutoNum type="arabicPeriod"/>
+            </a:pPr>
+            <a:r>
+              <a:rPr lang="en-US" sz="2400" b="1" dirty="0"/>
+              <a:t>if-</a:t>
+            </a:r>
+            <a:r>
+              <a:rPr lang="en-US" sz="2400" b="1" dirty="0" err="1"/>
+              <a:t>elif</a:t>
+            </a:r>
+            <a:r>
+              <a:rPr lang="en-US" sz="2400" b="1" dirty="0"/>
+              <a:t>-else</a:t>
+            </a:r>
+            <a:r>
+              <a:rPr lang="en-US" sz="2400" dirty="0"/>
+              <a:t> Statement</a:t>
+            </a:r>
+          </a:p>
+          <a:p>
+            <a:pPr marL="457200" indent="-457200">
+              <a:buFont typeface="+mj-lt"/>
+              <a:buAutoNum type="arabicPeriod"/>
+            </a:pPr>
+            <a:r>
+              <a:rPr lang="en-US" sz="2400" b="1" dirty="0"/>
+              <a:t>Nested if </a:t>
+            </a:r>
+            <a:r>
+              <a:rPr lang="en-US" sz="2400" dirty="0"/>
+              <a:t>Statement</a:t>
+            </a:r>
+            <a:endParaRPr lang="en-IN" sz="2400" dirty="0"/>
           </a:p>
         </p:txBody>
       </p:sp>
@@ -38430,7 +44225,7 @@
 </p:sld>
 </file>
 
-<file path=ppt/slides/slide99.xml><?xml version="1.0" encoding="utf-8"?>
+<file path=ppt/slides/slide97.xml><?xml version="1.0" encoding="utf-8"?>
 <p:sld xmlns:a="http://schemas.openxmlformats.org/drawingml/2006/main" xmlns:r="http://schemas.openxmlformats.org/officeDocument/2006/relationships" xmlns:p="http://schemas.openxmlformats.org/presentationml/2006/main">
   <p:cSld>
     <p:spTree>
@@ -38476,20 +44271,593 @@
           </a:xfrm>
         </p:spPr>
         <p:txBody>
+          <a:bodyPr>
+            <a:normAutofit/>
+          </a:bodyPr>
+          <a:lstStyle/>
+          <a:p>
+            <a:pPr marL="0" indent="0">
+              <a:buNone/>
+            </a:pPr>
+            <a:r>
+              <a:rPr lang="en-US" sz="2400" b="1" dirty="0"/>
+              <a:t>1. if Statement ( Simple If):</a:t>
+            </a:r>
+          </a:p>
+          <a:p>
+            <a:pPr marL="0" indent="0">
+              <a:buNone/>
+            </a:pPr>
+            <a:r>
+              <a:rPr lang="en-US" sz="2400" dirty="0"/>
+              <a:t>The if statement executes a block of code to </a:t>
+            </a:r>
+            <a:r>
+              <a:rPr lang="en-US" sz="2400" b="1" dirty="0">
+                <a:solidFill>
+                  <a:srgbClr val="C00000"/>
+                </a:solidFill>
+              </a:rPr>
+              <a:t>True</a:t>
+            </a:r>
+            <a:r>
+              <a:rPr lang="en-US" sz="2400" dirty="0"/>
+              <a:t>.</a:t>
+            </a:r>
+            <a:r>
+              <a:rPr lang="en-US" sz="2400" b="1" dirty="0"/>
+              <a:t> only when the given condition evaluates </a:t>
+            </a:r>
+            <a:endParaRPr lang="en-US" sz="2400" dirty="0"/>
+          </a:p>
+          <a:p>
+            <a:pPr marL="0" indent="0">
+              <a:buNone/>
+            </a:pPr>
+            <a:r>
+              <a:rPr lang="en-US" sz="2400" b="1" dirty="0"/>
+              <a:t>Syntax:</a:t>
+            </a:r>
+          </a:p>
+          <a:p>
+            <a:pPr marL="0" indent="0">
+              <a:buNone/>
+            </a:pPr>
+            <a:endParaRPr lang="en-US" sz="2400" b="1" dirty="0"/>
+          </a:p>
+          <a:p>
+            <a:pPr marL="0" indent="0">
+              <a:buNone/>
+            </a:pPr>
+            <a:endParaRPr lang="en-US" sz="2400" b="1" dirty="0"/>
+          </a:p>
+          <a:p>
+            <a:pPr marL="0" indent="0">
+              <a:buNone/>
+            </a:pPr>
+            <a:r>
+              <a:rPr lang="en-US" sz="2400" b="1" dirty="0"/>
+              <a:t>Example:</a:t>
+            </a:r>
+          </a:p>
+          <a:p>
+            <a:pPr marL="0" indent="0">
+              <a:buNone/>
+            </a:pPr>
+            <a:endParaRPr lang="en-US" sz="2400" b="1" dirty="0"/>
+          </a:p>
+          <a:p>
+            <a:pPr marL="0" indent="0">
+              <a:buNone/>
+            </a:pPr>
+            <a:endParaRPr lang="en-US" sz="2400" b="1" dirty="0"/>
+          </a:p>
+          <a:p>
+            <a:pPr marL="0" indent="0">
+              <a:buNone/>
+            </a:pPr>
+            <a:endParaRPr lang="en-US" sz="2400" b="1" dirty="0"/>
+          </a:p>
+          <a:p>
+            <a:pPr marL="0" indent="0">
+              <a:buNone/>
+            </a:pPr>
+            <a:endParaRPr lang="en-US" sz="2400" b="1" dirty="0"/>
+          </a:p>
+          <a:p>
+            <a:r>
+              <a:rPr lang="en-US" sz="2400" dirty="0"/>
+              <a:t>The condition </a:t>
+            </a:r>
+            <a:r>
+              <a:rPr lang="en-US" sz="2400" b="1" dirty="0">
+                <a:solidFill>
+                  <a:srgbClr val="C00000"/>
+                </a:solidFill>
+              </a:rPr>
+              <a:t>x &gt; 5 </a:t>
+            </a:r>
+            <a:r>
+              <a:rPr lang="en-US" sz="2400" dirty="0"/>
+              <a:t>evaluates to </a:t>
+            </a:r>
+            <a:r>
+              <a:rPr lang="en-US" sz="2400" b="1" dirty="0"/>
+              <a:t>True</a:t>
+            </a:r>
+            <a:r>
+              <a:rPr lang="en-US" sz="2400" dirty="0"/>
+              <a:t>, so the indented block is executed.</a:t>
+            </a:r>
+            <a:endParaRPr lang="en-IN" sz="2400" dirty="0"/>
+          </a:p>
+        </p:txBody>
+      </p:sp>
+      <p:pic>
+        <p:nvPicPr>
+          <p:cNvPr id="4" name="Picture 3">
+            <a:extLst>
+              <a:ext uri="{FF2B5EF4-FFF2-40B4-BE49-F238E27FC236}">
+                <a16:creationId xmlns:a16="http://schemas.microsoft.com/office/drawing/2014/main" id="{3A856D29-F76E-5761-327B-84549ECEE3CD}"/>
+              </a:ext>
+            </a:extLst>
+          </p:cNvPr>
+          <p:cNvPicPr>
+            <a:picLocks noChangeAspect="1"/>
+          </p:cNvPicPr>
+          <p:nvPr/>
+        </p:nvPicPr>
+        <p:blipFill>
+          <a:blip r:embed="rId2"/>
+          <a:stretch>
+            <a:fillRect/>
+          </a:stretch>
+        </p:blipFill>
+        <p:spPr>
+          <a:xfrm>
+            <a:off x="2130714" y="2018685"/>
+            <a:ext cx="8257143" cy="1057143"/>
+          </a:xfrm>
+          <a:prstGeom prst="rect">
+            <a:avLst/>
+          </a:prstGeom>
+        </p:spPr>
+      </p:pic>
+      <p:pic>
+        <p:nvPicPr>
+          <p:cNvPr id="6" name="Picture 5">
+            <a:extLst>
+              <a:ext uri="{FF2B5EF4-FFF2-40B4-BE49-F238E27FC236}">
+                <a16:creationId xmlns:a16="http://schemas.microsoft.com/office/drawing/2014/main" id="{3B84AA37-0F1D-664A-09B6-18B0B63EED2A}"/>
+              </a:ext>
+            </a:extLst>
+          </p:cNvPr>
+          <p:cNvPicPr>
+            <a:picLocks noChangeAspect="1"/>
+          </p:cNvPicPr>
+          <p:nvPr/>
+        </p:nvPicPr>
+        <p:blipFill>
+          <a:blip r:embed="rId3"/>
+          <a:stretch>
+            <a:fillRect/>
+          </a:stretch>
+        </p:blipFill>
+        <p:spPr>
+          <a:xfrm>
+            <a:off x="2130714" y="3591027"/>
+            <a:ext cx="6152381" cy="1657143"/>
+          </a:xfrm>
+          <a:prstGeom prst="rect">
+            <a:avLst/>
+          </a:prstGeom>
+        </p:spPr>
+      </p:pic>
+    </p:spTree>
+    <p:extLst>
+      <p:ext uri="{BB962C8B-B14F-4D97-AF65-F5344CB8AC3E}">
+        <p14:creationId xmlns:p14="http://schemas.microsoft.com/office/powerpoint/2010/main" val="1644285666"/>
+      </p:ext>
+    </p:extLst>
+  </p:cSld>
+  <p:clrMapOvr>
+    <a:masterClrMapping/>
+  </p:clrMapOvr>
+</p:sld>
+</file>
+
+<file path=ppt/slides/slide98.xml><?xml version="1.0" encoding="utf-8"?>
+<p:sld xmlns:a="http://schemas.openxmlformats.org/drawingml/2006/main" xmlns:r="http://schemas.openxmlformats.org/officeDocument/2006/relationships" xmlns:p="http://schemas.openxmlformats.org/presentationml/2006/main">
+  <p:cSld>
+    <p:spTree>
+      <p:nvGrpSpPr>
+        <p:cNvPr id="1" name=""/>
+        <p:cNvGrpSpPr/>
+        <p:nvPr/>
+      </p:nvGrpSpPr>
+      <p:grpSpPr>
+        <a:xfrm>
+          <a:off x="0" y="0"/>
+          <a:ext cx="0" cy="0"/>
+          <a:chOff x="0" y="0"/>
+          <a:chExt cx="0" cy="0"/>
+        </a:xfrm>
+      </p:grpSpPr>
+      <p:sp>
+        <p:nvSpPr>
+          <p:cNvPr id="2" name="Title 1">
+            <a:extLst>
+              <a:ext uri="{FF2B5EF4-FFF2-40B4-BE49-F238E27FC236}">
+                <a16:creationId xmlns:a16="http://schemas.microsoft.com/office/drawing/2014/main" id="{8BA85D1B-937F-1DB4-0C28-A85B5C7DCF15}"/>
+              </a:ext>
+            </a:extLst>
+          </p:cNvPr>
+          <p:cNvSpPr>
+            <a:spLocks noGrp="1"/>
+          </p:cNvSpPr>
+          <p:nvPr>
+            <p:ph type="title"/>
+          </p:nvPr>
+        </p:nvSpPr>
+        <p:spPr>
+          <a:xfrm>
+            <a:off x="640080" y="2074363"/>
+            <a:ext cx="2752354" cy="2709275"/>
+          </a:xfrm>
+          <a:prstGeom prst="ellipse">
+            <a:avLst/>
+          </a:prstGeom>
+          <a:solidFill>
+            <a:srgbClr val="262626"/>
+          </a:solidFill>
+          <a:ln w="174625" cmpd="thinThick">
+            <a:solidFill>
+              <a:srgbClr val="262626"/>
+            </a:solidFill>
+          </a:ln>
+        </p:spPr>
+        <p:txBody>
+          <a:bodyPr vert="horz" lIns="91440" tIns="45720" rIns="91440" bIns="45720" rtlCol="0" anchor="ctr">
+            <a:normAutofit/>
+          </a:bodyPr>
+          <a:lstStyle/>
+          <a:p>
+            <a:pPr algn="ctr"/>
+            <a:r>
+              <a:rPr lang="en-US" sz="2600" kern="1200" dirty="0">
+                <a:solidFill>
+                  <a:srgbClr val="FFFFFF"/>
+                </a:solidFill>
+                <a:latin typeface="+mj-lt"/>
+                <a:ea typeface="+mj-ea"/>
+                <a:cs typeface="+mj-cs"/>
+              </a:rPr>
+              <a:t>Simple If </a:t>
+            </a:r>
+            <a:r>
+              <a:rPr lang="en-US" sz="2600" b="1" kern="1200" dirty="0">
+                <a:solidFill>
+                  <a:srgbClr val="FFFFFF"/>
+                </a:solidFill>
+                <a:latin typeface="+mj-lt"/>
+                <a:ea typeface="+mj-ea"/>
+                <a:cs typeface="+mj-cs"/>
+              </a:rPr>
+              <a:t>Flow Chart</a:t>
+            </a:r>
+          </a:p>
+        </p:txBody>
+      </p:sp>
+      <p:pic>
+        <p:nvPicPr>
+          <p:cNvPr id="5" name="Picture 4">
+            <a:extLst>
+              <a:ext uri="{FF2B5EF4-FFF2-40B4-BE49-F238E27FC236}">
+                <a16:creationId xmlns:a16="http://schemas.microsoft.com/office/drawing/2014/main" id="{B0795079-1115-42BB-9E27-3AB8CE727A5C}"/>
+              </a:ext>
+            </a:extLst>
+          </p:cNvPr>
+          <p:cNvPicPr>
+            <a:picLocks noChangeAspect="1"/>
+          </p:cNvPicPr>
+          <p:nvPr/>
+        </p:nvPicPr>
+        <p:blipFill>
+          <a:blip r:embed="rId2"/>
+          <a:stretch>
+            <a:fillRect/>
+          </a:stretch>
+        </p:blipFill>
+        <p:spPr>
+          <a:xfrm>
+            <a:off x="4164672" y="584124"/>
+            <a:ext cx="6813507" cy="5689751"/>
+          </a:xfrm>
+          <a:prstGeom prst="rect">
+            <a:avLst/>
+          </a:prstGeom>
+        </p:spPr>
+      </p:pic>
+    </p:spTree>
+    <p:extLst>
+      <p:ext uri="{BB962C8B-B14F-4D97-AF65-F5344CB8AC3E}">
+        <p14:creationId xmlns:p14="http://schemas.microsoft.com/office/powerpoint/2010/main" val="58897801"/>
+      </p:ext>
+    </p:extLst>
+  </p:cSld>
+  <p:clrMapOvr>
+    <a:masterClrMapping/>
+  </p:clrMapOvr>
+</p:sld>
+</file>
+
+<file path=ppt/slides/slide99.xml><?xml version="1.0" encoding="utf-8"?>
+<p:sld xmlns:a="http://schemas.openxmlformats.org/drawingml/2006/main" xmlns:r="http://schemas.openxmlformats.org/officeDocument/2006/relationships" xmlns:p="http://schemas.openxmlformats.org/presentationml/2006/main">
+  <p:cSld>
+    <p:spTree>
+      <p:nvGrpSpPr>
+        <p:cNvPr id="1" name=""/>
+        <p:cNvGrpSpPr/>
+        <p:nvPr/>
+      </p:nvGrpSpPr>
+      <p:grpSpPr>
+        <a:xfrm>
+          <a:off x="0" y="0"/>
+          <a:ext cx="0" cy="0"/>
+          <a:chOff x="0" y="0"/>
+          <a:chExt cx="0" cy="0"/>
+        </a:xfrm>
+      </p:grpSpPr>
+      <p:sp>
+        <p:nvSpPr>
+          <p:cNvPr id="3" name="Content Placeholder 2">
+            <a:extLst>
+              <a:ext uri="{FF2B5EF4-FFF2-40B4-BE49-F238E27FC236}">
+                <a16:creationId xmlns:a16="http://schemas.microsoft.com/office/drawing/2014/main" id="{B4FE8E85-8426-4AB7-AD5A-5C275C24FF8D}"/>
+              </a:ext>
+            </a:extLst>
+          </p:cNvPr>
+          <p:cNvSpPr>
+            <a:spLocks noGrp="1"/>
+          </p:cNvSpPr>
+          <p:nvPr>
+            <p:ph idx="1"/>
+          </p:nvPr>
+        </p:nvSpPr>
+        <p:spPr>
+          <a:xfrm>
+            <a:off x="375920" y="314960"/>
+            <a:ext cx="11348719" cy="6299200"/>
+          </a:xfrm>
+        </p:spPr>
+        <p:txBody>
           <a:bodyPr/>
           <a:lstStyle/>
           <a:p>
             <a:pPr marL="0" indent="0">
               <a:buNone/>
             </a:pPr>
-            <a:endParaRPr lang="en-IN" dirty="0"/>
+            <a:r>
+              <a:rPr lang="en-IN" sz="2400" b="1" dirty="0">
+                <a:solidFill>
+                  <a:schemeClr val="accent6">
+                    <a:lumMod val="50000"/>
+                  </a:schemeClr>
+                </a:solidFill>
+              </a:rPr>
+              <a:t>2. if-else statement</a:t>
+            </a:r>
+            <a:r>
+              <a:rPr lang="en-IN" sz="2400" dirty="0">
+                <a:solidFill>
+                  <a:schemeClr val="accent6">
+                    <a:lumMod val="50000"/>
+                  </a:schemeClr>
+                </a:solidFill>
+              </a:rPr>
+              <a:t>:</a:t>
+            </a:r>
+          </a:p>
+          <a:p>
+            <a:pPr marL="0" indent="0">
+              <a:buNone/>
+            </a:pPr>
+            <a:r>
+              <a:rPr lang="en-US" sz="2400" dirty="0"/>
+              <a:t>The if-else statement provides </a:t>
+            </a:r>
+            <a:r>
+              <a:rPr lang="en-US" sz="2400" b="1" dirty="0">
+                <a:solidFill>
+                  <a:srgbClr val="C00000"/>
+                </a:solidFill>
+              </a:rPr>
+              <a:t>two blocks of code</a:t>
+            </a:r>
+            <a:r>
+              <a:rPr lang="en-US" sz="2400" dirty="0"/>
+              <a:t>: one that executes if the condition is </a:t>
+            </a:r>
+            <a:r>
+              <a:rPr lang="en-US" sz="2400" b="1" dirty="0"/>
+              <a:t>true</a:t>
+            </a:r>
+            <a:r>
+              <a:rPr lang="en-US" sz="2400" dirty="0"/>
+              <a:t> and another that executes if the condition is </a:t>
+            </a:r>
+            <a:r>
+              <a:rPr lang="en-US" sz="2400" b="1" dirty="0"/>
+              <a:t>false</a:t>
+            </a:r>
+            <a:r>
+              <a:rPr lang="en-US" sz="2400" dirty="0"/>
+              <a:t>.</a:t>
+            </a:r>
+          </a:p>
+          <a:p>
+            <a:pPr marL="0" indent="0">
+              <a:buNone/>
+            </a:pPr>
+            <a:r>
+              <a:rPr lang="en-IN" sz="2400" b="1" dirty="0"/>
+              <a:t>Syntax:</a:t>
+            </a:r>
+          </a:p>
+          <a:p>
+            <a:pPr marL="0" indent="0">
+              <a:buNone/>
+            </a:pPr>
+            <a:endParaRPr lang="en-IN" sz="2400" b="1" dirty="0"/>
+          </a:p>
+          <a:p>
+            <a:pPr marL="0" indent="0">
+              <a:buNone/>
+            </a:pPr>
+            <a:endParaRPr lang="en-IN" sz="2400" b="1" dirty="0"/>
+          </a:p>
+          <a:p>
+            <a:pPr marL="0" indent="0">
+              <a:buNone/>
+            </a:pPr>
+            <a:endParaRPr lang="en-IN" sz="2400" b="1" dirty="0"/>
+          </a:p>
+          <a:p>
+            <a:pPr marL="0" indent="0">
+              <a:buNone/>
+            </a:pPr>
+            <a:endParaRPr lang="en-IN" sz="2400" b="1" dirty="0"/>
+          </a:p>
+          <a:p>
+            <a:pPr marL="0" indent="0">
+              <a:buNone/>
+            </a:pPr>
+            <a:r>
+              <a:rPr lang="en-IN" sz="2400" b="1" dirty="0"/>
+              <a:t>Example:</a:t>
+            </a:r>
+          </a:p>
+        </p:txBody>
+      </p:sp>
+      <p:pic>
+        <p:nvPicPr>
+          <p:cNvPr id="4" name="Picture 3">
+            <a:extLst>
+              <a:ext uri="{FF2B5EF4-FFF2-40B4-BE49-F238E27FC236}">
+                <a16:creationId xmlns:a16="http://schemas.microsoft.com/office/drawing/2014/main" id="{A6C2C8F6-853D-621B-E7EA-B7847815B92D}"/>
+              </a:ext>
+            </a:extLst>
+          </p:cNvPr>
+          <p:cNvPicPr>
+            <a:picLocks noChangeAspect="1"/>
+          </p:cNvPicPr>
+          <p:nvPr/>
+        </p:nvPicPr>
+        <p:blipFill>
+          <a:blip r:embed="rId2"/>
+          <a:stretch>
+            <a:fillRect/>
+          </a:stretch>
+        </p:blipFill>
+        <p:spPr>
+          <a:xfrm>
+            <a:off x="1791238" y="1660333"/>
+            <a:ext cx="8609524" cy="2095238"/>
+          </a:xfrm>
+          <a:prstGeom prst="rect">
+            <a:avLst/>
+          </a:prstGeom>
+        </p:spPr>
+      </p:pic>
+      <p:pic>
+        <p:nvPicPr>
+          <p:cNvPr id="8" name="Picture 7">
+            <a:extLst>
+              <a:ext uri="{FF2B5EF4-FFF2-40B4-BE49-F238E27FC236}">
+                <a16:creationId xmlns:a16="http://schemas.microsoft.com/office/drawing/2014/main" id="{CC0C9D1C-F7D2-9242-678E-610648A319CD}"/>
+              </a:ext>
+            </a:extLst>
+          </p:cNvPr>
+          <p:cNvPicPr>
+            <a:picLocks noChangeAspect="1"/>
+          </p:cNvPicPr>
+          <p:nvPr/>
+        </p:nvPicPr>
+        <p:blipFill>
+          <a:blip r:embed="rId3"/>
+          <a:stretch>
+            <a:fillRect/>
+          </a:stretch>
+        </p:blipFill>
+        <p:spPr>
+          <a:xfrm>
+            <a:off x="1791238" y="4092636"/>
+            <a:ext cx="6540477" cy="2210061"/>
+          </a:xfrm>
+          <a:prstGeom prst="rect">
+            <a:avLst/>
+          </a:prstGeom>
+        </p:spPr>
+      </p:pic>
+      <p:sp>
+        <p:nvSpPr>
+          <p:cNvPr id="10" name="TextBox 9">
+            <a:extLst>
+              <a:ext uri="{FF2B5EF4-FFF2-40B4-BE49-F238E27FC236}">
+                <a16:creationId xmlns:a16="http://schemas.microsoft.com/office/drawing/2014/main" id="{16CF30EC-48A0-DFAB-5446-6FC4A060F6F8}"/>
+              </a:ext>
+            </a:extLst>
+          </p:cNvPr>
+          <p:cNvSpPr txBox="1"/>
+          <p:nvPr/>
+        </p:nvSpPr>
+        <p:spPr>
+          <a:xfrm>
+            <a:off x="8617576" y="4092636"/>
+            <a:ext cx="3566371" cy="1200329"/>
+          </a:xfrm>
+          <a:prstGeom prst="rect">
+            <a:avLst/>
+          </a:prstGeom>
+          <a:noFill/>
+        </p:spPr>
+        <p:txBody>
+          <a:bodyPr wrap="square">
+            <a:spAutoFit/>
+          </a:bodyPr>
+          <a:lstStyle/>
+          <a:p>
+            <a:r>
+              <a:rPr lang="en-IN" sz="2400" dirty="0"/>
+              <a:t>The condition </a:t>
+            </a:r>
+            <a:r>
+              <a:rPr lang="en-IN" sz="2400" b="1" dirty="0"/>
+              <a:t>x &gt; 5 </a:t>
+            </a:r>
+            <a:r>
+              <a:rPr lang="en-IN" sz="2400" dirty="0"/>
+              <a:t>evaluates to </a:t>
+            </a:r>
+            <a:r>
+              <a:rPr lang="en-IN" sz="2400" b="1" dirty="0">
+                <a:solidFill>
+                  <a:srgbClr val="C00000"/>
+                </a:solidFill>
+              </a:rPr>
+              <a:t>False</a:t>
+            </a:r>
+            <a:r>
+              <a:rPr lang="en-IN" sz="2400" dirty="0"/>
+              <a:t>, so the else block is executed.</a:t>
+            </a:r>
           </a:p>
         </p:txBody>
       </p:sp>
     </p:spTree>
     <p:extLst>
       <p:ext uri="{BB962C8B-B14F-4D97-AF65-F5344CB8AC3E}">
-        <p14:creationId xmlns:p14="http://schemas.microsoft.com/office/powerpoint/2010/main" val="1644285666"/>
+        <p14:creationId xmlns:p14="http://schemas.microsoft.com/office/powerpoint/2010/main" val="3781957673"/>
       </p:ext>
     </p:extLst>
   </p:cSld>
